--- a/Sequence_Handling/DoesNaughtCompute_SeqHandling_Dec052016.pptx
+++ b/Sequence_Handling/DoesNaughtCompute_SeqHandling_Dec052016.pptx
@@ -5,47 +5,48 @@
     <p:sldMasterId id="2147483660" r:id="rId1"/>
   </p:sldMasterIdLst>
   <p:notesMasterIdLst>
-    <p:notesMasterId r:id="rId40"/>
+    <p:notesMasterId r:id="rId41"/>
   </p:notesMasterIdLst>
   <p:sldIdLst>
     <p:sldId id="256" r:id="rId2"/>
     <p:sldId id="308" r:id="rId3"/>
-    <p:sldId id="257" r:id="rId4"/>
-    <p:sldId id="283" r:id="rId5"/>
-    <p:sldId id="270" r:id="rId6"/>
-    <p:sldId id="294" r:id="rId7"/>
-    <p:sldId id="295" r:id="rId8"/>
-    <p:sldId id="292" r:id="rId9"/>
-    <p:sldId id="297" r:id="rId10"/>
-    <p:sldId id="301" r:id="rId11"/>
-    <p:sldId id="286" r:id="rId12"/>
-    <p:sldId id="302" r:id="rId13"/>
-    <p:sldId id="303" r:id="rId14"/>
-    <p:sldId id="287" r:id="rId15"/>
-    <p:sldId id="288" r:id="rId16"/>
-    <p:sldId id="304" r:id="rId17"/>
-    <p:sldId id="289" r:id="rId18"/>
-    <p:sldId id="305" r:id="rId19"/>
-    <p:sldId id="290" r:id="rId20"/>
-    <p:sldId id="306" r:id="rId21"/>
-    <p:sldId id="291" r:id="rId22"/>
-    <p:sldId id="307" r:id="rId23"/>
-    <p:sldId id="324" r:id="rId24"/>
-    <p:sldId id="323" r:id="rId25"/>
-    <p:sldId id="322" r:id="rId26"/>
-    <p:sldId id="321" r:id="rId27"/>
-    <p:sldId id="312" r:id="rId28"/>
-    <p:sldId id="320" r:id="rId29"/>
-    <p:sldId id="317" r:id="rId30"/>
-    <p:sldId id="316" r:id="rId31"/>
-    <p:sldId id="314" r:id="rId32"/>
-    <p:sldId id="318" r:id="rId33"/>
-    <p:sldId id="325" r:id="rId34"/>
-    <p:sldId id="319" r:id="rId35"/>
-    <p:sldId id="310" r:id="rId36"/>
-    <p:sldId id="326" r:id="rId37"/>
-    <p:sldId id="327" r:id="rId38"/>
-    <p:sldId id="328" r:id="rId39"/>
+    <p:sldId id="329" r:id="rId4"/>
+    <p:sldId id="257" r:id="rId5"/>
+    <p:sldId id="283" r:id="rId6"/>
+    <p:sldId id="270" r:id="rId7"/>
+    <p:sldId id="294" r:id="rId8"/>
+    <p:sldId id="295" r:id="rId9"/>
+    <p:sldId id="292" r:id="rId10"/>
+    <p:sldId id="297" r:id="rId11"/>
+    <p:sldId id="301" r:id="rId12"/>
+    <p:sldId id="286" r:id="rId13"/>
+    <p:sldId id="302" r:id="rId14"/>
+    <p:sldId id="303" r:id="rId15"/>
+    <p:sldId id="287" r:id="rId16"/>
+    <p:sldId id="288" r:id="rId17"/>
+    <p:sldId id="304" r:id="rId18"/>
+    <p:sldId id="289" r:id="rId19"/>
+    <p:sldId id="305" r:id="rId20"/>
+    <p:sldId id="290" r:id="rId21"/>
+    <p:sldId id="306" r:id="rId22"/>
+    <p:sldId id="291" r:id="rId23"/>
+    <p:sldId id="307" r:id="rId24"/>
+    <p:sldId id="324" r:id="rId25"/>
+    <p:sldId id="323" r:id="rId26"/>
+    <p:sldId id="322" r:id="rId27"/>
+    <p:sldId id="321" r:id="rId28"/>
+    <p:sldId id="312" r:id="rId29"/>
+    <p:sldId id="320" r:id="rId30"/>
+    <p:sldId id="317" r:id="rId31"/>
+    <p:sldId id="316" r:id="rId32"/>
+    <p:sldId id="314" r:id="rId33"/>
+    <p:sldId id="318" r:id="rId34"/>
+    <p:sldId id="325" r:id="rId35"/>
+    <p:sldId id="319" r:id="rId36"/>
+    <p:sldId id="310" r:id="rId37"/>
+    <p:sldId id="326" r:id="rId38"/>
+    <p:sldId id="327" r:id="rId39"/>
+    <p:sldId id="328" r:id="rId40"/>
   </p:sldIdLst>
   <p:sldSz cx="9144000" cy="6858000" type="screen4x3"/>
   <p:notesSz cx="6858000" cy="9144000"/>
@@ -578,7 +579,7 @@
           <a:p>
             <a:fld id="{D3E307E7-AE08-2C40-BD67-6375DADD02BF}" type="slidenum">
               <a:rPr lang="en-US" smtClean="0"/>
-              <a:t>20</a:t>
+              <a:t>21</a:t>
             </a:fld>
             <a:endParaRPr lang="en-US"/>
           </a:p>
@@ -662,7 +663,7 @@
           <a:p>
             <a:fld id="{D3E307E7-AE08-2C40-BD67-6375DADD02BF}" type="slidenum">
               <a:rPr lang="en-US" smtClean="0"/>
-              <a:t>21</a:t>
+              <a:t>22</a:t>
             </a:fld>
             <a:endParaRPr lang="en-US"/>
           </a:p>
@@ -775,7 +776,7 @@
           <a:p>
             <a:fld id="{D3E307E7-AE08-2C40-BD67-6375DADD02BF}" type="slidenum">
               <a:rPr lang="en-US" smtClean="0"/>
-              <a:t>22</a:t>
+              <a:t>23</a:t>
             </a:fld>
             <a:endParaRPr lang="en-US"/>
           </a:p>
@@ -888,7 +889,7 @@
           <a:p>
             <a:fld id="{D3E307E7-AE08-2C40-BD67-6375DADD02BF}" type="slidenum">
               <a:rPr lang="en-US" smtClean="0"/>
-              <a:t>23</a:t>
+              <a:t>24</a:t>
             </a:fld>
             <a:endParaRPr lang="en-US"/>
           </a:p>
@@ -1052,7 +1053,7 @@
           <a:p>
             <a:fld id="{D3E307E7-AE08-2C40-BD67-6375DADD02BF}" type="slidenum">
               <a:rPr lang="en-US" smtClean="0"/>
-              <a:t>24</a:t>
+              <a:t>25</a:t>
             </a:fld>
             <a:endParaRPr lang="en-US"/>
           </a:p>
@@ -1225,7 +1226,7 @@
           <a:p>
             <a:fld id="{D3E307E7-AE08-2C40-BD67-6375DADD02BF}" type="slidenum">
               <a:rPr lang="en-US" smtClean="0"/>
-              <a:t>25</a:t>
+              <a:t>26</a:t>
             </a:fld>
             <a:endParaRPr lang="en-US"/>
           </a:p>
@@ -1392,7 +1393,7 @@
           <a:p>
             <a:fld id="{D3E307E7-AE08-2C40-BD67-6375DADD02BF}" type="slidenum">
               <a:rPr lang="en-US" smtClean="0"/>
-              <a:t>28</a:t>
+              <a:t>29</a:t>
             </a:fld>
             <a:endParaRPr lang="en-US"/>
           </a:p>
@@ -1509,7 +1510,7 @@
           <a:p>
             <a:fld id="{D3E307E7-AE08-2C40-BD67-6375DADD02BF}" type="slidenum">
               <a:rPr lang="en-US" smtClean="0"/>
-              <a:t>29</a:t>
+              <a:t>30</a:t>
             </a:fld>
             <a:endParaRPr lang="en-US"/>
           </a:p>
@@ -4816,6 +4817,292 @@
               <a:buAutoNum type="arabicPeriod"/>
             </a:pPr>
             <a:r>
+              <a:rPr lang="en-US" sz="2000" dirty="0"/>
+              <a:t>Read </a:t>
+            </a:r>
+            <a:r>
+              <a:rPr lang="en-US" sz="2000" dirty="0" smtClean="0"/>
+              <a:t>depths </a:t>
+            </a:r>
+            <a:r>
+              <a:rPr lang="en-US" sz="2000" dirty="0"/>
+              <a:t>- Zip/Unzip/</a:t>
+            </a:r>
+            <a:r>
+              <a:rPr lang="en-US" sz="2000" dirty="0" err="1" smtClean="0"/>
+              <a:t>Grep</a:t>
+            </a:r>
+            <a:endParaRPr lang="en-US" sz="2000" dirty="0"/>
+          </a:p>
+          <a:p>
+            <a:pPr lvl="2">
+              <a:lnSpc>
+                <a:spcPct val="130000"/>
+              </a:lnSpc>
+            </a:pPr>
+            <a:r>
+              <a:rPr lang="en-US" sz="1800" dirty="0" smtClean="0"/>
+              <a:t>Calculates </a:t>
+            </a:r>
+            <a:r>
+              <a:rPr lang="en-US" sz="1800" dirty="0"/>
+              <a:t>the read depth </a:t>
+            </a:r>
+            <a:r>
+              <a:rPr lang="en-US" sz="1800" dirty="0" smtClean="0"/>
+              <a:t>for each sample, using </a:t>
+            </a:r>
+            <a:r>
+              <a:rPr lang="en-US" sz="1800" dirty="0"/>
+              <a:t>information from the </a:t>
+            </a:r>
+            <a:r>
+              <a:rPr lang="en-US" sz="1800" dirty="0" err="1"/>
+              <a:t>FastQC</a:t>
+            </a:r>
+            <a:r>
+              <a:rPr lang="en-US" sz="1800" dirty="0"/>
+              <a:t> files generated by the </a:t>
+            </a:r>
+            <a:r>
+              <a:rPr lang="en-US" sz="1800" dirty="0">
+                <a:hlinkClick r:id="rId2"/>
+              </a:rPr>
+              <a:t>Quality_Assessment</a:t>
+            </a:r>
+            <a:r>
+              <a:rPr lang="en-US" sz="1800" dirty="0"/>
+              <a:t> </a:t>
+            </a:r>
+            <a:r>
+              <a:rPr lang="en-US" sz="1800" dirty="0" smtClean="0"/>
+              <a:t>handler</a:t>
+            </a:r>
+          </a:p>
+          <a:p>
+            <a:pPr lvl="2">
+              <a:lnSpc>
+                <a:spcPct val="130000"/>
+              </a:lnSpc>
+            </a:pPr>
+            <a:endParaRPr lang="en-US" sz="1800" dirty="0" smtClean="0"/>
+          </a:p>
+          <a:p>
+            <a:pPr marL="502920" lvl="2" indent="0">
+              <a:lnSpc>
+                <a:spcPct val="130000"/>
+              </a:lnSpc>
+              <a:buNone/>
+            </a:pPr>
+            <a:r>
+              <a:rPr lang="en-US" sz="1800" dirty="0" smtClean="0"/>
+              <a:t>(# of reads x read length) / target size </a:t>
+            </a:r>
+          </a:p>
+          <a:p>
+            <a:pPr lvl="2">
+              <a:lnSpc>
+                <a:spcPct val="130000"/>
+              </a:lnSpc>
+            </a:pPr>
+            <a:endParaRPr lang="en-US" sz="1800" dirty="0"/>
+          </a:p>
+        </p:txBody>
+      </p:sp>
+      <p:pic>
+        <p:nvPicPr>
+          <p:cNvPr id="6" name="Picture 5"/>
+          <p:cNvPicPr>
+            <a:picLocks noChangeAspect="1"/>
+          </p:cNvPicPr>
+          <p:nvPr/>
+        </p:nvPicPr>
+        <p:blipFill>
+          <a:blip r:embed="rId3"/>
+          <a:stretch>
+            <a:fillRect/>
+          </a:stretch>
+        </p:blipFill>
+        <p:spPr>
+          <a:xfrm>
+            <a:off x="4988029" y="4414346"/>
+            <a:ext cx="3913995" cy="2244263"/>
+          </a:xfrm>
+          <a:prstGeom prst="rect">
+            <a:avLst/>
+          </a:prstGeom>
+        </p:spPr>
+      </p:pic>
+    </p:spTree>
+    <p:extLst>
+      <p:ext uri="{BB962C8B-B14F-4D97-AF65-F5344CB8AC3E}">
+        <p14:creationId xmlns:p14="http://schemas.microsoft.com/office/powerpoint/2010/main" val="1138769355"/>
+      </p:ext>
+    </p:extLst>
+  </p:cSld>
+  <p:clrMapOvr>
+    <a:masterClrMapping/>
+  </p:clrMapOvr>
+  <p:timing>
+    <p:tnLst>
+      <p:par>
+        <p:cTn xmlns:p14="http://schemas.microsoft.com/office/powerpoint/2010/main" id="1" dur="indefinite" restart="never" nodeType="tmRoot"/>
+      </p:par>
+    </p:tnLst>
+  </p:timing>
+</p:sld>
+</file>
+
+<file path=ppt/slides/slide11.xml><?xml version="1.0" encoding="utf-8"?>
+<p:sld xmlns:a="http://schemas.openxmlformats.org/drawingml/2006/main" xmlns:r="http://schemas.openxmlformats.org/officeDocument/2006/relationships" xmlns:p="http://schemas.openxmlformats.org/presentationml/2006/main">
+  <p:cSld>
+    <p:spTree>
+      <p:nvGrpSpPr>
+        <p:cNvPr id="1" name=""/>
+        <p:cNvGrpSpPr/>
+        <p:nvPr/>
+      </p:nvGrpSpPr>
+      <p:grpSpPr>
+        <a:xfrm>
+          <a:off x="0" y="0"/>
+          <a:ext cx="0" cy="0"/>
+          <a:chOff x="0" y="0"/>
+          <a:chExt cx="0" cy="0"/>
+        </a:xfrm>
+      </p:grpSpPr>
+      <p:sp>
+        <p:nvSpPr>
+          <p:cNvPr id="2" name="Title 1"/>
+          <p:cNvSpPr>
+            <a:spLocks noGrp="1"/>
+          </p:cNvSpPr>
+          <p:nvPr>
+            <p:ph type="title"/>
+          </p:nvPr>
+        </p:nvSpPr>
+        <p:spPr>
+          <a:xfrm>
+            <a:off x="914400" y="709115"/>
+            <a:ext cx="7315200" cy="1154097"/>
+          </a:xfrm>
+        </p:spPr>
+        <p:txBody>
+          <a:bodyPr/>
+          <a:lstStyle/>
+          <a:p>
+            <a:r>
+              <a:rPr lang="en-US" dirty="0"/>
+              <a:t>sequence_handling handlers</a:t>
+            </a:r>
+          </a:p>
+        </p:txBody>
+      </p:sp>
+      <p:sp>
+        <p:nvSpPr>
+          <p:cNvPr id="3" name="Content Placeholder 2"/>
+          <p:cNvSpPr>
+            <a:spLocks noGrp="1"/>
+          </p:cNvSpPr>
+          <p:nvPr>
+            <p:ph idx="1"/>
+          </p:nvPr>
+        </p:nvSpPr>
+        <p:spPr>
+          <a:xfrm>
+            <a:off x="183799" y="2527933"/>
+            <a:ext cx="8581829" cy="3539527"/>
+          </a:xfrm>
+        </p:spPr>
+        <p:txBody>
+          <a:bodyPr>
+            <a:noAutofit/>
+          </a:bodyPr>
+          <a:lstStyle/>
+          <a:p>
+            <a:pPr marL="777240" lvl="1" indent="-457200">
+              <a:lnSpc>
+                <a:spcPct val="130000"/>
+              </a:lnSpc>
+              <a:buFont typeface="+mj-lt"/>
+              <a:buAutoNum type="arabicPeriod"/>
+            </a:pPr>
+            <a:r>
+              <a:rPr lang="en-US" sz="2000" dirty="0" smtClean="0">
+                <a:solidFill>
+                  <a:schemeClr val="bg2">
+                    <a:lumMod val="75000"/>
+                    <a:lumOff val="25000"/>
+                  </a:schemeClr>
+                </a:solidFill>
+              </a:rPr>
+              <a:t>Quality </a:t>
+            </a:r>
+            <a:r>
+              <a:rPr lang="en-US" sz="2000" dirty="0">
+                <a:solidFill>
+                  <a:schemeClr val="bg2">
+                    <a:lumMod val="75000"/>
+                    <a:lumOff val="25000"/>
+                  </a:schemeClr>
+                </a:solidFill>
+              </a:rPr>
+              <a:t>Assessment</a:t>
+            </a:r>
+            <a:r>
+              <a:rPr lang="en-US" sz="2000" dirty="0"/>
+              <a:t> </a:t>
+            </a:r>
+            <a:r>
+              <a:rPr lang="en-US" sz="2000" dirty="0" smtClean="0">
+                <a:solidFill>
+                  <a:schemeClr val="bg2">
+                    <a:lumMod val="75000"/>
+                    <a:lumOff val="25000"/>
+                  </a:schemeClr>
+                </a:solidFill>
+              </a:rPr>
+              <a:t>- </a:t>
+            </a:r>
+            <a:r>
+              <a:rPr lang="en-US" sz="2000" dirty="0" err="1" smtClean="0">
+                <a:solidFill>
+                  <a:schemeClr val="bg2">
+                    <a:lumMod val="75000"/>
+                    <a:lumOff val="25000"/>
+                  </a:schemeClr>
+                </a:solidFill>
+              </a:rPr>
+              <a:t>FastQC</a:t>
+            </a:r>
+            <a:r>
+              <a:rPr lang="en-US" sz="2000" dirty="0" smtClean="0">
+                <a:solidFill>
+                  <a:schemeClr val="bg2">
+                    <a:lumMod val="75000"/>
+                    <a:lumOff val="25000"/>
+                  </a:schemeClr>
+                </a:solidFill>
+              </a:rPr>
+              <a:t> </a:t>
+            </a:r>
+            <a:endParaRPr lang="en-US" sz="1600" dirty="0">
+              <a:solidFill>
+                <a:schemeClr val="bg2">
+                  <a:lumMod val="75000"/>
+                  <a:lumOff val="25000"/>
+                </a:schemeClr>
+              </a:solidFill>
+            </a:endParaRPr>
+          </a:p>
+          <a:p>
+            <a:pPr marL="777240" lvl="1" indent="-457200">
+              <a:lnSpc>
+                <a:spcPct val="130000"/>
+              </a:lnSpc>
+              <a:buFont typeface="+mj-lt"/>
+              <a:buAutoNum type="arabicPeriod"/>
+            </a:pPr>
+            <a:r>
               <a:rPr lang="en-US" sz="2000" dirty="0" smtClean="0"/>
               <a:t>Read depths </a:t>
             </a:r>
@@ -4951,265 +5238,6 @@
 </p:sld>
 </file>
 
-<file path=ppt/slides/slide11.xml><?xml version="1.0" encoding="utf-8"?>
-<p:sld xmlns:a="http://schemas.openxmlformats.org/drawingml/2006/main" xmlns:r="http://schemas.openxmlformats.org/officeDocument/2006/relationships" xmlns:p="http://schemas.openxmlformats.org/presentationml/2006/main">
-  <p:cSld>
-    <p:spTree>
-      <p:nvGrpSpPr>
-        <p:cNvPr id="1" name=""/>
-        <p:cNvGrpSpPr/>
-        <p:nvPr/>
-      </p:nvGrpSpPr>
-      <p:grpSpPr>
-        <a:xfrm>
-          <a:off x="0" y="0"/>
-          <a:ext cx="0" cy="0"/>
-          <a:chOff x="0" y="0"/>
-          <a:chExt cx="0" cy="0"/>
-        </a:xfrm>
-      </p:grpSpPr>
-      <p:sp>
-        <p:nvSpPr>
-          <p:cNvPr id="2" name="Title 1"/>
-          <p:cNvSpPr>
-            <a:spLocks noGrp="1"/>
-          </p:cNvSpPr>
-          <p:nvPr>
-            <p:ph type="title"/>
-          </p:nvPr>
-        </p:nvSpPr>
-        <p:spPr>
-          <a:xfrm>
-            <a:off x="914400" y="709115"/>
-            <a:ext cx="7315200" cy="1154097"/>
-          </a:xfrm>
-        </p:spPr>
-        <p:txBody>
-          <a:bodyPr/>
-          <a:lstStyle/>
-          <a:p>
-            <a:r>
-              <a:rPr lang="en-US" dirty="0"/>
-              <a:t>sequence_handling handlers</a:t>
-            </a:r>
-          </a:p>
-        </p:txBody>
-      </p:sp>
-      <p:sp>
-        <p:nvSpPr>
-          <p:cNvPr id="3" name="Content Placeholder 2"/>
-          <p:cNvSpPr>
-            <a:spLocks noGrp="1"/>
-          </p:cNvSpPr>
-          <p:nvPr>
-            <p:ph idx="1"/>
-          </p:nvPr>
-        </p:nvSpPr>
-        <p:spPr>
-          <a:xfrm>
-            <a:off x="183799" y="2527933"/>
-            <a:ext cx="9044868" cy="3539527"/>
-          </a:xfrm>
-        </p:spPr>
-        <p:txBody>
-          <a:bodyPr>
-            <a:noAutofit/>
-          </a:bodyPr>
-          <a:lstStyle/>
-          <a:p>
-            <a:pPr marL="777240" lvl="1" indent="-457200">
-              <a:lnSpc>
-                <a:spcPct val="130000"/>
-              </a:lnSpc>
-              <a:buFont typeface="+mj-lt"/>
-              <a:buAutoNum type="arabicPeriod"/>
-            </a:pPr>
-            <a:r>
-              <a:rPr lang="en-US" sz="2000" dirty="0" smtClean="0">
-                <a:solidFill>
-                  <a:schemeClr val="bg2">
-                    <a:lumMod val="75000"/>
-                    <a:lumOff val="25000"/>
-                  </a:schemeClr>
-                </a:solidFill>
-              </a:rPr>
-              <a:t>Quality </a:t>
-            </a:r>
-            <a:r>
-              <a:rPr lang="en-US" sz="2000" dirty="0">
-                <a:solidFill>
-                  <a:schemeClr val="bg2">
-                    <a:lumMod val="75000"/>
-                    <a:lumOff val="25000"/>
-                  </a:schemeClr>
-                </a:solidFill>
-              </a:rPr>
-              <a:t>Assessment</a:t>
-            </a:r>
-            <a:r>
-              <a:rPr lang="en-US" sz="2000" dirty="0"/>
-              <a:t> </a:t>
-            </a:r>
-            <a:r>
-              <a:rPr lang="en-US" sz="2000" dirty="0" smtClean="0">
-                <a:solidFill>
-                  <a:schemeClr val="bg2">
-                    <a:lumMod val="75000"/>
-                    <a:lumOff val="25000"/>
-                  </a:schemeClr>
-                </a:solidFill>
-              </a:rPr>
-              <a:t>- </a:t>
-            </a:r>
-            <a:r>
-              <a:rPr lang="en-US" sz="2000" dirty="0" err="1" smtClean="0">
-                <a:solidFill>
-                  <a:schemeClr val="bg2">
-                    <a:lumMod val="75000"/>
-                    <a:lumOff val="25000"/>
-                  </a:schemeClr>
-                </a:solidFill>
-              </a:rPr>
-              <a:t>FastQC</a:t>
-            </a:r>
-            <a:r>
-              <a:rPr lang="en-US" sz="2000" dirty="0" smtClean="0">
-                <a:solidFill>
-                  <a:schemeClr val="bg2">
-                    <a:lumMod val="75000"/>
-                    <a:lumOff val="25000"/>
-                  </a:schemeClr>
-                </a:solidFill>
-              </a:rPr>
-              <a:t> </a:t>
-            </a:r>
-            <a:endParaRPr lang="en-US" sz="1600" dirty="0">
-              <a:solidFill>
-                <a:schemeClr val="bg2">
-                  <a:lumMod val="75000"/>
-                  <a:lumOff val="25000"/>
-                </a:schemeClr>
-              </a:solidFill>
-            </a:endParaRPr>
-          </a:p>
-          <a:p>
-            <a:pPr marL="777240" lvl="1" indent="-457200">
-              <a:lnSpc>
-                <a:spcPct val="130000"/>
-              </a:lnSpc>
-              <a:buFont typeface="+mj-lt"/>
-              <a:buAutoNum type="arabicPeriod"/>
-            </a:pPr>
-            <a:r>
-              <a:rPr lang="en-US" sz="2000" dirty="0" smtClean="0">
-                <a:solidFill>
-                  <a:schemeClr val="bg2">
-                    <a:lumMod val="75000"/>
-                    <a:lumOff val="25000"/>
-                  </a:schemeClr>
-                </a:solidFill>
-              </a:rPr>
-              <a:t>Read depths </a:t>
-            </a:r>
-            <a:r>
-              <a:rPr lang="en-US" sz="2000" dirty="0">
-                <a:solidFill>
-                  <a:schemeClr val="bg2">
-                    <a:lumMod val="75000"/>
-                    <a:lumOff val="25000"/>
-                  </a:schemeClr>
-                </a:solidFill>
-              </a:rPr>
-              <a:t>- </a:t>
-            </a:r>
-            <a:r>
-              <a:rPr lang="en-US" sz="2000" dirty="0">
-                <a:solidFill>
-                  <a:schemeClr val="bg2">
-                    <a:lumMod val="75000"/>
-                    <a:lumOff val="25000"/>
-                  </a:schemeClr>
-                </a:solidFill>
-              </a:rPr>
-              <a:t>Zip/Unzip/</a:t>
-            </a:r>
-            <a:r>
-              <a:rPr lang="en-US" sz="2000" dirty="0" err="1">
-                <a:solidFill>
-                  <a:schemeClr val="bg2">
-                    <a:lumMod val="75000"/>
-                    <a:lumOff val="25000"/>
-                  </a:schemeClr>
-                </a:solidFill>
-              </a:rPr>
-              <a:t>Grep</a:t>
-            </a:r>
-            <a:endParaRPr lang="en-US" sz="2000" dirty="0">
-              <a:solidFill>
-                <a:schemeClr val="bg2">
-                  <a:lumMod val="75000"/>
-                  <a:lumOff val="25000"/>
-                </a:schemeClr>
-              </a:solidFill>
-            </a:endParaRPr>
-          </a:p>
-          <a:p>
-            <a:pPr marL="777240" lvl="1" indent="-457200">
-              <a:lnSpc>
-                <a:spcPct val="130000"/>
-              </a:lnSpc>
-              <a:buFont typeface="+mj-lt"/>
-              <a:buAutoNum type="arabicPeriod"/>
-            </a:pPr>
-            <a:r>
-              <a:rPr lang="en-US" sz="2000" dirty="0" smtClean="0"/>
-              <a:t>Adapter </a:t>
-            </a:r>
-            <a:r>
-              <a:rPr lang="en-US" sz="2000" dirty="0"/>
-              <a:t>trimming </a:t>
-            </a:r>
-            <a:r>
-              <a:rPr lang="en-US" sz="2000" dirty="0" smtClean="0"/>
-              <a:t>- Scythe </a:t>
-            </a:r>
-            <a:endParaRPr lang="en-US" dirty="0">
-              <a:solidFill>
-                <a:srgbClr val="F9BE92"/>
-              </a:solidFill>
-            </a:endParaRPr>
-          </a:p>
-          <a:p>
-            <a:pPr marL="45720" indent="0" algn="ctr">
-              <a:lnSpc>
-                <a:spcPct val="130000"/>
-              </a:lnSpc>
-              <a:buNone/>
-            </a:pPr>
-            <a:endParaRPr lang="en-US" sz="2800" b="1" dirty="0"/>
-          </a:p>
-        </p:txBody>
-      </p:sp>
-    </p:spTree>
-    <p:extLst>
-      <p:ext uri="{BB962C8B-B14F-4D97-AF65-F5344CB8AC3E}">
-        <p14:creationId xmlns:p14="http://schemas.microsoft.com/office/powerpoint/2010/main" val="387336463"/>
-      </p:ext>
-    </p:extLst>
-  </p:cSld>
-  <p:clrMapOvr>
-    <a:masterClrMapping/>
-  </p:clrMapOvr>
-  <p:timing>
-    <p:tnLst>
-      <p:par>
-        <p:cTn xmlns:p14="http://schemas.microsoft.com/office/powerpoint/2010/main" id="1" dur="indefinite" restart="never" nodeType="tmRoot"/>
-      </p:par>
-    </p:tnLst>
-  </p:timing>
-</p:sld>
-</file>
-
 <file path=ppt/slides/slide12.xml><?xml version="1.0" encoding="utf-8"?>
 <p:sld xmlns:a="http://schemas.openxmlformats.org/drawingml/2006/main" xmlns:r="http://schemas.openxmlformats.org/officeDocument/2006/relationships" xmlns:p="http://schemas.openxmlformats.org/presentationml/2006/main">
   <p:cSld>
@@ -5360,6 +5388,17 @@
               <a:buAutoNum type="arabicPeriod"/>
             </a:pPr>
             <a:r>
+              <a:rPr lang="en-US" sz="2000" dirty="0" smtClean="0">
+                <a:solidFill>
+                  <a:schemeClr val="bg2">
+                    <a:lumMod val="75000"/>
+                    <a:lumOff val="25000"/>
+                  </a:schemeClr>
+                </a:solidFill>
+              </a:rPr>
+              <a:t>Read depths </a:t>
+            </a:r>
+            <a:r>
               <a:rPr lang="en-US" sz="2000" dirty="0">
                 <a:solidFill>
                   <a:schemeClr val="bg2">
@@ -5368,18 +5407,7 @@
                   </a:schemeClr>
                 </a:solidFill>
               </a:rPr>
-              <a:t>Read </a:t>
-            </a:r>
-            <a:r>
-              <a:rPr lang="en-US" sz="2000" dirty="0" smtClean="0">
-                <a:solidFill>
-                  <a:schemeClr val="bg2">
-                    <a:lumMod val="75000"/>
-                    <a:lumOff val="25000"/>
-                  </a:schemeClr>
-                </a:solidFill>
-              </a:rPr>
-              <a:t>depths </a:t>
+              <a:t>- </a:t>
             </a:r>
             <a:r>
               <a:rPr lang="en-US" sz="2000" dirty="0">
@@ -5390,21 +5418,10 @@
                   </a:schemeClr>
                 </a:solidFill>
               </a:rPr>
-              <a:t>- </a:t>
-            </a:r>
-            <a:r>
-              <a:rPr lang="en-US" sz="2000" dirty="0">
-                <a:solidFill>
-                  <a:schemeClr val="bg2">
-                    <a:lumMod val="75000"/>
-                    <a:lumOff val="25000"/>
-                  </a:schemeClr>
-                </a:solidFill>
-              </a:rPr>
               <a:t>Zip/Unzip/</a:t>
             </a:r>
             <a:r>
-              <a:rPr lang="en-US" sz="2000" dirty="0" err="1" smtClean="0">
+              <a:rPr lang="en-US" sz="2000" dirty="0" err="1">
                 <a:solidFill>
                   <a:schemeClr val="bg2">
                     <a:lumMod val="75000"/>
@@ -5443,28 +5460,6 @@
               <a:rPr lang="en-US" sz="2000" dirty="0" smtClean="0"/>
               <a:t>- Scythe </a:t>
             </a:r>
-          </a:p>
-          <a:p>
-            <a:pPr lvl="2">
-              <a:lnSpc>
-                <a:spcPct val="150000"/>
-              </a:lnSpc>
-            </a:pPr>
-            <a:r>
-              <a:rPr lang="en-US" dirty="0" smtClean="0"/>
-              <a:t>Removes </a:t>
-            </a:r>
-            <a:r>
-              <a:rPr lang="en-US" dirty="0"/>
-              <a:t>adapter sequences off of sample reads</a:t>
-            </a:r>
-          </a:p>
-          <a:p>
-            <a:pPr lvl="2">
-              <a:lnSpc>
-                <a:spcPct val="130000"/>
-              </a:lnSpc>
-            </a:pPr>
             <a:endParaRPr lang="en-US" dirty="0">
               <a:solidFill>
                 <a:srgbClr val="F9BE92"/>
@@ -5485,7 +5480,7 @@
     </p:spTree>
     <p:extLst>
       <p:ext uri="{BB962C8B-B14F-4D97-AF65-F5344CB8AC3E}">
-        <p14:creationId xmlns:p14="http://schemas.microsoft.com/office/powerpoint/2010/main" val="466813965"/>
+        <p14:creationId xmlns:p14="http://schemas.microsoft.com/office/powerpoint/2010/main" val="387336463"/>
       </p:ext>
     </p:extLst>
   </p:cSld>
@@ -5634,6 +5629,14 @@
               </a:rPr>
               <a:t> </a:t>
             </a:r>
+            <a:endParaRPr lang="en-US" sz="1600" dirty="0">
+              <a:solidFill>
+                <a:schemeClr val="bg2">
+                  <a:lumMod val="75000"/>
+                  <a:lumOff val="25000"/>
+                </a:schemeClr>
+              </a:solidFill>
+            </a:endParaRPr>
           </a:p>
           <a:p>
             <a:pPr marL="777240" lvl="1" indent="-457200">
@@ -5688,7 +5691,7 @@
               <a:t>Zip/Unzip/</a:t>
             </a:r>
             <a:r>
-              <a:rPr lang="en-US" sz="2000" dirty="0" err="1">
+              <a:rPr lang="en-US" sz="2000" dirty="0" err="1" smtClean="0">
                 <a:solidFill>
                   <a:schemeClr val="bg2">
                     <a:lumMod val="75000"/>
@@ -5716,79 +5719,52 @@
               <a:buAutoNum type="arabicPeriod"/>
             </a:pPr>
             <a:r>
-              <a:rPr lang="en-US" sz="2000" dirty="0" smtClean="0">
-                <a:solidFill>
-                  <a:schemeClr val="bg2">
-                    <a:lumMod val="75000"/>
-                    <a:lumOff val="25000"/>
-                  </a:schemeClr>
-                </a:solidFill>
-              </a:rPr>
+              <a:rPr lang="en-US" sz="2000" dirty="0" smtClean="0"/>
               <a:t>Adapter </a:t>
             </a:r>
             <a:r>
-              <a:rPr lang="en-US" sz="2000" dirty="0">
-                <a:solidFill>
-                  <a:schemeClr val="bg2">
-                    <a:lumMod val="75000"/>
-                    <a:lumOff val="25000"/>
-                  </a:schemeClr>
-                </a:solidFill>
-              </a:rPr>
+              <a:rPr lang="en-US" sz="2000" dirty="0"/>
               <a:t>trimming </a:t>
             </a:r>
             <a:r>
-              <a:rPr lang="en-US" sz="2000" dirty="0" smtClean="0">
-                <a:solidFill>
-                  <a:schemeClr val="bg2">
-                    <a:lumMod val="75000"/>
-                    <a:lumOff val="25000"/>
-                  </a:schemeClr>
-                </a:solidFill>
-              </a:rPr>
+              <a:rPr lang="en-US" sz="2000" dirty="0" smtClean="0"/>
               <a:t>- Scythe </a:t>
             </a:r>
-            <a:endParaRPr lang="en-US" dirty="0">
-              <a:solidFill>
-                <a:schemeClr val="bg2">
-                  <a:lumMod val="75000"/>
-                  <a:lumOff val="25000"/>
-                </a:schemeClr>
-              </a:solidFill>
-            </a:endParaRPr>
-          </a:p>
-          <a:p>
-            <a:pPr marL="777240" lvl="1" indent="-457200">
+          </a:p>
+          <a:p>
+            <a:pPr lvl="2">
+              <a:lnSpc>
+                <a:spcPct val="150000"/>
+              </a:lnSpc>
+            </a:pPr>
+            <a:r>
+              <a:rPr lang="en-US" dirty="0" smtClean="0"/>
+              <a:t>Removes </a:t>
+            </a:r>
+            <a:r>
+              <a:rPr lang="en-US" dirty="0"/>
+              <a:t>adapter sequences off of sample reads</a:t>
+            </a:r>
+          </a:p>
+          <a:p>
+            <a:pPr lvl="2">
               <a:lnSpc>
                 <a:spcPct val="130000"/>
               </a:lnSpc>
-              <a:buFont typeface="+mj-lt"/>
-              <a:buAutoNum type="arabicPeriod"/>
-            </a:pPr>
-            <a:r>
-              <a:rPr lang="en-US" sz="2000" dirty="0" smtClean="0"/>
-              <a:t>Quality </a:t>
-            </a:r>
-            <a:r>
-              <a:rPr lang="en-US" sz="2000" dirty="0"/>
-              <a:t>trimming </a:t>
-            </a:r>
-            <a:r>
-              <a:rPr lang="en-US" sz="2000" dirty="0" smtClean="0"/>
-              <a:t>- </a:t>
-            </a:r>
-            <a:r>
-              <a:rPr lang="en-US" sz="2000" dirty="0"/>
-              <a:t>Sickle/ </a:t>
-            </a:r>
-            <a:r>
-              <a:rPr lang="en-US" sz="2000" dirty="0" err="1"/>
-              <a:t>Seqqs</a:t>
-            </a:r>
-            <a:r>
-              <a:rPr lang="en-US" sz="2000" dirty="0"/>
-              <a:t> </a:t>
-            </a:r>
+            </a:pPr>
+            <a:endParaRPr lang="en-US" dirty="0">
+              <a:solidFill>
+                <a:srgbClr val="F9BE92"/>
+              </a:solidFill>
+            </a:endParaRPr>
+          </a:p>
+          <a:p>
+            <a:pPr marL="45720" indent="0" algn="ctr">
+              <a:lnSpc>
+                <a:spcPct val="130000"/>
+              </a:lnSpc>
+              <a:buNone/>
+            </a:pPr>
             <a:endParaRPr lang="en-US" sz="2800" b="1" dirty="0"/>
           </a:p>
         </p:txBody>
@@ -5796,7 +5772,7 @@
     </p:spTree>
     <p:extLst>
       <p:ext uri="{BB962C8B-B14F-4D97-AF65-F5344CB8AC3E}">
-        <p14:creationId xmlns:p14="http://schemas.microsoft.com/office/powerpoint/2010/main" val="448945517"/>
+        <p14:creationId xmlns:p14="http://schemas.microsoft.com/office/powerpoint/2010/main" val="466813965"/>
       </p:ext>
     </p:extLst>
   </p:cSld>
@@ -5870,7 +5846,7 @@
         <p:spPr>
           <a:xfrm>
             <a:off x="183799" y="2527933"/>
-            <a:ext cx="8665911" cy="3883377"/>
+            <a:ext cx="9044868" cy="3539527"/>
           </a:xfrm>
         </p:spPr>
         <p:txBody>
@@ -5988,6 +5964,17 @@
               <a:t>- </a:t>
             </a:r>
             <a:r>
+              <a:rPr lang="en-US" sz="2000" dirty="0">
+                <a:solidFill>
+                  <a:schemeClr val="bg2">
+                    <a:lumMod val="75000"/>
+                    <a:lumOff val="25000"/>
+                  </a:schemeClr>
+                </a:solidFill>
+              </a:rPr>
+              <a:t>Zip/Unzip/</a:t>
+            </a:r>
+            <a:r>
               <a:rPr lang="en-US" sz="2000" dirty="0" err="1">
                 <a:solidFill>
                   <a:schemeClr val="bg2">
@@ -5996,7 +5983,7 @@
                   </a:schemeClr>
                 </a:solidFill>
               </a:rPr>
-              <a:t>Bioawk</a:t>
+              <a:t>Grep</a:t>
             </a:r>
             <a:endParaRPr lang="en-US" sz="2000" dirty="0">
               <a:solidFill>
@@ -6075,102 +6062,28 @@
             </a:r>
             <a:r>
               <a:rPr lang="en-US" sz="2000" dirty="0" smtClean="0"/>
-              <a:t>- Sickle/ </a:t>
-            </a:r>
-            <a:r>
-              <a:rPr lang="en-US" sz="2000" dirty="0" err="1" smtClean="0"/>
+              <a:t>- </a:t>
+            </a:r>
+            <a:r>
+              <a:rPr lang="en-US" sz="2000" dirty="0"/>
+              <a:t>Sickle/ </a:t>
+            </a:r>
+            <a:r>
+              <a:rPr lang="en-US" sz="2000" dirty="0" err="1"/>
               <a:t>Seqqs</a:t>
             </a:r>
-            <a:endParaRPr lang="en-US" sz="2000" dirty="0" smtClean="0"/>
-          </a:p>
-          <a:p>
-            <a:pPr lvl="2">
-              <a:lnSpc>
-                <a:spcPct val="150000"/>
-              </a:lnSpc>
-            </a:pPr>
-            <a:r>
-              <a:rPr lang="en-US" sz="1800" dirty="0"/>
-              <a:t>Trims samples based on quality scores to remove low-quality regions.</a:t>
-            </a:r>
-          </a:p>
-          <a:p>
-            <a:pPr lvl="2">
-              <a:lnSpc>
-                <a:spcPct val="150000"/>
-              </a:lnSpc>
-            </a:pPr>
-            <a:r>
-              <a:rPr lang="en-US" sz="1800" dirty="0" smtClean="0">
-                <a:hlinkClick r:id="rId2"/>
-              </a:rPr>
-              <a:t>Sickle</a:t>
-            </a:r>
-            <a:r>
-              <a:rPr lang="en-US" sz="1800" dirty="0" smtClean="0"/>
-              <a:t> performs the </a:t>
-            </a:r>
-            <a:r>
-              <a:rPr lang="en-US" sz="1800" dirty="0"/>
-              <a:t>trimming and </a:t>
-            </a:r>
-            <a:r>
-              <a:rPr lang="en-US" sz="1800" dirty="0">
-                <a:hlinkClick r:id="rId3"/>
-              </a:rPr>
-              <a:t>Seqqs</a:t>
-            </a:r>
-            <a:r>
-              <a:rPr lang="en-US" sz="1800" dirty="0"/>
+            <a:r>
+              <a:rPr lang="en-US" sz="2000" dirty="0"/>
               <a:t> </a:t>
             </a:r>
-            <a:r>
-              <a:rPr lang="en-US" sz="1800" dirty="0" smtClean="0"/>
-              <a:t>generates </a:t>
-            </a:r>
-            <a:r>
-              <a:rPr lang="en-US" sz="1800" dirty="0"/>
-              <a:t>trimming </a:t>
-            </a:r>
-            <a:r>
-              <a:rPr lang="en-US" sz="1800" dirty="0" smtClean="0"/>
-              <a:t>statistics</a:t>
-            </a:r>
-          </a:p>
-          <a:p>
-            <a:pPr lvl="2">
-              <a:lnSpc>
-                <a:spcPct val="150000"/>
-              </a:lnSpc>
-            </a:pPr>
-            <a:r>
-              <a:rPr lang="en-US" sz="1800" dirty="0" smtClean="0"/>
-              <a:t>Works on single and paired-end data</a:t>
-            </a:r>
-            <a:endParaRPr lang="en-US" sz="1800" dirty="0"/>
-          </a:p>
-          <a:p>
-            <a:pPr lvl="2">
-              <a:lnSpc>
-                <a:spcPct val="150000"/>
-              </a:lnSpc>
-            </a:pPr>
-            <a:endParaRPr lang="en-US" sz="1800" dirty="0"/>
-          </a:p>
-          <a:p>
-            <a:pPr lvl="2">
-              <a:lnSpc>
-                <a:spcPct val="150000"/>
-              </a:lnSpc>
-            </a:pPr>
-            <a:endParaRPr lang="en-US" sz="2600" b="1" dirty="0"/>
+            <a:endParaRPr lang="en-US" sz="2800" b="1" dirty="0"/>
           </a:p>
         </p:txBody>
       </p:sp>
     </p:spTree>
     <p:extLst>
       <p:ext uri="{BB962C8B-B14F-4D97-AF65-F5344CB8AC3E}">
-        <p14:creationId xmlns:p14="http://schemas.microsoft.com/office/powerpoint/2010/main" val="940999584"/>
+        <p14:creationId xmlns:p14="http://schemas.microsoft.com/office/powerpoint/2010/main" val="448945517"/>
       </p:ext>
     </p:extLst>
   </p:cSld>
@@ -6244,7 +6157,7 @@
         <p:spPr>
           <a:xfrm>
             <a:off x="183799" y="2527933"/>
-            <a:ext cx="9044868" cy="3539527"/>
+            <a:ext cx="8665911" cy="3883377"/>
           </a:xfrm>
         </p:spPr>
         <p:txBody>
@@ -6318,6 +6231,109 @@
                 </a:solidFill>
               </a:rPr>
               <a:t> </a:t>
+            </a:r>
+          </a:p>
+          <a:p>
+            <a:pPr marL="777240" lvl="1" indent="-457200">
+              <a:lnSpc>
+                <a:spcPct val="130000"/>
+              </a:lnSpc>
+              <a:buFont typeface="+mj-lt"/>
+              <a:buAutoNum type="arabicPeriod"/>
+            </a:pPr>
+            <a:r>
+              <a:rPr lang="en-US" sz="2000" dirty="0">
+                <a:solidFill>
+                  <a:schemeClr val="bg2">
+                    <a:lumMod val="75000"/>
+                    <a:lumOff val="25000"/>
+                  </a:schemeClr>
+                </a:solidFill>
+              </a:rPr>
+              <a:t>Read </a:t>
+            </a:r>
+            <a:r>
+              <a:rPr lang="en-US" sz="2000" dirty="0" smtClean="0">
+                <a:solidFill>
+                  <a:schemeClr val="bg2">
+                    <a:lumMod val="75000"/>
+                    <a:lumOff val="25000"/>
+                  </a:schemeClr>
+                </a:solidFill>
+              </a:rPr>
+              <a:t>depths </a:t>
+            </a:r>
+            <a:r>
+              <a:rPr lang="en-US" sz="2000" dirty="0">
+                <a:solidFill>
+                  <a:schemeClr val="bg2">
+                    <a:lumMod val="75000"/>
+                    <a:lumOff val="25000"/>
+                  </a:schemeClr>
+                </a:solidFill>
+              </a:rPr>
+              <a:t>- </a:t>
+            </a:r>
+            <a:r>
+              <a:rPr lang="en-US" sz="2000" dirty="0" err="1">
+                <a:solidFill>
+                  <a:schemeClr val="bg2">
+                    <a:lumMod val="75000"/>
+                    <a:lumOff val="25000"/>
+                  </a:schemeClr>
+                </a:solidFill>
+              </a:rPr>
+              <a:t>Bioawk</a:t>
+            </a:r>
+            <a:endParaRPr lang="en-US" sz="2000" dirty="0">
+              <a:solidFill>
+                <a:schemeClr val="bg2">
+                  <a:lumMod val="75000"/>
+                  <a:lumOff val="25000"/>
+                </a:schemeClr>
+              </a:solidFill>
+            </a:endParaRPr>
+          </a:p>
+          <a:p>
+            <a:pPr marL="777240" lvl="1" indent="-457200">
+              <a:lnSpc>
+                <a:spcPct val="130000"/>
+              </a:lnSpc>
+              <a:buFont typeface="+mj-lt"/>
+              <a:buAutoNum type="arabicPeriod"/>
+            </a:pPr>
+            <a:r>
+              <a:rPr lang="en-US" sz="2000" dirty="0" smtClean="0">
+                <a:solidFill>
+                  <a:schemeClr val="bg2">
+                    <a:lumMod val="75000"/>
+                    <a:lumOff val="25000"/>
+                  </a:schemeClr>
+                </a:solidFill>
+              </a:rPr>
+              <a:t>Adapter </a:t>
+            </a:r>
+            <a:r>
+              <a:rPr lang="en-US" sz="2000" dirty="0">
+                <a:solidFill>
+                  <a:schemeClr val="bg2">
+                    <a:lumMod val="75000"/>
+                    <a:lumOff val="25000"/>
+                  </a:schemeClr>
+                </a:solidFill>
+              </a:rPr>
+              <a:t>trimming </a:t>
+            </a:r>
+            <a:r>
+              <a:rPr lang="en-US" sz="2000" dirty="0" smtClean="0">
+                <a:solidFill>
+                  <a:schemeClr val="bg2">
+                    <a:lumMod val="75000"/>
+                    <a:lumOff val="25000"/>
+                  </a:schemeClr>
+                </a:solidFill>
+              </a:rPr>
+              <a:t>- Scythe </a:t>
             </a:r>
             <a:endParaRPr lang="en-US" dirty="0">
               <a:solidFill>
@@ -6337,220 +6353,111 @@
               <a:buAutoNum type="arabicPeriod"/>
             </a:pPr>
             <a:r>
-              <a:rPr lang="en-US" sz="2000" dirty="0">
-                <a:solidFill>
-                  <a:schemeClr val="bg2">
-                    <a:lumMod val="75000"/>
-                    <a:lumOff val="25000"/>
-                  </a:schemeClr>
-                </a:solidFill>
-              </a:rPr>
-              <a:t>Read </a:t>
-            </a:r>
-            <a:r>
-              <a:rPr lang="en-US" sz="2000" dirty="0" smtClean="0">
-                <a:solidFill>
-                  <a:schemeClr val="bg2">
-                    <a:lumMod val="75000"/>
-                    <a:lumOff val="25000"/>
-                  </a:schemeClr>
-                </a:solidFill>
-              </a:rPr>
-              <a:t>depths </a:t>
-            </a:r>
-            <a:r>
-              <a:rPr lang="en-US" sz="2000" dirty="0">
-                <a:solidFill>
-                  <a:schemeClr val="bg2">
-                    <a:lumMod val="75000"/>
-                    <a:lumOff val="25000"/>
-                  </a:schemeClr>
-                </a:solidFill>
-              </a:rPr>
-              <a:t>- </a:t>
-            </a:r>
-            <a:r>
-              <a:rPr lang="en-US" sz="2000" dirty="0" err="1">
-                <a:solidFill>
-                  <a:schemeClr val="bg2">
-                    <a:lumMod val="75000"/>
-                    <a:lumOff val="25000"/>
-                  </a:schemeClr>
-                </a:solidFill>
-              </a:rPr>
-              <a:t>Bioawk</a:t>
-            </a:r>
-            <a:endParaRPr lang="en-US" sz="2000" dirty="0">
-              <a:solidFill>
-                <a:schemeClr val="bg2">
-                  <a:lumMod val="75000"/>
-                  <a:lumOff val="25000"/>
-                </a:schemeClr>
-              </a:solidFill>
-            </a:endParaRPr>
-          </a:p>
-          <a:p>
-            <a:pPr marL="777240" lvl="1" indent="-457200">
+              <a:rPr lang="en-US" sz="2000" dirty="0" smtClean="0"/>
+              <a:t>Quality </a:t>
+            </a:r>
+            <a:r>
+              <a:rPr lang="en-US" sz="2000" dirty="0"/>
+              <a:t>trimming </a:t>
+            </a:r>
+            <a:r>
+              <a:rPr lang="en-US" sz="2000" dirty="0" smtClean="0"/>
+              <a:t>- Sickle/ </a:t>
+            </a:r>
+            <a:r>
+              <a:rPr lang="en-US" sz="2000" dirty="0" err="1" smtClean="0"/>
+              <a:t>Seqqs</a:t>
+            </a:r>
+            <a:endParaRPr lang="en-US" sz="2000" dirty="0" smtClean="0"/>
+          </a:p>
+          <a:p>
+            <a:pPr lvl="2">
               <a:lnSpc>
-                <a:spcPct val="130000"/>
+                <a:spcPct val="150000"/>
               </a:lnSpc>
-              <a:buFont typeface="+mj-lt"/>
-              <a:buAutoNum type="arabicPeriod"/>
-            </a:pPr>
-            <a:r>
-              <a:rPr lang="en-US" sz="2000" dirty="0" smtClean="0">
-                <a:solidFill>
-                  <a:schemeClr val="bg2">
-                    <a:lumMod val="75000"/>
-                    <a:lumOff val="25000"/>
-                  </a:schemeClr>
-                </a:solidFill>
-              </a:rPr>
-              <a:t>Adapter </a:t>
-            </a:r>
-            <a:r>
-              <a:rPr lang="en-US" sz="2000" dirty="0">
-                <a:solidFill>
-                  <a:schemeClr val="bg2">
-                    <a:lumMod val="75000"/>
-                    <a:lumOff val="25000"/>
-                  </a:schemeClr>
-                </a:solidFill>
-              </a:rPr>
+            </a:pPr>
+            <a:r>
+              <a:rPr lang="en-US" sz="1800" dirty="0"/>
+              <a:t>Trims samples based on quality scores to remove low-quality regions.</a:t>
+            </a:r>
+          </a:p>
+          <a:p>
+            <a:pPr lvl="2">
+              <a:lnSpc>
+                <a:spcPct val="150000"/>
+              </a:lnSpc>
+            </a:pPr>
+            <a:r>
+              <a:rPr lang="en-US" sz="1800" dirty="0" smtClean="0">
+                <a:hlinkClick r:id="rId2"/>
+              </a:rPr>
+              <a:t>Sickle</a:t>
+            </a:r>
+            <a:r>
+              <a:rPr lang="en-US" sz="1800" dirty="0" smtClean="0"/>
+              <a:t> performs the </a:t>
+            </a:r>
+            <a:r>
+              <a:rPr lang="en-US" sz="1800" dirty="0"/>
+              <a:t>trimming and </a:t>
+            </a:r>
+            <a:r>
+              <a:rPr lang="en-US" sz="1800" dirty="0">
+                <a:hlinkClick r:id="rId3"/>
+              </a:rPr>
+              <a:t>Seqqs</a:t>
+            </a:r>
+            <a:r>
+              <a:rPr lang="en-US" sz="1800" dirty="0"/>
+              <a:t> </a:t>
+            </a:r>
+            <a:r>
+              <a:rPr lang="en-US" sz="1800" dirty="0" smtClean="0"/>
+              <a:t>generates </a:t>
+            </a:r>
+            <a:r>
+              <a:rPr lang="en-US" sz="1800" dirty="0"/>
               <a:t>trimming </a:t>
             </a:r>
             <a:r>
-              <a:rPr lang="en-US" sz="2000" dirty="0" smtClean="0">
-                <a:solidFill>
-                  <a:schemeClr val="bg2">
-                    <a:lumMod val="75000"/>
-                    <a:lumOff val="25000"/>
-                  </a:schemeClr>
-                </a:solidFill>
-              </a:rPr>
-              <a:t>- Scythe </a:t>
-            </a:r>
-          </a:p>
-          <a:p>
-            <a:pPr marL="777240" lvl="1" indent="-457200">
+              <a:rPr lang="en-US" sz="1800" dirty="0" smtClean="0"/>
+              <a:t>statistics</a:t>
+            </a:r>
+          </a:p>
+          <a:p>
+            <a:pPr lvl="2">
               <a:lnSpc>
-                <a:spcPct val="130000"/>
+                <a:spcPct val="150000"/>
               </a:lnSpc>
-              <a:buFont typeface="+mj-lt"/>
-              <a:buAutoNum type="arabicPeriod"/>
-            </a:pPr>
-            <a:r>
-              <a:rPr lang="en-US" sz="2000" dirty="0" smtClean="0">
-                <a:solidFill>
-                  <a:schemeClr val="bg2">
-                    <a:lumMod val="75000"/>
-                    <a:lumOff val="25000"/>
-                  </a:schemeClr>
-                </a:solidFill>
-              </a:rPr>
-              <a:t>Quality </a:t>
-            </a:r>
-            <a:r>
-              <a:rPr lang="en-US" sz="2000" dirty="0">
-                <a:solidFill>
-                  <a:schemeClr val="bg2">
-                    <a:lumMod val="75000"/>
-                    <a:lumOff val="25000"/>
-                  </a:schemeClr>
-                </a:solidFill>
-              </a:rPr>
-              <a:t>trimming </a:t>
-            </a:r>
-            <a:r>
-              <a:rPr lang="en-US" sz="2000" dirty="0" smtClean="0">
-                <a:solidFill>
-                  <a:schemeClr val="bg2">
-                    <a:lumMod val="75000"/>
-                    <a:lumOff val="25000"/>
-                  </a:schemeClr>
-                </a:solidFill>
-              </a:rPr>
-              <a:t>- </a:t>
-            </a:r>
-            <a:r>
-              <a:rPr lang="en-US" sz="2000" dirty="0">
-                <a:solidFill>
-                  <a:schemeClr val="bg2">
-                    <a:lumMod val="75000"/>
-                    <a:lumOff val="25000"/>
-                  </a:schemeClr>
-                </a:solidFill>
-              </a:rPr>
-              <a:t>Sickle/ </a:t>
-            </a:r>
-            <a:r>
-              <a:rPr lang="en-US" sz="2000" dirty="0" err="1" smtClean="0">
-                <a:solidFill>
-                  <a:schemeClr val="bg2">
-                    <a:lumMod val="75000"/>
-                    <a:lumOff val="25000"/>
-                  </a:schemeClr>
-                </a:solidFill>
-              </a:rPr>
-              <a:t>Seqqs</a:t>
-            </a:r>
-            <a:endParaRPr lang="en-US" sz="2000" dirty="0" smtClean="0">
-              <a:solidFill>
-                <a:schemeClr val="bg2">
-                  <a:lumMod val="75000"/>
-                  <a:lumOff val="25000"/>
-                </a:schemeClr>
-              </a:solidFill>
-            </a:endParaRPr>
-          </a:p>
-          <a:p>
-            <a:pPr marL="777240" lvl="1" indent="-457200">
+            </a:pPr>
+            <a:r>
+              <a:rPr lang="en-US" sz="1800" dirty="0" smtClean="0"/>
+              <a:t>Works on single and paired-end data</a:t>
+            </a:r>
+            <a:endParaRPr lang="en-US" sz="1800" dirty="0"/>
+          </a:p>
+          <a:p>
+            <a:pPr lvl="2">
               <a:lnSpc>
-                <a:spcPct val="130000"/>
+                <a:spcPct val="150000"/>
               </a:lnSpc>
-              <a:buFont typeface="+mj-lt"/>
-              <a:buAutoNum type="arabicPeriod"/>
-            </a:pPr>
-            <a:r>
-              <a:rPr lang="en-US" sz="2000" dirty="0" smtClean="0"/>
-              <a:t>Read </a:t>
-            </a:r>
-            <a:r>
-              <a:rPr lang="en-US" sz="2000" dirty="0"/>
-              <a:t>mapping </a:t>
-            </a:r>
-            <a:r>
-              <a:rPr lang="en-US" sz="2000" dirty="0" smtClean="0"/>
-              <a:t>- </a:t>
-            </a:r>
-            <a:r>
-              <a:rPr lang="en-US" sz="2000" dirty="0"/>
-              <a:t>BWA-</a:t>
-            </a:r>
-            <a:r>
-              <a:rPr lang="en-US" sz="2000" dirty="0" smtClean="0"/>
-              <a:t>MEM</a:t>
-            </a:r>
-            <a:r>
-              <a:rPr lang="en-US" sz="2000" dirty="0" smtClean="0">
-                <a:solidFill>
-                  <a:srgbClr val="F9BE92"/>
-                </a:solidFill>
-              </a:rPr>
-              <a:t> </a:t>
-            </a:r>
-            <a:endParaRPr lang="en-US" dirty="0" smtClean="0">
-              <a:solidFill>
-                <a:srgbClr val="F9BE92"/>
-              </a:solidFill>
-            </a:endParaRPr>
+            </a:pPr>
+            <a:endParaRPr lang="en-US" sz="1800" dirty="0"/>
+          </a:p>
+          <a:p>
+            <a:pPr lvl="2">
+              <a:lnSpc>
+                <a:spcPct val="150000"/>
+              </a:lnSpc>
+            </a:pPr>
+            <a:endParaRPr lang="en-US" sz="2600" b="1" dirty="0"/>
           </a:p>
         </p:txBody>
       </p:sp>
     </p:spTree>
     <p:extLst>
       <p:ext uri="{BB962C8B-B14F-4D97-AF65-F5344CB8AC3E}">
-        <p14:creationId xmlns:p14="http://schemas.microsoft.com/office/powerpoint/2010/main" val="1310431780"/>
+        <p14:creationId xmlns:p14="http://schemas.microsoft.com/office/powerpoint/2010/main" val="940999584"/>
       </p:ext>
     </p:extLst>
   </p:cSld>
@@ -6750,17 +6657,6 @@
               <a:t>- </a:t>
             </a:r>
             <a:r>
-              <a:rPr lang="en-US" sz="2000" dirty="0">
-                <a:solidFill>
-                  <a:schemeClr val="bg2">
-                    <a:lumMod val="75000"/>
-                    <a:lumOff val="25000"/>
-                  </a:schemeClr>
-                </a:solidFill>
-              </a:rPr>
-              <a:t>Zip/Unzip/</a:t>
-            </a:r>
-            <a:r>
               <a:rPr lang="en-US" sz="2000" dirty="0" err="1">
                 <a:solidFill>
                   <a:schemeClr val="bg2">
@@ -6769,7 +6665,7 @@
                   </a:schemeClr>
                 </a:solidFill>
               </a:rPr>
-              <a:t>Grep</a:t>
+              <a:t>Bioawk</a:t>
             </a:r>
             <a:endParaRPr lang="en-US" sz="2000" dirty="0">
               <a:solidFill>
@@ -6941,7 +6837,7 @@
     </p:spTree>
     <p:extLst>
       <p:ext uri="{BB962C8B-B14F-4D97-AF65-F5344CB8AC3E}">
-        <p14:creationId xmlns:p14="http://schemas.microsoft.com/office/powerpoint/2010/main" val="157062851"/>
+        <p14:creationId xmlns:p14="http://schemas.microsoft.com/office/powerpoint/2010/main" val="1310431780"/>
       </p:ext>
     </p:extLst>
   </p:cSld>
@@ -7032,6 +6928,17 @@
               <a:buAutoNum type="arabicPeriod"/>
             </a:pPr>
             <a:r>
+              <a:rPr lang="en-US" sz="2000" dirty="0" smtClean="0">
+                <a:solidFill>
+                  <a:schemeClr val="bg2">
+                    <a:lumMod val="75000"/>
+                    <a:lumOff val="25000"/>
+                  </a:schemeClr>
+                </a:solidFill>
+              </a:rPr>
+              <a:t>Quality </a:t>
+            </a:r>
+            <a:r>
               <a:rPr lang="en-US" sz="2000" dirty="0">
                 <a:solidFill>
                   <a:schemeClr val="bg2">
@@ -7040,7 +6947,7 @@
                   </a:schemeClr>
                 </a:solidFill>
               </a:rPr>
-              <a:t>Quality Assessment</a:t>
+              <a:t>Assessment</a:t>
             </a:r>
             <a:r>
               <a:rPr lang="en-US" sz="2000" dirty="0"/>
@@ -7058,7 +6965,7 @@
               <a:t>- </a:t>
             </a:r>
             <a:r>
-              <a:rPr lang="en-US" sz="2000" dirty="0" err="1">
+              <a:rPr lang="en-US" sz="2000" dirty="0" err="1" smtClean="0">
                 <a:solidFill>
                   <a:schemeClr val="bg2">
                     <a:lumMod val="75000"/>
@@ -7069,7 +6976,7 @@
               <a:t>FastQC</a:t>
             </a:r>
             <a:r>
-              <a:rPr lang="en-US" sz="2000" dirty="0">
+              <a:rPr lang="en-US" sz="2000" dirty="0" smtClean="0">
                 <a:solidFill>
                   <a:schemeClr val="bg2">
                     <a:lumMod val="75000"/>
@@ -7079,6 +6986,14 @@
               </a:rPr>
               <a:t> </a:t>
             </a:r>
+            <a:endParaRPr lang="en-US" dirty="0">
+              <a:solidFill>
+                <a:schemeClr val="bg2">
+                  <a:lumMod val="75000"/>
+                  <a:lumOff val="25000"/>
+                </a:schemeClr>
+              </a:solidFill>
+            </a:endParaRPr>
           </a:p>
           <a:p>
             <a:pPr marL="777240" lvl="1" indent="-457200">
@@ -7180,7 +7095,18 @@
                   </a:schemeClr>
                 </a:solidFill>
               </a:rPr>
-              <a:t>trimming - Scythe </a:t>
+              <a:t>trimming </a:t>
+            </a:r>
+            <a:r>
+              <a:rPr lang="en-US" sz="2000" dirty="0" smtClean="0">
+                <a:solidFill>
+                  <a:schemeClr val="bg2">
+                    <a:lumMod val="75000"/>
+                    <a:lumOff val="25000"/>
+                  </a:schemeClr>
+                </a:solidFill>
+              </a:rPr>
+              <a:t>- Scythe </a:t>
             </a:r>
           </a:p>
           <a:p>
@@ -7192,6 +7118,17 @@
               <a:buAutoNum type="arabicPeriod"/>
             </a:pPr>
             <a:r>
+              <a:rPr lang="en-US" sz="2000" dirty="0" smtClean="0">
+                <a:solidFill>
+                  <a:schemeClr val="bg2">
+                    <a:lumMod val="75000"/>
+                    <a:lumOff val="25000"/>
+                  </a:schemeClr>
+                </a:solidFill>
+              </a:rPr>
+              <a:t>Quality </a:t>
+            </a:r>
+            <a:r>
               <a:rPr lang="en-US" sz="2000" dirty="0">
                 <a:solidFill>
                   <a:schemeClr val="bg2">
@@ -7200,10 +7137,32 @@
                   </a:schemeClr>
                 </a:solidFill>
               </a:rPr>
-              <a:t>Quality trimming - Sickle/ </a:t>
-            </a:r>
-            <a:r>
-              <a:rPr lang="en-US" sz="2000" dirty="0" err="1">
+              <a:t>trimming </a:t>
+            </a:r>
+            <a:r>
+              <a:rPr lang="en-US" sz="2000" dirty="0" smtClean="0">
+                <a:solidFill>
+                  <a:schemeClr val="bg2">
+                    <a:lumMod val="75000"/>
+                    <a:lumOff val="25000"/>
+                  </a:schemeClr>
+                </a:solidFill>
+              </a:rPr>
+              <a:t>- </a:t>
+            </a:r>
+            <a:r>
+              <a:rPr lang="en-US" sz="2000" dirty="0">
+                <a:solidFill>
+                  <a:schemeClr val="bg2">
+                    <a:lumMod val="75000"/>
+                    <a:lumOff val="25000"/>
+                  </a:schemeClr>
+                </a:solidFill>
+              </a:rPr>
+              <a:t>Sickle/ </a:t>
+            </a:r>
+            <a:r>
+              <a:rPr lang="en-US" sz="2000" dirty="0" err="1" smtClean="0">
                 <a:solidFill>
                   <a:schemeClr val="bg2">
                     <a:lumMod val="75000"/>
@@ -7213,7 +7172,7 @@
               </a:rPr>
               <a:t>Seqqs</a:t>
             </a:r>
-            <a:endParaRPr lang="en-US" sz="2000" dirty="0">
+            <a:endParaRPr lang="en-US" sz="2000" dirty="0" smtClean="0">
               <a:solidFill>
                 <a:schemeClr val="bg2">
                   <a:lumMod val="75000"/>
@@ -7231,32 +7190,12 @@
               <a:buAutoNum type="arabicPeriod"/>
             </a:pPr>
             <a:r>
-              <a:rPr lang="en-US" sz="2000" dirty="0">
-                <a:solidFill>
-                  <a:schemeClr val="bg2">
-                    <a:lumMod val="75000"/>
-                    <a:lumOff val="25000"/>
-                  </a:schemeClr>
-                </a:solidFill>
-              </a:rPr>
-              <a:t>Read mapping - BWA-MEM </a:t>
-            </a:r>
-          </a:p>
-          <a:p>
-            <a:pPr marL="777240" lvl="1" indent="-457200">
-              <a:lnSpc>
-                <a:spcPct val="130000"/>
-              </a:lnSpc>
-              <a:buFont typeface="+mj-lt"/>
-              <a:buAutoNum type="arabicPeriod"/>
-            </a:pPr>
-            <a:r>
               <a:rPr lang="en-US" sz="2000" dirty="0" smtClean="0"/>
-              <a:t>SAM </a:t>
+              <a:t>Read </a:t>
             </a:r>
             <a:r>
               <a:rPr lang="en-US" sz="2000" dirty="0"/>
-              <a:t>processing </a:t>
+              <a:t>mapping </a:t>
             </a:r>
             <a:r>
               <a:rPr lang="en-US" sz="2000" dirty="0" smtClean="0"/>
@@ -7264,14 +7203,18 @@
             </a:r>
             <a:r>
               <a:rPr lang="en-US" sz="2000" dirty="0"/>
-              <a:t>Picard/ </a:t>
-            </a:r>
-            <a:r>
-              <a:rPr lang="en-US" sz="2000" dirty="0" err="1" smtClean="0"/>
-              <a:t>SAMtools</a:t>
+              <a:t>BWA-</a:t>
             </a:r>
             <a:r>
               <a:rPr lang="en-US" sz="2000" dirty="0" smtClean="0"/>
+              <a:t>MEM</a:t>
+            </a:r>
+            <a:r>
+              <a:rPr lang="en-US" sz="2000" dirty="0" smtClean="0">
+                <a:solidFill>
+                  <a:srgbClr val="F9BE92"/>
+                </a:solidFill>
+              </a:rPr>
               <a:t> </a:t>
             </a:r>
             <a:endParaRPr lang="en-US" dirty="0" smtClean="0">
@@ -7285,7 +7228,7 @@
     </p:spTree>
     <p:extLst>
       <p:ext uri="{BB962C8B-B14F-4D97-AF65-F5344CB8AC3E}">
-        <p14:creationId xmlns:p14="http://schemas.microsoft.com/office/powerpoint/2010/main" val="1982126475"/>
+        <p14:creationId xmlns:p14="http://schemas.microsoft.com/office/powerpoint/2010/main" val="157062851"/>
       </p:ext>
     </p:extLst>
   </p:cSld>
@@ -7359,7 +7302,7 @@
         <p:spPr>
           <a:xfrm>
             <a:off x="183799" y="2527933"/>
-            <a:ext cx="9044868" cy="4083074"/>
+            <a:ext cx="9044868" cy="3539527"/>
           </a:xfrm>
         </p:spPr>
         <p:txBody>
@@ -7614,77 +7557,22 @@
               <a:rPr lang="en-US" sz="2000" dirty="0" err="1" smtClean="0"/>
               <a:t>SAMtools</a:t>
             </a:r>
-            <a:endParaRPr lang="en-US" sz="2000" dirty="0" smtClean="0"/>
-          </a:p>
-          <a:p>
-            <a:pPr lvl="2">
-              <a:lnSpc>
-                <a:spcPct val="130000"/>
-              </a:lnSpc>
-            </a:pPr>
-            <a:r>
-              <a:rPr lang="en-US" sz="1800" dirty="0" smtClean="0"/>
-              <a:t>Sorts, </a:t>
-            </a:r>
-            <a:r>
-              <a:rPr lang="en-US" sz="1800" dirty="0"/>
-              <a:t>de-duplicates, and adds read groups to the SAM files produced </a:t>
-            </a:r>
-            <a:r>
-              <a:rPr lang="en-US" sz="1800" dirty="0" smtClean="0"/>
-              <a:t>from Read Mapping </a:t>
-            </a:r>
-            <a:r>
-              <a:rPr lang="en-US" sz="1800" dirty="0"/>
-              <a:t>into finished BAM files</a:t>
-            </a:r>
-            <a:r>
-              <a:rPr lang="en-US" sz="1800" dirty="0" smtClean="0"/>
-              <a:t>. </a:t>
-            </a:r>
-          </a:p>
-          <a:p>
-            <a:pPr lvl="2">
-              <a:lnSpc>
-                <a:spcPct val="130000"/>
-              </a:lnSpc>
-            </a:pPr>
-            <a:r>
-              <a:rPr lang="en-US" sz="1800" dirty="0"/>
-              <a:t>C</a:t>
-            </a:r>
-            <a:r>
-              <a:rPr lang="en-US" sz="1800" dirty="0" smtClean="0"/>
-              <a:t>reates </a:t>
-            </a:r>
-            <a:r>
-              <a:rPr lang="en-US" sz="1800" dirty="0"/>
-              <a:t>before and after statistics using the </a:t>
-            </a:r>
-            <a:r>
-              <a:rPr lang="en-US" sz="1800" dirty="0" err="1"/>
-              <a:t>flagstat</a:t>
-            </a:r>
-            <a:r>
-              <a:rPr lang="en-US" sz="1800" dirty="0"/>
-              <a:t> function </a:t>
-            </a:r>
-            <a:r>
-              <a:rPr lang="en-US" sz="1800" dirty="0" smtClean="0"/>
-              <a:t>of </a:t>
-            </a:r>
-            <a:r>
-              <a:rPr lang="en-US" sz="1800" dirty="0" err="1" smtClean="0"/>
-              <a:t>SAMtools</a:t>
-            </a:r>
-            <a:endParaRPr lang="en-US" sz="1800" dirty="0"/>
+            <a:r>
+              <a:rPr lang="en-US" sz="2000" dirty="0" smtClean="0"/>
+              <a:t> </a:t>
+            </a:r>
+            <a:endParaRPr lang="en-US" dirty="0" smtClean="0">
+              <a:solidFill>
+                <a:srgbClr val="F9BE92"/>
+              </a:solidFill>
+            </a:endParaRPr>
           </a:p>
         </p:txBody>
       </p:sp>
     </p:spTree>
     <p:extLst>
       <p:ext uri="{BB962C8B-B14F-4D97-AF65-F5344CB8AC3E}">
-        <p14:creationId xmlns:p14="http://schemas.microsoft.com/office/powerpoint/2010/main" val="497934594"/>
+        <p14:creationId xmlns:p14="http://schemas.microsoft.com/office/powerpoint/2010/main" val="1982126475"/>
       </p:ext>
     </p:extLst>
   </p:cSld>
@@ -7758,7 +7646,7 @@
         <p:spPr>
           <a:xfrm>
             <a:off x="183799" y="2527933"/>
-            <a:ext cx="9044868" cy="3539527"/>
+            <a:ext cx="9044868" cy="4083074"/>
           </a:xfrm>
         </p:spPr>
         <p:txBody>
@@ -7775,17 +7663,6 @@
               <a:buAutoNum type="arabicPeriod"/>
             </a:pPr>
             <a:r>
-              <a:rPr lang="en-US" sz="2000" dirty="0" smtClean="0">
-                <a:solidFill>
-                  <a:schemeClr val="bg2">
-                    <a:lumMod val="75000"/>
-                    <a:lumOff val="25000"/>
-                  </a:schemeClr>
-                </a:solidFill>
-              </a:rPr>
-              <a:t>Quality </a:t>
-            </a:r>
-            <a:r>
               <a:rPr lang="en-US" sz="2000" dirty="0">
                 <a:solidFill>
                   <a:schemeClr val="bg2">
@@ -7794,7 +7671,7 @@
                   </a:schemeClr>
                 </a:solidFill>
               </a:rPr>
-              <a:t>Assessment</a:t>
+              <a:t>Quality Assessment</a:t>
             </a:r>
             <a:r>
               <a:rPr lang="en-US" sz="2000" dirty="0"/>
@@ -7812,7 +7689,7 @@
               <a:t>- </a:t>
             </a:r>
             <a:r>
-              <a:rPr lang="en-US" sz="2000" dirty="0" err="1" smtClean="0">
+              <a:rPr lang="en-US" sz="2000" dirty="0" err="1">
                 <a:solidFill>
                   <a:schemeClr val="bg2">
                     <a:lumMod val="75000"/>
@@ -7823,7 +7700,7 @@
               <a:t>FastQC</a:t>
             </a:r>
             <a:r>
-              <a:rPr lang="en-US" sz="2000" dirty="0" smtClean="0">
+              <a:rPr lang="en-US" sz="2000" dirty="0">
                 <a:solidFill>
                   <a:schemeClr val="bg2">
                     <a:lumMod val="75000"/>
@@ -7833,14 +7710,6 @@
               </a:rPr>
               <a:t> </a:t>
             </a:r>
-            <a:endParaRPr lang="en-US" sz="1600" dirty="0">
-              <a:solidFill>
-                <a:schemeClr val="bg2">
-                  <a:lumMod val="75000"/>
-                  <a:lumOff val="25000"/>
-                </a:schemeClr>
-              </a:solidFill>
-            </a:endParaRPr>
           </a:p>
           <a:p>
             <a:pPr marL="777240" lvl="1" indent="-457200">
@@ -7942,20 +7811,40 @@
                   </a:schemeClr>
                 </a:solidFill>
               </a:rPr>
-              <a:t>trimming </a:t>
-            </a:r>
-            <a:r>
-              <a:rPr lang="en-US" sz="2000" dirty="0" smtClean="0">
-                <a:solidFill>
-                  <a:schemeClr val="bg2">
-                    <a:lumMod val="75000"/>
-                    <a:lumOff val="25000"/>
-                  </a:schemeClr>
-                </a:solidFill>
-              </a:rPr>
-              <a:t>- Scythe </a:t>
-            </a:r>
-            <a:endParaRPr lang="en-US" dirty="0">
+              <a:t>trimming - Scythe </a:t>
+            </a:r>
+          </a:p>
+          <a:p>
+            <a:pPr marL="777240" lvl="1" indent="-457200">
+              <a:lnSpc>
+                <a:spcPct val="130000"/>
+              </a:lnSpc>
+              <a:buFont typeface="+mj-lt"/>
+              <a:buAutoNum type="arabicPeriod"/>
+            </a:pPr>
+            <a:r>
+              <a:rPr lang="en-US" sz="2000" dirty="0">
+                <a:solidFill>
+                  <a:schemeClr val="bg2">
+                    <a:lumMod val="75000"/>
+                    <a:lumOff val="25000"/>
+                  </a:schemeClr>
+                </a:solidFill>
+              </a:rPr>
+              <a:t>Quality trimming - Sickle/ </a:t>
+            </a:r>
+            <a:r>
+              <a:rPr lang="en-US" sz="2000" dirty="0" err="1">
+                <a:solidFill>
+                  <a:schemeClr val="bg2">
+                    <a:lumMod val="75000"/>
+                    <a:lumOff val="25000"/>
+                  </a:schemeClr>
+                </a:solidFill>
+              </a:rPr>
+              <a:t>Seqqs</a:t>
+            </a:r>
+            <a:endParaRPr lang="en-US" sz="2000" dirty="0">
               <a:solidFill>
                 <a:schemeClr val="bg2">
                   <a:lumMod val="75000"/>
@@ -7973,17 +7862,6 @@
               <a:buAutoNum type="arabicPeriod"/>
             </a:pPr>
             <a:r>
-              <a:rPr lang="en-US" sz="2000" dirty="0" smtClean="0">
-                <a:solidFill>
-                  <a:schemeClr val="bg2">
-                    <a:lumMod val="75000"/>
-                    <a:lumOff val="25000"/>
-                  </a:schemeClr>
-                </a:solidFill>
-              </a:rPr>
-              <a:t>Quality </a:t>
-            </a:r>
-            <a:r>
               <a:rPr lang="en-US" sz="2000" dirty="0">
                 <a:solidFill>
                   <a:schemeClr val="bg2">
@@ -7992,60 +7870,8 @@
                   </a:schemeClr>
                 </a:solidFill>
               </a:rPr>
-              <a:t>trimming </a:t>
-            </a:r>
-            <a:r>
-              <a:rPr lang="en-US" sz="2000" dirty="0" smtClean="0">
-                <a:solidFill>
-                  <a:schemeClr val="bg2">
-                    <a:lumMod val="75000"/>
-                    <a:lumOff val="25000"/>
-                  </a:schemeClr>
-                </a:solidFill>
-              </a:rPr>
-              <a:t>- </a:t>
-            </a:r>
-            <a:r>
-              <a:rPr lang="en-US" sz="2000" dirty="0">
-                <a:solidFill>
-                  <a:schemeClr val="bg2">
-                    <a:lumMod val="75000"/>
-                    <a:lumOff val="25000"/>
-                  </a:schemeClr>
-                </a:solidFill>
-              </a:rPr>
-              <a:t>Sickle/ </a:t>
-            </a:r>
-            <a:r>
-              <a:rPr lang="en-US" sz="2000" dirty="0" err="1">
-                <a:solidFill>
-                  <a:schemeClr val="bg2">
-                    <a:lumMod val="75000"/>
-                    <a:lumOff val="25000"/>
-                  </a:schemeClr>
-                </a:solidFill>
-              </a:rPr>
-              <a:t>Seqqs</a:t>
-            </a:r>
-            <a:r>
-              <a:rPr lang="en-US" sz="2000" dirty="0">
-                <a:solidFill>
-                  <a:schemeClr val="bg2">
-                    <a:lumMod val="75000"/>
-                    <a:lumOff val="25000"/>
-                  </a:schemeClr>
-                </a:solidFill>
-              </a:rPr>
-              <a:t> </a:t>
-            </a:r>
-            <a:endParaRPr lang="en-US" dirty="0">
-              <a:solidFill>
-                <a:schemeClr val="bg2">
-                  <a:lumMod val="75000"/>
-                  <a:lumOff val="25000"/>
-                </a:schemeClr>
-              </a:solidFill>
-            </a:endParaRPr>
+              <a:t>Read mapping - BWA-MEM </a:t>
+            </a:r>
           </a:p>
           <a:p>
             <a:pPr marL="777240" lvl="1" indent="-457200">
@@ -8056,173 +7882,96 @@
               <a:buAutoNum type="arabicPeriod"/>
             </a:pPr>
             <a:r>
-              <a:rPr lang="en-US" sz="2000" dirty="0" smtClean="0">
-                <a:solidFill>
-                  <a:schemeClr val="bg2">
-                    <a:lumMod val="75000"/>
-                    <a:lumOff val="25000"/>
-                  </a:schemeClr>
-                </a:solidFill>
-              </a:rPr>
-              <a:t>Read </a:t>
-            </a:r>
-            <a:r>
-              <a:rPr lang="en-US" sz="2000" dirty="0">
-                <a:solidFill>
-                  <a:schemeClr val="bg2">
-                    <a:lumMod val="75000"/>
-                    <a:lumOff val="25000"/>
-                  </a:schemeClr>
-                </a:solidFill>
-              </a:rPr>
-              <a:t>mapping </a:t>
-            </a:r>
-            <a:r>
-              <a:rPr lang="en-US" sz="2000" dirty="0" smtClean="0">
-                <a:solidFill>
-                  <a:schemeClr val="bg2">
-                    <a:lumMod val="75000"/>
-                    <a:lumOff val="25000"/>
-                  </a:schemeClr>
-                </a:solidFill>
-              </a:rPr>
+              <a:rPr lang="en-US" sz="2000" dirty="0" smtClean="0"/>
+              <a:t>SAM </a:t>
+            </a:r>
+            <a:r>
+              <a:rPr lang="en-US" sz="2000" dirty="0"/>
+              <a:t>processing </a:t>
+            </a:r>
+            <a:r>
+              <a:rPr lang="en-US" sz="2000" dirty="0" smtClean="0"/>
               <a:t>- </a:t>
             </a:r>
             <a:r>
-              <a:rPr lang="en-US" sz="2000" dirty="0">
-                <a:solidFill>
-                  <a:schemeClr val="bg2">
-                    <a:lumMod val="75000"/>
-                    <a:lumOff val="25000"/>
-                  </a:schemeClr>
-                </a:solidFill>
-              </a:rPr>
-              <a:t>BWA-</a:t>
-            </a:r>
-            <a:r>
-              <a:rPr lang="en-US" sz="2000" dirty="0" smtClean="0">
-                <a:solidFill>
-                  <a:schemeClr val="bg2">
-                    <a:lumMod val="75000"/>
-                    <a:lumOff val="25000"/>
-                  </a:schemeClr>
-                </a:solidFill>
-              </a:rPr>
-              <a:t>MEM </a:t>
-            </a:r>
-            <a:endParaRPr lang="en-US" dirty="0">
-              <a:solidFill>
-                <a:schemeClr val="bg2">
-                  <a:lumMod val="75000"/>
-                  <a:lumOff val="25000"/>
-                </a:schemeClr>
-              </a:solidFill>
-            </a:endParaRPr>
-          </a:p>
-          <a:p>
-            <a:pPr marL="777240" lvl="1" indent="-457200">
+              <a:rPr lang="en-US" sz="2000" dirty="0"/>
+              <a:t>Picard/ </a:t>
+            </a:r>
+            <a:r>
+              <a:rPr lang="en-US" sz="2000" dirty="0" err="1" smtClean="0"/>
+              <a:t>SAMtools</a:t>
+            </a:r>
+            <a:endParaRPr lang="en-US" sz="2000" dirty="0" smtClean="0"/>
+          </a:p>
+          <a:p>
+            <a:pPr lvl="2">
               <a:lnSpc>
                 <a:spcPct val="130000"/>
               </a:lnSpc>
-              <a:buFont typeface="+mj-lt"/>
-              <a:buAutoNum type="arabicPeriod"/>
-            </a:pPr>
-            <a:r>
-              <a:rPr lang="en-US" sz="2000" dirty="0">
-                <a:solidFill>
-                  <a:schemeClr val="bg2">
-                    <a:lumMod val="75000"/>
-                    <a:lumOff val="25000"/>
-                  </a:schemeClr>
-                </a:solidFill>
-              </a:rPr>
-              <a:t>SAM processing </a:t>
-            </a:r>
-            <a:r>
-              <a:rPr lang="en-US" sz="2000" dirty="0" smtClean="0">
-                <a:solidFill>
-                  <a:schemeClr val="bg2">
-                    <a:lumMod val="75000"/>
-                    <a:lumOff val="25000"/>
-                  </a:schemeClr>
-                </a:solidFill>
-              </a:rPr>
-              <a:t>- </a:t>
-            </a:r>
-            <a:r>
-              <a:rPr lang="en-US" sz="2000" dirty="0">
-                <a:solidFill>
-                  <a:schemeClr val="bg2">
-                    <a:lumMod val="75000"/>
-                    <a:lumOff val="25000"/>
-                  </a:schemeClr>
-                </a:solidFill>
-              </a:rPr>
-              <a:t>Picard/ </a:t>
-            </a:r>
-            <a:r>
-              <a:rPr lang="en-US" sz="2000" dirty="0" err="1" smtClean="0">
-                <a:solidFill>
-                  <a:schemeClr val="bg2">
-                    <a:lumMod val="75000"/>
-                    <a:lumOff val="25000"/>
-                  </a:schemeClr>
-                </a:solidFill>
-              </a:rPr>
-              <a:t>SAMtools</a:t>
-            </a:r>
-            <a:r>
-              <a:rPr lang="en-US" sz="2000" dirty="0" smtClean="0">
-                <a:solidFill>
-                  <a:schemeClr val="bg2">
-                    <a:lumMod val="75000"/>
-                    <a:lumOff val="25000"/>
-                  </a:schemeClr>
-                </a:solidFill>
-              </a:rPr>
-              <a:t> </a:t>
-            </a:r>
-            <a:endParaRPr lang="en-US" dirty="0">
-              <a:solidFill>
-                <a:schemeClr val="bg2">
-                  <a:lumMod val="75000"/>
-                  <a:lumOff val="25000"/>
-                </a:schemeClr>
-              </a:solidFill>
-            </a:endParaRPr>
-          </a:p>
-          <a:p>
-            <a:pPr marL="777240" lvl="1" indent="-457200">
+            </a:pPr>
+            <a:r>
+              <a:rPr lang="en-US" sz="1800" dirty="0" smtClean="0"/>
+              <a:t>Sorts, </a:t>
+            </a:r>
+            <a:r>
+              <a:rPr lang="en-US" sz="1800" dirty="0"/>
+              <a:t>de-duplicates, and adds read groups to the SAM files produced </a:t>
+            </a:r>
+            <a:r>
+              <a:rPr lang="en-US" sz="1800" dirty="0" smtClean="0"/>
+              <a:t>from Read Mapping </a:t>
+            </a:r>
+            <a:r>
+              <a:rPr lang="en-US" sz="1800" dirty="0"/>
+              <a:t>into finished BAM files</a:t>
+            </a:r>
+            <a:r>
+              <a:rPr lang="en-US" sz="1800" dirty="0" smtClean="0"/>
+              <a:t>. </a:t>
+            </a:r>
+          </a:p>
+          <a:p>
+            <a:pPr lvl="2">
               <a:lnSpc>
                 <a:spcPct val="130000"/>
               </a:lnSpc>
-              <a:buFont typeface="+mj-lt"/>
-              <a:buAutoNum type="arabicPeriod"/>
-            </a:pPr>
-            <a:r>
-              <a:rPr lang="en-US" sz="2000" dirty="0" smtClean="0"/>
-              <a:t>Coverage </a:t>
-            </a:r>
-            <a:r>
-              <a:rPr lang="en-US" sz="2000" dirty="0"/>
-              <a:t>mapping </a:t>
-            </a:r>
-            <a:r>
-              <a:rPr lang="en-US" sz="2000" dirty="0" smtClean="0"/>
-              <a:t>- </a:t>
-            </a:r>
-            <a:r>
-              <a:rPr lang="en-US" sz="2000" dirty="0" err="1" smtClean="0"/>
-              <a:t>BEDtools</a:t>
-            </a:r>
-            <a:endParaRPr lang="en-US" sz="2000" dirty="0" smtClean="0"/>
+            </a:pPr>
+            <a:r>
+              <a:rPr lang="en-US" sz="1800" dirty="0"/>
+              <a:t>C</a:t>
+            </a:r>
+            <a:r>
+              <a:rPr lang="en-US" sz="1800" dirty="0" smtClean="0"/>
+              <a:t>reates </a:t>
+            </a:r>
+            <a:r>
+              <a:rPr lang="en-US" sz="1800" dirty="0"/>
+              <a:t>before and after statistics using the </a:t>
+            </a:r>
+            <a:r>
+              <a:rPr lang="en-US" sz="1800" dirty="0" err="1"/>
+              <a:t>flagstat</a:t>
+            </a:r>
+            <a:r>
+              <a:rPr lang="en-US" sz="1800" dirty="0"/>
+              <a:t> function </a:t>
+            </a:r>
+            <a:r>
+              <a:rPr lang="en-US" sz="1800" dirty="0" smtClean="0"/>
+              <a:t>of </a:t>
+            </a:r>
+            <a:r>
+              <a:rPr lang="en-US" sz="1800" dirty="0" err="1" smtClean="0"/>
+              <a:t>SAMtools</a:t>
+            </a:r>
+            <a:endParaRPr lang="en-US" sz="1800" dirty="0"/>
           </a:p>
         </p:txBody>
       </p:sp>
     </p:spTree>
     <p:extLst>
       <p:ext uri="{BB962C8B-B14F-4D97-AF65-F5344CB8AC3E}">
-        <p14:creationId xmlns:p14="http://schemas.microsoft.com/office/powerpoint/2010/main" val="1833333061"/>
+        <p14:creationId xmlns:p14="http://schemas.microsoft.com/office/powerpoint/2010/main" val="497934594"/>
       </p:ext>
     </p:extLst>
   </p:cSld>
@@ -8856,6 +8605,17 @@
               <a:t>- </a:t>
             </a:r>
             <a:r>
+              <a:rPr lang="en-US" sz="2000" dirty="0">
+                <a:solidFill>
+                  <a:schemeClr val="bg2">
+                    <a:lumMod val="75000"/>
+                    <a:lumOff val="25000"/>
+                  </a:schemeClr>
+                </a:solidFill>
+              </a:rPr>
+              <a:t>Zip/Unzip/</a:t>
+            </a:r>
+            <a:r>
               <a:rPr lang="en-US" sz="2000" dirty="0" err="1">
                 <a:solidFill>
                   <a:schemeClr val="bg2">
@@ -8864,7 +8624,7 @@
                   </a:schemeClr>
                 </a:solidFill>
               </a:rPr>
-              <a:t>Bioawk</a:t>
+              <a:t>Grep</a:t>
             </a:r>
             <a:endParaRPr lang="en-US" sz="2000" dirty="0">
               <a:solidFill>
@@ -9166,46 +8926,24 @@
             </a:r>
             <a:r>
               <a:rPr lang="en-US" sz="2000" dirty="0"/>
-              <a:t>mapping -</a:t>
+              <a:t>mapping </a:t>
             </a:r>
             <a:r>
               <a:rPr lang="en-US" sz="2000" dirty="0" smtClean="0"/>
-              <a:t> </a:t>
+              <a:t>- </a:t>
             </a:r>
             <a:r>
               <a:rPr lang="en-US" sz="2000" dirty="0" err="1" smtClean="0"/>
               <a:t>BEDtools</a:t>
             </a:r>
             <a:endParaRPr lang="en-US" sz="2000" dirty="0" smtClean="0"/>
-          </a:p>
-          <a:p>
-            <a:pPr lvl="2">
-              <a:lnSpc>
-                <a:spcPct val="130000"/>
-              </a:lnSpc>
-            </a:pPr>
-            <a:r>
-              <a:rPr lang="en-US" sz="1800" dirty="0" smtClean="0"/>
-              <a:t>Generates a coverage map for each BAM file</a:t>
-            </a:r>
-            <a:endParaRPr lang="en-US" sz="1800" dirty="0"/>
-          </a:p>
-          <a:p>
-            <a:pPr marL="560070" indent="-514350" algn="ctr">
-              <a:lnSpc>
-                <a:spcPct val="130000"/>
-              </a:lnSpc>
-              <a:buFont typeface="+mj-lt"/>
-              <a:buAutoNum type="arabicPeriod"/>
-            </a:pPr>
-            <a:endParaRPr lang="en-US" sz="2800" b="1" dirty="0"/>
           </a:p>
         </p:txBody>
       </p:sp>
     </p:spTree>
     <p:extLst>
       <p:ext uri="{BB962C8B-B14F-4D97-AF65-F5344CB8AC3E}">
-        <p14:creationId xmlns:p14="http://schemas.microsoft.com/office/powerpoint/2010/main" val="158595326"/>
+        <p14:creationId xmlns:p14="http://schemas.microsoft.com/office/powerpoint/2010/main" val="1833333061"/>
       </p:ext>
     </p:extLst>
   </p:cSld>
@@ -9279,7 +9017,7 @@
         <p:spPr>
           <a:xfrm>
             <a:off x="183799" y="2527933"/>
-            <a:ext cx="9044868" cy="4202558"/>
+            <a:ext cx="9044868" cy="3539527"/>
           </a:xfrm>
         </p:spPr>
         <p:txBody>
@@ -9405,17 +9143,6 @@
               <a:t>- </a:t>
             </a:r>
             <a:r>
-              <a:rPr lang="en-US" sz="2000" dirty="0">
-                <a:solidFill>
-                  <a:schemeClr val="bg2">
-                    <a:lumMod val="75000"/>
-                    <a:lumOff val="25000"/>
-                  </a:schemeClr>
-                </a:solidFill>
-              </a:rPr>
-              <a:t>Zip/Unzip/</a:t>
-            </a:r>
-            <a:r>
               <a:rPr lang="en-US" sz="2000" dirty="0" err="1">
                 <a:solidFill>
                   <a:schemeClr val="bg2">
@@ -9424,7 +9151,7 @@
                   </a:schemeClr>
                 </a:solidFill>
               </a:rPr>
-              <a:t>Grep</a:t>
+              <a:t>Bioawk</a:t>
             </a:r>
             <a:endParaRPr lang="en-US" sz="2000" dirty="0">
               <a:solidFill>
@@ -9721,86 +9448,43 @@
               <a:buAutoNum type="arabicPeriod"/>
             </a:pPr>
             <a:r>
-              <a:rPr lang="en-US" sz="2000" dirty="0" smtClean="0">
-                <a:solidFill>
-                  <a:schemeClr val="bg2">
-                    <a:lumMod val="75000"/>
-                    <a:lumOff val="25000"/>
-                  </a:schemeClr>
-                </a:solidFill>
-              </a:rPr>
+              <a:rPr lang="en-US" sz="2000" dirty="0" smtClean="0"/>
               <a:t>Coverage </a:t>
             </a:r>
             <a:r>
-              <a:rPr lang="en-US" sz="2000" dirty="0">
-                <a:solidFill>
-                  <a:schemeClr val="bg2">
-                    <a:lumMod val="75000"/>
-                    <a:lumOff val="25000"/>
-                  </a:schemeClr>
-                </a:solidFill>
-              </a:rPr>
-              <a:t>mapping </a:t>
-            </a:r>
-            <a:r>
-              <a:rPr lang="en-US" sz="2000" dirty="0" smtClean="0">
-                <a:solidFill>
-                  <a:schemeClr val="bg2">
-                    <a:lumMod val="75000"/>
-                    <a:lumOff val="25000"/>
-                  </a:schemeClr>
-                </a:solidFill>
-              </a:rPr>
-              <a:t>- </a:t>
-            </a:r>
-            <a:r>
-              <a:rPr lang="en-US" sz="2000" dirty="0" err="1" smtClean="0">
-                <a:solidFill>
-                  <a:schemeClr val="bg2">
-                    <a:lumMod val="75000"/>
-                    <a:lumOff val="25000"/>
-                  </a:schemeClr>
-                </a:solidFill>
-              </a:rPr>
+              <a:rPr lang="en-US" sz="2000" dirty="0"/>
+              <a:t>mapping -</a:t>
+            </a:r>
+            <a:r>
+              <a:rPr lang="en-US" sz="2000" dirty="0" smtClean="0"/>
+              <a:t> </a:t>
+            </a:r>
+            <a:r>
+              <a:rPr lang="en-US" sz="2000" dirty="0" err="1" smtClean="0"/>
               <a:t>BEDtools</a:t>
             </a:r>
-            <a:endParaRPr lang="en-US" sz="2000" dirty="0" smtClean="0">
-              <a:solidFill>
-                <a:schemeClr val="bg2">
-                  <a:lumMod val="75000"/>
-                  <a:lumOff val="25000"/>
-                </a:schemeClr>
-              </a:solidFill>
-            </a:endParaRPr>
-          </a:p>
-          <a:p>
-            <a:pPr marL="777240" lvl="1" indent="-457200">
+            <a:endParaRPr lang="en-US" sz="2000" dirty="0" smtClean="0"/>
+          </a:p>
+          <a:p>
+            <a:pPr lvl="2">
+              <a:lnSpc>
+                <a:spcPct val="130000"/>
+              </a:lnSpc>
+            </a:pPr>
+            <a:r>
+              <a:rPr lang="en-US" sz="1800" dirty="0" smtClean="0"/>
+              <a:t>Generates a coverage map for each BAM file</a:t>
+            </a:r>
+            <a:endParaRPr lang="en-US" sz="1800" dirty="0"/>
+          </a:p>
+          <a:p>
+            <a:pPr marL="560070" indent="-514350" algn="ctr">
               <a:lnSpc>
                 <a:spcPct val="130000"/>
               </a:lnSpc>
               <a:buFont typeface="+mj-lt"/>
               <a:buAutoNum type="arabicPeriod"/>
             </a:pPr>
-            <a:r>
-              <a:rPr lang="en-US" sz="2000" dirty="0" err="1"/>
-              <a:t>Indel</a:t>
-            </a:r>
-            <a:r>
-              <a:rPr lang="en-US" sz="2000" dirty="0"/>
-              <a:t> realignment </a:t>
-            </a:r>
-            <a:r>
-              <a:rPr lang="en-US" sz="2000" dirty="0" smtClean="0"/>
-              <a:t>- GATK</a:t>
-            </a:r>
-          </a:p>
-          <a:p>
-            <a:pPr marL="45720" indent="0" algn="ctr">
-              <a:lnSpc>
-                <a:spcPct val="130000"/>
-              </a:lnSpc>
-              <a:buNone/>
-            </a:pPr>
             <a:endParaRPr lang="en-US" sz="2800" b="1" dirty="0"/>
           </a:p>
         </p:txBody>
@@ -9808,7 +9492,7 @@
     </p:spTree>
     <p:extLst>
       <p:ext uri="{BB962C8B-B14F-4D97-AF65-F5344CB8AC3E}">
-        <p14:creationId xmlns:p14="http://schemas.microsoft.com/office/powerpoint/2010/main" val="733389071"/>
+        <p14:creationId xmlns:p14="http://schemas.microsoft.com/office/powerpoint/2010/main" val="158595326"/>
       </p:ext>
     </p:extLst>
   </p:cSld>
@@ -9863,6 +9547,609 @@
           <a:lstStyle/>
           <a:p>
             <a:r>
+              <a:rPr lang="en-US" dirty="0"/>
+              <a:t>sequence_handling handlers</a:t>
+            </a:r>
+          </a:p>
+        </p:txBody>
+      </p:sp>
+      <p:sp>
+        <p:nvSpPr>
+          <p:cNvPr id="3" name="Content Placeholder 2"/>
+          <p:cNvSpPr>
+            <a:spLocks noGrp="1"/>
+          </p:cNvSpPr>
+          <p:nvPr>
+            <p:ph idx="1"/>
+          </p:nvPr>
+        </p:nvSpPr>
+        <p:spPr>
+          <a:xfrm>
+            <a:off x="183799" y="2527933"/>
+            <a:ext cx="9044868" cy="4202558"/>
+          </a:xfrm>
+        </p:spPr>
+        <p:txBody>
+          <a:bodyPr>
+            <a:noAutofit/>
+          </a:bodyPr>
+          <a:lstStyle/>
+          <a:p>
+            <a:pPr marL="777240" lvl="1" indent="-457200">
+              <a:lnSpc>
+                <a:spcPct val="130000"/>
+              </a:lnSpc>
+              <a:buFont typeface="+mj-lt"/>
+              <a:buAutoNum type="arabicPeriod"/>
+            </a:pPr>
+            <a:r>
+              <a:rPr lang="en-US" sz="2000" dirty="0" smtClean="0">
+                <a:solidFill>
+                  <a:schemeClr val="bg2">
+                    <a:lumMod val="75000"/>
+                    <a:lumOff val="25000"/>
+                  </a:schemeClr>
+                </a:solidFill>
+              </a:rPr>
+              <a:t>Quality </a:t>
+            </a:r>
+            <a:r>
+              <a:rPr lang="en-US" sz="2000" dirty="0">
+                <a:solidFill>
+                  <a:schemeClr val="bg2">
+                    <a:lumMod val="75000"/>
+                    <a:lumOff val="25000"/>
+                  </a:schemeClr>
+                </a:solidFill>
+              </a:rPr>
+              <a:t>Assessment</a:t>
+            </a:r>
+            <a:r>
+              <a:rPr lang="en-US" sz="2000" dirty="0"/>
+              <a:t> </a:t>
+            </a:r>
+            <a:r>
+              <a:rPr lang="en-US" sz="2000" dirty="0" smtClean="0">
+                <a:solidFill>
+                  <a:schemeClr val="bg2">
+                    <a:lumMod val="75000"/>
+                    <a:lumOff val="25000"/>
+                  </a:schemeClr>
+                </a:solidFill>
+              </a:rPr>
+              <a:t>- </a:t>
+            </a:r>
+            <a:r>
+              <a:rPr lang="en-US" sz="2000" dirty="0" err="1" smtClean="0">
+                <a:solidFill>
+                  <a:schemeClr val="bg2">
+                    <a:lumMod val="75000"/>
+                    <a:lumOff val="25000"/>
+                  </a:schemeClr>
+                </a:solidFill>
+              </a:rPr>
+              <a:t>FastQC</a:t>
+            </a:r>
+            <a:r>
+              <a:rPr lang="en-US" sz="2000" dirty="0" smtClean="0">
+                <a:solidFill>
+                  <a:schemeClr val="bg2">
+                    <a:lumMod val="75000"/>
+                    <a:lumOff val="25000"/>
+                  </a:schemeClr>
+                </a:solidFill>
+              </a:rPr>
+              <a:t> </a:t>
+            </a:r>
+            <a:endParaRPr lang="en-US" sz="1600" dirty="0">
+              <a:solidFill>
+                <a:schemeClr val="bg2">
+                  <a:lumMod val="75000"/>
+                  <a:lumOff val="25000"/>
+                </a:schemeClr>
+              </a:solidFill>
+            </a:endParaRPr>
+          </a:p>
+          <a:p>
+            <a:pPr marL="777240" lvl="1" indent="-457200">
+              <a:lnSpc>
+                <a:spcPct val="130000"/>
+              </a:lnSpc>
+              <a:buFont typeface="+mj-lt"/>
+              <a:buAutoNum type="arabicPeriod"/>
+            </a:pPr>
+            <a:r>
+              <a:rPr lang="en-US" sz="2000" dirty="0">
+                <a:solidFill>
+                  <a:schemeClr val="bg2">
+                    <a:lumMod val="75000"/>
+                    <a:lumOff val="25000"/>
+                  </a:schemeClr>
+                </a:solidFill>
+              </a:rPr>
+              <a:t>Read </a:t>
+            </a:r>
+            <a:r>
+              <a:rPr lang="en-US" sz="2000" dirty="0" smtClean="0">
+                <a:solidFill>
+                  <a:schemeClr val="bg2">
+                    <a:lumMod val="75000"/>
+                    <a:lumOff val="25000"/>
+                  </a:schemeClr>
+                </a:solidFill>
+              </a:rPr>
+              <a:t>depths </a:t>
+            </a:r>
+            <a:r>
+              <a:rPr lang="en-US" sz="2000" dirty="0">
+                <a:solidFill>
+                  <a:schemeClr val="bg2">
+                    <a:lumMod val="75000"/>
+                    <a:lumOff val="25000"/>
+                  </a:schemeClr>
+                </a:solidFill>
+              </a:rPr>
+              <a:t>- </a:t>
+            </a:r>
+            <a:r>
+              <a:rPr lang="en-US" sz="2000" dirty="0">
+                <a:solidFill>
+                  <a:schemeClr val="bg2">
+                    <a:lumMod val="75000"/>
+                    <a:lumOff val="25000"/>
+                  </a:schemeClr>
+                </a:solidFill>
+              </a:rPr>
+              <a:t>Zip/Unzip/</a:t>
+            </a:r>
+            <a:r>
+              <a:rPr lang="en-US" sz="2000" dirty="0" err="1">
+                <a:solidFill>
+                  <a:schemeClr val="bg2">
+                    <a:lumMod val="75000"/>
+                    <a:lumOff val="25000"/>
+                  </a:schemeClr>
+                </a:solidFill>
+              </a:rPr>
+              <a:t>Grep</a:t>
+            </a:r>
+            <a:endParaRPr lang="en-US" sz="2000" dirty="0">
+              <a:solidFill>
+                <a:schemeClr val="bg2">
+                  <a:lumMod val="75000"/>
+                  <a:lumOff val="25000"/>
+                </a:schemeClr>
+              </a:solidFill>
+            </a:endParaRPr>
+          </a:p>
+          <a:p>
+            <a:pPr marL="777240" lvl="1" indent="-457200">
+              <a:lnSpc>
+                <a:spcPct val="130000"/>
+              </a:lnSpc>
+              <a:buFont typeface="+mj-lt"/>
+              <a:buAutoNum type="arabicPeriod"/>
+            </a:pPr>
+            <a:r>
+              <a:rPr lang="en-US" sz="2000" dirty="0" smtClean="0">
+                <a:solidFill>
+                  <a:schemeClr val="bg2">
+                    <a:lumMod val="75000"/>
+                    <a:lumOff val="25000"/>
+                  </a:schemeClr>
+                </a:solidFill>
+              </a:rPr>
+              <a:t>Adapter </a:t>
+            </a:r>
+            <a:r>
+              <a:rPr lang="en-US" sz="2000" dirty="0">
+                <a:solidFill>
+                  <a:schemeClr val="bg2">
+                    <a:lumMod val="75000"/>
+                    <a:lumOff val="25000"/>
+                  </a:schemeClr>
+                </a:solidFill>
+              </a:rPr>
+              <a:t>trimming </a:t>
+            </a:r>
+            <a:r>
+              <a:rPr lang="en-US" sz="2000" dirty="0" smtClean="0">
+                <a:solidFill>
+                  <a:schemeClr val="bg2">
+                    <a:lumMod val="75000"/>
+                    <a:lumOff val="25000"/>
+                  </a:schemeClr>
+                </a:solidFill>
+              </a:rPr>
+              <a:t>- Scythe </a:t>
+            </a:r>
+            <a:endParaRPr lang="en-US" dirty="0">
+              <a:solidFill>
+                <a:schemeClr val="bg2">
+                  <a:lumMod val="75000"/>
+                  <a:lumOff val="25000"/>
+                </a:schemeClr>
+              </a:solidFill>
+            </a:endParaRPr>
+          </a:p>
+          <a:p>
+            <a:pPr marL="777240" lvl="1" indent="-457200">
+              <a:lnSpc>
+                <a:spcPct val="130000"/>
+              </a:lnSpc>
+              <a:buFont typeface="+mj-lt"/>
+              <a:buAutoNum type="arabicPeriod"/>
+            </a:pPr>
+            <a:r>
+              <a:rPr lang="en-US" sz="2000" dirty="0" smtClean="0">
+                <a:solidFill>
+                  <a:schemeClr val="bg2">
+                    <a:lumMod val="75000"/>
+                    <a:lumOff val="25000"/>
+                  </a:schemeClr>
+                </a:solidFill>
+              </a:rPr>
+              <a:t>Quality </a:t>
+            </a:r>
+            <a:r>
+              <a:rPr lang="en-US" sz="2000" dirty="0">
+                <a:solidFill>
+                  <a:schemeClr val="bg2">
+                    <a:lumMod val="75000"/>
+                    <a:lumOff val="25000"/>
+                  </a:schemeClr>
+                </a:solidFill>
+              </a:rPr>
+              <a:t>trimming </a:t>
+            </a:r>
+            <a:r>
+              <a:rPr lang="en-US" sz="2000" dirty="0" smtClean="0">
+                <a:solidFill>
+                  <a:schemeClr val="bg2">
+                    <a:lumMod val="75000"/>
+                    <a:lumOff val="25000"/>
+                  </a:schemeClr>
+                </a:solidFill>
+              </a:rPr>
+              <a:t>- </a:t>
+            </a:r>
+            <a:r>
+              <a:rPr lang="en-US" sz="2000" dirty="0">
+                <a:solidFill>
+                  <a:schemeClr val="bg2">
+                    <a:lumMod val="75000"/>
+                    <a:lumOff val="25000"/>
+                  </a:schemeClr>
+                </a:solidFill>
+              </a:rPr>
+              <a:t>Sickle/ </a:t>
+            </a:r>
+            <a:r>
+              <a:rPr lang="en-US" sz="2000" dirty="0" err="1">
+                <a:solidFill>
+                  <a:schemeClr val="bg2">
+                    <a:lumMod val="75000"/>
+                    <a:lumOff val="25000"/>
+                  </a:schemeClr>
+                </a:solidFill>
+              </a:rPr>
+              <a:t>Seqqs</a:t>
+            </a:r>
+            <a:r>
+              <a:rPr lang="en-US" sz="2000" dirty="0">
+                <a:solidFill>
+                  <a:schemeClr val="bg2">
+                    <a:lumMod val="75000"/>
+                    <a:lumOff val="25000"/>
+                  </a:schemeClr>
+                </a:solidFill>
+              </a:rPr>
+              <a:t> </a:t>
+            </a:r>
+            <a:endParaRPr lang="en-US" dirty="0">
+              <a:solidFill>
+                <a:schemeClr val="bg2">
+                  <a:lumMod val="75000"/>
+                  <a:lumOff val="25000"/>
+                </a:schemeClr>
+              </a:solidFill>
+            </a:endParaRPr>
+          </a:p>
+          <a:p>
+            <a:pPr marL="777240" lvl="1" indent="-457200">
+              <a:lnSpc>
+                <a:spcPct val="130000"/>
+              </a:lnSpc>
+              <a:buFont typeface="+mj-lt"/>
+              <a:buAutoNum type="arabicPeriod"/>
+            </a:pPr>
+            <a:r>
+              <a:rPr lang="en-US" sz="2000" dirty="0" smtClean="0">
+                <a:solidFill>
+                  <a:schemeClr val="bg2">
+                    <a:lumMod val="75000"/>
+                    <a:lumOff val="25000"/>
+                  </a:schemeClr>
+                </a:solidFill>
+              </a:rPr>
+              <a:t>Read </a:t>
+            </a:r>
+            <a:r>
+              <a:rPr lang="en-US" sz="2000" dirty="0">
+                <a:solidFill>
+                  <a:schemeClr val="bg2">
+                    <a:lumMod val="75000"/>
+                    <a:lumOff val="25000"/>
+                  </a:schemeClr>
+                </a:solidFill>
+              </a:rPr>
+              <a:t>mapping </a:t>
+            </a:r>
+            <a:r>
+              <a:rPr lang="en-US" sz="2000" dirty="0" smtClean="0">
+                <a:solidFill>
+                  <a:schemeClr val="bg2">
+                    <a:lumMod val="75000"/>
+                    <a:lumOff val="25000"/>
+                  </a:schemeClr>
+                </a:solidFill>
+              </a:rPr>
+              <a:t>- </a:t>
+            </a:r>
+            <a:r>
+              <a:rPr lang="en-US" sz="2000" dirty="0">
+                <a:solidFill>
+                  <a:schemeClr val="bg2">
+                    <a:lumMod val="75000"/>
+                    <a:lumOff val="25000"/>
+                  </a:schemeClr>
+                </a:solidFill>
+              </a:rPr>
+              <a:t>BWA-</a:t>
+            </a:r>
+            <a:r>
+              <a:rPr lang="en-US" sz="2000" dirty="0" smtClean="0">
+                <a:solidFill>
+                  <a:schemeClr val="bg2">
+                    <a:lumMod val="75000"/>
+                    <a:lumOff val="25000"/>
+                  </a:schemeClr>
+                </a:solidFill>
+              </a:rPr>
+              <a:t>MEM </a:t>
+            </a:r>
+            <a:endParaRPr lang="en-US" dirty="0">
+              <a:solidFill>
+                <a:schemeClr val="bg2">
+                  <a:lumMod val="75000"/>
+                  <a:lumOff val="25000"/>
+                </a:schemeClr>
+              </a:solidFill>
+            </a:endParaRPr>
+          </a:p>
+          <a:p>
+            <a:pPr marL="777240" lvl="1" indent="-457200">
+              <a:lnSpc>
+                <a:spcPct val="130000"/>
+              </a:lnSpc>
+              <a:buFont typeface="+mj-lt"/>
+              <a:buAutoNum type="arabicPeriod"/>
+            </a:pPr>
+            <a:r>
+              <a:rPr lang="en-US" sz="2000" dirty="0">
+                <a:solidFill>
+                  <a:schemeClr val="bg2">
+                    <a:lumMod val="75000"/>
+                    <a:lumOff val="25000"/>
+                  </a:schemeClr>
+                </a:solidFill>
+              </a:rPr>
+              <a:t>SAM processing </a:t>
+            </a:r>
+            <a:r>
+              <a:rPr lang="en-US" sz="2000" dirty="0" smtClean="0">
+                <a:solidFill>
+                  <a:schemeClr val="bg2">
+                    <a:lumMod val="75000"/>
+                    <a:lumOff val="25000"/>
+                  </a:schemeClr>
+                </a:solidFill>
+              </a:rPr>
+              <a:t>- </a:t>
+            </a:r>
+            <a:r>
+              <a:rPr lang="en-US" sz="2000" dirty="0">
+                <a:solidFill>
+                  <a:schemeClr val="bg2">
+                    <a:lumMod val="75000"/>
+                    <a:lumOff val="25000"/>
+                  </a:schemeClr>
+                </a:solidFill>
+              </a:rPr>
+              <a:t>Picard/ </a:t>
+            </a:r>
+            <a:r>
+              <a:rPr lang="en-US" sz="2000" dirty="0" err="1" smtClean="0">
+                <a:solidFill>
+                  <a:schemeClr val="bg2">
+                    <a:lumMod val="75000"/>
+                    <a:lumOff val="25000"/>
+                  </a:schemeClr>
+                </a:solidFill>
+              </a:rPr>
+              <a:t>SAMtools</a:t>
+            </a:r>
+            <a:r>
+              <a:rPr lang="en-US" sz="2000" dirty="0" smtClean="0">
+                <a:solidFill>
+                  <a:schemeClr val="bg2">
+                    <a:lumMod val="75000"/>
+                    <a:lumOff val="25000"/>
+                  </a:schemeClr>
+                </a:solidFill>
+              </a:rPr>
+              <a:t> </a:t>
+            </a:r>
+            <a:endParaRPr lang="en-US" dirty="0">
+              <a:solidFill>
+                <a:schemeClr val="bg2">
+                  <a:lumMod val="75000"/>
+                  <a:lumOff val="25000"/>
+                </a:schemeClr>
+              </a:solidFill>
+            </a:endParaRPr>
+          </a:p>
+          <a:p>
+            <a:pPr marL="777240" lvl="1" indent="-457200">
+              <a:lnSpc>
+                <a:spcPct val="130000"/>
+              </a:lnSpc>
+              <a:buFont typeface="+mj-lt"/>
+              <a:buAutoNum type="arabicPeriod"/>
+            </a:pPr>
+            <a:r>
+              <a:rPr lang="en-US" sz="2000" dirty="0" smtClean="0">
+                <a:solidFill>
+                  <a:schemeClr val="bg2">
+                    <a:lumMod val="75000"/>
+                    <a:lumOff val="25000"/>
+                  </a:schemeClr>
+                </a:solidFill>
+              </a:rPr>
+              <a:t>Coverage </a:t>
+            </a:r>
+            <a:r>
+              <a:rPr lang="en-US" sz="2000" dirty="0">
+                <a:solidFill>
+                  <a:schemeClr val="bg2">
+                    <a:lumMod val="75000"/>
+                    <a:lumOff val="25000"/>
+                  </a:schemeClr>
+                </a:solidFill>
+              </a:rPr>
+              <a:t>mapping </a:t>
+            </a:r>
+            <a:r>
+              <a:rPr lang="en-US" sz="2000" dirty="0" smtClean="0">
+                <a:solidFill>
+                  <a:schemeClr val="bg2">
+                    <a:lumMod val="75000"/>
+                    <a:lumOff val="25000"/>
+                  </a:schemeClr>
+                </a:solidFill>
+              </a:rPr>
+              <a:t>- </a:t>
+            </a:r>
+            <a:r>
+              <a:rPr lang="en-US" sz="2000" dirty="0" err="1" smtClean="0">
+                <a:solidFill>
+                  <a:schemeClr val="bg2">
+                    <a:lumMod val="75000"/>
+                    <a:lumOff val="25000"/>
+                  </a:schemeClr>
+                </a:solidFill>
+              </a:rPr>
+              <a:t>BEDtools</a:t>
+            </a:r>
+            <a:endParaRPr lang="en-US" sz="2000" dirty="0" smtClean="0">
+              <a:solidFill>
+                <a:schemeClr val="bg2">
+                  <a:lumMod val="75000"/>
+                  <a:lumOff val="25000"/>
+                </a:schemeClr>
+              </a:solidFill>
+            </a:endParaRPr>
+          </a:p>
+          <a:p>
+            <a:pPr marL="777240" lvl="1" indent="-457200">
+              <a:lnSpc>
+                <a:spcPct val="130000"/>
+              </a:lnSpc>
+              <a:buFont typeface="+mj-lt"/>
+              <a:buAutoNum type="arabicPeriod"/>
+            </a:pPr>
+            <a:r>
+              <a:rPr lang="en-US" sz="2000" dirty="0" err="1"/>
+              <a:t>Indel</a:t>
+            </a:r>
+            <a:r>
+              <a:rPr lang="en-US" sz="2000" dirty="0"/>
+              <a:t> realignment </a:t>
+            </a:r>
+            <a:r>
+              <a:rPr lang="en-US" sz="2000" dirty="0" smtClean="0"/>
+              <a:t>- GATK</a:t>
+            </a:r>
+          </a:p>
+          <a:p>
+            <a:pPr marL="45720" indent="0" algn="ctr">
+              <a:lnSpc>
+                <a:spcPct val="130000"/>
+              </a:lnSpc>
+              <a:buNone/>
+            </a:pPr>
+            <a:endParaRPr lang="en-US" sz="2800" b="1" dirty="0"/>
+          </a:p>
+        </p:txBody>
+      </p:sp>
+    </p:spTree>
+    <p:extLst>
+      <p:ext uri="{BB962C8B-B14F-4D97-AF65-F5344CB8AC3E}">
+        <p14:creationId xmlns:p14="http://schemas.microsoft.com/office/powerpoint/2010/main" val="733389071"/>
+      </p:ext>
+    </p:extLst>
+  </p:cSld>
+  <p:clrMapOvr>
+    <a:masterClrMapping/>
+  </p:clrMapOvr>
+  <p:timing>
+    <p:tnLst>
+      <p:par>
+        <p:cTn xmlns:p14="http://schemas.microsoft.com/office/powerpoint/2010/main" id="1" dur="indefinite" restart="never" nodeType="tmRoot"/>
+      </p:par>
+    </p:tnLst>
+  </p:timing>
+</p:sld>
+</file>
+
+<file path=ppt/slides/slide23.xml><?xml version="1.0" encoding="utf-8"?>
+<p:sld xmlns:a="http://schemas.openxmlformats.org/drawingml/2006/main" xmlns:r="http://schemas.openxmlformats.org/officeDocument/2006/relationships" xmlns:p="http://schemas.openxmlformats.org/presentationml/2006/main">
+  <p:cSld>
+    <p:spTree>
+      <p:nvGrpSpPr>
+        <p:cNvPr id="1" name=""/>
+        <p:cNvGrpSpPr/>
+        <p:nvPr/>
+      </p:nvGrpSpPr>
+      <p:grpSpPr>
+        <a:xfrm>
+          <a:off x="0" y="0"/>
+          <a:ext cx="0" cy="0"/>
+          <a:chOff x="0" y="0"/>
+          <a:chExt cx="0" cy="0"/>
+        </a:xfrm>
+      </p:grpSpPr>
+      <p:sp>
+        <p:nvSpPr>
+          <p:cNvPr id="2" name="Title 1"/>
+          <p:cNvSpPr>
+            <a:spLocks noGrp="1"/>
+          </p:cNvSpPr>
+          <p:nvPr>
+            <p:ph type="title"/>
+          </p:nvPr>
+        </p:nvSpPr>
+        <p:spPr>
+          <a:xfrm>
+            <a:off x="914400" y="709115"/>
+            <a:ext cx="7315200" cy="1154097"/>
+          </a:xfrm>
+        </p:spPr>
+        <p:txBody>
+          <a:bodyPr/>
+          <a:lstStyle/>
+          <a:p>
+            <a:r>
               <a:rPr lang="en-US" dirty="0" smtClean="0"/>
               <a:t>sequence_handling</a:t>
             </a:r>
@@ -9975,7 +10262,7 @@
 </p:sld>
 </file>
 
-<file path=ppt/slides/slide23.xml><?xml version="1.0" encoding="utf-8"?>
+<file path=ppt/slides/slide24.xml><?xml version="1.0" encoding="utf-8"?>
 <p:sld xmlns:a="http://schemas.openxmlformats.org/drawingml/2006/main" xmlns:r="http://schemas.openxmlformats.org/officeDocument/2006/relationships" xmlns:p="http://schemas.openxmlformats.org/presentationml/2006/main">
   <p:cSld>
     <p:spTree>
@@ -10149,220 +10436,6 @@
 </p:sld>
 </file>
 
-<file path=ppt/slides/slide24.xml><?xml version="1.0" encoding="utf-8"?>
-<p:sld xmlns:a="http://schemas.openxmlformats.org/drawingml/2006/main" xmlns:r="http://schemas.openxmlformats.org/officeDocument/2006/relationships" xmlns:p="http://schemas.openxmlformats.org/presentationml/2006/main">
-  <p:cSld>
-    <p:spTree>
-      <p:nvGrpSpPr>
-        <p:cNvPr id="1" name=""/>
-        <p:cNvGrpSpPr/>
-        <p:nvPr/>
-      </p:nvGrpSpPr>
-      <p:grpSpPr>
-        <a:xfrm>
-          <a:off x="0" y="0"/>
-          <a:ext cx="0" cy="0"/>
-          <a:chOff x="0" y="0"/>
-          <a:chExt cx="0" cy="0"/>
-        </a:xfrm>
-      </p:grpSpPr>
-      <p:sp>
-        <p:nvSpPr>
-          <p:cNvPr id="2" name="Title 1"/>
-          <p:cNvSpPr>
-            <a:spLocks noGrp="1"/>
-          </p:cNvSpPr>
-          <p:nvPr>
-            <p:ph type="title"/>
-          </p:nvPr>
-        </p:nvSpPr>
-        <p:spPr>
-          <a:xfrm>
-            <a:off x="914400" y="709115"/>
-            <a:ext cx="7315200" cy="1154097"/>
-          </a:xfrm>
-        </p:spPr>
-        <p:txBody>
-          <a:bodyPr/>
-          <a:lstStyle/>
-          <a:p>
-            <a:r>
-              <a:rPr lang="en-US" dirty="0" smtClean="0"/>
-              <a:t>sequence_handling</a:t>
-            </a:r>
-            <a:endParaRPr lang="en-US" dirty="0"/>
-          </a:p>
-        </p:txBody>
-      </p:sp>
-      <p:sp>
-        <p:nvSpPr>
-          <p:cNvPr id="3" name="Content Placeholder 2"/>
-          <p:cNvSpPr>
-            <a:spLocks noGrp="1"/>
-          </p:cNvSpPr>
-          <p:nvPr>
-            <p:ph idx="1"/>
-          </p:nvPr>
-        </p:nvSpPr>
-        <p:spPr>
-          <a:xfrm>
-            <a:off x="183799" y="2527933"/>
-            <a:ext cx="8571318" cy="3773686"/>
-          </a:xfrm>
-        </p:spPr>
-        <p:txBody>
-          <a:bodyPr>
-            <a:noAutofit/>
-          </a:bodyPr>
-          <a:lstStyle/>
-          <a:p>
-            <a:pPr marL="320040" lvl="1" indent="0">
-              <a:lnSpc>
-                <a:spcPct val="130000"/>
-              </a:lnSpc>
-              <a:buNone/>
-            </a:pPr>
-            <a:r>
-              <a:rPr lang="en-US" sz="2000" dirty="0" smtClean="0"/>
-              <a:t>What does it do?</a:t>
-            </a:r>
-            <a:endParaRPr lang="en-US" sz="2000" dirty="0" smtClean="0"/>
-          </a:p>
-          <a:p>
-            <a:pPr lvl="1">
-              <a:lnSpc>
-                <a:spcPct val="130000"/>
-              </a:lnSpc>
-            </a:pPr>
-            <a:r>
-              <a:rPr lang="en-US" sz="2000" dirty="0" smtClean="0"/>
-              <a:t>It’s </a:t>
-            </a:r>
-            <a:r>
-              <a:rPr lang="en-US" sz="2000" dirty="0"/>
-              <a:t>a workflow and it’s designed so each step can happen simultaneously for each </a:t>
-            </a:r>
-            <a:r>
-              <a:rPr lang="en-US" sz="2000" dirty="0" smtClean="0"/>
-              <a:t>sample -  </a:t>
-            </a:r>
-            <a:r>
-              <a:rPr lang="en-US" sz="2000" dirty="0">
-                <a:solidFill>
-                  <a:srgbClr val="F9BE92"/>
-                </a:solidFill>
-              </a:rPr>
-              <a:t>List-based Batch </a:t>
-            </a:r>
-            <a:r>
-              <a:rPr lang="en-US" sz="2000" dirty="0" smtClean="0">
-                <a:solidFill>
-                  <a:srgbClr val="F9BE92"/>
-                </a:solidFill>
-              </a:rPr>
-              <a:t>Submission</a:t>
-            </a:r>
-          </a:p>
-          <a:p>
-            <a:pPr lvl="1">
-              <a:lnSpc>
-                <a:spcPct val="130000"/>
-              </a:lnSpc>
-            </a:pPr>
-            <a:endParaRPr lang="en-US" sz="1200" dirty="0">
-              <a:solidFill>
-                <a:srgbClr val="F9BE92"/>
-              </a:solidFill>
-            </a:endParaRPr>
-          </a:p>
-          <a:p>
-            <a:pPr lvl="1">
-              <a:lnSpc>
-                <a:spcPct val="130000"/>
-              </a:lnSpc>
-            </a:pPr>
-            <a:r>
-              <a:rPr lang="en-US" sz="2000" dirty="0" smtClean="0"/>
-              <a:t>All </a:t>
-            </a:r>
-            <a:r>
-              <a:rPr lang="en-US" sz="2000" dirty="0"/>
-              <a:t>of the handlers in </a:t>
-            </a:r>
-            <a:r>
-              <a:rPr lang="en-US" sz="2000" dirty="0" smtClean="0"/>
-              <a:t>sequence_handling </a:t>
-            </a:r>
-            <a:r>
-              <a:rPr lang="en-US" sz="2000" dirty="0"/>
-              <a:t>rely on the information stored in the </a:t>
-            </a:r>
-            <a:r>
-              <a:rPr lang="en-US" sz="2000" dirty="0" err="1">
-                <a:solidFill>
-                  <a:srgbClr val="F9BE92"/>
-                </a:solidFill>
-              </a:rPr>
-              <a:t>config</a:t>
-            </a:r>
-            <a:r>
-              <a:rPr lang="en-US" sz="2000" dirty="0">
-                <a:solidFill>
-                  <a:srgbClr val="F9BE92"/>
-                </a:solidFill>
-              </a:rPr>
-              <a:t> </a:t>
-            </a:r>
-            <a:r>
-              <a:rPr lang="en-US" sz="2000" dirty="0" smtClean="0">
-                <a:solidFill>
-                  <a:srgbClr val="F9BE92"/>
-                </a:solidFill>
-              </a:rPr>
-              <a:t>file </a:t>
-            </a:r>
-            <a:endParaRPr lang="en-US" sz="2000" dirty="0" smtClean="0">
-              <a:solidFill>
-                <a:srgbClr val="F9BE92"/>
-              </a:solidFill>
-            </a:endParaRPr>
-          </a:p>
-          <a:p>
-            <a:pPr marL="45720" indent="0">
-              <a:buNone/>
-            </a:pPr>
-            <a:r>
-              <a:rPr lang="en-US" dirty="0"/>
-              <a:t>		</a:t>
-            </a:r>
-            <a:endParaRPr lang="en-US" dirty="0">
-              <a:solidFill>
-                <a:srgbClr val="F9BE92"/>
-              </a:solidFill>
-            </a:endParaRPr>
-          </a:p>
-        </p:txBody>
-      </p:sp>
-    </p:spTree>
-    <p:extLst>
-      <p:ext uri="{BB962C8B-B14F-4D97-AF65-F5344CB8AC3E}">
-        <p14:creationId xmlns:p14="http://schemas.microsoft.com/office/powerpoint/2010/main" val="1094467988"/>
-      </p:ext>
-    </p:extLst>
-  </p:cSld>
-  <p:clrMapOvr>
-    <a:masterClrMapping/>
-  </p:clrMapOvr>
-  <p:timing>
-    <p:tnLst>
-      <p:par>
-        <p:cTn xmlns:p14="http://schemas.microsoft.com/office/powerpoint/2010/main" id="1" dur="indefinite" restart="never" nodeType="tmRoot"/>
-      </p:par>
-    </p:tnLst>
-  </p:timing>
-</p:sld>
-</file>
-
 <file path=ppt/slides/slide25.xml><?xml version="1.0" encoding="utf-8"?>
 <p:sld xmlns:a="http://schemas.openxmlformats.org/drawingml/2006/main" xmlns:r="http://schemas.openxmlformats.org/officeDocument/2006/relationships" xmlns:p="http://schemas.openxmlformats.org/presentationml/2006/main">
   <p:cSld>
@@ -10540,38 +10613,6 @@
                 <a:srgbClr val="F9BE92"/>
               </a:solidFill>
             </a:endParaRPr>
-          </a:p>
-          <a:p>
-            <a:pPr marL="45720" indent="0">
-              <a:lnSpc>
-                <a:spcPct val="130000"/>
-              </a:lnSpc>
-              <a:buNone/>
-            </a:pPr>
-            <a:r>
-              <a:rPr lang="en-US" sz="2200" dirty="0" smtClean="0"/>
-              <a:t>What does it does not do?</a:t>
-            </a:r>
-          </a:p>
-          <a:p>
-            <a:pPr lvl="1">
-              <a:lnSpc>
-                <a:spcPct val="130000"/>
-              </a:lnSpc>
-            </a:pPr>
-            <a:r>
-              <a:rPr lang="en-US" dirty="0" smtClean="0"/>
-              <a:t>Runs all handlers automatically in the workflow (runs one handler </a:t>
-            </a:r>
-            <a:r>
-              <a:rPr lang="en-US" dirty="0"/>
-              <a:t>a</a:t>
-            </a:r>
-            <a:r>
-              <a:rPr lang="en-US" dirty="0" smtClean="0"/>
-              <a:t>t the time)</a:t>
-            </a:r>
-            <a:endParaRPr lang="en-US" dirty="0" smtClean="0"/>
           </a:p>
           <a:p>
             <a:pPr marL="45720" indent="0">
@@ -10638,7 +10679,7 @@
         </p:nvSpPr>
         <p:spPr>
           <a:xfrm>
-            <a:off x="914400" y="716355"/>
+            <a:off x="914400" y="709115"/>
             <a:ext cx="7315200" cy="1154097"/>
           </a:xfrm>
         </p:spPr>
@@ -10647,12 +10688,8 @@
           <a:lstStyle/>
           <a:p>
             <a:r>
-              <a:rPr lang="en-US" dirty="0"/>
-              <a:t>s</a:t>
-            </a:r>
-            <a:r>
               <a:rPr lang="en-US" dirty="0" smtClean="0"/>
-              <a:t>equence_handling</a:t>
+              <a:t>sequence_handling</a:t>
             </a:r>
             <a:endParaRPr lang="en-US" dirty="0"/>
           </a:p>
@@ -10670,313 +10707,179 @@
         </p:nvSpPr>
         <p:spPr>
           <a:xfrm>
-            <a:off x="0" y="2245205"/>
-            <a:ext cx="9144000" cy="4001171"/>
+            <a:off x="183799" y="2527933"/>
+            <a:ext cx="8571318" cy="3773686"/>
           </a:xfrm>
         </p:spPr>
         <p:txBody>
           <a:bodyPr>
-            <a:normAutofit/>
+            <a:noAutofit/>
           </a:bodyPr>
           <a:lstStyle/>
           <a:p>
-            <a:endParaRPr lang="en-US" sz="1800" dirty="0" smtClean="0">
+            <a:pPr marL="320040" lvl="1" indent="0">
+              <a:lnSpc>
+                <a:spcPct val="130000"/>
+              </a:lnSpc>
+              <a:buNone/>
+            </a:pPr>
+            <a:r>
+              <a:rPr lang="en-US" sz="2000" dirty="0" smtClean="0"/>
+              <a:t>What does it do?</a:t>
+            </a:r>
+            <a:endParaRPr lang="en-US" sz="2000" dirty="0" smtClean="0"/>
+          </a:p>
+          <a:p>
+            <a:pPr lvl="1">
+              <a:lnSpc>
+                <a:spcPct val="130000"/>
+              </a:lnSpc>
+            </a:pPr>
+            <a:r>
+              <a:rPr lang="en-US" sz="2000" dirty="0" smtClean="0"/>
+              <a:t>It’s </a:t>
+            </a:r>
+            <a:r>
+              <a:rPr lang="en-US" sz="2000" dirty="0"/>
+              <a:t>a workflow and it’s designed so each step can happen simultaneously for each </a:t>
+            </a:r>
+            <a:r>
+              <a:rPr lang="en-US" sz="2000" dirty="0" smtClean="0"/>
+              <a:t>sample -  </a:t>
+            </a:r>
+            <a:r>
+              <a:rPr lang="en-US" sz="2000" dirty="0">
+                <a:solidFill>
+                  <a:srgbClr val="F9BE92"/>
+                </a:solidFill>
+              </a:rPr>
+              <a:t>List-based Batch </a:t>
+            </a:r>
+            <a:r>
+              <a:rPr lang="en-US" sz="2000" dirty="0" smtClean="0">
+                <a:solidFill>
+                  <a:srgbClr val="F9BE92"/>
+                </a:solidFill>
+              </a:rPr>
+              <a:t>Submission</a:t>
+            </a:r>
+          </a:p>
+          <a:p>
+            <a:pPr lvl="1">
+              <a:lnSpc>
+                <a:spcPct val="130000"/>
+              </a:lnSpc>
+            </a:pPr>
+            <a:endParaRPr lang="en-US" sz="1200" dirty="0">
               <a:solidFill>
-                <a:srgbClr val="CCFFCC"/>
-              </a:solidFill>
-              <a:latin typeface="Lucida Console"/>
-              <a:cs typeface="Lucida Console"/>
-            </a:endParaRPr>
-          </a:p>
-          <a:p>
-            <a:endParaRPr lang="en-US" sz="1800" dirty="0">
-              <a:solidFill>
-                <a:srgbClr val="CCFFCC"/>
-              </a:solidFill>
-              <a:latin typeface="Lucida Console"/>
-              <a:cs typeface="Lucida Console"/>
-            </a:endParaRPr>
-          </a:p>
-          <a:p>
-            <a:endParaRPr lang="en-US" sz="1800" dirty="0" smtClean="0">
-              <a:solidFill>
-                <a:srgbClr val="CCFFCC"/>
-              </a:solidFill>
-              <a:latin typeface="Lucida Console"/>
-              <a:cs typeface="Lucida Console"/>
-            </a:endParaRPr>
-          </a:p>
-          <a:p>
-            <a:r>
-              <a:rPr lang="en-US" sz="1800" dirty="0" err="1" smtClean="0">
-                <a:solidFill>
-                  <a:srgbClr val="CCFFCC"/>
-                </a:solidFill>
-                <a:latin typeface="Lucida Console"/>
-                <a:cs typeface="Lucida Console"/>
-              </a:rPr>
-              <a:t>git</a:t>
-            </a:r>
-            <a:r>
-              <a:rPr lang="en-US" sz="1800" dirty="0" smtClean="0">
-                <a:solidFill>
-                  <a:srgbClr val="CCFFCC"/>
-                </a:solidFill>
-                <a:latin typeface="Lucida Console"/>
-                <a:cs typeface="Lucida Console"/>
-              </a:rPr>
-              <a:t> clone /</a:t>
-            </a:r>
-            <a:r>
-              <a:rPr lang="en-US" sz="1800" dirty="0" err="1" smtClean="0">
-                <a:solidFill>
-                  <a:srgbClr val="CCFFCC"/>
-                </a:solidFill>
-                <a:latin typeface="Lucida Console"/>
-                <a:cs typeface="Lucida Console"/>
-              </a:rPr>
-              <a:t>panfs</a:t>
-            </a:r>
-            <a:r>
-              <a:rPr lang="en-US" sz="1800" dirty="0" smtClean="0">
-                <a:solidFill>
-                  <a:srgbClr val="CCFFCC"/>
-                </a:solidFill>
-                <a:latin typeface="Lucida Console"/>
-                <a:cs typeface="Lucida Console"/>
-              </a:rPr>
-              <a:t>/roc/groups/9/</a:t>
-            </a:r>
-            <a:r>
-              <a:rPr lang="en-US" sz="1800" dirty="0" err="1" smtClean="0">
-                <a:solidFill>
-                  <a:srgbClr val="CCFFCC"/>
-                </a:solidFill>
-                <a:latin typeface="Lucida Console"/>
-                <a:cs typeface="Lucida Console"/>
-              </a:rPr>
-              <a:t>morrellp</a:t>
-            </a:r>
-            <a:r>
-              <a:rPr lang="en-US" sz="1800" dirty="0" smtClean="0">
-                <a:solidFill>
-                  <a:srgbClr val="CCFFCC"/>
-                </a:solidFill>
-                <a:latin typeface="Lucida Console"/>
-                <a:cs typeface="Lucida Console"/>
-              </a:rPr>
-              <a:t>/public/sequence_handling</a:t>
-            </a:r>
-          </a:p>
-          <a:p>
-            <a:endParaRPr lang="en-US" sz="1800" dirty="0">
-              <a:solidFill>
-                <a:srgbClr val="CCFFCC"/>
+                <a:srgbClr val="F9BE92"/>
               </a:solidFill>
             </a:endParaRPr>
           </a:p>
           <a:p>
-            <a:r>
-              <a:rPr lang="en-US" sz="1800" dirty="0" err="1" smtClean="0">
-                <a:solidFill>
-                  <a:srgbClr val="CCFFCC"/>
-                </a:solidFill>
-                <a:latin typeface="Lucida Console"/>
-                <a:cs typeface="Lucida Console"/>
-              </a:rPr>
-              <a:t>git</a:t>
-            </a:r>
-            <a:r>
-              <a:rPr lang="en-US" sz="1800" dirty="0" smtClean="0">
-                <a:solidFill>
-                  <a:srgbClr val="CCFFCC"/>
-                </a:solidFill>
-                <a:latin typeface="Lucida Console"/>
-                <a:cs typeface="Lucida Console"/>
-              </a:rPr>
-              <a:t> clone /</a:t>
-            </a:r>
-            <a:r>
-              <a:rPr lang="en-US" sz="1800" dirty="0" err="1" smtClean="0">
-                <a:solidFill>
-                  <a:srgbClr val="CCFFCC"/>
-                </a:solidFill>
-                <a:latin typeface="Lucida Console"/>
-                <a:cs typeface="Lucida Console"/>
-              </a:rPr>
-              <a:t>panfs</a:t>
-            </a:r>
-            <a:r>
-              <a:rPr lang="en-US" sz="1800" dirty="0" smtClean="0">
-                <a:solidFill>
-                  <a:srgbClr val="CCFFCC"/>
-                </a:solidFill>
-                <a:latin typeface="Lucida Console"/>
-                <a:cs typeface="Lucida Console"/>
-              </a:rPr>
-              <a:t>/roc/groups/9/</a:t>
-            </a:r>
-            <a:r>
-              <a:rPr lang="en-US" sz="1800" dirty="0" err="1" smtClean="0">
-                <a:solidFill>
-                  <a:srgbClr val="CCFFCC"/>
-                </a:solidFill>
-                <a:latin typeface="Lucida Console"/>
-                <a:cs typeface="Lucida Console"/>
-              </a:rPr>
-              <a:t>morrellp</a:t>
-            </a:r>
-            <a:r>
-              <a:rPr lang="en-US" sz="1800" dirty="0" smtClean="0">
-                <a:solidFill>
-                  <a:srgbClr val="CCFFCC"/>
-                </a:solidFill>
-                <a:latin typeface="Lucida Console"/>
-                <a:cs typeface="Lucida Console"/>
-              </a:rPr>
-              <a:t>/public/</a:t>
-            </a:r>
-            <a:r>
-              <a:rPr lang="en-US" sz="1800" dirty="0" err="1" smtClean="0">
-                <a:solidFill>
-                  <a:srgbClr val="CCFFCC"/>
-                </a:solidFill>
-                <a:latin typeface="Lucida Console"/>
-                <a:cs typeface="Lucida Console"/>
-              </a:rPr>
-              <a:t>SH_Example_data</a:t>
-            </a:r>
-            <a:endParaRPr lang="en-US" sz="1800" dirty="0" smtClean="0">
+            <a:pPr lvl="1">
+              <a:lnSpc>
+                <a:spcPct val="130000"/>
+              </a:lnSpc>
+            </a:pPr>
+            <a:r>
+              <a:rPr lang="en-US" sz="2000" dirty="0" smtClean="0"/>
+              <a:t>All </a:t>
+            </a:r>
+            <a:r>
+              <a:rPr lang="en-US" sz="2000" dirty="0"/>
+              <a:t>of the handlers in </a:t>
+            </a:r>
+            <a:r>
+              <a:rPr lang="en-US" sz="2000" dirty="0" smtClean="0"/>
+              <a:t>sequence_handling </a:t>
+            </a:r>
+            <a:r>
+              <a:rPr lang="en-US" sz="2000" dirty="0"/>
+              <a:t>rely on the information stored in the </a:t>
+            </a:r>
+            <a:r>
+              <a:rPr lang="en-US" sz="2000" dirty="0" err="1">
+                <a:solidFill>
+                  <a:srgbClr val="F9BE92"/>
+                </a:solidFill>
+              </a:rPr>
+              <a:t>config</a:t>
+            </a:r>
+            <a:r>
+              <a:rPr lang="en-US" sz="2000" dirty="0">
+                <a:solidFill>
+                  <a:srgbClr val="F9BE92"/>
+                </a:solidFill>
+              </a:rPr>
+              <a:t> </a:t>
+            </a:r>
+            <a:r>
+              <a:rPr lang="en-US" sz="2000" dirty="0" smtClean="0">
+                <a:solidFill>
+                  <a:srgbClr val="F9BE92"/>
+                </a:solidFill>
+              </a:rPr>
+              <a:t>file </a:t>
+            </a:r>
+            <a:endParaRPr lang="en-US" sz="2000" dirty="0" smtClean="0">
               <a:solidFill>
-                <a:srgbClr val="CCFFCC"/>
+                <a:srgbClr val="F9BE92"/>
               </a:solidFill>
-              <a:latin typeface="Lucida Console"/>
-              <a:cs typeface="Lucida Console"/>
             </a:endParaRPr>
           </a:p>
           <a:p>
-            <a:endParaRPr lang="en-US" sz="1800" dirty="0" smtClean="0">
+            <a:pPr marL="45720" indent="0">
+              <a:lnSpc>
+                <a:spcPct val="130000"/>
+              </a:lnSpc>
+              <a:buNone/>
+            </a:pPr>
+            <a:r>
+              <a:rPr lang="en-US" sz="2200" dirty="0" smtClean="0"/>
+              <a:t>What does it does not do?</a:t>
+            </a:r>
+          </a:p>
+          <a:p>
+            <a:pPr lvl="1">
+              <a:lnSpc>
+                <a:spcPct val="130000"/>
+              </a:lnSpc>
+            </a:pPr>
+            <a:r>
+              <a:rPr lang="en-US" dirty="0" smtClean="0"/>
+              <a:t>Runs all handlers automatically in the workflow (runs one handler </a:t>
+            </a:r>
+            <a:r>
+              <a:rPr lang="en-US" dirty="0"/>
+              <a:t>a</a:t>
+            </a:r>
+            <a:r>
+              <a:rPr lang="en-US" dirty="0" smtClean="0"/>
+              <a:t>t the time)</a:t>
+            </a:r>
+            <a:endParaRPr lang="en-US" dirty="0" smtClean="0"/>
+          </a:p>
+          <a:p>
+            <a:pPr marL="45720" indent="0">
+              <a:buNone/>
+            </a:pPr>
+            <a:r>
+              <a:rPr lang="en-US" dirty="0"/>
+              <a:t>		</a:t>
+            </a:r>
+            <a:endParaRPr lang="en-US" dirty="0">
               <a:solidFill>
-                <a:srgbClr val="CCFFCC"/>
+                <a:srgbClr val="F9BE92"/>
               </a:solidFill>
-              <a:latin typeface="Lucida Console"/>
-              <a:cs typeface="Lucida Console"/>
             </a:endParaRPr>
-          </a:p>
-          <a:p>
-            <a:pPr marL="45720" indent="0">
-              <a:buNone/>
-            </a:pPr>
-            <a:endParaRPr lang="en-US" sz="1800" dirty="0">
-              <a:solidFill>
-                <a:srgbClr val="CCFFCC"/>
-              </a:solidFill>
-              <a:latin typeface="Lucida Console"/>
-              <a:cs typeface="Lucida Console"/>
-            </a:endParaRPr>
-          </a:p>
-          <a:p>
-            <a:endParaRPr lang="en-US" sz="1800" dirty="0">
-              <a:solidFill>
-                <a:srgbClr val="CCFFCC"/>
-              </a:solidFill>
-              <a:latin typeface="Lucida Console"/>
-              <a:cs typeface="Lucida Console"/>
-            </a:endParaRPr>
-          </a:p>
-          <a:p>
-            <a:pPr marL="45720" lvl="1" indent="0">
-              <a:buNone/>
-            </a:pPr>
-            <a:r>
-              <a:rPr lang="en-US" sz="2000" dirty="0"/>
-              <a:t>Sequence Handling can be obtained from P. Morrell’s lab </a:t>
-            </a:r>
-            <a:r>
-              <a:rPr lang="en-US" sz="2000" dirty="0" err="1"/>
-              <a:t>Github</a:t>
-            </a:r>
-            <a:r>
-              <a:rPr lang="en-US" sz="2000" dirty="0"/>
-              <a:t> repository </a:t>
-            </a:r>
-            <a:r>
-              <a:rPr lang="en-US" sz="1600" dirty="0">
-                <a:hlinkClick r:id="rId2"/>
-              </a:rPr>
-              <a:t>https://github.com/MorrellLAB/</a:t>
-            </a:r>
-            <a:r>
-              <a:rPr lang="en-US" sz="1600" dirty="0" smtClean="0">
-                <a:hlinkClick r:id="rId2"/>
-              </a:rPr>
-              <a:t>sequence_handling</a:t>
-            </a:r>
-            <a:endParaRPr lang="en-US" sz="1600" dirty="0" smtClean="0"/>
-          </a:p>
-          <a:p>
-            <a:pPr marL="45720" lvl="1" indent="0">
-              <a:buNone/>
-            </a:pPr>
-            <a:r>
-              <a:rPr lang="en-US" sz="1600" dirty="0" smtClean="0"/>
-              <a:t>README and documentation</a:t>
-            </a:r>
-          </a:p>
-          <a:p>
-            <a:pPr marL="45720" lvl="1" indent="0">
-              <a:buNone/>
-            </a:pPr>
-            <a:endParaRPr lang="en-US" sz="1600" dirty="0"/>
-          </a:p>
-          <a:p>
-            <a:pPr marL="45720" indent="0">
-              <a:buNone/>
-            </a:pPr>
-            <a:endParaRPr lang="en-US" sz="1800" dirty="0">
-              <a:solidFill>
-                <a:srgbClr val="CCFFCC"/>
-              </a:solidFill>
-              <a:latin typeface="Lucida Console"/>
-              <a:cs typeface="Lucida Console"/>
-            </a:endParaRPr>
-          </a:p>
-        </p:txBody>
-      </p:sp>
-      <p:sp>
-        <p:nvSpPr>
-          <p:cNvPr id="4" name="TextBox 3"/>
-          <p:cNvSpPr txBox="1"/>
-          <p:nvPr/>
-        </p:nvSpPr>
-        <p:spPr>
-          <a:xfrm>
-            <a:off x="208203" y="2615792"/>
-            <a:ext cx="3092501" cy="369332"/>
-          </a:xfrm>
-          <a:prstGeom prst="rect">
-            <a:avLst/>
-          </a:prstGeom>
-          <a:noFill/>
-        </p:spPr>
-        <p:txBody>
-          <a:bodyPr wrap="none" rtlCol="0">
-            <a:spAutoFit/>
-          </a:bodyPr>
-          <a:lstStyle/>
-          <a:p>
-            <a:r>
-              <a:rPr lang="en-US" dirty="0" smtClean="0"/>
-              <a:t>For today’s exercise, in MSI:</a:t>
-            </a:r>
-            <a:endParaRPr lang="en-US" dirty="0"/>
           </a:p>
         </p:txBody>
       </p:sp>
     </p:spTree>
     <p:extLst>
       <p:ext uri="{BB962C8B-B14F-4D97-AF65-F5344CB8AC3E}">
-        <p14:creationId xmlns:p14="http://schemas.microsoft.com/office/powerpoint/2010/main" val="2418924253"/>
+        <p14:creationId xmlns:p14="http://schemas.microsoft.com/office/powerpoint/2010/main" val="1094467988"/>
       </p:ext>
     </p:extLst>
   </p:cSld>
@@ -11012,6 +10915,38 @@
       </p:grpSpPr>
       <p:sp>
         <p:nvSpPr>
+          <p:cNvPr id="2" name="Title 1"/>
+          <p:cNvSpPr>
+            <a:spLocks noGrp="1"/>
+          </p:cNvSpPr>
+          <p:nvPr>
+            <p:ph type="title"/>
+          </p:nvPr>
+        </p:nvSpPr>
+        <p:spPr>
+          <a:xfrm>
+            <a:off x="914400" y="716355"/>
+            <a:ext cx="7315200" cy="1154097"/>
+          </a:xfrm>
+        </p:spPr>
+        <p:txBody>
+          <a:bodyPr/>
+          <a:lstStyle/>
+          <a:p>
+            <a:r>
+              <a:rPr lang="en-US" dirty="0"/>
+              <a:t>s</a:t>
+            </a:r>
+            <a:r>
+              <a:rPr lang="en-US" dirty="0" smtClean="0"/>
+              <a:t>equence_handling</a:t>
+            </a:r>
+            <a:endParaRPr lang="en-US" dirty="0"/>
+          </a:p>
+        </p:txBody>
+      </p:sp>
+      <p:sp>
+        <p:nvSpPr>
           <p:cNvPr id="3" name="Content Placeholder 2"/>
           <p:cNvSpPr>
             <a:spLocks noGrp="1"/>
@@ -11022,8 +10957,8 @@
         </p:nvSpPr>
         <p:spPr>
           <a:xfrm>
-            <a:off x="86100" y="2397071"/>
-            <a:ext cx="9057900" cy="3539527"/>
+            <a:off x="0" y="2245205"/>
+            <a:ext cx="9144000" cy="4001171"/>
           </a:xfrm>
         </p:spPr>
         <p:txBody>
@@ -11032,84 +10967,294 @@
           </a:bodyPr>
           <a:lstStyle/>
           <a:p>
+            <a:endParaRPr lang="en-US" sz="1800" dirty="0" smtClean="0">
+              <a:solidFill>
+                <a:srgbClr val="CCFFCC"/>
+              </a:solidFill>
+              <a:latin typeface="Lucida Console"/>
+              <a:cs typeface="Lucida Console"/>
+            </a:endParaRPr>
+          </a:p>
+          <a:p>
+            <a:endParaRPr lang="en-US" sz="1800" dirty="0">
+              <a:solidFill>
+                <a:srgbClr val="CCFFCC"/>
+              </a:solidFill>
+              <a:latin typeface="Lucida Console"/>
+              <a:cs typeface="Lucida Console"/>
+            </a:endParaRPr>
+          </a:p>
+          <a:p>
+            <a:endParaRPr lang="en-US" sz="1800" dirty="0" smtClean="0">
+              <a:solidFill>
+                <a:srgbClr val="CCFFCC"/>
+              </a:solidFill>
+              <a:latin typeface="Lucida Console"/>
+              <a:cs typeface="Lucida Console"/>
+            </a:endParaRPr>
+          </a:p>
+          <a:p>
+            <a:r>
+              <a:rPr lang="en-US" sz="1800" dirty="0" err="1" smtClean="0">
+                <a:solidFill>
+                  <a:srgbClr val="CCFFCC"/>
+                </a:solidFill>
+                <a:latin typeface="Lucida Console"/>
+                <a:cs typeface="Lucida Console"/>
+              </a:rPr>
+              <a:t>git</a:t>
+            </a:r>
+            <a:r>
+              <a:rPr lang="en-US" sz="1800" dirty="0" smtClean="0">
+                <a:solidFill>
+                  <a:srgbClr val="CCFFCC"/>
+                </a:solidFill>
+                <a:latin typeface="Lucida Console"/>
+                <a:cs typeface="Lucida Console"/>
+              </a:rPr>
+              <a:t> clone /</a:t>
+            </a:r>
+            <a:r>
+              <a:rPr lang="en-US" sz="1800" dirty="0" err="1" smtClean="0">
+                <a:solidFill>
+                  <a:srgbClr val="CCFFCC"/>
+                </a:solidFill>
+                <a:latin typeface="Lucida Console"/>
+                <a:cs typeface="Lucida Console"/>
+              </a:rPr>
+              <a:t>panfs</a:t>
+            </a:r>
+            <a:r>
+              <a:rPr lang="en-US" sz="1800" dirty="0" smtClean="0">
+                <a:solidFill>
+                  <a:srgbClr val="CCFFCC"/>
+                </a:solidFill>
+                <a:latin typeface="Lucida Console"/>
+                <a:cs typeface="Lucida Console"/>
+              </a:rPr>
+              <a:t>/roc/groups/9/</a:t>
+            </a:r>
+            <a:r>
+              <a:rPr lang="en-US" sz="1800" dirty="0" err="1" smtClean="0">
+                <a:solidFill>
+                  <a:srgbClr val="CCFFCC"/>
+                </a:solidFill>
+                <a:latin typeface="Lucida Console"/>
+                <a:cs typeface="Lucida Console"/>
+              </a:rPr>
+              <a:t>morrellp</a:t>
+            </a:r>
+            <a:r>
+              <a:rPr lang="en-US" sz="1800" dirty="0" smtClean="0">
+                <a:solidFill>
+                  <a:srgbClr val="CCFFCC"/>
+                </a:solidFill>
+                <a:latin typeface="Lucida Console"/>
+                <a:cs typeface="Lucida Console"/>
+              </a:rPr>
+              <a:t>/public/sequence_handling</a:t>
+            </a:r>
+          </a:p>
+          <a:p>
+            <a:endParaRPr lang="en-US" sz="1800" dirty="0">
+              <a:solidFill>
+                <a:srgbClr val="CCFFCC"/>
+              </a:solidFill>
+            </a:endParaRPr>
+          </a:p>
+          <a:p>
+            <a:r>
+              <a:rPr lang="en-US" sz="1800" dirty="0" err="1" smtClean="0">
+                <a:solidFill>
+                  <a:srgbClr val="CCFFCC"/>
+                </a:solidFill>
+                <a:latin typeface="Lucida Console"/>
+                <a:cs typeface="Lucida Console"/>
+              </a:rPr>
+              <a:t>git</a:t>
+            </a:r>
+            <a:r>
+              <a:rPr lang="en-US" sz="1800" dirty="0" smtClean="0">
+                <a:solidFill>
+                  <a:srgbClr val="CCFFCC"/>
+                </a:solidFill>
+                <a:latin typeface="Lucida Console"/>
+                <a:cs typeface="Lucida Console"/>
+              </a:rPr>
+              <a:t> clone /</a:t>
+            </a:r>
+            <a:r>
+              <a:rPr lang="en-US" sz="1800" dirty="0" err="1" smtClean="0">
+                <a:solidFill>
+                  <a:srgbClr val="CCFFCC"/>
+                </a:solidFill>
+                <a:latin typeface="Lucida Console"/>
+                <a:cs typeface="Lucida Console"/>
+              </a:rPr>
+              <a:t>panfs</a:t>
+            </a:r>
+            <a:r>
+              <a:rPr lang="en-US" sz="1800" dirty="0" smtClean="0">
+                <a:solidFill>
+                  <a:srgbClr val="CCFFCC"/>
+                </a:solidFill>
+                <a:latin typeface="Lucida Console"/>
+                <a:cs typeface="Lucida Console"/>
+              </a:rPr>
+              <a:t>/roc/groups/9/</a:t>
+            </a:r>
+            <a:r>
+              <a:rPr lang="en-US" sz="1800" dirty="0" err="1" smtClean="0">
+                <a:solidFill>
+                  <a:srgbClr val="CCFFCC"/>
+                </a:solidFill>
+                <a:latin typeface="Lucida Console"/>
+                <a:cs typeface="Lucida Console"/>
+              </a:rPr>
+              <a:t>morrellp</a:t>
+            </a:r>
+            <a:r>
+              <a:rPr lang="en-US" sz="1800" dirty="0" smtClean="0">
+                <a:solidFill>
+                  <a:srgbClr val="CCFFCC"/>
+                </a:solidFill>
+                <a:latin typeface="Lucida Console"/>
+                <a:cs typeface="Lucida Console"/>
+              </a:rPr>
+              <a:t>/public/</a:t>
+            </a:r>
+            <a:r>
+              <a:rPr lang="en-US" sz="1800" dirty="0" err="1" smtClean="0">
+                <a:solidFill>
+                  <a:srgbClr val="CCFFCC"/>
+                </a:solidFill>
+                <a:latin typeface="Lucida Console"/>
+                <a:cs typeface="Lucida Console"/>
+              </a:rPr>
+              <a:t>SH_Example_data</a:t>
+            </a:r>
+            <a:endParaRPr lang="en-US" sz="1800" dirty="0" smtClean="0">
+              <a:solidFill>
+                <a:srgbClr val="CCFFCC"/>
+              </a:solidFill>
+              <a:latin typeface="Lucida Console"/>
+              <a:cs typeface="Lucida Console"/>
+            </a:endParaRPr>
+          </a:p>
+          <a:p>
+            <a:endParaRPr lang="en-US" sz="1800" dirty="0" smtClean="0">
+              <a:solidFill>
+                <a:srgbClr val="CCFFCC"/>
+              </a:solidFill>
+              <a:latin typeface="Lucida Console"/>
+              <a:cs typeface="Lucida Console"/>
+            </a:endParaRPr>
+          </a:p>
+          <a:p>
             <a:pPr marL="45720" indent="0">
               <a:buNone/>
             </a:pPr>
-            <a:endParaRPr lang="en-US" sz="2400" dirty="0" smtClean="0"/>
+            <a:endParaRPr lang="en-US" sz="1800" dirty="0">
+              <a:solidFill>
+                <a:srgbClr val="CCFFCC"/>
+              </a:solidFill>
+              <a:latin typeface="Lucida Console"/>
+              <a:cs typeface="Lucida Console"/>
+            </a:endParaRPr>
+          </a:p>
+          <a:p>
+            <a:endParaRPr lang="en-US" sz="1800" dirty="0">
+              <a:solidFill>
+                <a:srgbClr val="CCFFCC"/>
+              </a:solidFill>
+              <a:latin typeface="Lucida Console"/>
+              <a:cs typeface="Lucida Console"/>
+            </a:endParaRPr>
+          </a:p>
+          <a:p>
+            <a:pPr marL="45720" lvl="1" indent="0">
+              <a:buNone/>
+            </a:pPr>
+            <a:r>
+              <a:rPr lang="en-US" sz="2000" dirty="0"/>
+              <a:t>Sequence Handling can be obtained from P. Morrell’s lab </a:t>
+            </a:r>
+            <a:r>
+              <a:rPr lang="en-US" sz="2000" dirty="0" err="1"/>
+              <a:t>Github</a:t>
+            </a:r>
+            <a:r>
+              <a:rPr lang="en-US" sz="2000" dirty="0"/>
+              <a:t> repository </a:t>
+            </a:r>
+            <a:r>
+              <a:rPr lang="en-US" sz="1600" dirty="0">
+                <a:hlinkClick r:id="rId2"/>
+              </a:rPr>
+              <a:t>https://github.com/MorrellLAB/</a:t>
+            </a:r>
+            <a:r>
+              <a:rPr lang="en-US" sz="1600" dirty="0" smtClean="0">
+                <a:hlinkClick r:id="rId2"/>
+              </a:rPr>
+              <a:t>sequence_handling</a:t>
+            </a:r>
+            <a:endParaRPr lang="en-US" sz="1600" dirty="0" smtClean="0"/>
+          </a:p>
+          <a:p>
+            <a:pPr marL="45720" lvl="1" indent="0">
+              <a:buNone/>
+            </a:pPr>
+            <a:r>
+              <a:rPr lang="en-US" sz="1600" dirty="0" smtClean="0"/>
+              <a:t>README and documentation</a:t>
+            </a:r>
+          </a:p>
+          <a:p>
+            <a:pPr marL="45720" lvl="1" indent="0">
+              <a:buNone/>
+            </a:pPr>
+            <a:endParaRPr lang="en-US" sz="1600" dirty="0"/>
           </a:p>
           <a:p>
             <a:pPr marL="45720" indent="0">
               <a:buNone/>
             </a:pPr>
-            <a:r>
-              <a:rPr lang="en-US" sz="2400" dirty="0" smtClean="0"/>
-              <a:t>1. Create sample list</a:t>
-            </a:r>
-          </a:p>
-          <a:p>
-            <a:pPr marL="45720" indent="0">
-              <a:buNone/>
-            </a:pPr>
-            <a:endParaRPr lang="en-US" sz="2400" dirty="0"/>
-          </a:p>
-          <a:p>
-            <a:pPr marL="45720" indent="0">
-              <a:buNone/>
-            </a:pPr>
-            <a:r>
-              <a:rPr lang="en-US" sz="2400" dirty="0" smtClean="0"/>
-              <a:t>2. Edit Config file </a:t>
-            </a:r>
-          </a:p>
-          <a:p>
-            <a:pPr marL="45720" indent="0">
-              <a:buNone/>
-            </a:pPr>
-            <a:endParaRPr lang="en-US" sz="2400" dirty="0" smtClean="0"/>
-          </a:p>
-          <a:p>
-            <a:pPr marL="45720" indent="0">
-              <a:buNone/>
-            </a:pPr>
-            <a:r>
-              <a:rPr lang="en-US" sz="2400" dirty="0" smtClean="0"/>
-              <a:t>3. Run </a:t>
-            </a:r>
-            <a:r>
-              <a:rPr lang="en-US" sz="2400" dirty="0" smtClean="0"/>
-              <a:t>analysis </a:t>
-            </a:r>
-            <a:r>
-              <a:rPr lang="en-US" sz="2400" dirty="0" smtClean="0"/>
-              <a:t>interactively</a:t>
-            </a:r>
-            <a:endParaRPr lang="en-US" sz="2400" dirty="0"/>
-          </a:p>
-        </p:txBody>
-      </p:sp>
-      <p:sp>
-        <p:nvSpPr>
-          <p:cNvPr id="5" name="Title 1"/>
-          <p:cNvSpPr>
-            <a:spLocks noGrp="1"/>
-          </p:cNvSpPr>
-          <p:nvPr>
-            <p:ph type="title"/>
-          </p:nvPr>
+            <a:endParaRPr lang="en-US" sz="1800" dirty="0">
+              <a:solidFill>
+                <a:srgbClr val="CCFFCC"/>
+              </a:solidFill>
+              <a:latin typeface="Lucida Console"/>
+              <a:cs typeface="Lucida Console"/>
+            </a:endParaRPr>
+          </a:p>
+        </p:txBody>
+      </p:sp>
+      <p:sp>
+        <p:nvSpPr>
+          <p:cNvPr id="4" name="TextBox 3"/>
+          <p:cNvSpPr txBox="1"/>
+          <p:nvPr/>
         </p:nvSpPr>
         <p:spPr>
           <a:xfrm>
-            <a:off x="914400" y="709115"/>
-            <a:ext cx="7315200" cy="1154097"/>
+            <a:off x="208203" y="2615792"/>
+            <a:ext cx="3092501" cy="369332"/>
           </a:xfrm>
+          <a:prstGeom prst="rect">
+            <a:avLst/>
+          </a:prstGeom>
+          <a:noFill/>
         </p:spPr>
         <p:txBody>
-          <a:bodyPr/>
+          <a:bodyPr wrap="none" rtlCol="0">
+            <a:spAutoFit/>
+          </a:bodyPr>
           <a:lstStyle/>
           <a:p>
             <a:r>
               <a:rPr lang="en-US" dirty="0" smtClean="0"/>
-              <a:t>Exercise</a:t>
+              <a:t>For today’s exercise, in MSI:</a:t>
             </a:r>
             <a:endParaRPr lang="en-US" dirty="0"/>
           </a:p>
@@ -11118,13 +11263,20 @@
     </p:spTree>
     <p:extLst>
       <p:ext uri="{BB962C8B-B14F-4D97-AF65-F5344CB8AC3E}">
-        <p14:creationId xmlns:p14="http://schemas.microsoft.com/office/powerpoint/2010/main" val="3167488516"/>
+        <p14:creationId xmlns:p14="http://schemas.microsoft.com/office/powerpoint/2010/main" val="2418924253"/>
       </p:ext>
     </p:extLst>
   </p:cSld>
   <p:clrMapOvr>
     <a:masterClrMapping/>
   </p:clrMapOvr>
+  <p:timing>
+    <p:tnLst>
+      <p:par>
+        <p:cTn xmlns:p14="http://schemas.microsoft.com/office/powerpoint/2010/main" id="1" dur="indefinite" restart="never" nodeType="tmRoot"/>
+      </p:par>
+    </p:tnLst>
+  </p:timing>
 </p:sld>
 </file>
 
@@ -11250,133 +11402,10 @@
           </a:p>
         </p:txBody>
       </p:sp>
-      <p:sp>
-        <p:nvSpPr>
-          <p:cNvPr id="2" name="TextBox 1"/>
-          <p:cNvSpPr txBox="1"/>
-          <p:nvPr/>
-        </p:nvSpPr>
-        <p:spPr>
-          <a:xfrm>
-            <a:off x="2769093" y="3227290"/>
-            <a:ext cx="2827517" cy="1315745"/>
-          </a:xfrm>
-          <a:prstGeom prst="rect">
-            <a:avLst/>
-          </a:prstGeom>
-          <a:noFill/>
-        </p:spPr>
-        <p:txBody>
-          <a:bodyPr wrap="none" rtlCol="0" anchor="t">
-            <a:spAutoFit/>
-          </a:bodyPr>
-          <a:lstStyle/>
-          <a:p>
-            <a:pPr>
-              <a:lnSpc>
-                <a:spcPct val="150000"/>
-              </a:lnSpc>
-            </a:pPr>
-            <a:r>
-              <a:rPr lang="en-US" dirty="0" smtClean="0">
-                <a:solidFill>
-                  <a:schemeClr val="tx2">
-                    <a:lumMod val="40000"/>
-                    <a:lumOff val="60000"/>
-                  </a:schemeClr>
-                </a:solidFill>
-              </a:rPr>
-              <a:t>Shared variable (top)</a:t>
-            </a:r>
-          </a:p>
-          <a:p>
-            <a:pPr>
-              <a:lnSpc>
-                <a:spcPct val="150000"/>
-              </a:lnSpc>
-            </a:pPr>
-            <a:r>
-              <a:rPr lang="en-US" dirty="0" smtClean="0">
-                <a:solidFill>
-                  <a:schemeClr val="tx2">
-                    <a:lumMod val="40000"/>
-                    <a:lumOff val="60000"/>
-                  </a:schemeClr>
-                </a:solidFill>
-              </a:rPr>
-              <a:t>Handler-specific variables</a:t>
-            </a:r>
-          </a:p>
-          <a:p>
-            <a:pPr>
-              <a:lnSpc>
-                <a:spcPct val="150000"/>
-              </a:lnSpc>
-            </a:pPr>
-            <a:r>
-              <a:rPr lang="en-US" dirty="0" smtClean="0">
-                <a:solidFill>
-                  <a:schemeClr val="tx2">
-                    <a:lumMod val="40000"/>
-                    <a:lumOff val="60000"/>
-                  </a:schemeClr>
-                </a:solidFill>
-              </a:rPr>
-              <a:t>Dependencies (bottom)</a:t>
-            </a:r>
-            <a:endParaRPr lang="en-US" dirty="0">
-              <a:solidFill>
-                <a:schemeClr val="tx2">
-                  <a:lumMod val="40000"/>
-                  <a:lumOff val="60000"/>
-                </a:schemeClr>
-              </a:solidFill>
-            </a:endParaRPr>
-          </a:p>
-        </p:txBody>
-      </p:sp>
-      <p:sp>
-        <p:nvSpPr>
-          <p:cNvPr id="4" name="Left Brace 3"/>
-          <p:cNvSpPr/>
-          <p:nvPr/>
-        </p:nvSpPr>
-        <p:spPr>
-          <a:xfrm>
-            <a:off x="2632440" y="3362629"/>
-            <a:ext cx="156152" cy="1190817"/>
-          </a:xfrm>
-          <a:prstGeom prst="leftBrace">
-            <a:avLst/>
-          </a:prstGeom>
-        </p:spPr>
-        <p:style>
-          <a:lnRef idx="2">
-            <a:schemeClr val="accent1"/>
-          </a:lnRef>
-          <a:fillRef idx="0">
-            <a:schemeClr val="accent1"/>
-          </a:fillRef>
-          <a:effectRef idx="1">
-            <a:schemeClr val="accent1"/>
-          </a:effectRef>
-          <a:fontRef idx="minor">
-            <a:schemeClr val="tx1"/>
-          </a:fontRef>
-        </p:style>
-        <p:txBody>
-          <a:bodyPr rtlCol="0" anchor="ctr"/>
-          <a:lstStyle/>
-          <a:p>
-            <a:pPr algn="ctr"/>
-            <a:endParaRPr lang="en-US"/>
-          </a:p>
-        </p:txBody>
-      </p:sp>
     </p:spTree>
     <p:extLst>
       <p:ext uri="{BB962C8B-B14F-4D97-AF65-F5344CB8AC3E}">
-        <p14:creationId xmlns:p14="http://schemas.microsoft.com/office/powerpoint/2010/main" val="3713693709"/>
+        <p14:creationId xmlns:p14="http://schemas.microsoft.com/office/powerpoint/2010/main" val="3167488516"/>
       </p:ext>
     </p:extLst>
   </p:cSld>
@@ -11415,7 +11444,7 @@
         </p:nvSpPr>
         <p:spPr>
           <a:xfrm>
-            <a:off x="86100" y="2120951"/>
+            <a:off x="86100" y="2397071"/>
             <a:ext cx="9057900" cy="3539527"/>
           </a:xfrm>
         </p:spPr>
@@ -11428,131 +11457,61 @@
             <a:pPr marL="45720" indent="0">
               <a:buNone/>
             </a:pPr>
-            <a:r>
-              <a:rPr lang="en-US" dirty="0" smtClean="0"/>
-              <a:t>In sequence-handling directory</a:t>
-            </a:r>
+            <a:endParaRPr lang="en-US" sz="2400" dirty="0" smtClean="0"/>
           </a:p>
           <a:p>
             <a:pPr marL="45720" indent="0">
               <a:buNone/>
             </a:pPr>
             <a:r>
-              <a:rPr lang="en-US" dirty="0" err="1" smtClean="0">
-                <a:solidFill>
-                  <a:srgbClr val="CCFFCC"/>
-                </a:solidFill>
-              </a:rPr>
-              <a:t>ls</a:t>
-            </a:r>
-            <a:endParaRPr lang="en-US" dirty="0" smtClean="0">
-              <a:solidFill>
-                <a:srgbClr val="CCFFCC"/>
-              </a:solidFill>
-            </a:endParaRPr>
+              <a:rPr lang="en-US" sz="2400" dirty="0" smtClean="0"/>
+              <a:t>1. Create sample list</a:t>
+            </a:r>
           </a:p>
           <a:p>
             <a:pPr marL="45720" indent="0">
               <a:buNone/>
             </a:pPr>
-            <a:r>
-              <a:rPr lang="en-US" dirty="0" smtClean="0"/>
-              <a:t>Config  </a:t>
-            </a:r>
-            <a:r>
-              <a:rPr lang="en-US" dirty="0" err="1"/>
-              <a:t>ErrorFiles</a:t>
-            </a:r>
-            <a:r>
-              <a:rPr lang="en-US" dirty="0"/>
-              <a:t> </a:t>
-            </a:r>
-            <a:r>
-              <a:rPr lang="en-US" dirty="0" smtClean="0"/>
-              <a:t> </a:t>
-            </a:r>
-            <a:r>
-              <a:rPr lang="en-US" dirty="0"/>
-              <a:t>Handlers  </a:t>
-            </a:r>
-            <a:r>
-              <a:rPr lang="en-US" dirty="0" err="1"/>
-              <a:t>HelperScripts</a:t>
-            </a:r>
-            <a:r>
-              <a:rPr lang="en-US" dirty="0"/>
-              <a:t>  </a:t>
-            </a:r>
-            <a:r>
-              <a:rPr lang="en-US" dirty="0" err="1"/>
-              <a:t>README.md</a:t>
-            </a:r>
-            <a:r>
-              <a:rPr lang="en-US" dirty="0"/>
-              <a:t>  sequence_handling  </a:t>
-            </a:r>
-            <a:r>
-              <a:rPr lang="en-US" dirty="0" err="1"/>
-              <a:t>Sequence_Handling_Workflow.png</a:t>
-            </a:r>
-            <a:endParaRPr lang="en-US" dirty="0" smtClean="0"/>
+            <a:endParaRPr lang="en-US" sz="2400" dirty="0"/>
           </a:p>
           <a:p>
             <a:pPr marL="45720" indent="0">
               <a:buNone/>
             </a:pPr>
-            <a:endParaRPr lang="en-US" dirty="0"/>
+            <a:r>
+              <a:rPr lang="en-US" sz="2400" dirty="0" smtClean="0"/>
+              <a:t>2. Edit Config file </a:t>
+            </a:r>
           </a:p>
           <a:p>
             <a:pPr marL="45720" indent="0">
               <a:buNone/>
             </a:pPr>
-            <a:r>
-              <a:rPr lang="en-US" dirty="0" smtClean="0">
-                <a:solidFill>
-                  <a:srgbClr val="CCFFCC"/>
-                </a:solidFill>
-              </a:rPr>
-              <a:t>.</a:t>
-            </a:r>
-            <a:r>
-              <a:rPr lang="en-US" dirty="0">
-                <a:solidFill>
-                  <a:srgbClr val="CCFFCC"/>
-                </a:solidFill>
-              </a:rPr>
-              <a:t>/sequence_handling</a:t>
-            </a:r>
-          </a:p>
-        </p:txBody>
-      </p:sp>
-      <p:pic>
-        <p:nvPicPr>
-          <p:cNvPr id="4" name="Picture 3"/>
-          <p:cNvPicPr>
-            <a:picLocks noChangeAspect="1"/>
-          </p:cNvPicPr>
-          <p:nvPr/>
-        </p:nvPicPr>
-        <p:blipFill>
-          <a:blip r:embed="rId3"/>
-          <a:stretch>
-            <a:fillRect/>
-          </a:stretch>
-        </p:blipFill>
-        <p:spPr>
-          <a:xfrm>
-            <a:off x="2009951" y="4388670"/>
-            <a:ext cx="7112000" cy="2400300"/>
-          </a:xfrm>
-          <a:prstGeom prst="rect">
-            <a:avLst/>
-          </a:prstGeom>
-        </p:spPr>
-      </p:pic>
-      <p:sp>
-        <p:nvSpPr>
-          <p:cNvPr id="6" name="Title 1"/>
+            <a:endParaRPr lang="en-US" sz="2400" dirty="0" smtClean="0"/>
+          </a:p>
+          <a:p>
+            <a:pPr marL="45720" indent="0">
+              <a:buNone/>
+            </a:pPr>
+            <a:r>
+              <a:rPr lang="en-US" sz="2400" dirty="0" smtClean="0"/>
+              <a:t>3. Run </a:t>
+            </a:r>
+            <a:r>
+              <a:rPr lang="en-US" sz="2400" dirty="0" smtClean="0"/>
+              <a:t>analysis </a:t>
+            </a:r>
+            <a:r>
+              <a:rPr lang="en-US" sz="2400" dirty="0" smtClean="0"/>
+              <a:t>interactively</a:t>
+            </a:r>
+            <a:endParaRPr lang="en-US" sz="2400" dirty="0"/>
+          </a:p>
+        </p:txBody>
+      </p:sp>
+      <p:sp>
+        <p:nvSpPr>
+          <p:cNvPr id="5" name="Title 1"/>
           <p:cNvSpPr>
             <a:spLocks noGrp="1"/>
           </p:cNvSpPr>
@@ -11578,10 +11537,133 @@
           </a:p>
         </p:txBody>
       </p:sp>
+      <p:sp>
+        <p:nvSpPr>
+          <p:cNvPr id="2" name="TextBox 1"/>
+          <p:cNvSpPr txBox="1"/>
+          <p:nvPr/>
+        </p:nvSpPr>
+        <p:spPr>
+          <a:xfrm>
+            <a:off x="2769093" y="3227290"/>
+            <a:ext cx="2827517" cy="1315745"/>
+          </a:xfrm>
+          <a:prstGeom prst="rect">
+            <a:avLst/>
+          </a:prstGeom>
+          <a:noFill/>
+        </p:spPr>
+        <p:txBody>
+          <a:bodyPr wrap="none" rtlCol="0" anchor="t">
+            <a:spAutoFit/>
+          </a:bodyPr>
+          <a:lstStyle/>
+          <a:p>
+            <a:pPr>
+              <a:lnSpc>
+                <a:spcPct val="150000"/>
+              </a:lnSpc>
+            </a:pPr>
+            <a:r>
+              <a:rPr lang="en-US" dirty="0" smtClean="0">
+                <a:solidFill>
+                  <a:schemeClr val="tx2">
+                    <a:lumMod val="40000"/>
+                    <a:lumOff val="60000"/>
+                  </a:schemeClr>
+                </a:solidFill>
+              </a:rPr>
+              <a:t>Shared variable (top)</a:t>
+            </a:r>
+          </a:p>
+          <a:p>
+            <a:pPr>
+              <a:lnSpc>
+                <a:spcPct val="150000"/>
+              </a:lnSpc>
+            </a:pPr>
+            <a:r>
+              <a:rPr lang="en-US" dirty="0" smtClean="0">
+                <a:solidFill>
+                  <a:schemeClr val="tx2">
+                    <a:lumMod val="40000"/>
+                    <a:lumOff val="60000"/>
+                  </a:schemeClr>
+                </a:solidFill>
+              </a:rPr>
+              <a:t>Handler-specific variables</a:t>
+            </a:r>
+          </a:p>
+          <a:p>
+            <a:pPr>
+              <a:lnSpc>
+                <a:spcPct val="150000"/>
+              </a:lnSpc>
+            </a:pPr>
+            <a:r>
+              <a:rPr lang="en-US" dirty="0" smtClean="0">
+                <a:solidFill>
+                  <a:schemeClr val="tx2">
+                    <a:lumMod val="40000"/>
+                    <a:lumOff val="60000"/>
+                  </a:schemeClr>
+                </a:solidFill>
+              </a:rPr>
+              <a:t>Dependencies (bottom)</a:t>
+            </a:r>
+            <a:endParaRPr lang="en-US" dirty="0">
+              <a:solidFill>
+                <a:schemeClr val="tx2">
+                  <a:lumMod val="40000"/>
+                  <a:lumOff val="60000"/>
+                </a:schemeClr>
+              </a:solidFill>
+            </a:endParaRPr>
+          </a:p>
+        </p:txBody>
+      </p:sp>
+      <p:sp>
+        <p:nvSpPr>
+          <p:cNvPr id="4" name="Left Brace 3"/>
+          <p:cNvSpPr/>
+          <p:nvPr/>
+        </p:nvSpPr>
+        <p:spPr>
+          <a:xfrm>
+            <a:off x="2632440" y="3362629"/>
+            <a:ext cx="156152" cy="1190817"/>
+          </a:xfrm>
+          <a:prstGeom prst="leftBrace">
+            <a:avLst/>
+          </a:prstGeom>
+        </p:spPr>
+        <p:style>
+          <a:lnRef idx="2">
+            <a:schemeClr val="accent1"/>
+          </a:lnRef>
+          <a:fillRef idx="0">
+            <a:schemeClr val="accent1"/>
+          </a:fillRef>
+          <a:effectRef idx="1">
+            <a:schemeClr val="accent1"/>
+          </a:effectRef>
+          <a:fontRef idx="minor">
+            <a:schemeClr val="tx1"/>
+          </a:fontRef>
+        </p:style>
+        <p:txBody>
+          <a:bodyPr rtlCol="0" anchor="ctr"/>
+          <a:lstStyle/>
+          <a:p>
+            <a:pPr algn="ctr"/>
+            <a:endParaRPr lang="en-US"/>
+          </a:p>
+        </p:txBody>
+      </p:sp>
     </p:spTree>
     <p:extLst>
       <p:ext uri="{BB962C8B-B14F-4D97-AF65-F5344CB8AC3E}">
-        <p14:creationId xmlns:p14="http://schemas.microsoft.com/office/powerpoint/2010/main" val="1384692190"/>
+        <p14:creationId xmlns:p14="http://schemas.microsoft.com/office/powerpoint/2010/main" val="3713693709"/>
       </p:ext>
     </p:extLst>
   </p:cSld>
@@ -11610,33 +11692,6 @@
       </p:grpSpPr>
       <p:sp>
         <p:nvSpPr>
-          <p:cNvPr id="2" name="Title 1"/>
-          <p:cNvSpPr>
-            <a:spLocks noGrp="1"/>
-          </p:cNvSpPr>
-          <p:nvPr>
-            <p:ph type="title"/>
-          </p:nvPr>
-        </p:nvSpPr>
-        <p:spPr>
-          <a:xfrm>
-            <a:off x="914400" y="709115"/>
-            <a:ext cx="7315200" cy="1154097"/>
-          </a:xfrm>
-        </p:spPr>
-        <p:txBody>
-          <a:bodyPr/>
-          <a:lstStyle/>
-          <a:p>
-            <a:r>
-              <a:rPr lang="en-US" dirty="0"/>
-              <a:t>sequence_handling</a:t>
-            </a:r>
-          </a:p>
-        </p:txBody>
-      </p:sp>
-      <p:sp>
-        <p:nvSpPr>
           <p:cNvPr id="3" name="Content Placeholder 2"/>
           <p:cNvSpPr>
             <a:spLocks noGrp="1"/>
@@ -11645,89 +11700,309 @@
             <p:ph idx="1"/>
           </p:nvPr>
         </p:nvSpPr>
+        <p:spPr/>
+        <p:txBody>
+          <a:bodyPr/>
+          <a:lstStyle/>
+          <a:p>
+            <a:pPr marL="45720" indent="0">
+              <a:buNone/>
+            </a:pPr>
+            <a:r>
+              <a:rPr lang="en-US" dirty="0"/>
+              <a:t>https://</a:t>
+            </a:r>
+            <a:r>
+              <a:rPr lang="en-US" dirty="0" err="1"/>
+              <a:t>github.com</a:t>
+            </a:r>
+            <a:r>
+              <a:rPr lang="en-US" dirty="0"/>
+              <a:t>/</a:t>
+            </a:r>
+            <a:r>
+              <a:rPr lang="en-US" dirty="0" err="1"/>
+              <a:t>MorrellLAB</a:t>
+            </a:r>
+            <a:r>
+              <a:rPr lang="en-US" dirty="0"/>
+              <a:t>/</a:t>
+            </a:r>
+            <a:r>
+              <a:rPr lang="en-US" dirty="0" err="1"/>
+              <a:t>DoesNaughtCompute</a:t>
+            </a:r>
+            <a:r>
+              <a:rPr lang="en-US" dirty="0"/>
+              <a:t>/blob/master/</a:t>
+            </a:r>
+            <a:r>
+              <a:rPr lang="en-US" dirty="0" err="1"/>
+              <a:t>Sequence_Handling</a:t>
+            </a:r>
+            <a:r>
+              <a:rPr lang="en-US" dirty="0"/>
+              <a:t>/DoesNaughtCompute_SeqHandling_Dec052016.pptx</a:t>
+            </a:r>
+          </a:p>
+        </p:txBody>
+      </p:sp>
+      <p:sp>
+        <p:nvSpPr>
+          <p:cNvPr id="4" name="Title 1"/>
+          <p:cNvSpPr>
+            <a:spLocks noGrp="1"/>
+          </p:cNvSpPr>
+          <p:nvPr>
+            <p:ph type="title"/>
+          </p:nvPr>
+        </p:nvSpPr>
         <p:spPr>
           <a:xfrm>
-            <a:off x="183799" y="2769833"/>
-            <a:ext cx="8793111" cy="3539527"/>
+            <a:off x="914400" y="716355"/>
+            <a:ext cx="7315200" cy="1154097"/>
           </a:xfrm>
         </p:spPr>
         <p:txBody>
           <a:bodyPr>
-            <a:noAutofit/>
+            <a:normAutofit fontScale="90000"/>
           </a:bodyPr>
           <a:lstStyle/>
           <a:p>
-            <a:pPr marL="45720" indent="0" algn="ctr">
-              <a:buNone/>
-            </a:pPr>
-            <a:r>
-              <a:rPr lang="en-US" sz="3600" dirty="0" smtClean="0"/>
-              <a:t>“A </a:t>
-            </a:r>
-            <a:r>
-              <a:rPr lang="en-US" sz="3600" dirty="0"/>
-              <a:t>series of scripts that automates sequence analysis </a:t>
-            </a:r>
-            <a:r>
-              <a:rPr lang="en-US" sz="3600" dirty="0" smtClean="0"/>
-              <a:t>workflows”</a:t>
-            </a:r>
-          </a:p>
-          <a:p>
-            <a:pPr marL="45720" indent="0" algn="ctr">
-              <a:buNone/>
-            </a:pPr>
-            <a:endParaRPr lang="en-US" sz="3200" dirty="0"/>
-          </a:p>
-          <a:p>
-            <a:pPr marL="45720" indent="0" algn="ctr">
-              <a:buNone/>
-            </a:pPr>
-            <a:r>
-              <a:rPr lang="en-US" sz="2800" dirty="0" smtClean="0">
-                <a:solidFill>
-                  <a:srgbClr val="F9BE92"/>
-                </a:solidFill>
-              </a:rPr>
-              <a:t>Developed by Paul Hoffman and Skylar </a:t>
-            </a:r>
-            <a:r>
-              <a:rPr lang="en-US" sz="2800" dirty="0" err="1" smtClean="0">
-                <a:solidFill>
-                  <a:srgbClr val="F9BE92"/>
-                </a:solidFill>
-              </a:rPr>
-              <a:t>Wyant</a:t>
-            </a:r>
-            <a:endParaRPr lang="en-US" sz="2800" dirty="0" smtClean="0">
-              <a:solidFill>
-                <a:srgbClr val="F9BE92"/>
-              </a:solidFill>
-            </a:endParaRPr>
+            <a:r>
+              <a:rPr lang="en-US" dirty="0" smtClean="0"/>
+              <a:t>sequence_handling</a:t>
+            </a:r>
+            <a:br>
+              <a:rPr lang="en-US" dirty="0" smtClean="0"/>
+            </a:br>
+            <a:r>
+              <a:rPr lang="en-US" dirty="0" smtClean="0"/>
+              <a:t>Presentation</a:t>
+            </a:r>
+            <a:endParaRPr lang="en-US" dirty="0"/>
           </a:p>
         </p:txBody>
       </p:sp>
     </p:spTree>
     <p:extLst>
       <p:ext uri="{BB962C8B-B14F-4D97-AF65-F5344CB8AC3E}">
-        <p14:creationId xmlns:p14="http://schemas.microsoft.com/office/powerpoint/2010/main" val="2403026913"/>
+        <p14:creationId xmlns:p14="http://schemas.microsoft.com/office/powerpoint/2010/main" val="1820637176"/>
       </p:ext>
     </p:extLst>
   </p:cSld>
   <p:clrMapOvr>
     <a:masterClrMapping/>
   </p:clrMapOvr>
-  <p:timing>
-    <p:tnLst>
-      <p:par>
-        <p:cTn xmlns:p14="http://schemas.microsoft.com/office/powerpoint/2010/main" id="1" dur="indefinite" restart="never" nodeType="tmRoot"/>
-      </p:par>
-    </p:tnLst>
-  </p:timing>
 </p:sld>
 </file>
 
 <file path=ppt/slides/slide30.xml><?xml version="1.0" encoding="utf-8"?>
+<p:sld xmlns:a="http://schemas.openxmlformats.org/drawingml/2006/main" xmlns:r="http://schemas.openxmlformats.org/officeDocument/2006/relationships" xmlns:p="http://schemas.openxmlformats.org/presentationml/2006/main">
+  <p:cSld>
+    <p:spTree>
+      <p:nvGrpSpPr>
+        <p:cNvPr id="1" name=""/>
+        <p:cNvGrpSpPr/>
+        <p:nvPr/>
+      </p:nvGrpSpPr>
+      <p:grpSpPr>
+        <a:xfrm>
+          <a:off x="0" y="0"/>
+          <a:ext cx="0" cy="0"/>
+          <a:chOff x="0" y="0"/>
+          <a:chExt cx="0" cy="0"/>
+        </a:xfrm>
+      </p:grpSpPr>
+      <p:sp>
+        <p:nvSpPr>
+          <p:cNvPr id="3" name="Content Placeholder 2"/>
+          <p:cNvSpPr>
+            <a:spLocks noGrp="1"/>
+          </p:cNvSpPr>
+          <p:nvPr>
+            <p:ph idx="1"/>
+          </p:nvPr>
+        </p:nvSpPr>
+        <p:spPr>
+          <a:xfrm>
+            <a:off x="86100" y="2120951"/>
+            <a:ext cx="9057900" cy="3539527"/>
+          </a:xfrm>
+        </p:spPr>
+        <p:txBody>
+          <a:bodyPr>
+            <a:normAutofit/>
+          </a:bodyPr>
+          <a:lstStyle/>
+          <a:p>
+            <a:pPr marL="45720" indent="0">
+              <a:buNone/>
+            </a:pPr>
+            <a:r>
+              <a:rPr lang="en-US" dirty="0" smtClean="0"/>
+              <a:t>In sequence-handling directory</a:t>
+            </a:r>
+          </a:p>
+          <a:p>
+            <a:pPr marL="45720" indent="0">
+              <a:buNone/>
+            </a:pPr>
+            <a:r>
+              <a:rPr lang="en-US" dirty="0" err="1" smtClean="0">
+                <a:solidFill>
+                  <a:srgbClr val="CCFFCC"/>
+                </a:solidFill>
+              </a:rPr>
+              <a:t>ls</a:t>
+            </a:r>
+            <a:endParaRPr lang="en-US" dirty="0" smtClean="0">
+              <a:solidFill>
+                <a:srgbClr val="CCFFCC"/>
+              </a:solidFill>
+            </a:endParaRPr>
+          </a:p>
+          <a:p>
+            <a:pPr marL="45720" indent="0">
+              <a:buNone/>
+            </a:pPr>
+            <a:r>
+              <a:rPr lang="en-US" dirty="0" smtClean="0"/>
+              <a:t>Config  </a:t>
+            </a:r>
+            <a:r>
+              <a:rPr lang="en-US" dirty="0" err="1"/>
+              <a:t>ErrorFiles</a:t>
+            </a:r>
+            <a:r>
+              <a:rPr lang="en-US" dirty="0"/>
+              <a:t> </a:t>
+            </a:r>
+            <a:r>
+              <a:rPr lang="en-US" dirty="0" smtClean="0"/>
+              <a:t> </a:t>
+            </a:r>
+            <a:r>
+              <a:rPr lang="en-US" dirty="0"/>
+              <a:t>Handlers  </a:t>
+            </a:r>
+            <a:r>
+              <a:rPr lang="en-US" dirty="0" err="1"/>
+              <a:t>HelperScripts</a:t>
+            </a:r>
+            <a:r>
+              <a:rPr lang="en-US" dirty="0"/>
+              <a:t>  </a:t>
+            </a:r>
+            <a:r>
+              <a:rPr lang="en-US" dirty="0" err="1"/>
+              <a:t>README.md</a:t>
+            </a:r>
+            <a:r>
+              <a:rPr lang="en-US" dirty="0"/>
+              <a:t>  sequence_handling  </a:t>
+            </a:r>
+            <a:r>
+              <a:rPr lang="en-US" dirty="0" err="1"/>
+              <a:t>Sequence_Handling_Workflow.png</a:t>
+            </a:r>
+            <a:endParaRPr lang="en-US" dirty="0" smtClean="0"/>
+          </a:p>
+          <a:p>
+            <a:pPr marL="45720" indent="0">
+              <a:buNone/>
+            </a:pPr>
+            <a:endParaRPr lang="en-US" dirty="0"/>
+          </a:p>
+          <a:p>
+            <a:pPr marL="45720" indent="0">
+              <a:buNone/>
+            </a:pPr>
+            <a:r>
+              <a:rPr lang="en-US" dirty="0" smtClean="0">
+                <a:solidFill>
+                  <a:srgbClr val="CCFFCC"/>
+                </a:solidFill>
+              </a:rPr>
+              <a:t>.</a:t>
+            </a:r>
+            <a:r>
+              <a:rPr lang="en-US" dirty="0">
+                <a:solidFill>
+                  <a:srgbClr val="CCFFCC"/>
+                </a:solidFill>
+              </a:rPr>
+              <a:t>/sequence_handling</a:t>
+            </a:r>
+          </a:p>
+        </p:txBody>
+      </p:sp>
+      <p:pic>
+        <p:nvPicPr>
+          <p:cNvPr id="4" name="Picture 3"/>
+          <p:cNvPicPr>
+            <a:picLocks noChangeAspect="1"/>
+          </p:cNvPicPr>
+          <p:nvPr/>
+        </p:nvPicPr>
+        <p:blipFill>
+          <a:blip r:embed="rId3"/>
+          <a:stretch>
+            <a:fillRect/>
+          </a:stretch>
+        </p:blipFill>
+        <p:spPr>
+          <a:xfrm>
+            <a:off x="2009951" y="4388670"/>
+            <a:ext cx="7112000" cy="2400300"/>
+          </a:xfrm>
+          <a:prstGeom prst="rect">
+            <a:avLst/>
+          </a:prstGeom>
+        </p:spPr>
+      </p:pic>
+      <p:sp>
+        <p:nvSpPr>
+          <p:cNvPr id="6" name="Title 1"/>
+          <p:cNvSpPr>
+            <a:spLocks noGrp="1"/>
+          </p:cNvSpPr>
+          <p:nvPr>
+            <p:ph type="title"/>
+          </p:nvPr>
+        </p:nvSpPr>
+        <p:spPr>
+          <a:xfrm>
+            <a:off x="914400" y="709115"/>
+            <a:ext cx="7315200" cy="1154097"/>
+          </a:xfrm>
+        </p:spPr>
+        <p:txBody>
+          <a:bodyPr/>
+          <a:lstStyle/>
+          <a:p>
+            <a:r>
+              <a:rPr lang="en-US" dirty="0" smtClean="0"/>
+              <a:t>Exercise</a:t>
+            </a:r>
+            <a:endParaRPr lang="en-US" dirty="0"/>
+          </a:p>
+        </p:txBody>
+      </p:sp>
+    </p:spTree>
+    <p:extLst>
+      <p:ext uri="{BB962C8B-B14F-4D97-AF65-F5344CB8AC3E}">
+        <p14:creationId xmlns:p14="http://schemas.microsoft.com/office/powerpoint/2010/main" val="1384692190"/>
+      </p:ext>
+    </p:extLst>
+  </p:cSld>
+  <p:clrMapOvr>
+    <a:masterClrMapping/>
+  </p:clrMapOvr>
+</p:sld>
+</file>
+
+<file path=ppt/slides/slide31.xml><?xml version="1.0" encoding="utf-8"?>
 <p:sld xmlns:a="http://schemas.openxmlformats.org/drawingml/2006/main" xmlns:r="http://schemas.openxmlformats.org/officeDocument/2006/relationships" xmlns:p="http://schemas.openxmlformats.org/presentationml/2006/main">
   <p:cSld>
     <p:spTree>
@@ -12024,7 +12299,7 @@
 </p:sld>
 </file>
 
-<file path=ppt/slides/slide31.xml><?xml version="1.0" encoding="utf-8"?>
+<file path=ppt/slides/slide32.xml><?xml version="1.0" encoding="utf-8"?>
 <p:sld xmlns:a="http://schemas.openxmlformats.org/drawingml/2006/main" xmlns:r="http://schemas.openxmlformats.org/officeDocument/2006/relationships" xmlns:p="http://schemas.openxmlformats.org/presentationml/2006/main">
   <p:cSld>
     <p:spTree>
@@ -12482,7 +12757,7 @@
 </p:sld>
 </file>
 
-<file path=ppt/slides/slide32.xml><?xml version="1.0" encoding="utf-8"?>
+<file path=ppt/slides/slide33.xml><?xml version="1.0" encoding="utf-8"?>
 <p:sld xmlns:a="http://schemas.openxmlformats.org/drawingml/2006/main" xmlns:r="http://schemas.openxmlformats.org/officeDocument/2006/relationships" xmlns:p="http://schemas.openxmlformats.org/presentationml/2006/main">
   <p:cSld>
     <p:spTree>
@@ -12618,419 +12893,6 @@
 </p:sld>
 </file>
 
-<file path=ppt/slides/slide33.xml><?xml version="1.0" encoding="utf-8"?>
-<p:sld xmlns:a="http://schemas.openxmlformats.org/drawingml/2006/main" xmlns:r="http://schemas.openxmlformats.org/officeDocument/2006/relationships" xmlns:p="http://schemas.openxmlformats.org/presentationml/2006/main">
-  <p:cSld>
-    <p:spTree>
-      <p:nvGrpSpPr>
-        <p:cNvPr id="1" name=""/>
-        <p:cNvGrpSpPr/>
-        <p:nvPr/>
-      </p:nvGrpSpPr>
-      <p:grpSpPr>
-        <a:xfrm>
-          <a:off x="0" y="0"/>
-          <a:ext cx="0" cy="0"/>
-          <a:chOff x="0" y="0"/>
-          <a:chExt cx="0" cy="0"/>
-        </a:xfrm>
-      </p:grpSpPr>
-      <p:sp>
-        <p:nvSpPr>
-          <p:cNvPr id="3" name="Content Placeholder 2"/>
-          <p:cNvSpPr>
-            <a:spLocks noGrp="1"/>
-          </p:cNvSpPr>
-          <p:nvPr>
-            <p:ph idx="1"/>
-          </p:nvPr>
-        </p:nvSpPr>
-        <p:spPr>
-          <a:xfrm>
-            <a:off x="86100" y="2328041"/>
-            <a:ext cx="4609704" cy="4529959"/>
-          </a:xfrm>
-        </p:spPr>
-        <p:txBody>
-          <a:bodyPr>
-            <a:normAutofit fontScale="77500" lnSpcReduction="20000"/>
-          </a:bodyPr>
-          <a:lstStyle/>
-          <a:p>
-            <a:pPr marL="45720" indent="0">
-              <a:buNone/>
-            </a:pPr>
-            <a:r>
-              <a:rPr lang="en-US" sz="2600" dirty="0" smtClean="0"/>
-              <a:t>2. Edit Config </a:t>
-            </a:r>
-            <a:r>
-              <a:rPr lang="en-US" sz="2600" dirty="0" smtClean="0"/>
-              <a:t>file</a:t>
-            </a:r>
-          </a:p>
-          <a:p>
-            <a:pPr marL="45720" indent="0">
-              <a:buNone/>
-            </a:pPr>
-            <a:endParaRPr lang="en-US" sz="1800" dirty="0" smtClean="0"/>
-          </a:p>
-          <a:p>
-            <a:pPr marL="45720" indent="0">
-              <a:buNone/>
-            </a:pPr>
-            <a:r>
-              <a:rPr lang="uk-UA" sz="1800" dirty="0"/>
-              <a:t>############################################</a:t>
-            </a:r>
-          </a:p>
-          <a:p>
-            <a:pPr marL="45720" indent="0">
-              <a:buNone/>
-            </a:pPr>
-            <a:r>
-              <a:rPr lang="de-DE" sz="1800" dirty="0"/>
-              <a:t>##########      </a:t>
-            </a:r>
-            <a:r>
-              <a:rPr lang="de-DE" sz="1800" dirty="0" err="1"/>
-              <a:t>Dependencies</a:t>
-            </a:r>
-            <a:r>
-              <a:rPr lang="de-DE" sz="1800" dirty="0"/>
-              <a:t>      ##########</a:t>
-            </a:r>
-          </a:p>
-          <a:p>
-            <a:pPr marL="45720" indent="0">
-              <a:buNone/>
-            </a:pPr>
-            <a:r>
-              <a:rPr lang="uk-UA" sz="1800" dirty="0"/>
-              <a:t>############################################</a:t>
-            </a:r>
-          </a:p>
-          <a:p>
-            <a:pPr marL="45720" indent="0">
-              <a:buNone/>
-            </a:pPr>
-            <a:endParaRPr lang="uk-UA" sz="1800" dirty="0"/>
-          </a:p>
-          <a:p>
-            <a:pPr marL="45720" indent="0">
-              <a:buNone/>
-            </a:pPr>
-            <a:r>
-              <a:rPr lang="en-US" sz="1800" dirty="0"/>
-              <a:t>#   This section defines installations to</a:t>
-            </a:r>
-          </a:p>
-          <a:p>
-            <a:pPr marL="45720" indent="0">
-              <a:buNone/>
-            </a:pPr>
-            <a:r>
-              <a:rPr lang="en-US" sz="1800" dirty="0"/>
-              <a:t>#       various dependencies for </a:t>
-            </a:r>
-            <a:r>
-              <a:rPr lang="en-US" sz="1800" dirty="0" smtClean="0"/>
-              <a:t>sequence_handling</a:t>
-            </a:r>
-          </a:p>
-          <a:p>
-            <a:pPr marL="45720" indent="0">
-              <a:buNone/>
-            </a:pPr>
-            <a:r>
-              <a:rPr lang="is-IS" sz="1800" dirty="0" smtClean="0">
-                <a:solidFill>
-                  <a:srgbClr val="FFFFFF"/>
-                </a:solidFill>
-              </a:rPr>
-              <a:t>…</a:t>
-            </a:r>
-          </a:p>
-          <a:p>
-            <a:pPr marL="45720" indent="0">
-              <a:buNone/>
-            </a:pPr>
-            <a:endParaRPr lang="is-IS" sz="1800" dirty="0" smtClean="0">
-              <a:solidFill>
-                <a:srgbClr val="FFFFFF"/>
-              </a:solidFill>
-            </a:endParaRPr>
-          </a:p>
-          <a:p>
-            <a:pPr marL="45720" indent="0">
-              <a:buNone/>
-            </a:pPr>
-            <a:r>
-              <a:rPr lang="en-US" dirty="0"/>
-              <a:t>#   Do we have GNU parallel installed</a:t>
-            </a:r>
-          </a:p>
-          <a:p>
-            <a:pPr marL="45720" indent="0">
-              <a:buNone/>
-            </a:pPr>
-            <a:r>
-              <a:rPr lang="en-US" dirty="0" smtClean="0">
-                <a:solidFill>
-                  <a:srgbClr val="FFCF99"/>
-                </a:solidFill>
-              </a:rPr>
-              <a:t>#</a:t>
-            </a:r>
-            <a:r>
-              <a:rPr lang="en-US" dirty="0" smtClean="0"/>
-              <a:t>module </a:t>
-            </a:r>
-            <a:r>
-              <a:rPr lang="en-US" dirty="0"/>
-              <a:t>load parallel</a:t>
-            </a:r>
-          </a:p>
-          <a:p>
-            <a:pPr marL="45720" indent="0">
-              <a:buNone/>
-            </a:pPr>
-            <a:r>
-              <a:rPr lang="en-US" dirty="0"/>
-              <a:t>#PARALLEL=</a:t>
-            </a:r>
-          </a:p>
-          <a:p>
-            <a:pPr marL="45720" indent="0">
-              <a:buNone/>
-            </a:pPr>
-            <a:r>
-              <a:rPr lang="en-US" dirty="0"/>
-              <a:t>#export PATH=${PARALLEL}:${PATH}</a:t>
-            </a:r>
-          </a:p>
-          <a:p>
-            <a:pPr marL="45720" indent="0">
-              <a:buNone/>
-            </a:pPr>
-            <a:endParaRPr lang="en-US" dirty="0"/>
-          </a:p>
-          <a:p>
-            <a:pPr marL="45720" indent="0">
-              <a:buNone/>
-            </a:pPr>
-            <a:r>
-              <a:rPr lang="en-US" dirty="0"/>
-              <a:t>#   Do we have </a:t>
-            </a:r>
-            <a:r>
-              <a:rPr lang="en-US" dirty="0" err="1"/>
-              <a:t>FastQC</a:t>
-            </a:r>
-            <a:r>
-              <a:rPr lang="en-US" dirty="0"/>
-              <a:t> installed?</a:t>
-            </a:r>
-          </a:p>
-          <a:p>
-            <a:pPr marL="45720" indent="0">
-              <a:buNone/>
-            </a:pPr>
-            <a:r>
-              <a:rPr lang="en-US" dirty="0" smtClean="0">
-                <a:solidFill>
-                  <a:srgbClr val="FFCF99"/>
-                </a:solidFill>
-              </a:rPr>
-              <a:t>#</a:t>
-            </a:r>
-            <a:r>
-              <a:rPr lang="en-US" dirty="0" smtClean="0"/>
-              <a:t>module </a:t>
-            </a:r>
-            <a:r>
-              <a:rPr lang="en-US" dirty="0"/>
-              <a:t>load </a:t>
-            </a:r>
-            <a:r>
-              <a:rPr lang="en-US" dirty="0" err="1"/>
-              <a:t>fastqc</a:t>
-            </a:r>
-            <a:endParaRPr lang="en-US" dirty="0"/>
-          </a:p>
-          <a:p>
-            <a:pPr marL="45720" indent="0">
-              <a:buNone/>
-            </a:pPr>
-            <a:r>
-              <a:rPr lang="en-US" dirty="0"/>
-              <a:t>#FASTQC=</a:t>
-            </a:r>
-          </a:p>
-          <a:p>
-            <a:pPr marL="45720" indent="0">
-              <a:buNone/>
-            </a:pPr>
-            <a:r>
-              <a:rPr lang="en-US" dirty="0"/>
-              <a:t>#export PATH=${FASTQC}:${PATH}</a:t>
-            </a:r>
-            <a:endParaRPr lang="en-US" dirty="0">
-              <a:solidFill>
-                <a:srgbClr val="FFFFFF"/>
-              </a:solidFill>
-            </a:endParaRPr>
-          </a:p>
-        </p:txBody>
-      </p:sp>
-      <p:sp>
-        <p:nvSpPr>
-          <p:cNvPr id="5" name="Title 1"/>
-          <p:cNvSpPr>
-            <a:spLocks noGrp="1"/>
-          </p:cNvSpPr>
-          <p:nvPr>
-            <p:ph type="title"/>
-          </p:nvPr>
-        </p:nvSpPr>
-        <p:spPr>
-          <a:xfrm>
-            <a:off x="914400" y="709115"/>
-            <a:ext cx="7315200" cy="1154097"/>
-          </a:xfrm>
-        </p:spPr>
-        <p:txBody>
-          <a:bodyPr>
-            <a:normAutofit fontScale="90000"/>
-          </a:bodyPr>
-          <a:lstStyle/>
-          <a:p>
-            <a:r>
-              <a:rPr lang="en-US" dirty="0" smtClean="0"/>
-              <a:t>Exercise </a:t>
-            </a:r>
-            <a:r>
-              <a:rPr lang="en-US" dirty="0" smtClean="0"/>
-              <a:t>– </a:t>
-            </a:r>
-            <a:br>
-              <a:rPr lang="en-US" dirty="0" smtClean="0"/>
-            </a:br>
-            <a:r>
-              <a:rPr lang="en-US" dirty="0" smtClean="0"/>
-              <a:t>Config dependencies</a:t>
-            </a:r>
-            <a:endParaRPr lang="en-US" dirty="0"/>
-          </a:p>
-        </p:txBody>
-      </p:sp>
-      <p:sp>
-        <p:nvSpPr>
-          <p:cNvPr id="7" name="TextBox 6"/>
-          <p:cNvSpPr txBox="1"/>
-          <p:nvPr/>
-        </p:nvSpPr>
-        <p:spPr>
-          <a:xfrm>
-            <a:off x="4695804" y="4042761"/>
-            <a:ext cx="3931157" cy="1315745"/>
-          </a:xfrm>
-          <a:prstGeom prst="rect">
-            <a:avLst/>
-          </a:prstGeom>
-          <a:noFill/>
-          <a:ln>
-            <a:solidFill>
-              <a:srgbClr val="838D9B"/>
-            </a:solidFill>
-          </a:ln>
-        </p:spPr>
-        <p:txBody>
-          <a:bodyPr wrap="square" rtlCol="0">
-            <a:spAutoFit/>
-          </a:bodyPr>
-          <a:lstStyle/>
-          <a:p>
-            <a:pPr>
-              <a:lnSpc>
-                <a:spcPct val="150000"/>
-              </a:lnSpc>
-            </a:pPr>
-            <a:r>
-              <a:rPr lang="en-US" dirty="0" smtClean="0">
-                <a:solidFill>
-                  <a:schemeClr val="tx2">
-                    <a:lumMod val="40000"/>
-                    <a:lumOff val="60000"/>
-                  </a:schemeClr>
-                </a:solidFill>
-              </a:rPr>
-              <a:t>In HPC - do </a:t>
-            </a:r>
-            <a:r>
-              <a:rPr lang="en-US" dirty="0">
-                <a:solidFill>
-                  <a:schemeClr val="tx2">
-                    <a:lumMod val="40000"/>
-                    <a:lumOff val="60000"/>
-                  </a:schemeClr>
-                </a:solidFill>
-              </a:rPr>
-              <a:t>module </a:t>
-            </a:r>
-            <a:r>
-              <a:rPr lang="en-US" dirty="0" smtClean="0">
-                <a:solidFill>
-                  <a:schemeClr val="tx2">
-                    <a:lumMod val="40000"/>
-                    <a:lumOff val="60000"/>
-                  </a:schemeClr>
-                </a:solidFill>
-              </a:rPr>
-              <a:t>load</a:t>
-            </a:r>
-          </a:p>
-          <a:p>
-            <a:pPr>
-              <a:lnSpc>
-                <a:spcPct val="150000"/>
-              </a:lnSpc>
-            </a:pPr>
-            <a:r>
-              <a:rPr lang="en-US" dirty="0" smtClean="0">
-                <a:solidFill>
-                  <a:schemeClr val="tx2">
-                    <a:lumMod val="40000"/>
-                    <a:lumOff val="60000"/>
-                  </a:schemeClr>
-                </a:solidFill>
-              </a:rPr>
-              <a:t>Delete # in front of module load for parallel and FASTQC</a:t>
-            </a:r>
-            <a:endParaRPr lang="en-US" dirty="0">
-              <a:solidFill>
-                <a:schemeClr val="tx2">
-                  <a:lumMod val="40000"/>
-                  <a:lumOff val="60000"/>
-                </a:schemeClr>
-              </a:solidFill>
-            </a:endParaRPr>
-          </a:p>
-        </p:txBody>
-      </p:sp>
-    </p:spTree>
-    <p:extLst>
-      <p:ext uri="{BB962C8B-B14F-4D97-AF65-F5344CB8AC3E}">
-        <p14:creationId xmlns:p14="http://schemas.microsoft.com/office/powerpoint/2010/main" val="434398107"/>
-      </p:ext>
-    </p:extLst>
-  </p:cSld>
-  <p:clrMapOvr>
-    <a:masterClrMapping/>
-  </p:clrMapOvr>
-</p:sld>
-</file>
-
 <file path=ppt/slides/slide34.xml><?xml version="1.0" encoding="utf-8"?>
 <p:sld xmlns:a="http://schemas.openxmlformats.org/drawingml/2006/main" xmlns:r="http://schemas.openxmlformats.org/officeDocument/2006/relationships" xmlns:p="http://schemas.openxmlformats.org/presentationml/2006/main">
   <p:cSld>
@@ -13060,13 +12922,13 @@
         </p:nvSpPr>
         <p:spPr>
           <a:xfrm>
-            <a:off x="86100" y="2616185"/>
-            <a:ext cx="9057900" cy="2393521"/>
+            <a:off x="86100" y="2328041"/>
+            <a:ext cx="4609704" cy="4529959"/>
           </a:xfrm>
         </p:spPr>
         <p:txBody>
           <a:bodyPr>
-            <a:normAutofit/>
+            <a:normAutofit fontScale="77500" lnSpcReduction="20000"/>
           </a:bodyPr>
           <a:lstStyle/>
           <a:p>
@@ -13074,100 +12936,44 @@
               <a:buNone/>
             </a:pPr>
             <a:r>
-              <a:rPr lang="en-US" dirty="0"/>
-              <a:t>3</a:t>
-            </a:r>
-            <a:r>
-              <a:rPr lang="en-US" dirty="0" smtClean="0"/>
-              <a:t>. Run analysis interactively </a:t>
-            </a:r>
-            <a:endParaRPr lang="en-US" dirty="0" smtClean="0"/>
+              <a:rPr lang="en-US" sz="2600" dirty="0" smtClean="0"/>
+              <a:t>2. Edit Config </a:t>
+            </a:r>
+            <a:r>
+              <a:rPr lang="en-US" sz="2600" dirty="0" smtClean="0"/>
+              <a:t>file</a:t>
+            </a:r>
           </a:p>
           <a:p>
             <a:pPr marL="45720" indent="0">
               <a:buNone/>
             </a:pPr>
-            <a:r>
-              <a:rPr lang="en-US" sz="1600" dirty="0" smtClean="0"/>
-              <a:t>(</a:t>
-            </a:r>
-            <a:r>
-              <a:rPr lang="en-US" sz="1600" dirty="0" smtClean="0"/>
-              <a:t>in sequence_handling </a:t>
-            </a:r>
-            <a:r>
-              <a:rPr lang="en-US" sz="1600" dirty="0" smtClean="0"/>
-              <a:t>directory, </a:t>
-            </a:r>
-            <a:r>
-              <a:rPr lang="en-US" sz="1600" u="sng" dirty="0" smtClean="0"/>
-              <a:t>in one of the high performance systems </a:t>
-            </a:r>
-            <a:r>
-              <a:rPr lang="en-US" sz="1600" dirty="0" smtClean="0"/>
-              <a:t>– lab, Itasca, Mesabi)</a:t>
-            </a:r>
-            <a:endParaRPr lang="en-US" sz="1600" dirty="0" smtClean="0"/>
+            <a:endParaRPr lang="en-US" sz="1800" dirty="0" smtClean="0"/>
           </a:p>
           <a:p>
             <a:pPr marL="45720" indent="0">
               <a:buNone/>
             </a:pPr>
-            <a:endParaRPr lang="en-US" sz="2400" dirty="0"/>
+            <a:r>
+              <a:rPr lang="uk-UA" sz="1800" dirty="0"/>
+              <a:t>############################################</a:t>
+            </a:r>
           </a:p>
           <a:p>
             <a:pPr marL="45720" indent="0">
               <a:buNone/>
             </a:pPr>
             <a:r>
-              <a:rPr lang="en-US" dirty="0">
-                <a:solidFill>
-                  <a:srgbClr val="CCFFCC"/>
-                </a:solidFill>
-                <a:latin typeface="Lucida Console"/>
-                <a:cs typeface="Lucida Console"/>
-              </a:rPr>
-              <a:t>./sequence_handling </a:t>
-            </a:r>
-            <a:r>
-              <a:rPr lang="en-US" dirty="0" smtClean="0">
-                <a:solidFill>
-                  <a:srgbClr val="CCFFCC"/>
-                </a:solidFill>
-                <a:latin typeface="Lucida Console"/>
-                <a:cs typeface="Lucida Console"/>
-              </a:rPr>
-              <a:t>1 </a:t>
-            </a:r>
-            <a:r>
-              <a:rPr lang="en-US" dirty="0" smtClean="0">
-                <a:solidFill>
-                  <a:srgbClr val="CCFFCC"/>
-                </a:solidFill>
-                <a:latin typeface="Lucida Console"/>
-                <a:cs typeface="Lucida Console"/>
-              </a:rPr>
-              <a:t>~/</a:t>
-            </a:r>
-            <a:r>
-              <a:rPr lang="en-US" dirty="0" smtClean="0">
-                <a:solidFill>
-                  <a:srgbClr val="CCFFCC"/>
-                </a:solidFill>
-                <a:latin typeface="Lucida Console"/>
-                <a:cs typeface="Lucida Console"/>
-              </a:rPr>
-              <a:t>sequence_handling/</a:t>
-            </a:r>
-            <a:r>
-              <a:rPr lang="en-US" dirty="0" smtClean="0">
-                <a:solidFill>
-                  <a:srgbClr val="CCFFCC"/>
-                </a:solidFill>
-                <a:latin typeface="Lucida Console"/>
-                <a:cs typeface="Lucida Console"/>
-              </a:rPr>
-              <a:t>Config</a:t>
+              <a:rPr lang="de-DE" sz="1800" dirty="0"/>
+              <a:t>##########      </a:t>
+            </a:r>
+            <a:r>
+              <a:rPr lang="de-DE" sz="1800" dirty="0" err="1"/>
+              <a:t>Dependencies</a:t>
+            </a:r>
+            <a:r>
+              <a:rPr lang="de-DE" sz="1800" dirty="0"/>
+              <a:t>      ##########</a:t>
             </a:r>
           </a:p>
           <a:p>
@@ -13175,49 +12981,179 @@
               <a:buNone/>
             </a:pPr>
             <a:r>
-              <a:rPr lang="en-US" dirty="0">
-                <a:solidFill>
-                  <a:srgbClr val="CCFFCC"/>
-                </a:solidFill>
-                <a:latin typeface="Lucida Console"/>
-                <a:cs typeface="Lucida Console"/>
-              </a:rPr>
-              <a:t>	</a:t>
-            </a:r>
-            <a:r>
-              <a:rPr lang="en-US" dirty="0" smtClean="0">
-                <a:solidFill>
-                  <a:srgbClr val="CCFFCC"/>
-                </a:solidFill>
-                <a:latin typeface="Lucida Console"/>
-                <a:cs typeface="Lucida Console"/>
-              </a:rPr>
-              <a:t>			    </a:t>
-            </a:r>
-            <a:r>
-              <a:rPr lang="en-US" dirty="0" smtClean="0">
+              <a:rPr lang="uk-UA" sz="1800" dirty="0"/>
+              <a:t>############################################</a:t>
+            </a:r>
+          </a:p>
+          <a:p>
+            <a:pPr marL="45720" indent="0">
+              <a:buNone/>
+            </a:pPr>
+            <a:endParaRPr lang="uk-UA" sz="1800" dirty="0"/>
+          </a:p>
+          <a:p>
+            <a:pPr marL="45720" indent="0">
+              <a:buNone/>
+            </a:pPr>
+            <a:r>
+              <a:rPr lang="en-US" sz="1800" dirty="0"/>
+              <a:t>#   This section defines installations to</a:t>
+            </a:r>
+          </a:p>
+          <a:p>
+            <a:pPr marL="45720" indent="0">
+              <a:buNone/>
+            </a:pPr>
+            <a:r>
+              <a:rPr lang="en-US" sz="1800" dirty="0"/>
+              <a:t>#       various dependencies for </a:t>
+            </a:r>
+            <a:r>
+              <a:rPr lang="en-US" sz="1800" dirty="0" smtClean="0"/>
+              <a:t>sequence_handling</a:t>
+            </a:r>
+          </a:p>
+          <a:p>
+            <a:pPr marL="45720" indent="0">
+              <a:buNone/>
+            </a:pPr>
+            <a:r>
+              <a:rPr lang="is-IS" sz="1800" dirty="0" smtClean="0">
                 <a:solidFill>
                   <a:srgbClr val="FFFFFF"/>
                 </a:solidFill>
-                <a:latin typeface="Lucida Console"/>
-                <a:cs typeface="Lucida Console"/>
-              </a:rPr>
-              <a:t> </a:t>
-            </a:r>
-            <a:r>
-              <a:rPr lang="en-US" sz="1800" dirty="0" smtClean="0">
-                <a:solidFill>
-                  <a:srgbClr val="FFFFFF"/>
-                </a:solidFill>
-                <a:cs typeface="Lucida Console"/>
-              </a:rPr>
-              <a:t>(path to Config file)</a:t>
-            </a:r>
-            <a:endParaRPr lang="en-US" sz="1800" dirty="0" smtClean="0">
+              </a:rPr>
+              <a:t>…</a:t>
+            </a:r>
+          </a:p>
+          <a:p>
+            <a:pPr marL="45720" indent="0">
+              <a:buNone/>
+            </a:pPr>
+            <a:endParaRPr lang="is-IS" sz="1800" dirty="0" smtClean="0">
               <a:solidFill>
                 <a:srgbClr val="FFFFFF"/>
               </a:solidFill>
-              <a:cs typeface="Lucida Console"/>
+            </a:endParaRPr>
+          </a:p>
+          <a:p>
+            <a:pPr marL="45720" indent="0">
+              <a:buNone/>
+            </a:pPr>
+            <a:r>
+              <a:rPr lang="en-US" dirty="0"/>
+              <a:t>#   Do we have GNU parallel installed</a:t>
+            </a:r>
+          </a:p>
+          <a:p>
+            <a:pPr marL="45720" indent="0">
+              <a:buNone/>
+            </a:pPr>
+            <a:r>
+              <a:rPr lang="en-US" dirty="0" smtClean="0">
+                <a:solidFill>
+                  <a:srgbClr val="FFCF99"/>
+                </a:solidFill>
+              </a:rPr>
+              <a:t>#</a:t>
+            </a:r>
+            <a:r>
+              <a:rPr lang="en-US" dirty="0" smtClean="0"/>
+              <a:t>module </a:t>
+            </a:r>
+            <a:r>
+              <a:rPr lang="en-US" dirty="0"/>
+              <a:t>load parallel</a:t>
+            </a:r>
+          </a:p>
+          <a:p>
+            <a:pPr marL="45720" indent="0">
+              <a:buNone/>
+            </a:pPr>
+            <a:r>
+              <a:rPr lang="en-US" dirty="0"/>
+              <a:t>#PARALLEL=</a:t>
+            </a:r>
+          </a:p>
+          <a:p>
+            <a:pPr marL="45720" indent="0">
+              <a:buNone/>
+            </a:pPr>
+            <a:r>
+              <a:rPr lang="en-US" dirty="0"/>
+              <a:t>#export PATH=${PARALLEL}:${PATH}</a:t>
+            </a:r>
+          </a:p>
+          <a:p>
+            <a:pPr marL="45720" indent="0">
+              <a:buNone/>
+            </a:pPr>
+            <a:endParaRPr lang="en-US" dirty="0"/>
+          </a:p>
+          <a:p>
+            <a:pPr marL="45720" indent="0">
+              <a:buNone/>
+            </a:pPr>
+            <a:r>
+              <a:rPr lang="en-US" dirty="0"/>
+              <a:t>#   Do we have </a:t>
+            </a:r>
+            <a:r>
+              <a:rPr lang="en-US" dirty="0" err="1"/>
+              <a:t>FastQC</a:t>
+            </a:r>
+            <a:r>
+              <a:rPr lang="en-US" dirty="0"/>
+              <a:t> installed?</a:t>
+            </a:r>
+          </a:p>
+          <a:p>
+            <a:pPr marL="45720" indent="0">
+              <a:buNone/>
+            </a:pPr>
+            <a:r>
+              <a:rPr lang="en-US" dirty="0" smtClean="0">
+                <a:solidFill>
+                  <a:srgbClr val="FFCF99"/>
+                </a:solidFill>
+              </a:rPr>
+              <a:t>#</a:t>
+            </a:r>
+            <a:r>
+              <a:rPr lang="en-US" dirty="0" smtClean="0"/>
+              <a:t>module </a:t>
+            </a:r>
+            <a:r>
+              <a:rPr lang="en-US" dirty="0"/>
+              <a:t>load </a:t>
+            </a:r>
+            <a:r>
+              <a:rPr lang="en-US" dirty="0" err="1"/>
+              <a:t>fastqc</a:t>
+            </a:r>
+            <a:endParaRPr lang="en-US" dirty="0"/>
+          </a:p>
+          <a:p>
+            <a:pPr marL="45720" indent="0">
+              <a:buNone/>
+            </a:pPr>
+            <a:r>
+              <a:rPr lang="en-US" dirty="0"/>
+              <a:t>#FASTQC=</a:t>
+            </a:r>
+          </a:p>
+          <a:p>
+            <a:pPr marL="45720" indent="0">
+              <a:buNone/>
+            </a:pPr>
+            <a:r>
+              <a:rPr lang="en-US" dirty="0"/>
+              <a:t>#export PATH=${FASTQC}:${PATH}</a:t>
+            </a:r>
+            <a:endParaRPr lang="en-US" dirty="0">
+              <a:solidFill>
+                <a:srgbClr val="FFFFFF"/>
+              </a:solidFill>
             </a:endParaRPr>
           </a:p>
         </p:txBody>
@@ -13246,23 +13182,121 @@
           <a:p>
             <a:r>
               <a:rPr lang="en-US" dirty="0" smtClean="0"/>
-              <a:t>Exercise – Config </a:t>
+              <a:t>Exercise </a:t>
+            </a:r>
+            <a:r>
+              <a:rPr lang="en-US" dirty="0" smtClean="0"/>
+              <a:t>– </a:t>
             </a:r>
             <a:br>
               <a:rPr lang="en-US" dirty="0" smtClean="0"/>
             </a:br>
             <a:r>
               <a:rPr lang="en-US" dirty="0" smtClean="0"/>
-              <a:t>Quality Assessment</a:t>
+              <a:t>Config dependencies</a:t>
             </a:r>
             <a:endParaRPr lang="en-US" dirty="0"/>
+          </a:p>
+        </p:txBody>
+      </p:sp>
+      <p:sp>
+        <p:nvSpPr>
+          <p:cNvPr id="7" name="TextBox 6"/>
+          <p:cNvSpPr txBox="1"/>
+          <p:nvPr/>
+        </p:nvSpPr>
+        <p:spPr>
+          <a:xfrm>
+            <a:off x="4695804" y="4042761"/>
+            <a:ext cx="3931157" cy="1315745"/>
+          </a:xfrm>
+          <a:prstGeom prst="rect">
+            <a:avLst/>
+          </a:prstGeom>
+          <a:noFill/>
+          <a:ln>
+            <a:solidFill>
+              <a:srgbClr val="838D9B"/>
+            </a:solidFill>
+          </a:ln>
+        </p:spPr>
+        <p:txBody>
+          <a:bodyPr wrap="square" rtlCol="0">
+            <a:spAutoFit/>
+          </a:bodyPr>
+          <a:lstStyle/>
+          <a:p>
+            <a:pPr>
+              <a:lnSpc>
+                <a:spcPct val="150000"/>
+              </a:lnSpc>
+            </a:pPr>
+            <a:r>
+              <a:rPr lang="en-US" dirty="0" smtClean="0">
+                <a:solidFill>
+                  <a:schemeClr val="tx2">
+                    <a:lumMod val="40000"/>
+                    <a:lumOff val="60000"/>
+                  </a:schemeClr>
+                </a:solidFill>
+              </a:rPr>
+              <a:t>In HPC - do </a:t>
+            </a:r>
+            <a:r>
+              <a:rPr lang="en-US" dirty="0">
+                <a:solidFill>
+                  <a:schemeClr val="tx2">
+                    <a:lumMod val="40000"/>
+                    <a:lumOff val="60000"/>
+                  </a:schemeClr>
+                </a:solidFill>
+              </a:rPr>
+              <a:t>module </a:t>
+            </a:r>
+            <a:r>
+              <a:rPr lang="en-US" dirty="0" smtClean="0">
+                <a:solidFill>
+                  <a:schemeClr val="tx2">
+                    <a:lumMod val="40000"/>
+                    <a:lumOff val="60000"/>
+                  </a:schemeClr>
+                </a:solidFill>
+              </a:rPr>
+              <a:t>load</a:t>
+            </a:r>
+          </a:p>
+          <a:p>
+            <a:pPr>
+              <a:lnSpc>
+                <a:spcPct val="150000"/>
+              </a:lnSpc>
+            </a:pPr>
+            <a:r>
+              <a:rPr lang="en-US" dirty="0" smtClean="0">
+                <a:solidFill>
+                  <a:schemeClr val="tx2">
+                    <a:lumMod val="40000"/>
+                    <a:lumOff val="60000"/>
+                  </a:schemeClr>
+                </a:solidFill>
+              </a:rPr>
+              <a:t>Delete # in front of module load for parallel and FASTQC</a:t>
+            </a:r>
+            <a:endParaRPr lang="en-US" dirty="0">
+              <a:solidFill>
+                <a:schemeClr val="tx2">
+                  <a:lumMod val="40000"/>
+                  <a:lumOff val="60000"/>
+                </a:schemeClr>
+              </a:solidFill>
+            </a:endParaRPr>
           </a:p>
         </p:txBody>
       </p:sp>
     </p:spTree>
     <p:extLst>
       <p:ext uri="{BB962C8B-B14F-4D97-AF65-F5344CB8AC3E}">
-        <p14:creationId xmlns:p14="http://schemas.microsoft.com/office/powerpoint/2010/main" val="1746707197"/>
+        <p14:creationId xmlns:p14="http://schemas.microsoft.com/office/powerpoint/2010/main" val="434398107"/>
       </p:ext>
     </p:extLst>
   </p:cSld>
@@ -13299,6 +13333,247 @@
             <p:ph idx="1"/>
           </p:nvPr>
         </p:nvSpPr>
+        <p:spPr>
+          <a:xfrm>
+            <a:off x="86100" y="2616185"/>
+            <a:ext cx="9057900" cy="2393521"/>
+          </a:xfrm>
+        </p:spPr>
+        <p:txBody>
+          <a:bodyPr>
+            <a:normAutofit/>
+          </a:bodyPr>
+          <a:lstStyle/>
+          <a:p>
+            <a:pPr marL="45720" indent="0">
+              <a:buNone/>
+            </a:pPr>
+            <a:r>
+              <a:rPr lang="en-US" dirty="0"/>
+              <a:t>3</a:t>
+            </a:r>
+            <a:r>
+              <a:rPr lang="en-US" dirty="0" smtClean="0"/>
+              <a:t>. Run analysis interactively </a:t>
+            </a:r>
+            <a:endParaRPr lang="en-US" dirty="0" smtClean="0"/>
+          </a:p>
+          <a:p>
+            <a:pPr marL="45720" indent="0">
+              <a:buNone/>
+            </a:pPr>
+            <a:r>
+              <a:rPr lang="en-US" sz="1600" dirty="0" smtClean="0"/>
+              <a:t>(</a:t>
+            </a:r>
+            <a:r>
+              <a:rPr lang="en-US" sz="1600" dirty="0" smtClean="0"/>
+              <a:t>in sequence_handling </a:t>
+            </a:r>
+            <a:r>
+              <a:rPr lang="en-US" sz="1600" dirty="0" smtClean="0"/>
+              <a:t>directory, </a:t>
+            </a:r>
+            <a:r>
+              <a:rPr lang="en-US" sz="1600" u="sng" dirty="0" smtClean="0"/>
+              <a:t>in one of the high performance systems </a:t>
+            </a:r>
+            <a:r>
+              <a:rPr lang="en-US" sz="1600" dirty="0" smtClean="0"/>
+              <a:t>– lab, Itasca, Mesabi)</a:t>
+            </a:r>
+            <a:endParaRPr lang="en-US" sz="1600" dirty="0" smtClean="0"/>
+          </a:p>
+          <a:p>
+            <a:pPr marL="45720" indent="0">
+              <a:buNone/>
+            </a:pPr>
+            <a:endParaRPr lang="en-US" sz="2400" dirty="0"/>
+          </a:p>
+          <a:p>
+            <a:pPr marL="45720" indent="0">
+              <a:buNone/>
+            </a:pPr>
+            <a:r>
+              <a:rPr lang="en-US" dirty="0">
+                <a:solidFill>
+                  <a:srgbClr val="CCFFCC"/>
+                </a:solidFill>
+                <a:latin typeface="Lucida Console"/>
+                <a:cs typeface="Lucida Console"/>
+              </a:rPr>
+              <a:t>./sequence_handling </a:t>
+            </a:r>
+            <a:r>
+              <a:rPr lang="en-US" dirty="0" smtClean="0">
+                <a:solidFill>
+                  <a:srgbClr val="CCFFCC"/>
+                </a:solidFill>
+                <a:latin typeface="Lucida Console"/>
+                <a:cs typeface="Lucida Console"/>
+              </a:rPr>
+              <a:t>1 </a:t>
+            </a:r>
+            <a:r>
+              <a:rPr lang="en-US" dirty="0" smtClean="0">
+                <a:solidFill>
+                  <a:srgbClr val="CCFFCC"/>
+                </a:solidFill>
+                <a:latin typeface="Lucida Console"/>
+                <a:cs typeface="Lucida Console"/>
+              </a:rPr>
+              <a:t>~/</a:t>
+            </a:r>
+            <a:r>
+              <a:rPr lang="en-US" dirty="0" smtClean="0">
+                <a:solidFill>
+                  <a:srgbClr val="CCFFCC"/>
+                </a:solidFill>
+                <a:latin typeface="Lucida Console"/>
+                <a:cs typeface="Lucida Console"/>
+              </a:rPr>
+              <a:t>sequence_handling/</a:t>
+            </a:r>
+            <a:r>
+              <a:rPr lang="en-US" dirty="0" smtClean="0">
+                <a:solidFill>
+                  <a:srgbClr val="CCFFCC"/>
+                </a:solidFill>
+                <a:latin typeface="Lucida Console"/>
+                <a:cs typeface="Lucida Console"/>
+              </a:rPr>
+              <a:t>Config</a:t>
+            </a:r>
+          </a:p>
+          <a:p>
+            <a:pPr marL="45720" indent="0">
+              <a:buNone/>
+            </a:pPr>
+            <a:r>
+              <a:rPr lang="en-US" dirty="0">
+                <a:solidFill>
+                  <a:srgbClr val="CCFFCC"/>
+                </a:solidFill>
+                <a:latin typeface="Lucida Console"/>
+                <a:cs typeface="Lucida Console"/>
+              </a:rPr>
+              <a:t>	</a:t>
+            </a:r>
+            <a:r>
+              <a:rPr lang="en-US" dirty="0" smtClean="0">
+                <a:solidFill>
+                  <a:srgbClr val="CCFFCC"/>
+                </a:solidFill>
+                <a:latin typeface="Lucida Console"/>
+                <a:cs typeface="Lucida Console"/>
+              </a:rPr>
+              <a:t>			    </a:t>
+            </a:r>
+            <a:r>
+              <a:rPr lang="en-US" dirty="0" smtClean="0">
+                <a:solidFill>
+                  <a:srgbClr val="FFFFFF"/>
+                </a:solidFill>
+                <a:latin typeface="Lucida Console"/>
+                <a:cs typeface="Lucida Console"/>
+              </a:rPr>
+              <a:t> </a:t>
+            </a:r>
+            <a:r>
+              <a:rPr lang="en-US" sz="1800" dirty="0" smtClean="0">
+                <a:solidFill>
+                  <a:srgbClr val="FFFFFF"/>
+                </a:solidFill>
+                <a:cs typeface="Lucida Console"/>
+              </a:rPr>
+              <a:t>(path to Config file)</a:t>
+            </a:r>
+            <a:endParaRPr lang="en-US" sz="1800" dirty="0" smtClean="0">
+              <a:solidFill>
+                <a:srgbClr val="FFFFFF"/>
+              </a:solidFill>
+              <a:cs typeface="Lucida Console"/>
+            </a:endParaRPr>
+          </a:p>
+        </p:txBody>
+      </p:sp>
+      <p:sp>
+        <p:nvSpPr>
+          <p:cNvPr id="5" name="Title 1"/>
+          <p:cNvSpPr>
+            <a:spLocks noGrp="1"/>
+          </p:cNvSpPr>
+          <p:nvPr>
+            <p:ph type="title"/>
+          </p:nvPr>
+        </p:nvSpPr>
+        <p:spPr>
+          <a:xfrm>
+            <a:off x="914400" y="709115"/>
+            <a:ext cx="7315200" cy="1154097"/>
+          </a:xfrm>
+        </p:spPr>
+        <p:txBody>
+          <a:bodyPr>
+            <a:normAutofit fontScale="90000"/>
+          </a:bodyPr>
+          <a:lstStyle/>
+          <a:p>
+            <a:r>
+              <a:rPr lang="en-US" dirty="0" smtClean="0"/>
+              <a:t>Exercise – Config </a:t>
+            </a:r>
+            <a:br>
+              <a:rPr lang="en-US" dirty="0" smtClean="0"/>
+            </a:br>
+            <a:r>
+              <a:rPr lang="en-US" dirty="0" smtClean="0"/>
+              <a:t>Quality Assessment</a:t>
+            </a:r>
+            <a:endParaRPr lang="en-US" dirty="0"/>
+          </a:p>
+        </p:txBody>
+      </p:sp>
+    </p:spTree>
+    <p:extLst>
+      <p:ext uri="{BB962C8B-B14F-4D97-AF65-F5344CB8AC3E}">
+        <p14:creationId xmlns:p14="http://schemas.microsoft.com/office/powerpoint/2010/main" val="1746707197"/>
+      </p:ext>
+    </p:extLst>
+  </p:cSld>
+  <p:clrMapOvr>
+    <a:masterClrMapping/>
+  </p:clrMapOvr>
+</p:sld>
+</file>
+
+<file path=ppt/slides/slide36.xml><?xml version="1.0" encoding="utf-8"?>
+<p:sld xmlns:a="http://schemas.openxmlformats.org/drawingml/2006/main" xmlns:r="http://schemas.openxmlformats.org/officeDocument/2006/relationships" xmlns:p="http://schemas.openxmlformats.org/presentationml/2006/main">
+  <p:cSld>
+    <p:spTree>
+      <p:nvGrpSpPr>
+        <p:cNvPr id="1" name=""/>
+        <p:cNvGrpSpPr/>
+        <p:nvPr/>
+      </p:nvGrpSpPr>
+      <p:grpSpPr>
+        <a:xfrm>
+          <a:off x="0" y="0"/>
+          <a:ext cx="0" cy="0"/>
+          <a:chOff x="0" y="0"/>
+          <a:chExt cx="0" cy="0"/>
+        </a:xfrm>
+      </p:grpSpPr>
+      <p:sp>
+        <p:nvSpPr>
+          <p:cNvPr id="3" name="Content Placeholder 2"/>
+          <p:cNvSpPr>
+            <a:spLocks noGrp="1"/>
+          </p:cNvSpPr>
+          <p:nvPr>
+            <p:ph idx="1"/>
+          </p:nvPr>
+        </p:nvSpPr>
         <p:spPr/>
         <p:txBody>
           <a:bodyPr/>
@@ -13476,7 +13751,7 @@
 </p:sld>
 </file>
 
-<file path=ppt/slides/slide36.xml><?xml version="1.0" encoding="utf-8"?>
+<file path=ppt/slides/slide37.xml><?xml version="1.0" encoding="utf-8"?>
 <p:sld xmlns:a="http://schemas.openxmlformats.org/drawingml/2006/main" xmlns:r="http://schemas.openxmlformats.org/officeDocument/2006/relationships" xmlns:p="http://schemas.openxmlformats.org/presentationml/2006/main">
   <p:cSld>
     <p:spTree>
@@ -13834,7 +14109,7 @@
 </p:sld>
 </file>
 
-<file path=ppt/slides/slide37.xml><?xml version="1.0" encoding="utf-8"?>
+<file path=ppt/slides/slide38.xml><?xml version="1.0" encoding="utf-8"?>
 <p:sld xmlns:a="http://schemas.openxmlformats.org/drawingml/2006/main" xmlns:r="http://schemas.openxmlformats.org/officeDocument/2006/relationships" xmlns:p="http://schemas.openxmlformats.org/presentationml/2006/main">
   <p:cSld>
     <p:spTree>
@@ -14238,7 +14513,7 @@
 </p:sld>
 </file>
 
-<file path=ppt/slides/slide38.xml><?xml version="1.0" encoding="utf-8"?>
+<file path=ppt/slides/slide39.xml><?xml version="1.0" encoding="utf-8"?>
 <p:sld xmlns:a="http://schemas.openxmlformats.org/drawingml/2006/main" xmlns:r="http://schemas.openxmlformats.org/officeDocument/2006/relationships" xmlns:p="http://schemas.openxmlformats.org/presentationml/2006/main">
   <p:cSld>
     <p:spTree>
@@ -14666,10 +14941,9 @@
           <a:lstStyle/>
           <a:p>
             <a:r>
-              <a:rPr lang="en-US" dirty="0" smtClean="0"/>
-              <a:t>sequence_handling handlers</a:t>
-            </a:r>
-            <a:endParaRPr lang="en-US" dirty="0"/>
+              <a:rPr lang="en-US" dirty="0"/>
+              <a:t>sequence_handling</a:t>
+            </a:r>
           </a:p>
         </p:txBody>
       </p:sp>
@@ -14685,8 +14959,8 @@
         </p:nvSpPr>
         <p:spPr>
           <a:xfrm>
-            <a:off x="183799" y="2527933"/>
-            <a:ext cx="9044868" cy="4202558"/>
+            <a:off x="183799" y="2769833"/>
+            <a:ext cx="8793111" cy="3539527"/>
           </a:xfrm>
         </p:spPr>
         <p:txBody>
@@ -14695,263 +14969,60 @@
           </a:bodyPr>
           <a:lstStyle/>
           <a:p>
-            <a:pPr marL="777240" lvl="1" indent="-457200">
-              <a:lnSpc>
-                <a:spcPct val="130000"/>
-              </a:lnSpc>
-              <a:buFont typeface="+mj-lt"/>
-              <a:buAutoNum type="arabicPeriod"/>
-            </a:pPr>
-            <a:r>
-              <a:rPr lang="en-US" sz="2000" dirty="0" smtClean="0"/>
-              <a:t>Quality </a:t>
-            </a:r>
-            <a:r>
-              <a:rPr lang="en-US" sz="2000" dirty="0"/>
-              <a:t>Assessment - </a:t>
-            </a:r>
-            <a:r>
-              <a:rPr lang="en-US" sz="2000" dirty="0" err="1" smtClean="0"/>
-              <a:t>FastQC</a:t>
-            </a:r>
-            <a:r>
-              <a:rPr lang="en-US" sz="2000" dirty="0" smtClean="0"/>
-              <a:t> </a:t>
-            </a:r>
-            <a:endParaRPr lang="en-US" sz="1600" dirty="0">
+            <a:pPr marL="45720" indent="0" algn="ctr">
+              <a:buNone/>
+            </a:pPr>
+            <a:r>
+              <a:rPr lang="en-US" sz="3600" dirty="0" smtClean="0"/>
+              <a:t>“A </a:t>
+            </a:r>
+            <a:r>
+              <a:rPr lang="en-US" sz="3600" dirty="0"/>
+              <a:t>series of scripts that automates sequence analysis </a:t>
+            </a:r>
+            <a:r>
+              <a:rPr lang="en-US" sz="3600" dirty="0" smtClean="0"/>
+              <a:t>workflows”</a:t>
+            </a:r>
+          </a:p>
+          <a:p>
+            <a:pPr marL="45720" indent="0" algn="ctr">
+              <a:buNone/>
+            </a:pPr>
+            <a:endParaRPr lang="en-US" sz="3200" dirty="0"/>
+          </a:p>
+          <a:p>
+            <a:pPr marL="45720" indent="0" algn="ctr">
+              <a:buNone/>
+            </a:pPr>
+            <a:r>
+              <a:rPr lang="en-US" sz="2800" dirty="0" smtClean="0">
+                <a:solidFill>
+                  <a:srgbClr val="F9BE92"/>
+                </a:solidFill>
+              </a:rPr>
+              <a:t>Developed by Paul Hoffman and Skylar </a:t>
+            </a:r>
+            <a:r>
+              <a:rPr lang="en-US" sz="2800" dirty="0" err="1" smtClean="0">
+                <a:solidFill>
+                  <a:srgbClr val="F9BE92"/>
+                </a:solidFill>
+              </a:rPr>
+              <a:t>Wyant</a:t>
+            </a:r>
+            <a:endParaRPr lang="en-US" sz="2800" dirty="0" smtClean="0">
               <a:solidFill>
                 <a:srgbClr val="F9BE92"/>
               </a:solidFill>
             </a:endParaRPr>
           </a:p>
-          <a:p>
-            <a:pPr marL="777240" lvl="1" indent="-457200">
-              <a:lnSpc>
-                <a:spcPct val="130000"/>
-              </a:lnSpc>
-              <a:buFont typeface="+mj-lt"/>
-              <a:buAutoNum type="arabicPeriod"/>
-            </a:pPr>
-            <a:r>
-              <a:rPr lang="en-US" sz="2000" dirty="0"/>
-              <a:t>Read </a:t>
-            </a:r>
-            <a:r>
-              <a:rPr lang="en-US" sz="2000" dirty="0" smtClean="0"/>
-              <a:t>depths </a:t>
-            </a:r>
-            <a:r>
-              <a:rPr lang="en-US" sz="2000" dirty="0"/>
-              <a:t>-</a:t>
-            </a:r>
-            <a:r>
-              <a:rPr lang="en-US" sz="2000" dirty="0" smtClean="0"/>
-              <a:t> Zip/Unzip/</a:t>
-            </a:r>
-            <a:r>
-              <a:rPr lang="en-US" sz="2000" dirty="0" err="1" smtClean="0"/>
-              <a:t>Grep</a:t>
-            </a:r>
-            <a:endParaRPr lang="en-US" sz="2000" dirty="0"/>
-          </a:p>
-          <a:p>
-            <a:pPr marL="777240" lvl="1" indent="-457200">
-              <a:lnSpc>
-                <a:spcPct val="130000"/>
-              </a:lnSpc>
-              <a:buFont typeface="+mj-lt"/>
-              <a:buAutoNum type="arabicPeriod"/>
-            </a:pPr>
-            <a:r>
-              <a:rPr lang="en-US" sz="2000" dirty="0" smtClean="0"/>
-              <a:t>Adapter </a:t>
-            </a:r>
-            <a:r>
-              <a:rPr lang="en-US" sz="2000" dirty="0"/>
-              <a:t>trimming </a:t>
-            </a:r>
-            <a:r>
-              <a:rPr lang="en-US" sz="2000" dirty="0" smtClean="0"/>
-              <a:t>- Scythe </a:t>
-            </a:r>
-            <a:endParaRPr lang="en-US" dirty="0">
-              <a:solidFill>
-                <a:srgbClr val="F9BE92"/>
-              </a:solidFill>
-            </a:endParaRPr>
-          </a:p>
-          <a:p>
-            <a:pPr marL="777240" lvl="1" indent="-457200">
-              <a:lnSpc>
-                <a:spcPct val="130000"/>
-              </a:lnSpc>
-              <a:buFont typeface="+mj-lt"/>
-              <a:buAutoNum type="arabicPeriod"/>
-            </a:pPr>
-            <a:r>
-              <a:rPr lang="en-US" sz="2000" dirty="0" smtClean="0"/>
-              <a:t>Quality </a:t>
-            </a:r>
-            <a:r>
-              <a:rPr lang="en-US" sz="2000" dirty="0"/>
-              <a:t>trimming </a:t>
-            </a:r>
-            <a:r>
-              <a:rPr lang="en-US" sz="2000" dirty="0" smtClean="0"/>
-              <a:t>- </a:t>
-            </a:r>
-            <a:r>
-              <a:rPr lang="en-US" sz="2000" dirty="0"/>
-              <a:t>Sickle/ </a:t>
-            </a:r>
-            <a:r>
-              <a:rPr lang="en-US" sz="2000" dirty="0" err="1"/>
-              <a:t>Seqqs</a:t>
-            </a:r>
-            <a:r>
-              <a:rPr lang="en-US" sz="2000" dirty="0"/>
-              <a:t> </a:t>
-            </a:r>
-            <a:endParaRPr lang="en-US" dirty="0">
-              <a:solidFill>
-                <a:srgbClr val="F9BE92"/>
-              </a:solidFill>
-            </a:endParaRPr>
-          </a:p>
-          <a:p>
-            <a:pPr marL="777240" lvl="1" indent="-457200">
-              <a:lnSpc>
-                <a:spcPct val="130000"/>
-              </a:lnSpc>
-              <a:buFont typeface="+mj-lt"/>
-              <a:buAutoNum type="arabicPeriod"/>
-            </a:pPr>
-            <a:r>
-              <a:rPr lang="en-US" sz="2000" dirty="0" smtClean="0"/>
-              <a:t>Read </a:t>
-            </a:r>
-            <a:r>
-              <a:rPr lang="en-US" sz="2000" dirty="0"/>
-              <a:t>mapping </a:t>
-            </a:r>
-            <a:r>
-              <a:rPr lang="en-US" sz="2000" dirty="0" smtClean="0"/>
-              <a:t>- </a:t>
-            </a:r>
-            <a:r>
-              <a:rPr lang="en-US" sz="2000" dirty="0"/>
-              <a:t>BWA-</a:t>
-            </a:r>
-            <a:r>
-              <a:rPr lang="en-US" sz="2000" dirty="0" smtClean="0"/>
-              <a:t>MEM</a:t>
-            </a:r>
-            <a:r>
-              <a:rPr lang="en-US" sz="2000" dirty="0" smtClean="0">
-                <a:solidFill>
-                  <a:srgbClr val="F9BE92"/>
-                </a:solidFill>
-              </a:rPr>
-              <a:t> </a:t>
-            </a:r>
-            <a:endParaRPr lang="en-US" dirty="0">
-              <a:solidFill>
-                <a:srgbClr val="F9BE92"/>
-              </a:solidFill>
-            </a:endParaRPr>
-          </a:p>
-          <a:p>
-            <a:pPr marL="777240" lvl="1" indent="-457200">
-              <a:lnSpc>
-                <a:spcPct val="130000"/>
-              </a:lnSpc>
-              <a:buFont typeface="+mj-lt"/>
-              <a:buAutoNum type="arabicPeriod"/>
-            </a:pPr>
-            <a:r>
-              <a:rPr lang="en-US" sz="2000" dirty="0"/>
-              <a:t>SAM processing </a:t>
-            </a:r>
-            <a:r>
-              <a:rPr lang="en-US" sz="2000" dirty="0" smtClean="0"/>
-              <a:t>- </a:t>
-            </a:r>
-            <a:r>
-              <a:rPr lang="en-US" sz="2000" dirty="0"/>
-              <a:t>Picard/ </a:t>
-            </a:r>
-            <a:r>
-              <a:rPr lang="en-US" sz="2000" dirty="0" err="1" smtClean="0"/>
-              <a:t>SAMtools</a:t>
-            </a:r>
-            <a:r>
-              <a:rPr lang="en-US" sz="2000" dirty="0" smtClean="0"/>
-              <a:t> </a:t>
-            </a:r>
-            <a:endParaRPr lang="en-US" dirty="0"/>
-          </a:p>
-          <a:p>
-            <a:pPr marL="777240" lvl="1" indent="-457200">
-              <a:lnSpc>
-                <a:spcPct val="130000"/>
-              </a:lnSpc>
-              <a:buFont typeface="+mj-lt"/>
-              <a:buAutoNum type="arabicPeriod"/>
-            </a:pPr>
-            <a:r>
-              <a:rPr lang="en-US" sz="2000" dirty="0" smtClean="0"/>
-              <a:t>Coverage </a:t>
-            </a:r>
-            <a:r>
-              <a:rPr lang="en-US" sz="2000" dirty="0"/>
-              <a:t>mapping </a:t>
-            </a:r>
-            <a:r>
-              <a:rPr lang="en-US" sz="2000" dirty="0" smtClean="0"/>
-              <a:t>- </a:t>
-            </a:r>
-            <a:r>
-              <a:rPr lang="en-US" sz="2000" dirty="0" err="1" smtClean="0"/>
-              <a:t>BEDtools</a:t>
-            </a:r>
-            <a:endParaRPr lang="en-US" sz="2000" dirty="0" smtClean="0"/>
-          </a:p>
-          <a:p>
-            <a:pPr marL="777240" lvl="1" indent="-457200">
-              <a:lnSpc>
-                <a:spcPct val="130000"/>
-              </a:lnSpc>
-              <a:buFont typeface="+mj-lt"/>
-              <a:buAutoNum type="arabicPeriod"/>
-            </a:pPr>
-            <a:r>
-              <a:rPr lang="en-US" sz="2000" dirty="0" err="1"/>
-              <a:t>Indel</a:t>
-            </a:r>
-            <a:r>
-              <a:rPr lang="en-US" sz="2000" dirty="0"/>
-              <a:t> realignment -</a:t>
-            </a:r>
-            <a:r>
-              <a:rPr lang="en-US" sz="2000" dirty="0" smtClean="0"/>
-              <a:t> GATK</a:t>
-            </a:r>
-          </a:p>
-          <a:p>
-            <a:pPr marL="45720" indent="0" algn="ctr">
-              <a:lnSpc>
-                <a:spcPct val="130000"/>
-              </a:lnSpc>
-              <a:buNone/>
-            </a:pPr>
-            <a:endParaRPr lang="en-US" sz="2800" b="1" dirty="0"/>
-          </a:p>
         </p:txBody>
       </p:sp>
     </p:spTree>
     <p:extLst>
       <p:ext uri="{BB962C8B-B14F-4D97-AF65-F5344CB8AC3E}">
-        <p14:creationId xmlns:p14="http://schemas.microsoft.com/office/powerpoint/2010/main" val="1844355307"/>
+        <p14:creationId xmlns:p14="http://schemas.microsoft.com/office/powerpoint/2010/main" val="2403026913"/>
       </p:ext>
     </p:extLst>
   </p:cSld>
@@ -15006,9 +15077,10 @@
           <a:lstStyle/>
           <a:p>
             <a:r>
-              <a:rPr lang="en-US" dirty="0"/>
+              <a:rPr lang="en-US" dirty="0" smtClean="0"/>
               <a:t>sequence_handling handlers</a:t>
             </a:r>
+            <a:endParaRPr lang="en-US" dirty="0"/>
           </a:p>
         </p:txBody>
       </p:sp>
@@ -15025,7 +15097,7 @@
         <p:spPr>
           <a:xfrm>
             <a:off x="183799" y="2527933"/>
-            <a:ext cx="9044868" cy="3773686"/>
+            <a:ext cx="9044868" cy="4202558"/>
           </a:xfrm>
         </p:spPr>
         <p:txBody>
@@ -15057,54 +15129,6 @@
               <a:rPr lang="en-US" sz="2000" dirty="0" smtClean="0"/>
               <a:t> </a:t>
             </a:r>
-            <a:r>
-              <a:rPr lang="en-US" sz="1600" dirty="0">
-                <a:solidFill>
-                  <a:srgbClr val="F9BE92"/>
-                </a:solidFill>
-              </a:rPr>
-              <a:t>(Oct </a:t>
-            </a:r>
-            <a:r>
-              <a:rPr lang="en-US" sz="1600" dirty="0" smtClean="0">
-                <a:solidFill>
-                  <a:srgbClr val="F9BE92"/>
-                </a:solidFill>
-              </a:rPr>
-              <a:t>06</a:t>
-            </a:r>
-            <a:r>
-              <a:rPr lang="en-US" sz="1600" baseline="30000" dirty="0" smtClean="0">
-                <a:solidFill>
-                  <a:srgbClr val="F9BE92"/>
-                </a:solidFill>
-              </a:rPr>
-              <a:t>th</a:t>
-            </a:r>
-            <a:r>
-              <a:rPr lang="en-US" sz="1600" dirty="0" smtClean="0">
-                <a:solidFill>
-                  <a:srgbClr val="F9BE92"/>
-                </a:solidFill>
-              </a:rPr>
-              <a:t> </a:t>
-            </a:r>
-            <a:r>
-              <a:rPr lang="en-US" sz="1600" dirty="0">
-                <a:solidFill>
-                  <a:srgbClr val="F9BE92"/>
-                </a:solidFill>
-              </a:rPr>
-              <a:t>– </a:t>
-            </a:r>
-            <a:r>
-              <a:rPr lang="en-US" sz="1600" dirty="0" smtClean="0">
-                <a:solidFill>
-                  <a:srgbClr val="F9BE92"/>
-                </a:solidFill>
-              </a:rPr>
-              <a:t>Paul Hoffman)</a:t>
-            </a:r>
             <a:endParaRPr lang="en-US" sz="1600" dirty="0">
               <a:solidFill>
                 <a:srgbClr val="F9BE92"/>
@@ -15120,16 +15144,20 @@
               <a:buAutoNum type="arabicPeriod"/>
             </a:pPr>
             <a:r>
+              <a:rPr lang="en-US" sz="2000" dirty="0"/>
+              <a:t>Read </a:t>
+            </a:r>
+            <a:r>
               <a:rPr lang="en-US" sz="2000" dirty="0" smtClean="0"/>
-              <a:t>Read depths </a:t>
+              <a:t>depths </a:t>
             </a:r>
             <a:r>
               <a:rPr lang="en-US" sz="2000" dirty="0"/>
-              <a:t>- </a:t>
-            </a:r>
-            <a:r>
-              <a:rPr lang="en-US" sz="2000" dirty="0"/>
-              <a:t>Zip/Unzip/</a:t>
+              <a:t>-</a:t>
+            </a:r>
+            <a:r>
+              <a:rPr lang="en-US" sz="2000" dirty="0" smtClean="0"/>
+              <a:t> Zip/Unzip/</a:t>
             </a:r>
             <a:r>
               <a:rPr lang="en-US" sz="2000" dirty="0" err="1" smtClean="0"/>
@@ -15157,46 +15185,6 @@
               <a:rPr lang="en-US" sz="2000" dirty="0" smtClean="0"/>
               <a:t>- Scythe </a:t>
             </a:r>
-            <a:r>
-              <a:rPr lang="en-US" dirty="0" smtClean="0">
-                <a:solidFill>
-                  <a:srgbClr val="F9BE92"/>
-                </a:solidFill>
-              </a:rPr>
-              <a:t>(Oct 13</a:t>
-            </a:r>
-            <a:r>
-              <a:rPr lang="en-US" baseline="30000" dirty="0">
-                <a:solidFill>
-                  <a:srgbClr val="F9BE92"/>
-                </a:solidFill>
-              </a:rPr>
-              <a:t>th</a:t>
-            </a:r>
-            <a:r>
-              <a:rPr lang="en-US" dirty="0" smtClean="0">
-                <a:solidFill>
-                  <a:srgbClr val="F9BE92"/>
-                </a:solidFill>
-              </a:rPr>
-              <a:t> – </a:t>
-            </a:r>
-            <a:r>
-              <a:rPr lang="en-US" dirty="0" err="1" smtClean="0">
-                <a:solidFill>
-                  <a:srgbClr val="F9BE92"/>
-                </a:solidFill>
-              </a:rPr>
-              <a:t>Chaochih</a:t>
-            </a:r>
-            <a:r>
-              <a:rPr lang="en-US" dirty="0" smtClean="0">
-                <a:solidFill>
-                  <a:srgbClr val="F9BE92"/>
-                </a:solidFill>
-              </a:rPr>
-              <a:t> Liu)</a:t>
-            </a:r>
             <a:endParaRPr lang="en-US" dirty="0">
               <a:solidFill>
                 <a:srgbClr val="F9BE92"/>
@@ -15235,46 +15223,6 @@
               <a:rPr lang="en-US" sz="2000" dirty="0"/>
               <a:t> </a:t>
             </a:r>
-            <a:r>
-              <a:rPr lang="en-US" dirty="0" smtClean="0">
-                <a:solidFill>
-                  <a:srgbClr val="F9BE92"/>
-                </a:solidFill>
-              </a:rPr>
-              <a:t>(Oct 13</a:t>
-            </a:r>
-            <a:r>
-              <a:rPr lang="en-US" baseline="30000" dirty="0">
-                <a:solidFill>
-                  <a:srgbClr val="F9BE92"/>
-                </a:solidFill>
-              </a:rPr>
-              <a:t>th</a:t>
-            </a:r>
-            <a:r>
-              <a:rPr lang="en-US" dirty="0" smtClean="0">
-                <a:solidFill>
-                  <a:srgbClr val="F9BE92"/>
-                </a:solidFill>
-              </a:rPr>
-              <a:t> - </a:t>
-            </a:r>
-            <a:r>
-              <a:rPr lang="en-US" dirty="0" err="1" smtClean="0">
-                <a:solidFill>
-                  <a:srgbClr val="F9BE92"/>
-                </a:solidFill>
-              </a:rPr>
-              <a:t>Chaochih</a:t>
-            </a:r>
-            <a:r>
-              <a:rPr lang="en-US" dirty="0" smtClean="0">
-                <a:solidFill>
-                  <a:srgbClr val="F9BE92"/>
-                </a:solidFill>
-              </a:rPr>
-              <a:t> Liu)</a:t>
-            </a:r>
             <a:endParaRPr lang="en-US" dirty="0">
               <a:solidFill>
                 <a:srgbClr val="F9BE92"/>
@@ -15317,54 +15265,6 @@
               </a:rPr>
               <a:t> </a:t>
             </a:r>
-            <a:r>
-              <a:rPr lang="en-US" dirty="0" smtClean="0">
-                <a:solidFill>
-                  <a:srgbClr val="F9BE92"/>
-                </a:solidFill>
-              </a:rPr>
-              <a:t>(Oct 20</a:t>
-            </a:r>
-            <a:r>
-              <a:rPr lang="en-US" baseline="30000" dirty="0" smtClean="0">
-                <a:solidFill>
-                  <a:srgbClr val="F9BE92"/>
-                </a:solidFill>
-              </a:rPr>
-              <a:t>th</a:t>
-            </a:r>
-            <a:r>
-              <a:rPr lang="en-US" dirty="0" smtClean="0">
-                <a:solidFill>
-                  <a:srgbClr val="F9BE92"/>
-                </a:solidFill>
-              </a:rPr>
-              <a:t>/ 27</a:t>
-            </a:r>
-            <a:r>
-              <a:rPr lang="en-US" baseline="30000" dirty="0" smtClean="0">
-                <a:solidFill>
-                  <a:srgbClr val="F9BE92"/>
-                </a:solidFill>
-              </a:rPr>
-              <a:t>th </a:t>
-            </a:r>
-            <a:r>
-              <a:rPr lang="en-US" dirty="0" smtClean="0">
-                <a:solidFill>
-                  <a:srgbClr val="F9BE92"/>
-                </a:solidFill>
-              </a:rPr>
-              <a:t>– P. Morrell/ Y. Zhang</a:t>
-            </a:r>
-            <a:r>
-              <a:rPr lang="en-US" sz="1600" dirty="0" smtClean="0">
-                <a:solidFill>
-                  <a:srgbClr val="F9BE92"/>
-                </a:solidFill>
-              </a:rPr>
-              <a:t>)</a:t>
-            </a:r>
             <a:endParaRPr lang="en-US" dirty="0">
               <a:solidFill>
                 <a:srgbClr val="F9BE92"/>
@@ -15399,46 +15299,6 @@
               <a:rPr lang="en-US" sz="2000" dirty="0" smtClean="0"/>
               <a:t> </a:t>
             </a:r>
-            <a:r>
-              <a:rPr lang="en-US" dirty="0" smtClean="0">
-                <a:solidFill>
-                  <a:srgbClr val="F9BE92"/>
-                </a:solidFill>
-              </a:rPr>
-              <a:t>(Nov 10</a:t>
-            </a:r>
-            <a:r>
-              <a:rPr lang="en-US" baseline="30000" dirty="0">
-                <a:solidFill>
-                  <a:srgbClr val="F9BE92"/>
-                </a:solidFill>
-              </a:rPr>
-              <a:t>th</a:t>
-            </a:r>
-            <a:r>
-              <a:rPr lang="en-US" dirty="0" smtClean="0">
-                <a:solidFill>
-                  <a:srgbClr val="F9BE92"/>
-                </a:solidFill>
-              </a:rPr>
-              <a:t> /17</a:t>
-            </a:r>
-            <a:r>
-              <a:rPr lang="en-US" baseline="30000" dirty="0" smtClean="0">
-                <a:solidFill>
-                  <a:srgbClr val="F9BE92"/>
-                </a:solidFill>
-              </a:rPr>
-              <a:t>th</a:t>
-            </a:r>
-            <a:r>
-              <a:rPr lang="en-US" dirty="0" smtClean="0">
-                <a:solidFill>
-                  <a:srgbClr val="F9BE92"/>
-                </a:solidFill>
-              </a:rPr>
-              <a:t> - L. Lei/ C. Pierce)</a:t>
-            </a:r>
             <a:endParaRPr lang="en-US" dirty="0"/>
           </a:p>
           <a:p>
@@ -15462,10 +15322,10 @@
               <a:t>- </a:t>
             </a:r>
             <a:r>
-              <a:rPr lang="en-US" sz="2000" dirty="0" err="1"/>
+              <a:rPr lang="en-US" sz="2000" dirty="0" err="1" smtClean="0"/>
               <a:t>BEDtools</a:t>
             </a:r>
-            <a:endParaRPr lang="en-US" sz="2000" dirty="0"/>
+            <a:endParaRPr lang="en-US" sz="2000" dirty="0" smtClean="0"/>
           </a:p>
           <a:p>
             <a:pPr marL="777240" lvl="1" indent="-457200">
@@ -15481,19 +15341,28 @@
             </a:r>
             <a:r>
               <a:rPr lang="en-US" sz="2000" dirty="0"/>
-              <a:t> realignment - </a:t>
+              <a:t> realignment -</a:t>
             </a:r>
             <a:r>
               <a:rPr lang="en-US" sz="2000" dirty="0" smtClean="0"/>
-              <a:t>GATK</a:t>
-            </a:r>
+              <a:t> GATK</a:t>
+            </a:r>
+          </a:p>
+          <a:p>
+            <a:pPr marL="45720" indent="0" algn="ctr">
+              <a:lnSpc>
+                <a:spcPct val="130000"/>
+              </a:lnSpc>
+              <a:buNone/>
+            </a:pPr>
+            <a:endParaRPr lang="en-US" sz="2800" b="1" dirty="0"/>
           </a:p>
         </p:txBody>
       </p:sp>
     </p:spTree>
     <p:extLst>
       <p:ext uri="{BB962C8B-B14F-4D97-AF65-F5344CB8AC3E}">
-        <p14:creationId xmlns:p14="http://schemas.microsoft.com/office/powerpoint/2010/main" val="3180959053"/>
+        <p14:creationId xmlns:p14="http://schemas.microsoft.com/office/powerpoint/2010/main" val="1844355307"/>
       </p:ext>
     </p:extLst>
   </p:cSld>
@@ -15567,7 +15436,7 @@
         <p:spPr>
           <a:xfrm>
             <a:off x="183799" y="2527933"/>
-            <a:ext cx="8361111" cy="3539527"/>
+            <a:ext cx="9044868" cy="3773686"/>
           </a:xfrm>
         </p:spPr>
         <p:txBody>
@@ -15589,42 +15458,453 @@
             </a:r>
             <a:r>
               <a:rPr lang="en-US" sz="2000" dirty="0"/>
-              <a:t>Assessment </a:t>
-            </a:r>
-            <a:r>
-              <a:rPr lang="en-US" sz="2000" dirty="0" smtClean="0"/>
-              <a:t>- </a:t>
+              <a:t>Assessment - </a:t>
             </a:r>
             <a:r>
               <a:rPr lang="en-US" sz="2000" dirty="0" err="1" smtClean="0"/>
               <a:t>FastQC</a:t>
             </a:r>
-            <a:endParaRPr lang="en-US" sz="2000" dirty="0" smtClean="0"/>
-          </a:p>
-          <a:p>
-            <a:pPr lvl="2">
-              <a:lnSpc>
-                <a:spcPct val="130000"/>
-              </a:lnSpc>
-            </a:pPr>
-            <a:endParaRPr lang="en-US" sz="1800" dirty="0"/>
-          </a:p>
-          <a:p>
-            <a:pPr marL="960120" lvl="2" indent="-457200">
+            <a:r>
+              <a:rPr lang="en-US" sz="2000" dirty="0" smtClean="0"/>
+              <a:t> </a:t>
+            </a:r>
+            <a:r>
+              <a:rPr lang="en-US" sz="1600" dirty="0">
+                <a:solidFill>
+                  <a:srgbClr val="F9BE92"/>
+                </a:solidFill>
+              </a:rPr>
+              <a:t>(Oct </a:t>
+            </a:r>
+            <a:r>
+              <a:rPr lang="en-US" sz="1600" dirty="0" smtClean="0">
+                <a:solidFill>
+                  <a:srgbClr val="F9BE92"/>
+                </a:solidFill>
+              </a:rPr>
+              <a:t>06</a:t>
+            </a:r>
+            <a:r>
+              <a:rPr lang="en-US" sz="1600" baseline="30000" dirty="0" smtClean="0">
+                <a:solidFill>
+                  <a:srgbClr val="F9BE92"/>
+                </a:solidFill>
+              </a:rPr>
+              <a:t>th</a:t>
+            </a:r>
+            <a:r>
+              <a:rPr lang="en-US" sz="1600" dirty="0" smtClean="0">
+                <a:solidFill>
+                  <a:srgbClr val="F9BE92"/>
+                </a:solidFill>
+              </a:rPr>
+              <a:t> </a:t>
+            </a:r>
+            <a:r>
+              <a:rPr lang="en-US" sz="1600" dirty="0">
+                <a:solidFill>
+                  <a:srgbClr val="F9BE92"/>
+                </a:solidFill>
+              </a:rPr>
+              <a:t>– </a:t>
+            </a:r>
+            <a:r>
+              <a:rPr lang="en-US" sz="1600" dirty="0" smtClean="0">
+                <a:solidFill>
+                  <a:srgbClr val="F9BE92"/>
+                </a:solidFill>
+              </a:rPr>
+              <a:t>Paul Hoffman)</a:t>
+            </a:r>
+            <a:endParaRPr lang="en-US" sz="1600" dirty="0">
+              <a:solidFill>
+                <a:srgbClr val="F9BE92"/>
+              </a:solidFill>
+            </a:endParaRPr>
+          </a:p>
+          <a:p>
+            <a:pPr marL="777240" lvl="1" indent="-457200">
               <a:lnSpc>
                 <a:spcPct val="130000"/>
               </a:lnSpc>
               <a:buFont typeface="+mj-lt"/>
               <a:buAutoNum type="arabicPeriod"/>
             </a:pPr>
-            <a:endParaRPr lang="en-US" sz="2600" b="1" dirty="0"/>
+            <a:r>
+              <a:rPr lang="en-US" sz="2000" dirty="0" smtClean="0"/>
+              <a:t>Read depths </a:t>
+            </a:r>
+            <a:r>
+              <a:rPr lang="en-US" sz="2000" dirty="0"/>
+              <a:t>- </a:t>
+            </a:r>
+            <a:r>
+              <a:rPr lang="en-US" sz="2000" dirty="0"/>
+              <a:t>Zip/Unzip/</a:t>
+            </a:r>
+            <a:r>
+              <a:rPr lang="en-US" sz="2000" dirty="0" err="1" smtClean="0"/>
+              <a:t>Grep</a:t>
+            </a:r>
+            <a:endParaRPr lang="en-US" sz="2000" dirty="0"/>
+          </a:p>
+          <a:p>
+            <a:pPr marL="777240" lvl="1" indent="-457200">
+              <a:lnSpc>
+                <a:spcPct val="130000"/>
+              </a:lnSpc>
+              <a:buFont typeface="+mj-lt"/>
+              <a:buAutoNum type="arabicPeriod"/>
+            </a:pPr>
+            <a:r>
+              <a:rPr lang="en-US" sz="2000" dirty="0" smtClean="0"/>
+              <a:t>Adapter </a:t>
+            </a:r>
+            <a:r>
+              <a:rPr lang="en-US" sz="2000" dirty="0"/>
+              <a:t>trimming </a:t>
+            </a:r>
+            <a:r>
+              <a:rPr lang="en-US" sz="2000" dirty="0" smtClean="0"/>
+              <a:t>- Scythe </a:t>
+            </a:r>
+            <a:r>
+              <a:rPr lang="en-US" dirty="0" smtClean="0">
+                <a:solidFill>
+                  <a:srgbClr val="F9BE92"/>
+                </a:solidFill>
+              </a:rPr>
+              <a:t>(Oct 13</a:t>
+            </a:r>
+            <a:r>
+              <a:rPr lang="en-US" baseline="30000" dirty="0">
+                <a:solidFill>
+                  <a:srgbClr val="F9BE92"/>
+                </a:solidFill>
+              </a:rPr>
+              <a:t>th</a:t>
+            </a:r>
+            <a:r>
+              <a:rPr lang="en-US" dirty="0" smtClean="0">
+                <a:solidFill>
+                  <a:srgbClr val="F9BE92"/>
+                </a:solidFill>
+              </a:rPr>
+              <a:t> – </a:t>
+            </a:r>
+            <a:r>
+              <a:rPr lang="en-US" dirty="0" err="1" smtClean="0">
+                <a:solidFill>
+                  <a:srgbClr val="F9BE92"/>
+                </a:solidFill>
+              </a:rPr>
+              <a:t>Chaochih</a:t>
+            </a:r>
+            <a:r>
+              <a:rPr lang="en-US" dirty="0" smtClean="0">
+                <a:solidFill>
+                  <a:srgbClr val="F9BE92"/>
+                </a:solidFill>
+              </a:rPr>
+              <a:t> Liu)</a:t>
+            </a:r>
+            <a:endParaRPr lang="en-US" dirty="0">
+              <a:solidFill>
+                <a:srgbClr val="F9BE92"/>
+              </a:solidFill>
+            </a:endParaRPr>
+          </a:p>
+          <a:p>
+            <a:pPr marL="777240" lvl="1" indent="-457200">
+              <a:lnSpc>
+                <a:spcPct val="130000"/>
+              </a:lnSpc>
+              <a:buFont typeface="+mj-lt"/>
+              <a:buAutoNum type="arabicPeriod"/>
+            </a:pPr>
+            <a:r>
+              <a:rPr lang="en-US" sz="2000" dirty="0" smtClean="0"/>
+              <a:t>Quality </a:t>
+            </a:r>
+            <a:r>
+              <a:rPr lang="en-US" sz="2000" dirty="0"/>
+              <a:t>trimming </a:t>
+            </a:r>
+            <a:r>
+              <a:rPr lang="en-US" sz="2000" dirty="0" smtClean="0"/>
+              <a:t>- </a:t>
+            </a:r>
+            <a:r>
+              <a:rPr lang="en-US" sz="2000" dirty="0"/>
+              <a:t>Sickle/ </a:t>
+            </a:r>
+            <a:r>
+              <a:rPr lang="en-US" sz="2000" dirty="0" err="1"/>
+              <a:t>Seqqs</a:t>
+            </a:r>
+            <a:r>
+              <a:rPr lang="en-US" sz="2000" dirty="0"/>
+              <a:t> </a:t>
+            </a:r>
+            <a:r>
+              <a:rPr lang="en-US" dirty="0" smtClean="0">
+                <a:solidFill>
+                  <a:srgbClr val="F9BE92"/>
+                </a:solidFill>
+              </a:rPr>
+              <a:t>(Oct 13</a:t>
+            </a:r>
+            <a:r>
+              <a:rPr lang="en-US" baseline="30000" dirty="0">
+                <a:solidFill>
+                  <a:srgbClr val="F9BE92"/>
+                </a:solidFill>
+              </a:rPr>
+              <a:t>th</a:t>
+            </a:r>
+            <a:r>
+              <a:rPr lang="en-US" dirty="0" smtClean="0">
+                <a:solidFill>
+                  <a:srgbClr val="F9BE92"/>
+                </a:solidFill>
+              </a:rPr>
+              <a:t> - </a:t>
+            </a:r>
+            <a:r>
+              <a:rPr lang="en-US" dirty="0" err="1" smtClean="0">
+                <a:solidFill>
+                  <a:srgbClr val="F9BE92"/>
+                </a:solidFill>
+              </a:rPr>
+              <a:t>Chaochih</a:t>
+            </a:r>
+            <a:r>
+              <a:rPr lang="en-US" dirty="0" smtClean="0">
+                <a:solidFill>
+                  <a:srgbClr val="F9BE92"/>
+                </a:solidFill>
+              </a:rPr>
+              <a:t> Liu)</a:t>
+            </a:r>
+            <a:endParaRPr lang="en-US" dirty="0">
+              <a:solidFill>
+                <a:srgbClr val="F9BE92"/>
+              </a:solidFill>
+            </a:endParaRPr>
+          </a:p>
+          <a:p>
+            <a:pPr marL="777240" lvl="1" indent="-457200">
+              <a:lnSpc>
+                <a:spcPct val="130000"/>
+              </a:lnSpc>
+              <a:buFont typeface="+mj-lt"/>
+              <a:buAutoNum type="arabicPeriod"/>
+            </a:pPr>
+            <a:r>
+              <a:rPr lang="en-US" sz="2000" dirty="0" smtClean="0"/>
+              <a:t>Read </a:t>
+            </a:r>
+            <a:r>
+              <a:rPr lang="en-US" sz="2000" dirty="0"/>
+              <a:t>mapping </a:t>
+            </a:r>
+            <a:r>
+              <a:rPr lang="en-US" sz="2000" dirty="0" smtClean="0"/>
+              <a:t>- </a:t>
+            </a:r>
+            <a:r>
+              <a:rPr lang="en-US" sz="2000" dirty="0"/>
+              <a:t>BWA-</a:t>
+            </a:r>
+            <a:r>
+              <a:rPr lang="en-US" sz="2000" dirty="0" smtClean="0"/>
+              <a:t>MEM</a:t>
+            </a:r>
+            <a:r>
+              <a:rPr lang="en-US" sz="2000" dirty="0" smtClean="0">
+                <a:solidFill>
+                  <a:srgbClr val="F9BE92"/>
+                </a:solidFill>
+              </a:rPr>
+              <a:t> </a:t>
+            </a:r>
+            <a:r>
+              <a:rPr lang="en-US" dirty="0" smtClean="0">
+                <a:solidFill>
+                  <a:srgbClr val="F9BE92"/>
+                </a:solidFill>
+              </a:rPr>
+              <a:t>(Oct 20</a:t>
+            </a:r>
+            <a:r>
+              <a:rPr lang="en-US" baseline="30000" dirty="0" smtClean="0">
+                <a:solidFill>
+                  <a:srgbClr val="F9BE92"/>
+                </a:solidFill>
+              </a:rPr>
+              <a:t>th</a:t>
+            </a:r>
+            <a:r>
+              <a:rPr lang="en-US" dirty="0" smtClean="0">
+                <a:solidFill>
+                  <a:srgbClr val="F9BE92"/>
+                </a:solidFill>
+              </a:rPr>
+              <a:t>/ 27</a:t>
+            </a:r>
+            <a:r>
+              <a:rPr lang="en-US" baseline="30000" dirty="0" smtClean="0">
+                <a:solidFill>
+                  <a:srgbClr val="F9BE92"/>
+                </a:solidFill>
+              </a:rPr>
+              <a:t>th </a:t>
+            </a:r>
+            <a:r>
+              <a:rPr lang="en-US" dirty="0" smtClean="0">
+                <a:solidFill>
+                  <a:srgbClr val="F9BE92"/>
+                </a:solidFill>
+              </a:rPr>
+              <a:t>– P. Morrell/ Y. Zhang</a:t>
+            </a:r>
+            <a:r>
+              <a:rPr lang="en-US" sz="1600" dirty="0" smtClean="0">
+                <a:solidFill>
+                  <a:srgbClr val="F9BE92"/>
+                </a:solidFill>
+              </a:rPr>
+              <a:t>)</a:t>
+            </a:r>
+            <a:endParaRPr lang="en-US" dirty="0">
+              <a:solidFill>
+                <a:srgbClr val="F9BE92"/>
+              </a:solidFill>
+            </a:endParaRPr>
+          </a:p>
+          <a:p>
+            <a:pPr marL="777240" lvl="1" indent="-457200">
+              <a:lnSpc>
+                <a:spcPct val="130000"/>
+              </a:lnSpc>
+              <a:buFont typeface="+mj-lt"/>
+              <a:buAutoNum type="arabicPeriod"/>
+            </a:pPr>
+            <a:r>
+              <a:rPr lang="en-US" sz="2000" dirty="0"/>
+              <a:t>SAM processing </a:t>
+            </a:r>
+            <a:r>
+              <a:rPr lang="en-US" sz="2000" dirty="0" smtClean="0"/>
+              <a:t>- </a:t>
+            </a:r>
+            <a:r>
+              <a:rPr lang="en-US" sz="2000" dirty="0"/>
+              <a:t>Picard/ </a:t>
+            </a:r>
+            <a:r>
+              <a:rPr lang="en-US" sz="2000" dirty="0" err="1" smtClean="0"/>
+              <a:t>SAMtools</a:t>
+            </a:r>
+            <a:r>
+              <a:rPr lang="en-US" sz="2000" dirty="0" smtClean="0"/>
+              <a:t> </a:t>
+            </a:r>
+            <a:r>
+              <a:rPr lang="en-US" dirty="0" smtClean="0">
+                <a:solidFill>
+                  <a:srgbClr val="F9BE92"/>
+                </a:solidFill>
+              </a:rPr>
+              <a:t>(Nov 10</a:t>
+            </a:r>
+            <a:r>
+              <a:rPr lang="en-US" baseline="30000" dirty="0">
+                <a:solidFill>
+                  <a:srgbClr val="F9BE92"/>
+                </a:solidFill>
+              </a:rPr>
+              <a:t>th</a:t>
+            </a:r>
+            <a:r>
+              <a:rPr lang="en-US" dirty="0" smtClean="0">
+                <a:solidFill>
+                  <a:srgbClr val="F9BE92"/>
+                </a:solidFill>
+              </a:rPr>
+              <a:t> /17</a:t>
+            </a:r>
+            <a:r>
+              <a:rPr lang="en-US" baseline="30000" dirty="0" smtClean="0">
+                <a:solidFill>
+                  <a:srgbClr val="F9BE92"/>
+                </a:solidFill>
+              </a:rPr>
+              <a:t>th</a:t>
+            </a:r>
+            <a:r>
+              <a:rPr lang="en-US" dirty="0" smtClean="0">
+                <a:solidFill>
+                  <a:srgbClr val="F9BE92"/>
+                </a:solidFill>
+              </a:rPr>
+              <a:t> - L. Lei/ C. Pierce)</a:t>
+            </a:r>
+            <a:endParaRPr lang="en-US" dirty="0"/>
+          </a:p>
+          <a:p>
+            <a:pPr marL="777240" lvl="1" indent="-457200">
+              <a:lnSpc>
+                <a:spcPct val="130000"/>
+              </a:lnSpc>
+              <a:buFont typeface="+mj-lt"/>
+              <a:buAutoNum type="arabicPeriod"/>
+            </a:pPr>
+            <a:r>
+              <a:rPr lang="en-US" sz="2000" dirty="0" smtClean="0"/>
+              <a:t>Coverage </a:t>
+            </a:r>
+            <a:r>
+              <a:rPr lang="en-US" sz="2000" dirty="0"/>
+              <a:t>mapping </a:t>
+            </a:r>
+            <a:r>
+              <a:rPr lang="en-US" sz="2000" dirty="0" smtClean="0"/>
+              <a:t>- </a:t>
+            </a:r>
+            <a:r>
+              <a:rPr lang="en-US" sz="2000" dirty="0" err="1"/>
+              <a:t>BEDtools</a:t>
+            </a:r>
+            <a:endParaRPr lang="en-US" sz="2000" dirty="0"/>
+          </a:p>
+          <a:p>
+            <a:pPr marL="777240" lvl="1" indent="-457200">
+              <a:lnSpc>
+                <a:spcPct val="130000"/>
+              </a:lnSpc>
+              <a:buFont typeface="+mj-lt"/>
+              <a:buAutoNum type="arabicPeriod"/>
+            </a:pPr>
+            <a:r>
+              <a:rPr lang="en-US" sz="2000" dirty="0" err="1"/>
+              <a:t>Indel</a:t>
+            </a:r>
+            <a:r>
+              <a:rPr lang="en-US" sz="2000" dirty="0"/>
+              <a:t> realignment - </a:t>
+            </a:r>
+            <a:r>
+              <a:rPr lang="en-US" sz="2000" dirty="0" smtClean="0"/>
+              <a:t>GATK</a:t>
+            </a:r>
           </a:p>
         </p:txBody>
       </p:sp>
     </p:spTree>
     <p:extLst>
       <p:ext uri="{BB962C8B-B14F-4D97-AF65-F5344CB8AC3E}">
-        <p14:creationId xmlns:p14="http://schemas.microsoft.com/office/powerpoint/2010/main" val="534793186"/>
+        <p14:creationId xmlns:p14="http://schemas.microsoft.com/office/powerpoint/2010/main" val="3180959053"/>
       </p:ext>
     </p:extLst>
   </p:cSld>
@@ -15733,84 +16013,6 @@
             <a:endParaRPr lang="en-US" sz="2000" dirty="0" smtClean="0"/>
           </a:p>
           <a:p>
-            <a:pPr marL="777240" lvl="1" indent="-457200">
-              <a:lnSpc>
-                <a:spcPct val="130000"/>
-              </a:lnSpc>
-              <a:buFont typeface="+mj-lt"/>
-              <a:buAutoNum type="arabicPeriod"/>
-            </a:pPr>
-            <a:endParaRPr lang="en-US" sz="1000" dirty="0" smtClean="0"/>
-          </a:p>
-          <a:p>
-            <a:pPr lvl="2">
-              <a:lnSpc>
-                <a:spcPct val="130000"/>
-              </a:lnSpc>
-            </a:pPr>
-            <a:r>
-              <a:rPr lang="en-US" sz="1800" dirty="0"/>
-              <a:t>The </a:t>
-            </a:r>
-            <a:r>
-              <a:rPr lang="en-US" sz="1800" dirty="0" err="1"/>
-              <a:t>Quality_Assessment</a:t>
-            </a:r>
-            <a:r>
-              <a:rPr lang="en-US" sz="1800" dirty="0"/>
-              <a:t> handler runs </a:t>
-            </a:r>
-            <a:r>
-              <a:rPr lang="en-US" sz="1800" dirty="0">
-                <a:hlinkClick r:id="rId2"/>
-              </a:rPr>
-              <a:t>FastQC</a:t>
-            </a:r>
-            <a:r>
-              <a:rPr lang="en-US" sz="1800" dirty="0"/>
-              <a:t> on a list of </a:t>
-            </a:r>
-            <a:r>
-              <a:rPr lang="en-US" sz="1800" dirty="0" err="1"/>
-              <a:t>FastQ</a:t>
-            </a:r>
-            <a:r>
-              <a:rPr lang="en-US" sz="1800" dirty="0"/>
-              <a:t>, SAM, or BAM samples</a:t>
-            </a:r>
-            <a:r>
-              <a:rPr lang="en-US" sz="1800" dirty="0" smtClean="0"/>
-              <a:t>.</a:t>
-            </a:r>
-          </a:p>
-          <a:p>
-            <a:pPr lvl="2">
-              <a:lnSpc>
-                <a:spcPct val="130000"/>
-              </a:lnSpc>
-            </a:pPr>
-            <a:endParaRPr lang="en-US" sz="900" dirty="0" smtClean="0"/>
-          </a:p>
-          <a:p>
-            <a:pPr lvl="2">
-              <a:lnSpc>
-                <a:spcPct val="130000"/>
-              </a:lnSpc>
-            </a:pPr>
-            <a:r>
-              <a:rPr lang="en-US" sz="1800" dirty="0"/>
-              <a:t>P</a:t>
-            </a:r>
-            <a:r>
-              <a:rPr lang="en-US" sz="1800" dirty="0" smtClean="0"/>
-              <a:t>roduce </a:t>
-            </a:r>
-            <a:r>
-              <a:rPr lang="en-US" sz="1800" dirty="0"/>
-              <a:t>a HTML document for each sample containing metrics on the sequence quality, sequence length distribution, sequence duplication levels, adapter content, and other base statistics. </a:t>
-            </a:r>
-          </a:p>
-          <a:p>
             <a:pPr lvl="2">
               <a:lnSpc>
                 <a:spcPct val="130000"/>
@@ -15833,7 +16035,7 @@
     </p:spTree>
     <p:extLst>
       <p:ext uri="{BB962C8B-B14F-4D97-AF65-F5344CB8AC3E}">
-        <p14:creationId xmlns:p14="http://schemas.microsoft.com/office/powerpoint/2010/main" val="1050014407"/>
+        <p14:creationId xmlns:p14="http://schemas.microsoft.com/office/powerpoint/2010/main" val="534793186"/>
       </p:ext>
     </p:extLst>
   </p:cSld>
@@ -15888,10 +16090,9 @@
           <a:lstStyle/>
           <a:p>
             <a:r>
-              <a:rPr lang="en-US" dirty="0" smtClean="0"/>
-              <a:t>Sequence Handling</a:t>
-            </a:r>
-            <a:endParaRPr lang="en-US" dirty="0"/>
+              <a:rPr lang="en-US" dirty="0"/>
+              <a:t>sequence_handling handlers</a:t>
+            </a:r>
           </a:p>
         </p:txBody>
       </p:sp>
@@ -15930,11 +16131,11 @@
             </a:r>
             <a:r>
               <a:rPr lang="en-US" sz="2000" dirty="0"/>
-              <a:t>control </a:t>
+              <a:t>Assessment </a:t>
             </a:r>
             <a:r>
               <a:rPr lang="en-US" sz="2000" dirty="0" smtClean="0"/>
-              <a:t>– </a:t>
+              <a:t>- </a:t>
             </a:r>
             <a:r>
               <a:rPr lang="en-US" sz="2000" dirty="0" err="1" smtClean="0"/>
@@ -16040,34 +16241,10 @@
           </a:p>
         </p:txBody>
       </p:sp>
-      <p:pic>
-        <p:nvPicPr>
-          <p:cNvPr id="4" name="Picture 3"/>
-          <p:cNvPicPr>
-            <a:picLocks noChangeAspect="1"/>
-          </p:cNvPicPr>
-          <p:nvPr/>
-        </p:nvPicPr>
-        <p:blipFill>
-          <a:blip r:embed="rId3"/>
-          <a:stretch>
-            <a:fillRect/>
-          </a:stretch>
-        </p:blipFill>
-        <p:spPr>
-          <a:xfrm>
-            <a:off x="0" y="1183285"/>
-            <a:ext cx="9144000" cy="5675243"/>
-          </a:xfrm>
-          <a:prstGeom prst="rect">
-            <a:avLst/>
-          </a:prstGeom>
-        </p:spPr>
-      </p:pic>
     </p:spTree>
     <p:extLst>
       <p:ext uri="{BB962C8B-B14F-4D97-AF65-F5344CB8AC3E}">
-        <p14:creationId xmlns:p14="http://schemas.microsoft.com/office/powerpoint/2010/main" val="1500221909"/>
+        <p14:creationId xmlns:p14="http://schemas.microsoft.com/office/powerpoint/2010/main" val="1050014407"/>
       </p:ext>
     </p:extLst>
   </p:cSld>
@@ -16122,9 +16299,10 @@
           <a:lstStyle/>
           <a:p>
             <a:r>
-              <a:rPr lang="en-US" dirty="0"/>
-              <a:t>sequence_handling handlers</a:t>
-            </a:r>
+              <a:rPr lang="en-US" dirty="0" smtClean="0"/>
+              <a:t>Sequence Handling</a:t>
+            </a:r>
+            <a:endParaRPr lang="en-US" dirty="0"/>
           </a:p>
         </p:txBody>
       </p:sp>
@@ -16141,7 +16319,7 @@
         <p:spPr>
           <a:xfrm>
             <a:off x="183799" y="2527933"/>
-            <a:ext cx="8581829" cy="3539527"/>
+            <a:ext cx="8361111" cy="3539527"/>
           </a:xfrm>
         </p:spPr>
         <p:txBody>
@@ -16158,72 +16336,22 @@
               <a:buAutoNum type="arabicPeriod"/>
             </a:pPr>
             <a:r>
-              <a:rPr lang="en-US" sz="2000" dirty="0" smtClean="0">
-                <a:solidFill>
-                  <a:schemeClr val="bg2">
-                    <a:lumMod val="75000"/>
-                    <a:lumOff val="25000"/>
-                  </a:schemeClr>
-                </a:solidFill>
-              </a:rPr>
+              <a:rPr lang="en-US" sz="2000" dirty="0" smtClean="0"/>
               <a:t>Quality </a:t>
             </a:r>
             <a:r>
-              <a:rPr lang="en-US" sz="2000" dirty="0">
-                <a:solidFill>
-                  <a:schemeClr val="bg2">
-                    <a:lumMod val="75000"/>
-                    <a:lumOff val="25000"/>
-                  </a:schemeClr>
-                </a:solidFill>
-              </a:rPr>
-              <a:t>Assessment</a:t>
-            </a:r>
-            <a:r>
               <a:rPr lang="en-US" sz="2000" dirty="0"/>
-              <a:t> </a:t>
-            </a:r>
-            <a:r>
-              <a:rPr lang="en-US" sz="2000" dirty="0" smtClean="0">
-                <a:solidFill>
-                  <a:schemeClr val="bg2">
-                    <a:lumMod val="75000"/>
-                    <a:lumOff val="25000"/>
-                  </a:schemeClr>
-                </a:solidFill>
-              </a:rPr>
-              <a:t>- </a:t>
-            </a:r>
-            <a:r>
-              <a:rPr lang="en-US" sz="2000" dirty="0" err="1" smtClean="0">
-                <a:solidFill>
-                  <a:schemeClr val="bg2">
-                    <a:lumMod val="75000"/>
-                    <a:lumOff val="25000"/>
-                  </a:schemeClr>
-                </a:solidFill>
-              </a:rPr>
+              <a:t>control </a:t>
+            </a:r>
+            <a:r>
+              <a:rPr lang="en-US" sz="2000" dirty="0" smtClean="0"/>
+              <a:t>– </a:t>
+            </a:r>
+            <a:r>
+              <a:rPr lang="en-US" sz="2000" dirty="0" err="1" smtClean="0"/>
               <a:t>FastQC</a:t>
             </a:r>
-            <a:r>
-              <a:rPr lang="en-US" sz="2000" dirty="0" smtClean="0">
-                <a:solidFill>
-                  <a:schemeClr val="bg2">
-                    <a:lumMod val="75000"/>
-                    <a:lumOff val="25000"/>
-                  </a:schemeClr>
-                </a:solidFill>
-              </a:rPr>
-              <a:t> </a:t>
-            </a:r>
-            <a:endParaRPr lang="en-US" sz="1600" dirty="0">
-              <a:solidFill>
-                <a:schemeClr val="bg2">
-                  <a:lumMod val="75000"/>
-                  <a:lumOff val="25000"/>
-                </a:schemeClr>
-              </a:solidFill>
-            </a:endParaRPr>
+            <a:endParaRPr lang="en-US" sz="2000" dirty="0" smtClean="0"/>
           </a:p>
           <a:p>
             <a:pPr marL="777240" lvl="1" indent="-457200">
@@ -16233,23 +16361,7 @@
               <a:buFont typeface="+mj-lt"/>
               <a:buAutoNum type="arabicPeriod"/>
             </a:pPr>
-            <a:r>
-              <a:rPr lang="en-US" sz="2000" dirty="0"/>
-              <a:t>Read </a:t>
-            </a:r>
-            <a:r>
-              <a:rPr lang="en-US" sz="2000" dirty="0" smtClean="0"/>
-              <a:t>depths </a:t>
-            </a:r>
-            <a:r>
-              <a:rPr lang="en-US" sz="2000" dirty="0"/>
-              <a:t>- Zip/Unzip/</a:t>
-            </a:r>
-            <a:r>
-              <a:rPr lang="en-US" sz="2000" dirty="0" err="1" smtClean="0"/>
-              <a:t>Grep</a:t>
-            </a:r>
-            <a:endParaRPr lang="en-US" sz="2000" dirty="0"/>
+            <a:endParaRPr lang="en-US" sz="1000" dirty="0" smtClean="0"/>
           </a:p>
           <a:p>
             <a:pPr lvl="2">
@@ -16258,42 +16370,38 @@
               </a:lnSpc>
             </a:pPr>
             <a:r>
-              <a:rPr lang="en-US" sz="1800" dirty="0" smtClean="0"/>
-              <a:t>Calculates </a:t>
-            </a:r>
-            <a:r>
               <a:rPr lang="en-US" sz="1800" dirty="0"/>
-              <a:t>the read depth </a:t>
-            </a:r>
-            <a:r>
-              <a:rPr lang="en-US" sz="1800" dirty="0" smtClean="0"/>
-              <a:t>for each sample, using </a:t>
+              <a:t>The </a:t>
+            </a:r>
+            <a:r>
+              <a:rPr lang="en-US" sz="1800" dirty="0" err="1"/>
+              <a:t>Quality_Assessment</a:t>
             </a:r>
             <a:r>
               <a:rPr lang="en-US" sz="1800" dirty="0"/>
-              <a:t>information from the </a:t>
-            </a:r>
-            <a:r>
-              <a:rPr lang="en-US" sz="1800" dirty="0" err="1"/>
-              <a:t>FastQC</a:t>
-            </a:r>
-            <a:r>
-              <a:rPr lang="en-US" sz="1800" dirty="0"/>
-              <a:t> files generated by the </a:t>
+              <a:t> handler runs </a:t>
             </a:r>
             <a:r>
               <a:rPr lang="en-US" sz="1800" dirty="0">
                 <a:hlinkClick r:id="rId2"/>
               </a:rPr>
-              <a:t>Quality_Assessment</a:t>
+              <a:t>FastQC</a:t>
             </a:r>
             <a:r>
               <a:rPr lang="en-US" sz="1800" dirty="0"/>
-              <a:t> </a:t>
+              <a:t> on a list of </a:t>
+            </a:r>
+            <a:r>
+              <a:rPr lang="en-US" sz="1800" dirty="0" err="1"/>
+              <a:t>FastQ</a:t>
+            </a:r>
+            <a:r>
+              <a:rPr lang="en-US" sz="1800" dirty="0"/>
+              <a:t>, SAM, or BAM samples</a:t>
             </a:r>
             <a:r>
               <a:rPr lang="en-US" sz="1800" dirty="0" smtClean="0"/>
-              <a:t>handler</a:t>
+              <a:t>.</a:t>
             </a:r>
           </a:p>
           <a:p>
@@ -16302,19 +16410,7 @@
                 <a:spcPct val="130000"/>
               </a:lnSpc>
             </a:pPr>
-            <a:endParaRPr lang="en-US" sz="1800" dirty="0" smtClean="0"/>
-          </a:p>
-          <a:p>
-            <a:pPr marL="502920" lvl="2" indent="0">
-              <a:lnSpc>
-                <a:spcPct val="130000"/>
-              </a:lnSpc>
-              <a:buNone/>
-            </a:pPr>
-            <a:r>
-              <a:rPr lang="en-US" sz="1800" dirty="0" smtClean="0"/>
-              <a:t>(# of reads x read length) / target size </a:t>
-            </a:r>
+            <a:endParaRPr lang="en-US" sz="900" dirty="0" smtClean="0"/>
           </a:p>
           <a:p>
             <a:pPr lvl="2">
@@ -16322,13 +16418,42 @@
                 <a:spcPct val="130000"/>
               </a:lnSpc>
             </a:pPr>
+            <a:r>
+              <a:rPr lang="en-US" sz="1800" dirty="0"/>
+              <a:t>P</a:t>
+            </a:r>
+            <a:r>
+              <a:rPr lang="en-US" sz="1800" dirty="0" smtClean="0"/>
+              <a:t>roduce </a:t>
+            </a:r>
+            <a:r>
+              <a:rPr lang="en-US" sz="1800" dirty="0"/>
+              <a:t>a HTML document for each sample containing metrics on the sequence quality, sequence length distribution, sequence duplication levels, adapter content, and other base statistics. </a:t>
+            </a:r>
+          </a:p>
+          <a:p>
+            <a:pPr lvl="2">
+              <a:lnSpc>
+                <a:spcPct val="130000"/>
+              </a:lnSpc>
+            </a:pPr>
             <a:endParaRPr lang="en-US" sz="1800" dirty="0"/>
+          </a:p>
+          <a:p>
+            <a:pPr marL="960120" lvl="2" indent="-457200">
+              <a:lnSpc>
+                <a:spcPct val="130000"/>
+              </a:lnSpc>
+              <a:buFont typeface="+mj-lt"/>
+              <a:buAutoNum type="arabicPeriod"/>
+            </a:pPr>
+            <a:endParaRPr lang="en-US" sz="2600" b="1" dirty="0"/>
           </a:p>
         </p:txBody>
       </p:sp>
       <p:pic>
         <p:nvPicPr>
-          <p:cNvPr id="6" name="Picture 5"/>
+          <p:cNvPr id="4" name="Picture 3"/>
           <p:cNvPicPr>
             <a:picLocks noChangeAspect="1"/>
           </p:cNvPicPr>
@@ -16342,8 +16467,8 @@
         </p:blipFill>
         <p:spPr>
           <a:xfrm>
-            <a:off x="4988029" y="4414346"/>
-            <a:ext cx="3913995" cy="2244263"/>
+            <a:off x="0" y="1183285"/>
+            <a:ext cx="9144000" cy="5675243"/>
           </a:xfrm>
           <a:prstGeom prst="rect">
             <a:avLst/>
@@ -16353,7 +16478,7 @@
     </p:spTree>
     <p:extLst>
       <p:ext uri="{BB962C8B-B14F-4D97-AF65-F5344CB8AC3E}">
-        <p14:creationId xmlns:p14="http://schemas.microsoft.com/office/powerpoint/2010/main" val="1138769355"/>
+        <p14:creationId xmlns:p14="http://schemas.microsoft.com/office/powerpoint/2010/main" val="1500221909"/>
       </p:ext>
     </p:extLst>
   </p:cSld>

--- a/Sequence_Handling/DoesNaughtCompute_SeqHandling_Dec052016.pptx
+++ b/Sequence_Handling/DoesNaughtCompute_SeqHandling_Dec052016.pptx
@@ -5,13 +5,13 @@
     <p:sldMasterId id="2147483660" r:id="rId1"/>
   </p:sldMasterIdLst>
   <p:notesMasterIdLst>
-    <p:notesMasterId r:id="rId41"/>
+    <p:notesMasterId r:id="rId42"/>
   </p:notesMasterIdLst>
   <p:sldIdLst>
     <p:sldId id="256" r:id="rId2"/>
-    <p:sldId id="308" r:id="rId3"/>
-    <p:sldId id="329" r:id="rId4"/>
-    <p:sldId id="257" r:id="rId5"/>
+    <p:sldId id="257" r:id="rId3"/>
+    <p:sldId id="308" r:id="rId4"/>
+    <p:sldId id="329" r:id="rId5"/>
     <p:sldId id="283" r:id="rId6"/>
     <p:sldId id="270" r:id="rId7"/>
     <p:sldId id="294" r:id="rId8"/>
@@ -24,29 +24,30 @@
     <p:sldId id="303" r:id="rId15"/>
     <p:sldId id="287" r:id="rId16"/>
     <p:sldId id="288" r:id="rId17"/>
-    <p:sldId id="304" r:id="rId18"/>
+    <p:sldId id="331" r:id="rId18"/>
     <p:sldId id="289" r:id="rId19"/>
     <p:sldId id="305" r:id="rId20"/>
     <p:sldId id="290" r:id="rId21"/>
     <p:sldId id="306" r:id="rId22"/>
     <p:sldId id="291" r:id="rId23"/>
-    <p:sldId id="307" r:id="rId24"/>
-    <p:sldId id="324" r:id="rId25"/>
-    <p:sldId id="323" r:id="rId26"/>
-    <p:sldId id="322" r:id="rId27"/>
-    <p:sldId id="321" r:id="rId28"/>
-    <p:sldId id="312" r:id="rId29"/>
-    <p:sldId id="320" r:id="rId30"/>
-    <p:sldId id="317" r:id="rId31"/>
-    <p:sldId id="316" r:id="rId32"/>
-    <p:sldId id="314" r:id="rId33"/>
-    <p:sldId id="318" r:id="rId34"/>
-    <p:sldId id="325" r:id="rId35"/>
-    <p:sldId id="319" r:id="rId36"/>
-    <p:sldId id="310" r:id="rId37"/>
-    <p:sldId id="326" r:id="rId38"/>
-    <p:sldId id="327" r:id="rId39"/>
-    <p:sldId id="328" r:id="rId40"/>
+    <p:sldId id="330" r:id="rId24"/>
+    <p:sldId id="307" r:id="rId25"/>
+    <p:sldId id="324" r:id="rId26"/>
+    <p:sldId id="323" r:id="rId27"/>
+    <p:sldId id="322" r:id="rId28"/>
+    <p:sldId id="321" r:id="rId29"/>
+    <p:sldId id="312" r:id="rId30"/>
+    <p:sldId id="320" r:id="rId31"/>
+    <p:sldId id="317" r:id="rId32"/>
+    <p:sldId id="316" r:id="rId33"/>
+    <p:sldId id="314" r:id="rId34"/>
+    <p:sldId id="318" r:id="rId35"/>
+    <p:sldId id="325" r:id="rId36"/>
+    <p:sldId id="319" r:id="rId37"/>
+    <p:sldId id="310" r:id="rId38"/>
+    <p:sldId id="326" r:id="rId39"/>
+    <p:sldId id="327" r:id="rId40"/>
+    <p:sldId id="328" r:id="rId41"/>
   </p:sldIdLst>
   <p:sldSz cx="9144000" cy="6858000" type="screen4x3"/>
   <p:notesSz cx="6858000" cy="9144000"/>
@@ -579,7 +580,7 @@
           <a:p>
             <a:fld id="{D3E307E7-AE08-2C40-BD67-6375DADD02BF}" type="slidenum">
               <a:rPr lang="en-US" smtClean="0"/>
-              <a:t>21</a:t>
+              <a:t>1</a:t>
             </a:fld>
             <a:endParaRPr lang="en-US"/>
           </a:p>
@@ -588,7 +589,291 @@
     </p:spTree>
     <p:extLst>
       <p:ext uri="{BB962C8B-B14F-4D97-AF65-F5344CB8AC3E}">
-        <p14:creationId xmlns:p14="http://schemas.microsoft.com/office/powerpoint/2010/main" val="1502169909"/>
+        <p14:creationId xmlns:p14="http://schemas.microsoft.com/office/powerpoint/2010/main" val="2623054962"/>
+      </p:ext>
+    </p:extLst>
+  </p:cSld>
+  <p:clrMapOvr>
+    <a:masterClrMapping/>
+  </p:clrMapOvr>
+</p:notes>
+</file>
+
+<file path=ppt/notesSlides/notesSlide10.xml><?xml version="1.0" encoding="utf-8"?>
+<p:notes xmlns:a="http://schemas.openxmlformats.org/drawingml/2006/main" xmlns:r="http://schemas.openxmlformats.org/officeDocument/2006/relationships" xmlns:p="http://schemas.openxmlformats.org/presentationml/2006/main">
+  <p:cSld>
+    <p:spTree>
+      <p:nvGrpSpPr>
+        <p:cNvPr id="1" name=""/>
+        <p:cNvGrpSpPr/>
+        <p:nvPr/>
+      </p:nvGrpSpPr>
+      <p:grpSpPr>
+        <a:xfrm>
+          <a:off x="0" y="0"/>
+          <a:ext cx="0" cy="0"/>
+          <a:chOff x="0" y="0"/>
+          <a:chExt cx="0" cy="0"/>
+        </a:xfrm>
+      </p:grpSpPr>
+      <p:sp>
+        <p:nvSpPr>
+          <p:cNvPr id="2" name="Slide Image Placeholder 1"/>
+          <p:cNvSpPr>
+            <a:spLocks noGrp="1" noRot="1" noChangeAspect="1"/>
+          </p:cNvSpPr>
+          <p:nvPr>
+            <p:ph type="sldImg"/>
+          </p:nvPr>
+        </p:nvSpPr>
+        <p:spPr/>
+      </p:sp>
+      <p:sp>
+        <p:nvSpPr>
+          <p:cNvPr id="3" name="Notes Placeholder 2"/>
+          <p:cNvSpPr>
+            <a:spLocks noGrp="1"/>
+          </p:cNvSpPr>
+          <p:nvPr>
+            <p:ph type="body" idx="1"/>
+          </p:nvPr>
+        </p:nvSpPr>
+        <p:spPr/>
+        <p:txBody>
+          <a:bodyPr/>
+          <a:lstStyle/>
+          <a:p>
+            <a:pPr marL="0" marR="0" indent="0" algn="l" defTabSz="457200" rtl="0" eaLnBrk="1" fontAlgn="auto" latinLnBrk="0" hangingPunct="1">
+              <a:lnSpc>
+                <a:spcPct val="100000"/>
+              </a:lnSpc>
+              <a:spcBef>
+                <a:spcPts val="0"/>
+              </a:spcBef>
+              <a:spcAft>
+                <a:spcPts val="0"/>
+              </a:spcAft>
+              <a:buClrTx/>
+              <a:buSzTx/>
+              <a:buFontTx/>
+              <a:buNone/>
+              <a:tabLst/>
+              <a:defRPr/>
+            </a:pPr>
+            <a:r>
+              <a:rPr lang="en-US" sz="1200" kern="1200" dirty="0" smtClean="0">
+                <a:solidFill>
+                  <a:schemeClr val="tx1"/>
+                </a:solidFill>
+                <a:latin typeface="+mn-lt"/>
+                <a:ea typeface="+mn-ea"/>
+                <a:cs typeface="+mn-cs"/>
+              </a:rPr>
+              <a:t>Config file</a:t>
+            </a:r>
+            <a:r>
+              <a:rPr lang="en-US" sz="1200" kern="1200" baseline="0" dirty="0" smtClean="0">
+                <a:solidFill>
+                  <a:schemeClr val="tx1"/>
+                </a:solidFill>
+                <a:latin typeface="+mn-lt"/>
+                <a:ea typeface="+mn-ea"/>
+                <a:cs typeface="+mn-cs"/>
+              </a:rPr>
+              <a:t> </a:t>
+            </a:r>
+            <a:r>
+              <a:rPr lang="en-US" sz="1200" kern="1200" dirty="0" smtClean="0">
+                <a:solidFill>
+                  <a:schemeClr val="tx1"/>
+                </a:solidFill>
+                <a:latin typeface="+mn-lt"/>
+                <a:ea typeface="+mn-ea"/>
+                <a:cs typeface="+mn-cs"/>
+              </a:rPr>
+              <a:t>is broken up into several sections. The first section, at the top of Config contains variables that are used by more than one handler – shared variables. </a:t>
+            </a:r>
+          </a:p>
+          <a:p>
+            <a:pPr marL="0" marR="0" indent="0" algn="l" defTabSz="457200" rtl="0" eaLnBrk="1" fontAlgn="auto" latinLnBrk="0" hangingPunct="1">
+              <a:lnSpc>
+                <a:spcPct val="100000"/>
+              </a:lnSpc>
+              <a:spcBef>
+                <a:spcPts val="0"/>
+              </a:spcBef>
+              <a:spcAft>
+                <a:spcPts val="0"/>
+              </a:spcAft>
+              <a:buClrTx/>
+              <a:buSzTx/>
+              <a:buFontTx/>
+              <a:buNone/>
+              <a:tabLst/>
+              <a:defRPr/>
+            </a:pPr>
+            <a:r>
+              <a:rPr lang="en-US" sz="1200" kern="1200" dirty="0" smtClean="0">
+                <a:solidFill>
+                  <a:schemeClr val="tx1"/>
+                </a:solidFill>
+                <a:latin typeface="+mn-lt"/>
+                <a:ea typeface="+mn-ea"/>
+                <a:cs typeface="+mn-cs"/>
+              </a:rPr>
+              <a:t>Each section below is headed by a block of hash (#) marks and contains variables for one specific handler only. </a:t>
+            </a:r>
+            <a:endParaRPr lang="en-US" dirty="0" smtClean="0"/>
+          </a:p>
+          <a:p>
+            <a:endParaRPr lang="en-US" dirty="0"/>
+          </a:p>
+        </p:txBody>
+      </p:sp>
+      <p:sp>
+        <p:nvSpPr>
+          <p:cNvPr id="4" name="Slide Number Placeholder 3"/>
+          <p:cNvSpPr>
+            <a:spLocks noGrp="1"/>
+          </p:cNvSpPr>
+          <p:nvPr>
+            <p:ph type="sldNum" sz="quarter" idx="10"/>
+          </p:nvPr>
+        </p:nvSpPr>
+        <p:spPr/>
+        <p:txBody>
+          <a:bodyPr/>
+          <a:lstStyle/>
+          <a:p>
+            <a:fld id="{D3E307E7-AE08-2C40-BD67-6375DADD02BF}" type="slidenum">
+              <a:rPr lang="en-US" smtClean="0"/>
+              <a:t>30</a:t>
+            </a:fld>
+            <a:endParaRPr lang="en-US"/>
+          </a:p>
+        </p:txBody>
+      </p:sp>
+    </p:spTree>
+    <p:extLst>
+      <p:ext uri="{BB962C8B-B14F-4D97-AF65-F5344CB8AC3E}">
+        <p14:creationId xmlns:p14="http://schemas.microsoft.com/office/powerpoint/2010/main" val="3246273776"/>
+      </p:ext>
+    </p:extLst>
+  </p:cSld>
+  <p:clrMapOvr>
+    <a:masterClrMapping/>
+  </p:clrMapOvr>
+</p:notes>
+</file>
+
+<file path=ppt/notesSlides/notesSlide11.xml><?xml version="1.0" encoding="utf-8"?>
+<p:notes xmlns:a="http://schemas.openxmlformats.org/drawingml/2006/main" xmlns:r="http://schemas.openxmlformats.org/officeDocument/2006/relationships" xmlns:p="http://schemas.openxmlformats.org/presentationml/2006/main">
+  <p:cSld>
+    <p:spTree>
+      <p:nvGrpSpPr>
+        <p:cNvPr id="1" name=""/>
+        <p:cNvGrpSpPr/>
+        <p:nvPr/>
+      </p:nvGrpSpPr>
+      <p:grpSpPr>
+        <a:xfrm>
+          <a:off x="0" y="0"/>
+          <a:ext cx="0" cy="0"/>
+          <a:chOff x="0" y="0"/>
+          <a:chExt cx="0" cy="0"/>
+        </a:xfrm>
+      </p:grpSpPr>
+      <p:sp>
+        <p:nvSpPr>
+          <p:cNvPr id="2" name="Slide Image Placeholder 1"/>
+          <p:cNvSpPr>
+            <a:spLocks noGrp="1" noRot="1" noChangeAspect="1"/>
+          </p:cNvSpPr>
+          <p:nvPr>
+            <p:ph type="sldImg"/>
+          </p:nvPr>
+        </p:nvSpPr>
+        <p:spPr/>
+      </p:sp>
+      <p:sp>
+        <p:nvSpPr>
+          <p:cNvPr id="3" name="Notes Placeholder 2"/>
+          <p:cNvSpPr>
+            <a:spLocks noGrp="1"/>
+          </p:cNvSpPr>
+          <p:nvPr>
+            <p:ph type="body" idx="1"/>
+          </p:nvPr>
+        </p:nvSpPr>
+        <p:spPr/>
+        <p:txBody>
+          <a:bodyPr/>
+          <a:lstStyle/>
+          <a:p>
+            <a:r>
+              <a:rPr lang="en-US" sz="1200" kern="1200" dirty="0" smtClean="0">
+                <a:solidFill>
+                  <a:schemeClr val="tx1"/>
+                </a:solidFill>
+                <a:latin typeface="+mn-lt"/>
+                <a:ea typeface="+mn-ea"/>
+                <a:cs typeface="+mn-cs"/>
+              </a:rPr>
+              <a:t>Config file</a:t>
+            </a:r>
+            <a:r>
+              <a:rPr lang="en-US" sz="1200" kern="1200" baseline="0" dirty="0" smtClean="0">
+                <a:solidFill>
+                  <a:schemeClr val="tx1"/>
+                </a:solidFill>
+                <a:latin typeface="+mn-lt"/>
+                <a:ea typeface="+mn-ea"/>
+                <a:cs typeface="+mn-cs"/>
+              </a:rPr>
+              <a:t> </a:t>
+            </a:r>
+            <a:r>
+              <a:rPr lang="en-US" sz="1200" kern="1200" dirty="0" smtClean="0">
+                <a:solidFill>
+                  <a:schemeClr val="tx1"/>
+                </a:solidFill>
+                <a:latin typeface="+mn-lt"/>
+                <a:ea typeface="+mn-ea"/>
+                <a:cs typeface="+mn-cs"/>
+              </a:rPr>
+              <a:t>is broken up into several sections. The first section, at the top of Config contains variables that are used by more than one handler – shared variables. Each section below is headed by a block of hash (#) marks and contains variables for one specific handler only. </a:t>
+            </a:r>
+            <a:endParaRPr lang="en-US" dirty="0"/>
+          </a:p>
+        </p:txBody>
+      </p:sp>
+      <p:sp>
+        <p:nvSpPr>
+          <p:cNvPr id="4" name="Slide Number Placeholder 3"/>
+          <p:cNvSpPr>
+            <a:spLocks noGrp="1"/>
+          </p:cNvSpPr>
+          <p:nvPr>
+            <p:ph type="sldNum" sz="quarter" idx="10"/>
+          </p:nvPr>
+        </p:nvSpPr>
+        <p:spPr/>
+        <p:txBody>
+          <a:bodyPr/>
+          <a:lstStyle/>
+          <a:p>
+            <a:fld id="{D3E307E7-AE08-2C40-BD67-6375DADD02BF}" type="slidenum">
+              <a:rPr lang="en-US" smtClean="0"/>
+              <a:t>31</a:t>
+            </a:fld>
+            <a:endParaRPr lang="en-US"/>
+          </a:p>
+        </p:txBody>
+      </p:sp>
+    </p:spTree>
+    <p:extLst>
+      <p:ext uri="{BB962C8B-B14F-4D97-AF65-F5344CB8AC3E}">
+        <p14:creationId xmlns:p14="http://schemas.microsoft.com/office/powerpoint/2010/main" val="3902668664"/>
       </p:ext>
     </p:extLst>
   </p:cSld>
@@ -663,7 +948,7 @@
           <a:p>
             <a:fld id="{D3E307E7-AE08-2C40-BD67-6375DADD02BF}" type="slidenum">
               <a:rPr lang="en-US" smtClean="0"/>
-              <a:t>22</a:t>
+              <a:t>3</a:t>
             </a:fld>
             <a:endParaRPr lang="en-US"/>
           </a:p>
@@ -672,7 +957,7 @@
     </p:spTree>
     <p:extLst>
       <p:ext uri="{BB962C8B-B14F-4D97-AF65-F5344CB8AC3E}">
-        <p14:creationId xmlns:p14="http://schemas.microsoft.com/office/powerpoint/2010/main" val="206093828"/>
+        <p14:creationId xmlns:p14="http://schemas.microsoft.com/office/powerpoint/2010/main" val="3314808141"/>
       </p:ext>
     </p:extLst>
   </p:cSld>
@@ -726,36 +1011,7 @@
           <a:bodyPr/>
           <a:lstStyle/>
           <a:p>
-            <a:r>
-              <a:rPr lang="en-US" sz="1200" kern="1200" dirty="0" smtClean="0">
-                <a:solidFill>
-                  <a:schemeClr val="tx1"/>
-                </a:solidFill>
-                <a:latin typeface="+mn-lt"/>
-                <a:ea typeface="+mn-ea"/>
-                <a:cs typeface="+mn-cs"/>
-              </a:rPr>
-              <a:t>List-based batch submission allows the workflow to run on multiple samples at </a:t>
-            </a:r>
-            <a:r>
-              <a:rPr lang="en-US" sz="1200" kern="1200" dirty="0" smtClean="0">
-                <a:solidFill>
-                  <a:schemeClr val="tx1"/>
-                </a:solidFill>
-                <a:latin typeface="+mn-lt"/>
-                <a:ea typeface="+mn-ea"/>
-                <a:cs typeface="+mn-cs"/>
-              </a:rPr>
-              <a:t>once</a:t>
-            </a:r>
-            <a:endParaRPr lang="en-US" sz="1200" kern="1200" dirty="0" smtClean="0">
-              <a:solidFill>
-                <a:schemeClr val="tx1"/>
-              </a:solidFill>
-              <a:latin typeface="+mn-lt"/>
-              <a:ea typeface="+mn-ea"/>
-              <a:cs typeface="+mn-cs"/>
-            </a:endParaRPr>
+            <a:endParaRPr lang="en-US" dirty="0"/>
           </a:p>
         </p:txBody>
       </p:sp>
@@ -776,7 +1032,7 @@
           <a:p>
             <a:fld id="{D3E307E7-AE08-2C40-BD67-6375DADD02BF}" type="slidenum">
               <a:rPr lang="en-US" smtClean="0"/>
-              <a:t>23</a:t>
+              <a:t>21</a:t>
             </a:fld>
             <a:endParaRPr lang="en-US"/>
           </a:p>
@@ -785,7 +1041,7 @@
     </p:spTree>
     <p:extLst>
       <p:ext uri="{BB962C8B-B14F-4D97-AF65-F5344CB8AC3E}">
-        <p14:creationId xmlns:p14="http://schemas.microsoft.com/office/powerpoint/2010/main" val="192940666"/>
+        <p14:creationId xmlns:p14="http://schemas.microsoft.com/office/powerpoint/2010/main" val="1502169909"/>
       </p:ext>
     </p:extLst>
   </p:cSld>
@@ -839,36 +1095,7 @@
           <a:bodyPr/>
           <a:lstStyle/>
           <a:p>
-            <a:r>
-              <a:rPr lang="en-US" sz="1200" kern="1200" dirty="0" smtClean="0">
-                <a:solidFill>
-                  <a:schemeClr val="tx1"/>
-                </a:solidFill>
-                <a:latin typeface="+mn-lt"/>
-                <a:ea typeface="+mn-ea"/>
-                <a:cs typeface="+mn-cs"/>
-              </a:rPr>
-              <a:t>List-based batch submission allows the workflow to run on multiple samples at </a:t>
-            </a:r>
-            <a:r>
-              <a:rPr lang="en-US" sz="1200" kern="1200" dirty="0" smtClean="0">
-                <a:solidFill>
-                  <a:schemeClr val="tx1"/>
-                </a:solidFill>
-                <a:latin typeface="+mn-lt"/>
-                <a:ea typeface="+mn-ea"/>
-                <a:cs typeface="+mn-cs"/>
-              </a:rPr>
-              <a:t>once</a:t>
-            </a:r>
-            <a:endParaRPr lang="en-US" sz="1200" kern="1200" dirty="0" smtClean="0">
-              <a:solidFill>
-                <a:schemeClr val="tx1"/>
-              </a:solidFill>
-              <a:latin typeface="+mn-lt"/>
-              <a:ea typeface="+mn-ea"/>
-              <a:cs typeface="+mn-cs"/>
-            </a:endParaRPr>
+            <a:endParaRPr lang="en-US" dirty="0"/>
           </a:p>
         </p:txBody>
       </p:sp>
@@ -889,7 +1116,7 @@
           <a:p>
             <a:fld id="{D3E307E7-AE08-2C40-BD67-6375DADD02BF}" type="slidenum">
               <a:rPr lang="en-US" smtClean="0"/>
-              <a:t>24</a:t>
+              <a:t>22</a:t>
             </a:fld>
             <a:endParaRPr lang="en-US"/>
           </a:p>
@@ -898,7 +1125,7 @@
     </p:spTree>
     <p:extLst>
       <p:ext uri="{BB962C8B-B14F-4D97-AF65-F5344CB8AC3E}">
-        <p14:creationId xmlns:p14="http://schemas.microsoft.com/office/powerpoint/2010/main" val="192940666"/>
+        <p14:creationId xmlns:p14="http://schemas.microsoft.com/office/powerpoint/2010/main" val="206093828"/>
       </p:ext>
     </p:extLst>
   </p:cSld>
@@ -952,86 +1179,6 @@
           <a:bodyPr/>
           <a:lstStyle/>
           <a:p>
-            <a:pPr marL="0" marR="0" indent="0" algn="l" defTabSz="457200" rtl="0" eaLnBrk="1" fontAlgn="auto" latinLnBrk="0" hangingPunct="1">
-              <a:lnSpc>
-                <a:spcPct val="100000"/>
-              </a:lnSpc>
-              <a:spcBef>
-                <a:spcPts val="0"/>
-              </a:spcBef>
-              <a:spcAft>
-                <a:spcPts val="0"/>
-              </a:spcAft>
-              <a:buClrTx/>
-              <a:buSzTx/>
-              <a:buFontTx/>
-              <a:buNone/>
-              <a:tabLst/>
-              <a:defRPr/>
-            </a:pPr>
-            <a:r>
-              <a:rPr lang="en-US" dirty="0" smtClean="0"/>
-              <a:t>All </a:t>
-            </a:r>
-            <a:r>
-              <a:rPr lang="en-US" dirty="0" smtClean="0"/>
-              <a:t>of the handlers in sequence handling rely on the information stored in the </a:t>
-            </a:r>
-            <a:r>
-              <a:rPr lang="en-US" dirty="0" err="1" smtClean="0"/>
-              <a:t>config</a:t>
-            </a:r>
-            <a:r>
-              <a:rPr lang="en-US" dirty="0" smtClean="0"/>
-              <a:t> file. To edit the </a:t>
-            </a:r>
-            <a:r>
-              <a:rPr lang="en-US" dirty="0" err="1" smtClean="0"/>
-              <a:t>config</a:t>
-            </a:r>
-            <a:r>
-              <a:rPr lang="en-US" dirty="0" smtClean="0"/>
-              <a:t> file, open it in your favorite text editor such as vim or Sublime Text. </a:t>
-            </a:r>
-          </a:p>
-          <a:p>
-            <a:pPr marL="0" marR="0" indent="0" algn="l" defTabSz="457200" rtl="0" eaLnBrk="1" fontAlgn="auto" latinLnBrk="0" hangingPunct="1">
-              <a:lnSpc>
-                <a:spcPct val="100000"/>
-              </a:lnSpc>
-              <a:spcBef>
-                <a:spcPts val="0"/>
-              </a:spcBef>
-              <a:spcAft>
-                <a:spcPts val="0"/>
-              </a:spcAft>
-              <a:buClrTx/>
-              <a:buSzTx/>
-              <a:buFontTx/>
-              <a:buNone/>
-              <a:tabLst/>
-              <a:defRPr/>
-            </a:pPr>
-            <a:r>
-              <a:rPr lang="en-US" dirty="0" smtClean="0"/>
-              <a:t>Follow the instructions in the </a:t>
-            </a:r>
-            <a:r>
-              <a:rPr lang="en-US" dirty="0" err="1" smtClean="0"/>
-              <a:t>config</a:t>
-            </a:r>
-            <a:r>
-              <a:rPr lang="en-US" dirty="0" smtClean="0"/>
-              <a:t> file to insert all the relevant information. Ideally, one shouldn't have to modify the </a:t>
-            </a:r>
-            <a:r>
-              <a:rPr lang="en-US" dirty="0" err="1" smtClean="0"/>
-              <a:t>config</a:t>
-            </a:r>
-            <a:r>
-              <a:rPr lang="en-US" dirty="0" smtClean="0"/>
-              <a:t> file between handlers. Each handler is self-contained.</a:t>
-            </a:r>
             <a:endParaRPr lang="en-US" dirty="0"/>
           </a:p>
         </p:txBody>
@@ -1053,7 +1200,7 @@
           <a:p>
             <a:fld id="{D3E307E7-AE08-2C40-BD67-6375DADD02BF}" type="slidenum">
               <a:rPr lang="en-US" smtClean="0"/>
-              <a:t>25</a:t>
+              <a:t>23</a:t>
             </a:fld>
             <a:endParaRPr lang="en-US"/>
           </a:p>
@@ -1062,7 +1209,7 @@
     </p:spTree>
     <p:extLst>
       <p:ext uri="{BB962C8B-B14F-4D97-AF65-F5344CB8AC3E}">
-        <p14:creationId xmlns:p14="http://schemas.microsoft.com/office/powerpoint/2010/main" val="192940666"/>
+        <p14:creationId xmlns:p14="http://schemas.microsoft.com/office/powerpoint/2010/main" val="206093828"/>
       </p:ext>
     </p:extLst>
   </p:cSld>
@@ -1125,87 +1272,27 @@
                 <a:ea typeface="+mn-ea"/>
                 <a:cs typeface="+mn-cs"/>
               </a:rPr>
-              <a:t>List-based batch submission allows the workflow to run on multiple samples at once</a:t>
-            </a:r>
-          </a:p>
-          <a:p>
-            <a:pPr marL="0" marR="0" indent="0" algn="l" defTabSz="457200" rtl="0" eaLnBrk="1" fontAlgn="auto" latinLnBrk="0" hangingPunct="1">
-              <a:lnSpc>
-                <a:spcPct val="100000"/>
-              </a:lnSpc>
-              <a:spcBef>
-                <a:spcPts val="0"/>
-              </a:spcBef>
-              <a:spcAft>
-                <a:spcPts val="0"/>
-              </a:spcAft>
-              <a:buClrTx/>
-              <a:buSzTx/>
-              <a:buFontTx/>
-              <a:buNone/>
-              <a:tabLst/>
-              <a:defRPr/>
-            </a:pPr>
-            <a:r>
-              <a:rPr lang="en-US" dirty="0" smtClean="0"/>
-              <a:t>All of the handlers in sequence handling rely on the information stored in the </a:t>
-            </a:r>
-            <a:r>
-              <a:rPr lang="en-US" dirty="0" err="1" smtClean="0"/>
-              <a:t>config</a:t>
-            </a:r>
-            <a:r>
-              <a:rPr lang="en-US" dirty="0" smtClean="0"/>
-              <a:t> file. To edit the </a:t>
-            </a:r>
-            <a:r>
-              <a:rPr lang="en-US" dirty="0" err="1" smtClean="0"/>
-              <a:t>config</a:t>
-            </a:r>
-            <a:r>
-              <a:rPr lang="en-US" dirty="0" smtClean="0"/>
-              <a:t> file, open it in your favorite text editor such as vim or Sublime Text. </a:t>
-            </a:r>
-          </a:p>
-          <a:p>
-            <a:pPr marL="0" marR="0" indent="0" algn="l" defTabSz="457200" rtl="0" eaLnBrk="1" fontAlgn="auto" latinLnBrk="0" hangingPunct="1">
-              <a:lnSpc>
-                <a:spcPct val="100000"/>
-              </a:lnSpc>
-              <a:spcBef>
-                <a:spcPts val="0"/>
-              </a:spcBef>
-              <a:spcAft>
-                <a:spcPts val="0"/>
-              </a:spcAft>
-              <a:buClrTx/>
-              <a:buSzTx/>
-              <a:buFontTx/>
-              <a:buNone/>
-              <a:tabLst/>
-              <a:defRPr/>
-            </a:pPr>
-            <a:r>
-              <a:rPr lang="en-US" dirty="0" smtClean="0"/>
-              <a:t>Follow the instructions in the </a:t>
-            </a:r>
-            <a:r>
-              <a:rPr lang="en-US" dirty="0" err="1" smtClean="0"/>
-              <a:t>config</a:t>
-            </a:r>
-            <a:r>
-              <a:rPr lang="en-US" dirty="0" smtClean="0"/>
-              <a:t> file to insert all the relevant information. Ideally, one shouldn't have to modify the </a:t>
-            </a:r>
-            <a:r>
-              <a:rPr lang="en-US" dirty="0" err="1" smtClean="0"/>
-              <a:t>config</a:t>
-            </a:r>
-            <a:r>
-              <a:rPr lang="en-US" dirty="0" smtClean="0"/>
-              <a:t> file between handlers. Each handler is self-contained.</a:t>
-            </a:r>
-            <a:endParaRPr lang="en-US" dirty="0"/>
+              <a:t>List-based batch submission allows the workflow to run on multiple samples at </a:t>
+            </a:r>
+            <a:r>
+              <a:rPr lang="en-US" sz="1200" kern="1200" dirty="0" smtClean="0">
+                <a:solidFill>
+                  <a:schemeClr val="tx1"/>
+                </a:solidFill>
+                <a:latin typeface="+mn-lt"/>
+                <a:ea typeface="+mn-ea"/>
+                <a:cs typeface="+mn-cs"/>
+              </a:rPr>
+              <a:t>once</a:t>
+            </a:r>
+            <a:endParaRPr lang="en-US" sz="1200" kern="1200" dirty="0" smtClean="0">
+              <a:solidFill>
+                <a:schemeClr val="tx1"/>
+              </a:solidFill>
+              <a:latin typeface="+mn-lt"/>
+              <a:ea typeface="+mn-ea"/>
+              <a:cs typeface="+mn-cs"/>
+            </a:endParaRPr>
           </a:p>
         </p:txBody>
       </p:sp>
@@ -1226,7 +1313,7 @@
           <a:p>
             <a:fld id="{D3E307E7-AE08-2C40-BD67-6375DADD02BF}" type="slidenum">
               <a:rPr lang="en-US" smtClean="0"/>
-              <a:t>26</a:t>
+              <a:t>24</a:t>
             </a:fld>
             <a:endParaRPr lang="en-US"/>
           </a:p>
@@ -1289,23 +1376,6 @@
           <a:bodyPr/>
           <a:lstStyle/>
           <a:p>
-            <a:pPr marL="0" marR="0" indent="0" algn="l" defTabSz="457200" rtl="0" eaLnBrk="1" fontAlgn="auto" latinLnBrk="0" hangingPunct="1">
-              <a:lnSpc>
-                <a:spcPct val="100000"/>
-              </a:lnSpc>
-              <a:spcBef>
-                <a:spcPts val="0"/>
-              </a:spcBef>
-              <a:spcAft>
-                <a:spcPts val="0"/>
-              </a:spcAft>
-              <a:buClrTx/>
-              <a:buSzTx/>
-              <a:buFontTx/>
-              <a:buNone/>
-              <a:tabLst/>
-              <a:defRPr/>
-            </a:pPr>
             <a:r>
               <a:rPr lang="en-US" sz="1200" kern="1200" dirty="0" smtClean="0">
                 <a:solidFill>
@@ -1315,10 +1385,10 @@
                 <a:ea typeface="+mn-ea"/>
                 <a:cs typeface="+mn-cs"/>
               </a:rPr>
-              <a:t>Config file</a:t>
-            </a:r>
-            <a:r>
-              <a:rPr lang="en-US" sz="1200" kern="1200" baseline="0" dirty="0" smtClean="0">
+              <a:t>List-based batch submission allows the workflow to run on multiple samples at </a:t>
+            </a:r>
+            <a:r>
+              <a:rPr lang="en-US" sz="1200" kern="1200" dirty="0" smtClean="0">
                 <a:solidFill>
                   <a:schemeClr val="tx1"/>
                 </a:solidFill>
@@ -1326,53 +1396,16 @@
                 <a:ea typeface="+mn-ea"/>
                 <a:cs typeface="+mn-cs"/>
               </a:rPr>
-              <a:t> </a:t>
-            </a:r>
-            <a:r>
-              <a:rPr lang="en-US" sz="1200" kern="1200" dirty="0" smtClean="0">
-                <a:solidFill>
-                  <a:schemeClr val="tx1"/>
-                </a:solidFill>
-                <a:latin typeface="+mn-lt"/>
-                <a:ea typeface="+mn-ea"/>
-                <a:cs typeface="+mn-cs"/>
-              </a:rPr>
-              <a:t>is broken up into several sections. The first section, at the top of Config contains variables that are used by more than one handler – shared variables. </a:t>
-            </a:r>
-          </a:p>
-          <a:p>
-            <a:pPr marL="0" marR="0" indent="0" algn="l" defTabSz="457200" rtl="0" eaLnBrk="1" fontAlgn="auto" latinLnBrk="0" hangingPunct="1">
-              <a:lnSpc>
-                <a:spcPct val="100000"/>
-              </a:lnSpc>
-              <a:spcBef>
-                <a:spcPts val="0"/>
-              </a:spcBef>
-              <a:spcAft>
-                <a:spcPts val="0"/>
-              </a:spcAft>
-              <a:buClrTx/>
-              <a:buSzTx/>
-              <a:buFontTx/>
-              <a:buNone/>
-              <a:tabLst/>
-              <a:defRPr/>
-            </a:pPr>
-            <a:r>
-              <a:rPr lang="en-US" sz="1200" kern="1200" dirty="0" smtClean="0">
-                <a:solidFill>
-                  <a:schemeClr val="tx1"/>
-                </a:solidFill>
-                <a:latin typeface="+mn-lt"/>
-                <a:ea typeface="+mn-ea"/>
-                <a:cs typeface="+mn-cs"/>
-              </a:rPr>
-              <a:t>Each section below is headed by a block of hash (#) marks and contains variables for one specific handler only. </a:t>
-            </a:r>
-            <a:endParaRPr lang="en-US" dirty="0" smtClean="0"/>
-          </a:p>
-          <a:p>
-            <a:endParaRPr lang="en-US" dirty="0"/>
+              <a:t>once</a:t>
+            </a:r>
+            <a:endParaRPr lang="en-US" sz="1200" kern="1200" dirty="0" smtClean="0">
+              <a:solidFill>
+                <a:schemeClr val="tx1"/>
+              </a:solidFill>
+              <a:latin typeface="+mn-lt"/>
+              <a:ea typeface="+mn-ea"/>
+              <a:cs typeface="+mn-cs"/>
+            </a:endParaRPr>
           </a:p>
         </p:txBody>
       </p:sp>
@@ -1393,7 +1426,7 @@
           <a:p>
             <a:fld id="{D3E307E7-AE08-2C40-BD67-6375DADD02BF}" type="slidenum">
               <a:rPr lang="en-US" smtClean="0"/>
-              <a:t>29</a:t>
+              <a:t>25</a:t>
             </a:fld>
             <a:endParaRPr lang="en-US"/>
           </a:p>
@@ -1402,7 +1435,7 @@
     </p:spTree>
     <p:extLst>
       <p:ext uri="{BB962C8B-B14F-4D97-AF65-F5344CB8AC3E}">
-        <p14:creationId xmlns:p14="http://schemas.microsoft.com/office/powerpoint/2010/main" val="3246273776"/>
+        <p14:creationId xmlns:p14="http://schemas.microsoft.com/office/powerpoint/2010/main" val="192940666"/>
       </p:ext>
     </p:extLst>
   </p:cSld>
@@ -1456,38 +1489,85 @@
           <a:bodyPr/>
           <a:lstStyle/>
           <a:p>
-            <a:r>
-              <a:rPr lang="en-US" sz="1200" kern="1200" dirty="0" smtClean="0">
-                <a:solidFill>
-                  <a:schemeClr val="tx1"/>
-                </a:solidFill>
-                <a:latin typeface="+mn-lt"/>
-                <a:ea typeface="+mn-ea"/>
-                <a:cs typeface="+mn-cs"/>
-              </a:rPr>
-              <a:t>Config file</a:t>
-            </a:r>
-            <a:r>
-              <a:rPr lang="en-US" sz="1200" kern="1200" baseline="0" dirty="0" smtClean="0">
-                <a:solidFill>
-                  <a:schemeClr val="tx1"/>
-                </a:solidFill>
-                <a:latin typeface="+mn-lt"/>
-                <a:ea typeface="+mn-ea"/>
-                <a:cs typeface="+mn-cs"/>
-              </a:rPr>
-              <a:t> </a:t>
-            </a:r>
-            <a:r>
-              <a:rPr lang="en-US" sz="1200" kern="1200" dirty="0" smtClean="0">
-                <a:solidFill>
-                  <a:schemeClr val="tx1"/>
-                </a:solidFill>
-                <a:latin typeface="+mn-lt"/>
-                <a:ea typeface="+mn-ea"/>
-                <a:cs typeface="+mn-cs"/>
-              </a:rPr>
-              <a:t>is broken up into several sections. The first section, at the top of Config contains variables that are used by more than one handler – shared variables. Each section below is headed by a block of hash (#) marks and contains variables for one specific handler only. </a:t>
+            <a:pPr marL="0" marR="0" indent="0" algn="l" defTabSz="457200" rtl="0" eaLnBrk="1" fontAlgn="auto" latinLnBrk="0" hangingPunct="1">
+              <a:lnSpc>
+                <a:spcPct val="100000"/>
+              </a:lnSpc>
+              <a:spcBef>
+                <a:spcPts val="0"/>
+              </a:spcBef>
+              <a:spcAft>
+                <a:spcPts val="0"/>
+              </a:spcAft>
+              <a:buClrTx/>
+              <a:buSzTx/>
+              <a:buFontTx/>
+              <a:buNone/>
+              <a:tabLst/>
+              <a:defRPr/>
+            </a:pPr>
+            <a:r>
+              <a:rPr lang="en-US" dirty="0" smtClean="0"/>
+              <a:t>All </a:t>
+            </a:r>
+            <a:r>
+              <a:rPr lang="en-US" dirty="0" smtClean="0"/>
+              <a:t>of the handlers in sequence handling rely on the information stored in the </a:t>
+            </a:r>
+            <a:r>
+              <a:rPr lang="en-US" dirty="0" err="1" smtClean="0"/>
+              <a:t>config</a:t>
+            </a:r>
+            <a:r>
+              <a:rPr lang="en-US" dirty="0" smtClean="0"/>
+              <a:t> file. To edit the </a:t>
+            </a:r>
+            <a:r>
+              <a:rPr lang="en-US" dirty="0" err="1" smtClean="0"/>
+              <a:t>config</a:t>
+            </a:r>
+            <a:r>
+              <a:rPr lang="en-US" dirty="0" smtClean="0"/>
+              <a:t> file, open it in your favorite text editor such as vim or Sublime Text. </a:t>
+            </a:r>
+          </a:p>
+          <a:p>
+            <a:pPr marL="0" marR="0" indent="0" algn="l" defTabSz="457200" rtl="0" eaLnBrk="1" fontAlgn="auto" latinLnBrk="0" hangingPunct="1">
+              <a:lnSpc>
+                <a:spcPct val="100000"/>
+              </a:lnSpc>
+              <a:spcBef>
+                <a:spcPts val="0"/>
+              </a:spcBef>
+              <a:spcAft>
+                <a:spcPts val="0"/>
+              </a:spcAft>
+              <a:buClrTx/>
+              <a:buSzTx/>
+              <a:buFontTx/>
+              <a:buNone/>
+              <a:tabLst/>
+              <a:defRPr/>
+            </a:pPr>
+            <a:r>
+              <a:rPr lang="en-US" dirty="0" smtClean="0"/>
+              <a:t>Follow the instructions in the </a:t>
+            </a:r>
+            <a:r>
+              <a:rPr lang="en-US" dirty="0" err="1" smtClean="0"/>
+              <a:t>config</a:t>
+            </a:r>
+            <a:r>
+              <a:rPr lang="en-US" dirty="0" smtClean="0"/>
+              <a:t> file to insert all the relevant information. Ideally, one shouldn't have to modify the </a:t>
+            </a:r>
+            <a:r>
+              <a:rPr lang="en-US" dirty="0" err="1" smtClean="0"/>
+              <a:t>config</a:t>
+            </a:r>
+            <a:r>
+              <a:rPr lang="en-US" dirty="0" smtClean="0"/>
+              <a:t> file between handlers. Each handler is self-contained.</a:t>
             </a:r>
             <a:endParaRPr lang="en-US" dirty="0"/>
           </a:p>
@@ -1510,7 +1590,7 @@
           <a:p>
             <a:fld id="{D3E307E7-AE08-2C40-BD67-6375DADD02BF}" type="slidenum">
               <a:rPr lang="en-US" smtClean="0"/>
-              <a:t>30</a:t>
+              <a:t>26</a:t>
             </a:fld>
             <a:endParaRPr lang="en-US"/>
           </a:p>
@@ -1519,7 +1599,180 @@
     </p:spTree>
     <p:extLst>
       <p:ext uri="{BB962C8B-B14F-4D97-AF65-F5344CB8AC3E}">
-        <p14:creationId xmlns:p14="http://schemas.microsoft.com/office/powerpoint/2010/main" val="3902668664"/>
+        <p14:creationId xmlns:p14="http://schemas.microsoft.com/office/powerpoint/2010/main" val="192940666"/>
+      </p:ext>
+    </p:extLst>
+  </p:cSld>
+  <p:clrMapOvr>
+    <a:masterClrMapping/>
+  </p:clrMapOvr>
+</p:notes>
+</file>
+
+<file path=ppt/notesSlides/notesSlide9.xml><?xml version="1.0" encoding="utf-8"?>
+<p:notes xmlns:a="http://schemas.openxmlformats.org/drawingml/2006/main" xmlns:r="http://schemas.openxmlformats.org/officeDocument/2006/relationships" xmlns:p="http://schemas.openxmlformats.org/presentationml/2006/main">
+  <p:cSld>
+    <p:spTree>
+      <p:nvGrpSpPr>
+        <p:cNvPr id="1" name=""/>
+        <p:cNvGrpSpPr/>
+        <p:nvPr/>
+      </p:nvGrpSpPr>
+      <p:grpSpPr>
+        <a:xfrm>
+          <a:off x="0" y="0"/>
+          <a:ext cx="0" cy="0"/>
+          <a:chOff x="0" y="0"/>
+          <a:chExt cx="0" cy="0"/>
+        </a:xfrm>
+      </p:grpSpPr>
+      <p:sp>
+        <p:nvSpPr>
+          <p:cNvPr id="2" name="Slide Image Placeholder 1"/>
+          <p:cNvSpPr>
+            <a:spLocks noGrp="1" noRot="1" noChangeAspect="1"/>
+          </p:cNvSpPr>
+          <p:nvPr>
+            <p:ph type="sldImg"/>
+          </p:nvPr>
+        </p:nvSpPr>
+        <p:spPr/>
+      </p:sp>
+      <p:sp>
+        <p:nvSpPr>
+          <p:cNvPr id="3" name="Notes Placeholder 2"/>
+          <p:cNvSpPr>
+            <a:spLocks noGrp="1"/>
+          </p:cNvSpPr>
+          <p:nvPr>
+            <p:ph type="body" idx="1"/>
+          </p:nvPr>
+        </p:nvSpPr>
+        <p:spPr/>
+        <p:txBody>
+          <a:bodyPr/>
+          <a:lstStyle/>
+          <a:p>
+            <a:r>
+              <a:rPr lang="en-US" sz="1200" kern="1200" dirty="0" smtClean="0">
+                <a:solidFill>
+                  <a:schemeClr val="tx1"/>
+                </a:solidFill>
+                <a:latin typeface="+mn-lt"/>
+                <a:ea typeface="+mn-ea"/>
+                <a:cs typeface="+mn-cs"/>
+              </a:rPr>
+              <a:t>List-based batch submission allows the workflow to run on multiple samples at once</a:t>
+            </a:r>
+          </a:p>
+          <a:p>
+            <a:pPr marL="0" marR="0" indent="0" algn="l" defTabSz="457200" rtl="0" eaLnBrk="1" fontAlgn="auto" latinLnBrk="0" hangingPunct="1">
+              <a:lnSpc>
+                <a:spcPct val="100000"/>
+              </a:lnSpc>
+              <a:spcBef>
+                <a:spcPts val="0"/>
+              </a:spcBef>
+              <a:spcAft>
+                <a:spcPts val="0"/>
+              </a:spcAft>
+              <a:buClrTx/>
+              <a:buSzTx/>
+              <a:buFontTx/>
+              <a:buNone/>
+              <a:tabLst/>
+              <a:defRPr/>
+            </a:pPr>
+            <a:r>
+              <a:rPr lang="en-US" dirty="0" smtClean="0"/>
+              <a:t>All of the handlers in sequence handling rely on the information stored in the </a:t>
+            </a:r>
+            <a:r>
+              <a:rPr lang="en-US" dirty="0" err="1" smtClean="0"/>
+              <a:t>config</a:t>
+            </a:r>
+            <a:r>
+              <a:rPr lang="en-US" dirty="0" smtClean="0"/>
+              <a:t> file. To edit the </a:t>
+            </a:r>
+            <a:r>
+              <a:rPr lang="en-US" dirty="0" err="1" smtClean="0"/>
+              <a:t>config</a:t>
+            </a:r>
+            <a:r>
+              <a:rPr lang="en-US" dirty="0" smtClean="0"/>
+              <a:t> file, open it in your favorite text editor such as vim or Sublime Text. </a:t>
+            </a:r>
+          </a:p>
+          <a:p>
+            <a:pPr marL="0" marR="0" indent="0" algn="l" defTabSz="457200" rtl="0" eaLnBrk="1" fontAlgn="auto" latinLnBrk="0" hangingPunct="1">
+              <a:lnSpc>
+                <a:spcPct val="100000"/>
+              </a:lnSpc>
+              <a:spcBef>
+                <a:spcPts val="0"/>
+              </a:spcBef>
+              <a:spcAft>
+                <a:spcPts val="0"/>
+              </a:spcAft>
+              <a:buClrTx/>
+              <a:buSzTx/>
+              <a:buFontTx/>
+              <a:buNone/>
+              <a:tabLst/>
+              <a:defRPr/>
+            </a:pPr>
+            <a:r>
+              <a:rPr lang="en-US" dirty="0" smtClean="0"/>
+              <a:t>Follow the instructions in the </a:t>
+            </a:r>
+            <a:r>
+              <a:rPr lang="en-US" dirty="0" err="1" smtClean="0"/>
+              <a:t>config</a:t>
+            </a:r>
+            <a:r>
+              <a:rPr lang="en-US" dirty="0" smtClean="0"/>
+              <a:t> file to insert all the relevant information. Ideally, one shouldn't have to modify the </a:t>
+            </a:r>
+            <a:r>
+              <a:rPr lang="en-US" dirty="0" err="1" smtClean="0"/>
+              <a:t>config</a:t>
+            </a:r>
+            <a:r>
+              <a:rPr lang="en-US" dirty="0" smtClean="0"/>
+              <a:t> file between handlers. Each handler is self-contained.</a:t>
+            </a:r>
+            <a:endParaRPr lang="en-US" dirty="0"/>
+          </a:p>
+        </p:txBody>
+      </p:sp>
+      <p:sp>
+        <p:nvSpPr>
+          <p:cNvPr id="4" name="Slide Number Placeholder 3"/>
+          <p:cNvSpPr>
+            <a:spLocks noGrp="1"/>
+          </p:cNvSpPr>
+          <p:nvPr>
+            <p:ph type="sldNum" sz="quarter" idx="10"/>
+          </p:nvPr>
+        </p:nvSpPr>
+        <p:spPr/>
+        <p:txBody>
+          <a:bodyPr/>
+          <a:lstStyle/>
+          <a:p>
+            <a:fld id="{D3E307E7-AE08-2C40-BD67-6375DADD02BF}" type="slidenum">
+              <a:rPr lang="en-US" smtClean="0"/>
+              <a:t>27</a:t>
+            </a:fld>
+            <a:endParaRPr lang="en-US"/>
+          </a:p>
+        </p:txBody>
+      </p:sp>
+    </p:spTree>
+    <p:extLst>
+      <p:ext uri="{BB962C8B-B14F-4D97-AF65-F5344CB8AC3E}">
+        <p14:creationId xmlns:p14="http://schemas.microsoft.com/office/powerpoint/2010/main" val="192940666"/>
       </p:ext>
     </p:extLst>
   </p:cSld>
@@ -6275,6 +6528,17 @@
               <a:t>- </a:t>
             </a:r>
             <a:r>
+              <a:rPr lang="en-US" sz="2000" dirty="0">
+                <a:solidFill>
+                  <a:schemeClr val="bg2">
+                    <a:lumMod val="75000"/>
+                    <a:lumOff val="25000"/>
+                  </a:schemeClr>
+                </a:solidFill>
+              </a:rPr>
+              <a:t>Zip/Unzip/</a:t>
+            </a:r>
+            <a:r>
               <a:rPr lang="en-US" sz="2000" dirty="0" err="1">
                 <a:solidFill>
                   <a:schemeClr val="bg2">
@@ -6283,7 +6547,7 @@
                   </a:schemeClr>
                 </a:solidFill>
               </a:rPr>
-              <a:t>Bioawk</a:t>
+              <a:t>Grep</a:t>
             </a:r>
             <a:endParaRPr lang="en-US" sz="2000" dirty="0">
               <a:solidFill>
@@ -6657,6 +6921,17 @@
               <a:t>- </a:t>
             </a:r>
             <a:r>
+              <a:rPr lang="en-US" sz="2000" dirty="0">
+                <a:solidFill>
+                  <a:schemeClr val="bg2">
+                    <a:lumMod val="75000"/>
+                    <a:lumOff val="25000"/>
+                  </a:schemeClr>
+                </a:solidFill>
+              </a:rPr>
+              <a:t>Zip/Unzip/</a:t>
+            </a:r>
+            <a:r>
               <a:rPr lang="en-US" sz="2000" dirty="0" err="1">
                 <a:solidFill>
                   <a:schemeClr val="bg2">
@@ -6665,7 +6940,7 @@
                   </a:schemeClr>
                 </a:solidFill>
               </a:rPr>
-              <a:t>Bioawk</a:t>
+              <a:t>Grep</a:t>
             </a:r>
             <a:endParaRPr lang="en-US" sz="2000" dirty="0">
               <a:solidFill>
@@ -7217,18 +7492,38 @@
               </a:rPr>
               <a:t> </a:t>
             </a:r>
-            <a:endParaRPr lang="en-US" dirty="0" smtClean="0">
+            <a:endParaRPr lang="en-US" sz="2000" dirty="0" smtClean="0">
               <a:solidFill>
                 <a:srgbClr val="F9BE92"/>
               </a:solidFill>
             </a:endParaRPr>
           </a:p>
+          <a:p>
+            <a:pPr lvl="2">
+              <a:lnSpc>
+                <a:spcPct val="130000"/>
+              </a:lnSpc>
+            </a:pPr>
+            <a:r>
+              <a:rPr lang="en-US" sz="2000" dirty="0" smtClean="0">
+                <a:solidFill>
+                  <a:srgbClr val="FFFFFF"/>
+                </a:solidFill>
+              </a:rPr>
+              <a:t>Maps to reference genome</a:t>
+            </a:r>
+            <a:endParaRPr lang="en-US" sz="2000" dirty="0" smtClean="0">
+              <a:solidFill>
+                <a:srgbClr val="FFFFFF"/>
+              </a:solidFill>
+            </a:endParaRPr>
+          </a:p>
         </p:txBody>
       </p:sp>
     </p:spTree>
     <p:extLst>
       <p:ext uri="{BB962C8B-B14F-4D97-AF65-F5344CB8AC3E}">
-        <p14:creationId xmlns:p14="http://schemas.microsoft.com/office/powerpoint/2010/main" val="157062851"/>
+        <p14:creationId xmlns:p14="http://schemas.microsoft.com/office/powerpoint/2010/main" val="3178538062"/>
       </p:ext>
     </p:extLst>
   </p:cSld>
@@ -8017,7 +8312,7 @@
         </p:nvSpPr>
         <p:spPr>
           <a:xfrm>
-            <a:off x="914400" y="716355"/>
+            <a:off x="914400" y="709115"/>
             <a:ext cx="7315200" cy="1154097"/>
           </a:xfrm>
         </p:spPr>
@@ -8027,376 +8322,78 @@
           <a:p>
             <a:r>
               <a:rPr lang="en-US" dirty="0"/>
-              <a:t>s</a:t>
-            </a:r>
-            <a:r>
-              <a:rPr lang="en-US" dirty="0" smtClean="0"/>
-              <a:t>equence_handling</a:t>
-            </a:r>
-            <a:endParaRPr lang="en-US" dirty="0"/>
-          </a:p>
-        </p:txBody>
-      </p:sp>
-      <p:sp>
-        <p:nvSpPr>
-          <p:cNvPr id="4" name="TextBox 3"/>
-          <p:cNvSpPr txBox="1"/>
-          <p:nvPr/>
+              <a:t>sequence_handling</a:t>
+            </a:r>
+          </a:p>
+        </p:txBody>
+      </p:sp>
+      <p:sp>
+        <p:nvSpPr>
+          <p:cNvPr id="3" name="Content Placeholder 2"/>
+          <p:cNvSpPr>
+            <a:spLocks noGrp="1"/>
+          </p:cNvSpPr>
+          <p:nvPr>
+            <p:ph idx="1"/>
+          </p:nvPr>
         </p:nvSpPr>
         <p:spPr>
           <a:xfrm>
-            <a:off x="208203" y="2615792"/>
-            <a:ext cx="8823584" cy="3647153"/>
+            <a:off x="183799" y="2769833"/>
+            <a:ext cx="8793111" cy="3539527"/>
           </a:xfrm>
-          <a:prstGeom prst="rect">
-            <a:avLst/>
-          </a:prstGeom>
-          <a:noFill/>
         </p:spPr>
         <p:txBody>
-          <a:bodyPr wrap="square" rtlCol="0">
-            <a:spAutoFit/>
+          <a:bodyPr>
+            <a:noAutofit/>
           </a:bodyPr>
           <a:lstStyle/>
           <a:p>
-            <a:r>
-              <a:rPr lang="en-US" dirty="0" smtClean="0"/>
-              <a:t>For today’s exercise:</a:t>
-            </a:r>
-          </a:p>
-          <a:p>
-            <a:endParaRPr lang="en-US" dirty="0"/>
-          </a:p>
-          <a:p>
-            <a:pPr marL="342900" indent="-342900">
-              <a:buAutoNum type="arabicPeriod"/>
-            </a:pPr>
-            <a:r>
-              <a:rPr lang="en-US" dirty="0" smtClean="0"/>
-              <a:t>Log in MSI</a:t>
-            </a:r>
-          </a:p>
-          <a:p>
-            <a:endParaRPr lang="en-US" sz="1050" dirty="0" smtClean="0"/>
-          </a:p>
-          <a:p>
-            <a:r>
-              <a:rPr lang="en-US" sz="1400" dirty="0" smtClean="0">
-                <a:solidFill>
-                  <a:srgbClr val="CCFFCC"/>
-                </a:solidFill>
-                <a:latin typeface="Lucida Console"/>
-                <a:cs typeface="Lucida Console"/>
-              </a:rPr>
-              <a:t>echo </a:t>
-            </a:r>
-            <a:r>
-              <a:rPr lang="en-US" sz="1400" dirty="0">
-                <a:solidFill>
-                  <a:srgbClr val="CCFFCC"/>
-                </a:solidFill>
-                <a:latin typeface="Lucida Console"/>
-                <a:cs typeface="Lucida Console"/>
-              </a:rPr>
-              <a:t>export MODULEPATH=/</a:t>
-            </a:r>
-            <a:r>
-              <a:rPr lang="en-US" sz="1400" dirty="0" err="1">
-                <a:solidFill>
-                  <a:srgbClr val="CCFFCC"/>
-                </a:solidFill>
-                <a:latin typeface="Lucida Console"/>
-                <a:cs typeface="Lucida Console"/>
-              </a:rPr>
-              <a:t>panfs</a:t>
-            </a:r>
-            <a:r>
-              <a:rPr lang="en-US" sz="1400" dirty="0">
-                <a:solidFill>
-                  <a:srgbClr val="CCFFCC"/>
-                </a:solidFill>
-                <a:latin typeface="Lucida Console"/>
-                <a:cs typeface="Lucida Console"/>
-              </a:rPr>
-              <a:t>/roc/groups/9/</a:t>
-            </a:r>
-            <a:r>
-              <a:rPr lang="en-US" sz="1400" dirty="0" err="1">
-                <a:solidFill>
-                  <a:srgbClr val="CCFFCC"/>
-                </a:solidFill>
-                <a:latin typeface="Lucida Console"/>
-                <a:cs typeface="Lucida Console"/>
-              </a:rPr>
-              <a:t>morrellp</a:t>
-            </a:r>
-            <a:r>
-              <a:rPr lang="en-US" sz="1400" dirty="0">
-                <a:solidFill>
-                  <a:srgbClr val="CCFFCC"/>
-                </a:solidFill>
-                <a:latin typeface="Lucida Console"/>
-                <a:cs typeface="Lucida Console"/>
-              </a:rPr>
-              <a:t>/</a:t>
-            </a:r>
-            <a:r>
-              <a:rPr lang="en-US" sz="1400" dirty="0" smtClean="0">
-                <a:solidFill>
-                  <a:srgbClr val="CCFFCC"/>
-                </a:solidFill>
-                <a:latin typeface="Lucida Console"/>
-                <a:cs typeface="Lucida Console"/>
-              </a:rPr>
-              <a:t>public/Modules</a:t>
-            </a:r>
-            <a:r>
-              <a:rPr lang="en-US" sz="1400" dirty="0">
-                <a:solidFill>
-                  <a:srgbClr val="CCFFCC"/>
-                </a:solidFill>
-                <a:latin typeface="Lucida Console"/>
-                <a:cs typeface="Lucida Console"/>
-              </a:rPr>
-              <a:t>:'$MODULEPATH' &gt;&gt; ~/.</a:t>
-            </a:r>
-            <a:r>
-              <a:rPr lang="en-US" sz="1400" dirty="0" err="1" smtClean="0">
-                <a:solidFill>
-                  <a:srgbClr val="CCFFCC"/>
-                </a:solidFill>
-                <a:latin typeface="Lucida Console"/>
-                <a:cs typeface="Lucida Console"/>
-              </a:rPr>
-              <a:t>bash_profile</a:t>
-            </a:r>
-            <a:endParaRPr lang="en-US" sz="1400" dirty="0" smtClean="0">
+            <a:pPr marL="45720" indent="0" algn="ctr">
+              <a:buNone/>
+            </a:pPr>
+            <a:r>
+              <a:rPr lang="en-US" sz="3600" dirty="0" smtClean="0"/>
+              <a:t>“A </a:t>
+            </a:r>
+            <a:r>
+              <a:rPr lang="en-US" sz="3600" dirty="0"/>
+              <a:t>series of scripts that automates sequence analysis </a:t>
+            </a:r>
+            <a:r>
+              <a:rPr lang="en-US" sz="3600" dirty="0" smtClean="0"/>
+              <a:t>workflows”</a:t>
+            </a:r>
+          </a:p>
+          <a:p>
+            <a:pPr marL="45720" indent="0" algn="ctr">
+              <a:buNone/>
+            </a:pPr>
+            <a:endParaRPr lang="en-US" sz="3200" dirty="0"/>
+          </a:p>
+          <a:p>
+            <a:pPr marL="45720" indent="0" algn="ctr">
+              <a:buNone/>
+            </a:pPr>
+            <a:r>
+              <a:rPr lang="en-US" sz="2800" dirty="0" smtClean="0">
+                <a:solidFill>
+                  <a:srgbClr val="F9BE92"/>
+                </a:solidFill>
+              </a:rPr>
+              <a:t>Developed by Paul Hoffman and Skylar </a:t>
+            </a:r>
+            <a:r>
+              <a:rPr lang="en-US" sz="2800" dirty="0" err="1" smtClean="0">
+                <a:solidFill>
+                  <a:srgbClr val="F9BE92"/>
+                </a:solidFill>
+              </a:rPr>
+              <a:t>Wyant</a:t>
+            </a:r>
+            <a:endParaRPr lang="en-US" sz="2800" dirty="0" smtClean="0">
               <a:solidFill>
-                <a:srgbClr val="CCFFCC"/>
-              </a:solidFill>
-              <a:latin typeface="Lucida Console"/>
-              <a:cs typeface="Lucida Console"/>
-            </a:endParaRPr>
-          </a:p>
-          <a:p>
-            <a:endParaRPr lang="en-US" sz="1100" dirty="0" smtClean="0">
-              <a:solidFill>
-                <a:srgbClr val="CCFFCC"/>
-              </a:solidFill>
-              <a:latin typeface="Lucida Console"/>
-              <a:cs typeface="Lucida Console"/>
-            </a:endParaRPr>
-          </a:p>
-          <a:p>
-            <a:r>
-              <a:rPr lang="en-US" dirty="0" smtClean="0"/>
-              <a:t>2. Log out MSI</a:t>
-            </a:r>
-            <a:endParaRPr lang="en-US" dirty="0"/>
-          </a:p>
-          <a:p>
-            <a:r>
-              <a:rPr lang="en-US" dirty="0" smtClean="0"/>
-              <a:t>3. Log in MSI using </a:t>
-            </a:r>
-            <a:r>
-              <a:rPr lang="en-US" dirty="0" err="1">
-                <a:solidFill>
-                  <a:srgbClr val="CCFFCC"/>
-                </a:solidFill>
-              </a:rPr>
-              <a:t>ssh</a:t>
-            </a:r>
-            <a:r>
-              <a:rPr lang="en-US" dirty="0">
-                <a:solidFill>
-                  <a:srgbClr val="CCFFCC"/>
-                </a:solidFill>
-              </a:rPr>
-              <a:t> </a:t>
-            </a:r>
-            <a:r>
-              <a:rPr lang="en-US" dirty="0" smtClean="0">
-                <a:solidFill>
-                  <a:srgbClr val="CCFFCC"/>
-                </a:solidFill>
-              </a:rPr>
-              <a:t>–Y </a:t>
-            </a:r>
-            <a:r>
-              <a:rPr lang="en-US" dirty="0" smtClean="0">
-                <a:solidFill>
-                  <a:srgbClr val="CCFFCC"/>
-                </a:solidFill>
-                <a:hlinkClick r:id="rId2"/>
-              </a:rPr>
-              <a:t>user@login.msi.umn.edu</a:t>
-            </a:r>
-            <a:endParaRPr lang="en-US" dirty="0" smtClean="0">
-              <a:solidFill>
-                <a:srgbClr val="CCFFCC"/>
-              </a:solidFill>
-            </a:endParaRPr>
-          </a:p>
-          <a:p>
-            <a:endParaRPr lang="en-US" dirty="0" smtClean="0">
-              <a:solidFill>
-                <a:srgbClr val="CCFFCC"/>
-              </a:solidFill>
-            </a:endParaRPr>
-          </a:p>
-          <a:p>
-            <a:r>
-              <a:rPr lang="en-US" sz="1600" dirty="0" err="1">
-                <a:solidFill>
-                  <a:srgbClr val="CCFFCC"/>
-                </a:solidFill>
-                <a:latin typeface="Lucida Console"/>
-                <a:cs typeface="Lucida Console"/>
-              </a:rPr>
-              <a:t>git</a:t>
-            </a:r>
-            <a:r>
-              <a:rPr lang="en-US" sz="1600" dirty="0">
-                <a:solidFill>
-                  <a:srgbClr val="CCFFCC"/>
-                </a:solidFill>
-                <a:latin typeface="Lucida Console"/>
-                <a:cs typeface="Lucida Console"/>
-              </a:rPr>
-              <a:t> clone /</a:t>
-            </a:r>
-            <a:r>
-              <a:rPr lang="en-US" sz="1600" dirty="0" err="1">
-                <a:solidFill>
-                  <a:srgbClr val="CCFFCC"/>
-                </a:solidFill>
-                <a:latin typeface="Lucida Console"/>
-                <a:cs typeface="Lucida Console"/>
-              </a:rPr>
-              <a:t>panfs</a:t>
-            </a:r>
-            <a:r>
-              <a:rPr lang="en-US" sz="1600" dirty="0">
-                <a:solidFill>
-                  <a:srgbClr val="CCFFCC"/>
-                </a:solidFill>
-                <a:latin typeface="Lucida Console"/>
-                <a:cs typeface="Lucida Console"/>
-              </a:rPr>
-              <a:t>/roc/groups/9/</a:t>
-            </a:r>
-            <a:r>
-              <a:rPr lang="en-US" sz="1600" dirty="0" err="1">
-                <a:solidFill>
-                  <a:srgbClr val="CCFFCC"/>
-                </a:solidFill>
-                <a:latin typeface="Lucida Console"/>
-                <a:cs typeface="Lucida Console"/>
-              </a:rPr>
-              <a:t>morrellp</a:t>
-            </a:r>
-            <a:r>
-              <a:rPr lang="en-US" sz="1600" dirty="0">
-                <a:solidFill>
-                  <a:srgbClr val="CCFFCC"/>
-                </a:solidFill>
-                <a:latin typeface="Lucida Console"/>
-                <a:cs typeface="Lucida Console"/>
-              </a:rPr>
-              <a:t>/public/sequence_handling</a:t>
-            </a:r>
-          </a:p>
-          <a:p>
-            <a:endParaRPr lang="en-US" sz="1600" dirty="0">
-              <a:solidFill>
-                <a:srgbClr val="CCFFCC"/>
-              </a:solidFill>
-            </a:endParaRPr>
-          </a:p>
-          <a:p>
-            <a:r>
-              <a:rPr lang="en-US" sz="1600" dirty="0" err="1">
-                <a:solidFill>
-                  <a:srgbClr val="CCFFCC"/>
-                </a:solidFill>
-                <a:latin typeface="Lucida Console"/>
-                <a:cs typeface="Lucida Console"/>
-              </a:rPr>
-              <a:t>git</a:t>
-            </a:r>
-            <a:r>
-              <a:rPr lang="en-US" sz="1600" dirty="0">
-                <a:solidFill>
-                  <a:srgbClr val="CCFFCC"/>
-                </a:solidFill>
-                <a:latin typeface="Lucida Console"/>
-                <a:cs typeface="Lucida Console"/>
-              </a:rPr>
-              <a:t> clone /</a:t>
-            </a:r>
-            <a:r>
-              <a:rPr lang="en-US" sz="1600" dirty="0" err="1">
-                <a:solidFill>
-                  <a:srgbClr val="CCFFCC"/>
-                </a:solidFill>
-                <a:latin typeface="Lucida Console"/>
-                <a:cs typeface="Lucida Console"/>
-              </a:rPr>
-              <a:t>panfs</a:t>
-            </a:r>
-            <a:r>
-              <a:rPr lang="en-US" sz="1600" dirty="0">
-                <a:solidFill>
-                  <a:srgbClr val="CCFFCC"/>
-                </a:solidFill>
-                <a:latin typeface="Lucida Console"/>
-                <a:cs typeface="Lucida Console"/>
-              </a:rPr>
-              <a:t>/roc/groups/9/</a:t>
-            </a:r>
-            <a:r>
-              <a:rPr lang="en-US" sz="1600" dirty="0" err="1">
-                <a:solidFill>
-                  <a:srgbClr val="CCFFCC"/>
-                </a:solidFill>
-                <a:latin typeface="Lucida Console"/>
-                <a:cs typeface="Lucida Console"/>
-              </a:rPr>
-              <a:t>morrellp</a:t>
-            </a:r>
-            <a:r>
-              <a:rPr lang="en-US" sz="1600" dirty="0">
-                <a:solidFill>
-                  <a:srgbClr val="CCFFCC"/>
-                </a:solidFill>
-                <a:latin typeface="Lucida Console"/>
-                <a:cs typeface="Lucida Console"/>
-              </a:rPr>
-              <a:t>/public/</a:t>
-            </a:r>
-            <a:r>
-              <a:rPr lang="en-US" sz="1600" dirty="0" err="1">
-                <a:solidFill>
-                  <a:srgbClr val="CCFFCC"/>
-                </a:solidFill>
-                <a:latin typeface="Lucida Console"/>
-                <a:cs typeface="Lucida Console"/>
-              </a:rPr>
-              <a:t>SH_Example_data</a:t>
-            </a:r>
-            <a:endParaRPr lang="en-US" sz="1600" dirty="0">
-              <a:solidFill>
-                <a:srgbClr val="CCFFCC"/>
-              </a:solidFill>
-              <a:latin typeface="Lucida Console"/>
-              <a:cs typeface="Lucida Console"/>
-            </a:endParaRPr>
-          </a:p>
-          <a:p>
-            <a:endParaRPr lang="en-US" dirty="0">
-              <a:solidFill>
-                <a:srgbClr val="CCFFCC"/>
+                <a:srgbClr val="F9BE92"/>
               </a:solidFill>
             </a:endParaRPr>
           </a:p>
@@ -8405,7 +8402,7 @@
     </p:spTree>
     <p:extLst>
       <p:ext uri="{BB962C8B-B14F-4D97-AF65-F5344CB8AC3E}">
-        <p14:creationId xmlns:p14="http://schemas.microsoft.com/office/powerpoint/2010/main" val="518996169"/>
+        <p14:creationId xmlns:p14="http://schemas.microsoft.com/office/powerpoint/2010/main" val="2403026913"/>
       </p:ext>
     </p:extLst>
   </p:cSld>
@@ -9143,15 +9140,26 @@
               <a:t>- </a:t>
             </a:r>
             <a:r>
-              <a:rPr lang="en-US" sz="2000" dirty="0" err="1">
-                <a:solidFill>
-                  <a:schemeClr val="bg2">
-                    <a:lumMod val="75000"/>
-                    <a:lumOff val="25000"/>
-                  </a:schemeClr>
-                </a:solidFill>
-              </a:rPr>
-              <a:t>Bioawk</a:t>
+              <a:rPr lang="en-US" sz="2000" dirty="0">
+                <a:solidFill>
+                  <a:schemeClr val="bg2">
+                    <a:lumMod val="75000"/>
+                    <a:lumOff val="25000"/>
+                  </a:schemeClr>
+                </a:solidFill>
+              </a:rPr>
+              <a:t>Zip/Unzip/</a:t>
+            </a:r>
+            <a:r>
+              <a:rPr lang="en-US" sz="2000" dirty="0" err="1" smtClean="0">
+                <a:solidFill>
+                  <a:schemeClr val="bg2">
+                    <a:lumMod val="75000"/>
+                    <a:lumOff val="25000"/>
+                  </a:schemeClr>
+                </a:solidFill>
+              </a:rPr>
+              <a:t>Grep</a:t>
             </a:r>
             <a:endParaRPr lang="en-US" sz="2000" dirty="0">
               <a:solidFill>
@@ -10150,6 +10158,621 @@
           <a:lstStyle/>
           <a:p>
             <a:r>
+              <a:rPr lang="en-US" dirty="0"/>
+              <a:t>sequence_handling handlers</a:t>
+            </a:r>
+          </a:p>
+        </p:txBody>
+      </p:sp>
+      <p:sp>
+        <p:nvSpPr>
+          <p:cNvPr id="3" name="Content Placeholder 2"/>
+          <p:cNvSpPr>
+            <a:spLocks noGrp="1"/>
+          </p:cNvSpPr>
+          <p:nvPr>
+            <p:ph idx="1"/>
+          </p:nvPr>
+        </p:nvSpPr>
+        <p:spPr>
+          <a:xfrm>
+            <a:off x="183799" y="2527933"/>
+            <a:ext cx="9044868" cy="4202558"/>
+          </a:xfrm>
+        </p:spPr>
+        <p:txBody>
+          <a:bodyPr>
+            <a:noAutofit/>
+          </a:bodyPr>
+          <a:lstStyle/>
+          <a:p>
+            <a:pPr marL="777240" lvl="1" indent="-457200">
+              <a:lnSpc>
+                <a:spcPct val="130000"/>
+              </a:lnSpc>
+              <a:buFont typeface="+mj-lt"/>
+              <a:buAutoNum type="arabicPeriod"/>
+            </a:pPr>
+            <a:r>
+              <a:rPr lang="en-US" sz="2000" dirty="0" smtClean="0">
+                <a:solidFill>
+                  <a:schemeClr val="bg2">
+                    <a:lumMod val="75000"/>
+                    <a:lumOff val="25000"/>
+                  </a:schemeClr>
+                </a:solidFill>
+              </a:rPr>
+              <a:t>Quality </a:t>
+            </a:r>
+            <a:r>
+              <a:rPr lang="en-US" sz="2000" dirty="0">
+                <a:solidFill>
+                  <a:schemeClr val="bg2">
+                    <a:lumMod val="75000"/>
+                    <a:lumOff val="25000"/>
+                  </a:schemeClr>
+                </a:solidFill>
+              </a:rPr>
+              <a:t>Assessment</a:t>
+            </a:r>
+            <a:r>
+              <a:rPr lang="en-US" sz="2000" dirty="0"/>
+              <a:t> </a:t>
+            </a:r>
+            <a:r>
+              <a:rPr lang="en-US" sz="2000" dirty="0" smtClean="0">
+                <a:solidFill>
+                  <a:schemeClr val="bg2">
+                    <a:lumMod val="75000"/>
+                    <a:lumOff val="25000"/>
+                  </a:schemeClr>
+                </a:solidFill>
+              </a:rPr>
+              <a:t>- </a:t>
+            </a:r>
+            <a:r>
+              <a:rPr lang="en-US" sz="2000" dirty="0" err="1" smtClean="0">
+                <a:solidFill>
+                  <a:schemeClr val="bg2">
+                    <a:lumMod val="75000"/>
+                    <a:lumOff val="25000"/>
+                  </a:schemeClr>
+                </a:solidFill>
+              </a:rPr>
+              <a:t>FastQC</a:t>
+            </a:r>
+            <a:r>
+              <a:rPr lang="en-US" sz="2000" dirty="0" smtClean="0">
+                <a:solidFill>
+                  <a:schemeClr val="bg2">
+                    <a:lumMod val="75000"/>
+                    <a:lumOff val="25000"/>
+                  </a:schemeClr>
+                </a:solidFill>
+              </a:rPr>
+              <a:t> </a:t>
+            </a:r>
+            <a:endParaRPr lang="en-US" sz="1600" dirty="0">
+              <a:solidFill>
+                <a:schemeClr val="bg2">
+                  <a:lumMod val="75000"/>
+                  <a:lumOff val="25000"/>
+                </a:schemeClr>
+              </a:solidFill>
+            </a:endParaRPr>
+          </a:p>
+          <a:p>
+            <a:pPr marL="777240" lvl="1" indent="-457200">
+              <a:lnSpc>
+                <a:spcPct val="130000"/>
+              </a:lnSpc>
+              <a:buFont typeface="+mj-lt"/>
+              <a:buAutoNum type="arabicPeriod"/>
+            </a:pPr>
+            <a:r>
+              <a:rPr lang="en-US" sz="2000" dirty="0">
+                <a:solidFill>
+                  <a:schemeClr val="bg2">
+                    <a:lumMod val="75000"/>
+                    <a:lumOff val="25000"/>
+                  </a:schemeClr>
+                </a:solidFill>
+              </a:rPr>
+              <a:t>Read </a:t>
+            </a:r>
+            <a:r>
+              <a:rPr lang="en-US" sz="2000" dirty="0" smtClean="0">
+                <a:solidFill>
+                  <a:schemeClr val="bg2">
+                    <a:lumMod val="75000"/>
+                    <a:lumOff val="25000"/>
+                  </a:schemeClr>
+                </a:solidFill>
+              </a:rPr>
+              <a:t>depths </a:t>
+            </a:r>
+            <a:r>
+              <a:rPr lang="en-US" sz="2000" dirty="0">
+                <a:solidFill>
+                  <a:schemeClr val="bg2">
+                    <a:lumMod val="75000"/>
+                    <a:lumOff val="25000"/>
+                  </a:schemeClr>
+                </a:solidFill>
+              </a:rPr>
+              <a:t>- </a:t>
+            </a:r>
+            <a:r>
+              <a:rPr lang="en-US" sz="2000" dirty="0">
+                <a:solidFill>
+                  <a:schemeClr val="bg2">
+                    <a:lumMod val="75000"/>
+                    <a:lumOff val="25000"/>
+                  </a:schemeClr>
+                </a:solidFill>
+              </a:rPr>
+              <a:t>Zip/Unzip/</a:t>
+            </a:r>
+            <a:r>
+              <a:rPr lang="en-US" sz="2000" dirty="0" err="1">
+                <a:solidFill>
+                  <a:schemeClr val="bg2">
+                    <a:lumMod val="75000"/>
+                    <a:lumOff val="25000"/>
+                  </a:schemeClr>
+                </a:solidFill>
+              </a:rPr>
+              <a:t>Grep</a:t>
+            </a:r>
+            <a:endParaRPr lang="en-US" sz="2000" dirty="0">
+              <a:solidFill>
+                <a:schemeClr val="bg2">
+                  <a:lumMod val="75000"/>
+                  <a:lumOff val="25000"/>
+                </a:schemeClr>
+              </a:solidFill>
+            </a:endParaRPr>
+          </a:p>
+          <a:p>
+            <a:pPr marL="777240" lvl="1" indent="-457200">
+              <a:lnSpc>
+                <a:spcPct val="130000"/>
+              </a:lnSpc>
+              <a:buFont typeface="+mj-lt"/>
+              <a:buAutoNum type="arabicPeriod"/>
+            </a:pPr>
+            <a:r>
+              <a:rPr lang="en-US" sz="2000" dirty="0" smtClean="0">
+                <a:solidFill>
+                  <a:schemeClr val="bg2">
+                    <a:lumMod val="75000"/>
+                    <a:lumOff val="25000"/>
+                  </a:schemeClr>
+                </a:solidFill>
+              </a:rPr>
+              <a:t>Adapter </a:t>
+            </a:r>
+            <a:r>
+              <a:rPr lang="en-US" sz="2000" dirty="0">
+                <a:solidFill>
+                  <a:schemeClr val="bg2">
+                    <a:lumMod val="75000"/>
+                    <a:lumOff val="25000"/>
+                  </a:schemeClr>
+                </a:solidFill>
+              </a:rPr>
+              <a:t>trimming </a:t>
+            </a:r>
+            <a:r>
+              <a:rPr lang="en-US" sz="2000" dirty="0" smtClean="0">
+                <a:solidFill>
+                  <a:schemeClr val="bg2">
+                    <a:lumMod val="75000"/>
+                    <a:lumOff val="25000"/>
+                  </a:schemeClr>
+                </a:solidFill>
+              </a:rPr>
+              <a:t>- Scythe </a:t>
+            </a:r>
+            <a:endParaRPr lang="en-US" dirty="0">
+              <a:solidFill>
+                <a:schemeClr val="bg2">
+                  <a:lumMod val="75000"/>
+                  <a:lumOff val="25000"/>
+                </a:schemeClr>
+              </a:solidFill>
+            </a:endParaRPr>
+          </a:p>
+          <a:p>
+            <a:pPr marL="777240" lvl="1" indent="-457200">
+              <a:lnSpc>
+                <a:spcPct val="130000"/>
+              </a:lnSpc>
+              <a:buFont typeface="+mj-lt"/>
+              <a:buAutoNum type="arabicPeriod"/>
+            </a:pPr>
+            <a:r>
+              <a:rPr lang="en-US" sz="2000" dirty="0" smtClean="0">
+                <a:solidFill>
+                  <a:schemeClr val="bg2">
+                    <a:lumMod val="75000"/>
+                    <a:lumOff val="25000"/>
+                  </a:schemeClr>
+                </a:solidFill>
+              </a:rPr>
+              <a:t>Quality </a:t>
+            </a:r>
+            <a:r>
+              <a:rPr lang="en-US" sz="2000" dirty="0">
+                <a:solidFill>
+                  <a:schemeClr val="bg2">
+                    <a:lumMod val="75000"/>
+                    <a:lumOff val="25000"/>
+                  </a:schemeClr>
+                </a:solidFill>
+              </a:rPr>
+              <a:t>trimming </a:t>
+            </a:r>
+            <a:r>
+              <a:rPr lang="en-US" sz="2000" dirty="0" smtClean="0">
+                <a:solidFill>
+                  <a:schemeClr val="bg2">
+                    <a:lumMod val="75000"/>
+                    <a:lumOff val="25000"/>
+                  </a:schemeClr>
+                </a:solidFill>
+              </a:rPr>
+              <a:t>- </a:t>
+            </a:r>
+            <a:r>
+              <a:rPr lang="en-US" sz="2000" dirty="0">
+                <a:solidFill>
+                  <a:schemeClr val="bg2">
+                    <a:lumMod val="75000"/>
+                    <a:lumOff val="25000"/>
+                  </a:schemeClr>
+                </a:solidFill>
+              </a:rPr>
+              <a:t>Sickle/ </a:t>
+            </a:r>
+            <a:r>
+              <a:rPr lang="en-US" sz="2000" dirty="0" err="1">
+                <a:solidFill>
+                  <a:schemeClr val="bg2">
+                    <a:lumMod val="75000"/>
+                    <a:lumOff val="25000"/>
+                  </a:schemeClr>
+                </a:solidFill>
+              </a:rPr>
+              <a:t>Seqqs</a:t>
+            </a:r>
+            <a:r>
+              <a:rPr lang="en-US" sz="2000" dirty="0">
+                <a:solidFill>
+                  <a:schemeClr val="bg2">
+                    <a:lumMod val="75000"/>
+                    <a:lumOff val="25000"/>
+                  </a:schemeClr>
+                </a:solidFill>
+              </a:rPr>
+              <a:t> </a:t>
+            </a:r>
+            <a:endParaRPr lang="en-US" dirty="0">
+              <a:solidFill>
+                <a:schemeClr val="bg2">
+                  <a:lumMod val="75000"/>
+                  <a:lumOff val="25000"/>
+                </a:schemeClr>
+              </a:solidFill>
+            </a:endParaRPr>
+          </a:p>
+          <a:p>
+            <a:pPr marL="777240" lvl="1" indent="-457200">
+              <a:lnSpc>
+                <a:spcPct val="130000"/>
+              </a:lnSpc>
+              <a:buFont typeface="+mj-lt"/>
+              <a:buAutoNum type="arabicPeriod"/>
+            </a:pPr>
+            <a:r>
+              <a:rPr lang="en-US" sz="2000" dirty="0" smtClean="0">
+                <a:solidFill>
+                  <a:schemeClr val="bg2">
+                    <a:lumMod val="75000"/>
+                    <a:lumOff val="25000"/>
+                  </a:schemeClr>
+                </a:solidFill>
+              </a:rPr>
+              <a:t>Read </a:t>
+            </a:r>
+            <a:r>
+              <a:rPr lang="en-US" sz="2000" dirty="0">
+                <a:solidFill>
+                  <a:schemeClr val="bg2">
+                    <a:lumMod val="75000"/>
+                    <a:lumOff val="25000"/>
+                  </a:schemeClr>
+                </a:solidFill>
+              </a:rPr>
+              <a:t>mapping </a:t>
+            </a:r>
+            <a:r>
+              <a:rPr lang="en-US" sz="2000" dirty="0" smtClean="0">
+                <a:solidFill>
+                  <a:schemeClr val="bg2">
+                    <a:lumMod val="75000"/>
+                    <a:lumOff val="25000"/>
+                  </a:schemeClr>
+                </a:solidFill>
+              </a:rPr>
+              <a:t>- </a:t>
+            </a:r>
+            <a:r>
+              <a:rPr lang="en-US" sz="2000" dirty="0">
+                <a:solidFill>
+                  <a:schemeClr val="bg2">
+                    <a:lumMod val="75000"/>
+                    <a:lumOff val="25000"/>
+                  </a:schemeClr>
+                </a:solidFill>
+              </a:rPr>
+              <a:t>BWA-</a:t>
+            </a:r>
+            <a:r>
+              <a:rPr lang="en-US" sz="2000" dirty="0" smtClean="0">
+                <a:solidFill>
+                  <a:schemeClr val="bg2">
+                    <a:lumMod val="75000"/>
+                    <a:lumOff val="25000"/>
+                  </a:schemeClr>
+                </a:solidFill>
+              </a:rPr>
+              <a:t>MEM </a:t>
+            </a:r>
+            <a:endParaRPr lang="en-US" dirty="0">
+              <a:solidFill>
+                <a:schemeClr val="bg2">
+                  <a:lumMod val="75000"/>
+                  <a:lumOff val="25000"/>
+                </a:schemeClr>
+              </a:solidFill>
+            </a:endParaRPr>
+          </a:p>
+          <a:p>
+            <a:pPr marL="777240" lvl="1" indent="-457200">
+              <a:lnSpc>
+                <a:spcPct val="130000"/>
+              </a:lnSpc>
+              <a:buFont typeface="+mj-lt"/>
+              <a:buAutoNum type="arabicPeriod"/>
+            </a:pPr>
+            <a:r>
+              <a:rPr lang="en-US" sz="2000" dirty="0">
+                <a:solidFill>
+                  <a:schemeClr val="bg2">
+                    <a:lumMod val="75000"/>
+                    <a:lumOff val="25000"/>
+                  </a:schemeClr>
+                </a:solidFill>
+              </a:rPr>
+              <a:t>SAM processing </a:t>
+            </a:r>
+            <a:r>
+              <a:rPr lang="en-US" sz="2000" dirty="0" smtClean="0">
+                <a:solidFill>
+                  <a:schemeClr val="bg2">
+                    <a:lumMod val="75000"/>
+                    <a:lumOff val="25000"/>
+                  </a:schemeClr>
+                </a:solidFill>
+              </a:rPr>
+              <a:t>- </a:t>
+            </a:r>
+            <a:r>
+              <a:rPr lang="en-US" sz="2000" dirty="0">
+                <a:solidFill>
+                  <a:schemeClr val="bg2">
+                    <a:lumMod val="75000"/>
+                    <a:lumOff val="25000"/>
+                  </a:schemeClr>
+                </a:solidFill>
+              </a:rPr>
+              <a:t>Picard/ </a:t>
+            </a:r>
+            <a:r>
+              <a:rPr lang="en-US" sz="2000" dirty="0" err="1" smtClean="0">
+                <a:solidFill>
+                  <a:schemeClr val="bg2">
+                    <a:lumMod val="75000"/>
+                    <a:lumOff val="25000"/>
+                  </a:schemeClr>
+                </a:solidFill>
+              </a:rPr>
+              <a:t>SAMtools</a:t>
+            </a:r>
+            <a:r>
+              <a:rPr lang="en-US" sz="2000" dirty="0" smtClean="0">
+                <a:solidFill>
+                  <a:schemeClr val="bg2">
+                    <a:lumMod val="75000"/>
+                    <a:lumOff val="25000"/>
+                  </a:schemeClr>
+                </a:solidFill>
+              </a:rPr>
+              <a:t> </a:t>
+            </a:r>
+            <a:endParaRPr lang="en-US" dirty="0">
+              <a:solidFill>
+                <a:schemeClr val="bg2">
+                  <a:lumMod val="75000"/>
+                  <a:lumOff val="25000"/>
+                </a:schemeClr>
+              </a:solidFill>
+            </a:endParaRPr>
+          </a:p>
+          <a:p>
+            <a:pPr marL="777240" lvl="1" indent="-457200">
+              <a:lnSpc>
+                <a:spcPct val="130000"/>
+              </a:lnSpc>
+              <a:buFont typeface="+mj-lt"/>
+              <a:buAutoNum type="arabicPeriod"/>
+            </a:pPr>
+            <a:r>
+              <a:rPr lang="en-US" sz="2000" dirty="0" smtClean="0">
+                <a:solidFill>
+                  <a:schemeClr val="bg2">
+                    <a:lumMod val="75000"/>
+                    <a:lumOff val="25000"/>
+                  </a:schemeClr>
+                </a:solidFill>
+              </a:rPr>
+              <a:t>Coverage </a:t>
+            </a:r>
+            <a:r>
+              <a:rPr lang="en-US" sz="2000" dirty="0">
+                <a:solidFill>
+                  <a:schemeClr val="bg2">
+                    <a:lumMod val="75000"/>
+                    <a:lumOff val="25000"/>
+                  </a:schemeClr>
+                </a:solidFill>
+              </a:rPr>
+              <a:t>mapping </a:t>
+            </a:r>
+            <a:r>
+              <a:rPr lang="en-US" sz="2000" dirty="0" smtClean="0">
+                <a:solidFill>
+                  <a:schemeClr val="bg2">
+                    <a:lumMod val="75000"/>
+                    <a:lumOff val="25000"/>
+                  </a:schemeClr>
+                </a:solidFill>
+              </a:rPr>
+              <a:t>- </a:t>
+            </a:r>
+            <a:r>
+              <a:rPr lang="en-US" sz="2000" dirty="0" err="1" smtClean="0">
+                <a:solidFill>
+                  <a:schemeClr val="bg2">
+                    <a:lumMod val="75000"/>
+                    <a:lumOff val="25000"/>
+                  </a:schemeClr>
+                </a:solidFill>
+              </a:rPr>
+              <a:t>BEDtools</a:t>
+            </a:r>
+            <a:endParaRPr lang="en-US" sz="2000" dirty="0" smtClean="0">
+              <a:solidFill>
+                <a:schemeClr val="bg2">
+                  <a:lumMod val="75000"/>
+                  <a:lumOff val="25000"/>
+                </a:schemeClr>
+              </a:solidFill>
+            </a:endParaRPr>
+          </a:p>
+          <a:p>
+            <a:pPr marL="777240" lvl="1" indent="-457200">
+              <a:lnSpc>
+                <a:spcPct val="130000"/>
+              </a:lnSpc>
+              <a:buFont typeface="+mj-lt"/>
+              <a:buAutoNum type="arabicPeriod"/>
+            </a:pPr>
+            <a:r>
+              <a:rPr lang="en-US" sz="2000" dirty="0" err="1"/>
+              <a:t>Indel</a:t>
+            </a:r>
+            <a:r>
+              <a:rPr lang="en-US" sz="2000" dirty="0"/>
+              <a:t> realignment </a:t>
+            </a:r>
+            <a:r>
+              <a:rPr lang="en-US" sz="2000" dirty="0" smtClean="0"/>
+              <a:t>– GATK</a:t>
+            </a:r>
+          </a:p>
+          <a:p>
+            <a:pPr lvl="2">
+              <a:lnSpc>
+                <a:spcPct val="130000"/>
+              </a:lnSpc>
+            </a:pPr>
+            <a:r>
+              <a:rPr lang="en-US" sz="2000" dirty="0" smtClean="0"/>
+              <a:t>SNP calling</a:t>
+            </a:r>
+            <a:endParaRPr lang="en-US" sz="2000" dirty="0" smtClean="0"/>
+          </a:p>
+          <a:p>
+            <a:pPr marL="45720" indent="0" algn="ctr">
+              <a:lnSpc>
+                <a:spcPct val="130000"/>
+              </a:lnSpc>
+              <a:buNone/>
+            </a:pPr>
+            <a:endParaRPr lang="en-US" sz="2800" b="1" dirty="0"/>
+          </a:p>
+        </p:txBody>
+      </p:sp>
+    </p:spTree>
+    <p:extLst>
+      <p:ext uri="{BB962C8B-B14F-4D97-AF65-F5344CB8AC3E}">
+        <p14:creationId xmlns:p14="http://schemas.microsoft.com/office/powerpoint/2010/main" val="1869277030"/>
+      </p:ext>
+    </p:extLst>
+  </p:cSld>
+  <p:clrMapOvr>
+    <a:masterClrMapping/>
+  </p:clrMapOvr>
+  <p:timing>
+    <p:tnLst>
+      <p:par>
+        <p:cTn xmlns:p14="http://schemas.microsoft.com/office/powerpoint/2010/main" id="1" dur="indefinite" restart="never" nodeType="tmRoot"/>
+      </p:par>
+    </p:tnLst>
+  </p:timing>
+</p:sld>
+</file>
+
+<file path=ppt/slides/slide24.xml><?xml version="1.0" encoding="utf-8"?>
+<p:sld xmlns:a="http://schemas.openxmlformats.org/drawingml/2006/main" xmlns:r="http://schemas.openxmlformats.org/officeDocument/2006/relationships" xmlns:p="http://schemas.openxmlformats.org/presentationml/2006/main">
+  <p:cSld>
+    <p:spTree>
+      <p:nvGrpSpPr>
+        <p:cNvPr id="1" name=""/>
+        <p:cNvGrpSpPr/>
+        <p:nvPr/>
+      </p:nvGrpSpPr>
+      <p:grpSpPr>
+        <a:xfrm>
+          <a:off x="0" y="0"/>
+          <a:ext cx="0" cy="0"/>
+          <a:chOff x="0" y="0"/>
+          <a:chExt cx="0" cy="0"/>
+        </a:xfrm>
+      </p:grpSpPr>
+      <p:sp>
+        <p:nvSpPr>
+          <p:cNvPr id="2" name="Title 1"/>
+          <p:cNvSpPr>
+            <a:spLocks noGrp="1"/>
+          </p:cNvSpPr>
+          <p:nvPr>
+            <p:ph type="title"/>
+          </p:nvPr>
+        </p:nvSpPr>
+        <p:spPr>
+          <a:xfrm>
+            <a:off x="914400" y="709115"/>
+            <a:ext cx="7315200" cy="1154097"/>
+          </a:xfrm>
+        </p:spPr>
+        <p:txBody>
+          <a:bodyPr/>
+          <a:lstStyle/>
+          <a:p>
+            <a:r>
               <a:rPr lang="en-US" dirty="0" smtClean="0"/>
               <a:t>sequence_handling</a:t>
             </a:r>
@@ -10262,7 +10885,7 @@
 </p:sld>
 </file>
 
-<file path=ppt/slides/slide24.xml><?xml version="1.0" encoding="utf-8"?>
+<file path=ppt/slides/slide25.xml><?xml version="1.0" encoding="utf-8"?>
 <p:sld xmlns:a="http://schemas.openxmlformats.org/drawingml/2006/main" xmlns:r="http://schemas.openxmlformats.org/officeDocument/2006/relationships" xmlns:p="http://schemas.openxmlformats.org/presentationml/2006/main">
   <p:cSld>
     <p:spTree>
@@ -10436,220 +11059,6 @@
 </p:sld>
 </file>
 
-<file path=ppt/slides/slide25.xml><?xml version="1.0" encoding="utf-8"?>
-<p:sld xmlns:a="http://schemas.openxmlformats.org/drawingml/2006/main" xmlns:r="http://schemas.openxmlformats.org/officeDocument/2006/relationships" xmlns:p="http://schemas.openxmlformats.org/presentationml/2006/main">
-  <p:cSld>
-    <p:spTree>
-      <p:nvGrpSpPr>
-        <p:cNvPr id="1" name=""/>
-        <p:cNvGrpSpPr/>
-        <p:nvPr/>
-      </p:nvGrpSpPr>
-      <p:grpSpPr>
-        <a:xfrm>
-          <a:off x="0" y="0"/>
-          <a:ext cx="0" cy="0"/>
-          <a:chOff x="0" y="0"/>
-          <a:chExt cx="0" cy="0"/>
-        </a:xfrm>
-      </p:grpSpPr>
-      <p:sp>
-        <p:nvSpPr>
-          <p:cNvPr id="2" name="Title 1"/>
-          <p:cNvSpPr>
-            <a:spLocks noGrp="1"/>
-          </p:cNvSpPr>
-          <p:nvPr>
-            <p:ph type="title"/>
-          </p:nvPr>
-        </p:nvSpPr>
-        <p:spPr>
-          <a:xfrm>
-            <a:off x="914400" y="709115"/>
-            <a:ext cx="7315200" cy="1154097"/>
-          </a:xfrm>
-        </p:spPr>
-        <p:txBody>
-          <a:bodyPr/>
-          <a:lstStyle/>
-          <a:p>
-            <a:r>
-              <a:rPr lang="en-US" dirty="0" smtClean="0"/>
-              <a:t>sequence_handling</a:t>
-            </a:r>
-            <a:endParaRPr lang="en-US" dirty="0"/>
-          </a:p>
-        </p:txBody>
-      </p:sp>
-      <p:sp>
-        <p:nvSpPr>
-          <p:cNvPr id="3" name="Content Placeholder 2"/>
-          <p:cNvSpPr>
-            <a:spLocks noGrp="1"/>
-          </p:cNvSpPr>
-          <p:nvPr>
-            <p:ph idx="1"/>
-          </p:nvPr>
-        </p:nvSpPr>
-        <p:spPr>
-          <a:xfrm>
-            <a:off x="183799" y="2527933"/>
-            <a:ext cx="8571318" cy="3773686"/>
-          </a:xfrm>
-        </p:spPr>
-        <p:txBody>
-          <a:bodyPr>
-            <a:noAutofit/>
-          </a:bodyPr>
-          <a:lstStyle/>
-          <a:p>
-            <a:pPr marL="320040" lvl="1" indent="0">
-              <a:lnSpc>
-                <a:spcPct val="130000"/>
-              </a:lnSpc>
-              <a:buNone/>
-            </a:pPr>
-            <a:r>
-              <a:rPr lang="en-US" sz="2000" dirty="0" smtClean="0"/>
-              <a:t>What does it do?</a:t>
-            </a:r>
-            <a:endParaRPr lang="en-US" sz="2000" dirty="0" smtClean="0"/>
-          </a:p>
-          <a:p>
-            <a:pPr lvl="1">
-              <a:lnSpc>
-                <a:spcPct val="130000"/>
-              </a:lnSpc>
-            </a:pPr>
-            <a:r>
-              <a:rPr lang="en-US" sz="2000" dirty="0" smtClean="0"/>
-              <a:t>It’s </a:t>
-            </a:r>
-            <a:r>
-              <a:rPr lang="en-US" sz="2000" dirty="0"/>
-              <a:t>a workflow and it’s designed so each step can happen simultaneously for each </a:t>
-            </a:r>
-            <a:r>
-              <a:rPr lang="en-US" sz="2000" dirty="0" smtClean="0"/>
-              <a:t>sample -  </a:t>
-            </a:r>
-            <a:r>
-              <a:rPr lang="en-US" sz="2000" dirty="0">
-                <a:solidFill>
-                  <a:srgbClr val="F9BE92"/>
-                </a:solidFill>
-              </a:rPr>
-              <a:t>List-based Batch </a:t>
-            </a:r>
-            <a:r>
-              <a:rPr lang="en-US" sz="2000" dirty="0" smtClean="0">
-                <a:solidFill>
-                  <a:srgbClr val="F9BE92"/>
-                </a:solidFill>
-              </a:rPr>
-              <a:t>Submission</a:t>
-            </a:r>
-          </a:p>
-          <a:p>
-            <a:pPr lvl="1">
-              <a:lnSpc>
-                <a:spcPct val="130000"/>
-              </a:lnSpc>
-            </a:pPr>
-            <a:endParaRPr lang="en-US" sz="1200" dirty="0">
-              <a:solidFill>
-                <a:srgbClr val="F9BE92"/>
-              </a:solidFill>
-            </a:endParaRPr>
-          </a:p>
-          <a:p>
-            <a:pPr lvl="1">
-              <a:lnSpc>
-                <a:spcPct val="130000"/>
-              </a:lnSpc>
-            </a:pPr>
-            <a:r>
-              <a:rPr lang="en-US" sz="2000" dirty="0" smtClean="0"/>
-              <a:t>All </a:t>
-            </a:r>
-            <a:r>
-              <a:rPr lang="en-US" sz="2000" dirty="0"/>
-              <a:t>of the handlers in </a:t>
-            </a:r>
-            <a:r>
-              <a:rPr lang="en-US" sz="2000" dirty="0" smtClean="0"/>
-              <a:t>sequence_handling </a:t>
-            </a:r>
-            <a:r>
-              <a:rPr lang="en-US" sz="2000" dirty="0"/>
-              <a:t>rely on the information stored in the </a:t>
-            </a:r>
-            <a:r>
-              <a:rPr lang="en-US" sz="2000" dirty="0" err="1">
-                <a:solidFill>
-                  <a:srgbClr val="F9BE92"/>
-                </a:solidFill>
-              </a:rPr>
-              <a:t>config</a:t>
-            </a:r>
-            <a:r>
-              <a:rPr lang="en-US" sz="2000" dirty="0">
-                <a:solidFill>
-                  <a:srgbClr val="F9BE92"/>
-                </a:solidFill>
-              </a:rPr>
-              <a:t> </a:t>
-            </a:r>
-            <a:r>
-              <a:rPr lang="en-US" sz="2000" dirty="0" smtClean="0">
-                <a:solidFill>
-                  <a:srgbClr val="F9BE92"/>
-                </a:solidFill>
-              </a:rPr>
-              <a:t>file </a:t>
-            </a:r>
-            <a:endParaRPr lang="en-US" sz="2000" dirty="0" smtClean="0">
-              <a:solidFill>
-                <a:srgbClr val="F9BE92"/>
-              </a:solidFill>
-            </a:endParaRPr>
-          </a:p>
-          <a:p>
-            <a:pPr marL="45720" indent="0">
-              <a:buNone/>
-            </a:pPr>
-            <a:r>
-              <a:rPr lang="en-US" dirty="0"/>
-              <a:t>		</a:t>
-            </a:r>
-            <a:endParaRPr lang="en-US" dirty="0">
-              <a:solidFill>
-                <a:srgbClr val="F9BE92"/>
-              </a:solidFill>
-            </a:endParaRPr>
-          </a:p>
-        </p:txBody>
-      </p:sp>
-    </p:spTree>
-    <p:extLst>
-      <p:ext uri="{BB962C8B-B14F-4D97-AF65-F5344CB8AC3E}">
-        <p14:creationId xmlns:p14="http://schemas.microsoft.com/office/powerpoint/2010/main" val="1094467988"/>
-      </p:ext>
-    </p:extLst>
-  </p:cSld>
-  <p:clrMapOvr>
-    <a:masterClrMapping/>
-  </p:clrMapOvr>
-  <p:timing>
-    <p:tnLst>
-      <p:par>
-        <p:cTn xmlns:p14="http://schemas.microsoft.com/office/powerpoint/2010/main" id="1" dur="indefinite" restart="never" nodeType="tmRoot"/>
-      </p:par>
-    </p:tnLst>
-  </p:timing>
-</p:sld>
-</file>
-
 <file path=ppt/slides/slide26.xml><?xml version="1.0" encoding="utf-8"?>
 <p:sld xmlns:a="http://schemas.openxmlformats.org/drawingml/2006/main" xmlns:r="http://schemas.openxmlformats.org/officeDocument/2006/relationships" xmlns:p="http://schemas.openxmlformats.org/presentationml/2006/main">
   <p:cSld>
@@ -10827,38 +11236,6 @@
                 <a:srgbClr val="F9BE92"/>
               </a:solidFill>
             </a:endParaRPr>
-          </a:p>
-          <a:p>
-            <a:pPr marL="45720" indent="0">
-              <a:lnSpc>
-                <a:spcPct val="130000"/>
-              </a:lnSpc>
-              <a:buNone/>
-            </a:pPr>
-            <a:r>
-              <a:rPr lang="en-US" sz="2200" dirty="0" smtClean="0"/>
-              <a:t>What does it does not do?</a:t>
-            </a:r>
-          </a:p>
-          <a:p>
-            <a:pPr lvl="1">
-              <a:lnSpc>
-                <a:spcPct val="130000"/>
-              </a:lnSpc>
-            </a:pPr>
-            <a:r>
-              <a:rPr lang="en-US" dirty="0" smtClean="0"/>
-              <a:t>Runs all handlers automatically in the workflow (runs one handler </a:t>
-            </a:r>
-            <a:r>
-              <a:rPr lang="en-US" dirty="0"/>
-              <a:t>a</a:t>
-            </a:r>
-            <a:r>
-              <a:rPr lang="en-US" dirty="0" smtClean="0"/>
-              <a:t>t the time)</a:t>
-            </a:r>
-            <a:endParaRPr lang="en-US" dirty="0" smtClean="0"/>
           </a:p>
           <a:p>
             <a:pPr marL="45720" indent="0">
@@ -10925,7 +11302,7 @@
         </p:nvSpPr>
         <p:spPr>
           <a:xfrm>
-            <a:off x="914400" y="716355"/>
+            <a:off x="914400" y="709115"/>
             <a:ext cx="7315200" cy="1154097"/>
           </a:xfrm>
         </p:spPr>
@@ -10934,12 +11311,8 @@
           <a:lstStyle/>
           <a:p>
             <a:r>
-              <a:rPr lang="en-US" dirty="0"/>
-              <a:t>s</a:t>
-            </a:r>
-            <a:r>
               <a:rPr lang="en-US" dirty="0" smtClean="0"/>
-              <a:t>equence_handling</a:t>
+              <a:t>sequence_handling</a:t>
             </a:r>
             <a:endParaRPr lang="en-US" dirty="0"/>
           </a:p>
@@ -10957,313 +11330,179 @@
         </p:nvSpPr>
         <p:spPr>
           <a:xfrm>
-            <a:off x="0" y="2245205"/>
-            <a:ext cx="9144000" cy="4001171"/>
+            <a:off x="183799" y="2527933"/>
+            <a:ext cx="8571318" cy="3773686"/>
           </a:xfrm>
         </p:spPr>
         <p:txBody>
           <a:bodyPr>
-            <a:normAutofit/>
+            <a:noAutofit/>
           </a:bodyPr>
           <a:lstStyle/>
           <a:p>
-            <a:endParaRPr lang="en-US" sz="1800" dirty="0" smtClean="0">
+            <a:pPr marL="320040" lvl="1" indent="0">
+              <a:lnSpc>
+                <a:spcPct val="130000"/>
+              </a:lnSpc>
+              <a:buNone/>
+            </a:pPr>
+            <a:r>
+              <a:rPr lang="en-US" sz="2000" dirty="0" smtClean="0"/>
+              <a:t>What does it do?</a:t>
+            </a:r>
+            <a:endParaRPr lang="en-US" sz="2000" dirty="0" smtClean="0"/>
+          </a:p>
+          <a:p>
+            <a:pPr lvl="1">
+              <a:lnSpc>
+                <a:spcPct val="130000"/>
+              </a:lnSpc>
+            </a:pPr>
+            <a:r>
+              <a:rPr lang="en-US" sz="2000" dirty="0" smtClean="0"/>
+              <a:t>It’s </a:t>
+            </a:r>
+            <a:r>
+              <a:rPr lang="en-US" sz="2000" dirty="0"/>
+              <a:t>a workflow and it’s designed so each step can happen simultaneously for each </a:t>
+            </a:r>
+            <a:r>
+              <a:rPr lang="en-US" sz="2000" dirty="0" smtClean="0"/>
+              <a:t>sample -  </a:t>
+            </a:r>
+            <a:r>
+              <a:rPr lang="en-US" sz="2000" dirty="0">
+                <a:solidFill>
+                  <a:srgbClr val="F9BE92"/>
+                </a:solidFill>
+              </a:rPr>
+              <a:t>List-based Batch </a:t>
+            </a:r>
+            <a:r>
+              <a:rPr lang="en-US" sz="2000" dirty="0" smtClean="0">
+                <a:solidFill>
+                  <a:srgbClr val="F9BE92"/>
+                </a:solidFill>
+              </a:rPr>
+              <a:t>Submission</a:t>
+            </a:r>
+          </a:p>
+          <a:p>
+            <a:pPr lvl="1">
+              <a:lnSpc>
+                <a:spcPct val="130000"/>
+              </a:lnSpc>
+            </a:pPr>
+            <a:endParaRPr lang="en-US" sz="1200" dirty="0">
               <a:solidFill>
-                <a:srgbClr val="CCFFCC"/>
-              </a:solidFill>
-              <a:latin typeface="Lucida Console"/>
-              <a:cs typeface="Lucida Console"/>
-            </a:endParaRPr>
-          </a:p>
-          <a:p>
-            <a:endParaRPr lang="en-US" sz="1800" dirty="0">
-              <a:solidFill>
-                <a:srgbClr val="CCFFCC"/>
-              </a:solidFill>
-              <a:latin typeface="Lucida Console"/>
-              <a:cs typeface="Lucida Console"/>
-            </a:endParaRPr>
-          </a:p>
-          <a:p>
-            <a:endParaRPr lang="en-US" sz="1800" dirty="0" smtClean="0">
-              <a:solidFill>
-                <a:srgbClr val="CCFFCC"/>
-              </a:solidFill>
-              <a:latin typeface="Lucida Console"/>
-              <a:cs typeface="Lucida Console"/>
-            </a:endParaRPr>
-          </a:p>
-          <a:p>
-            <a:r>
-              <a:rPr lang="en-US" sz="1800" dirty="0" err="1" smtClean="0">
-                <a:solidFill>
-                  <a:srgbClr val="CCFFCC"/>
-                </a:solidFill>
-                <a:latin typeface="Lucida Console"/>
-                <a:cs typeface="Lucida Console"/>
-              </a:rPr>
-              <a:t>git</a:t>
-            </a:r>
-            <a:r>
-              <a:rPr lang="en-US" sz="1800" dirty="0" smtClean="0">
-                <a:solidFill>
-                  <a:srgbClr val="CCFFCC"/>
-                </a:solidFill>
-                <a:latin typeface="Lucida Console"/>
-                <a:cs typeface="Lucida Console"/>
-              </a:rPr>
-              <a:t> clone /</a:t>
-            </a:r>
-            <a:r>
-              <a:rPr lang="en-US" sz="1800" dirty="0" err="1" smtClean="0">
-                <a:solidFill>
-                  <a:srgbClr val="CCFFCC"/>
-                </a:solidFill>
-                <a:latin typeface="Lucida Console"/>
-                <a:cs typeface="Lucida Console"/>
-              </a:rPr>
-              <a:t>panfs</a:t>
-            </a:r>
-            <a:r>
-              <a:rPr lang="en-US" sz="1800" dirty="0" smtClean="0">
-                <a:solidFill>
-                  <a:srgbClr val="CCFFCC"/>
-                </a:solidFill>
-                <a:latin typeface="Lucida Console"/>
-                <a:cs typeface="Lucida Console"/>
-              </a:rPr>
-              <a:t>/roc/groups/9/</a:t>
-            </a:r>
-            <a:r>
-              <a:rPr lang="en-US" sz="1800" dirty="0" err="1" smtClean="0">
-                <a:solidFill>
-                  <a:srgbClr val="CCFFCC"/>
-                </a:solidFill>
-                <a:latin typeface="Lucida Console"/>
-                <a:cs typeface="Lucida Console"/>
-              </a:rPr>
-              <a:t>morrellp</a:t>
-            </a:r>
-            <a:r>
-              <a:rPr lang="en-US" sz="1800" dirty="0" smtClean="0">
-                <a:solidFill>
-                  <a:srgbClr val="CCFFCC"/>
-                </a:solidFill>
-                <a:latin typeface="Lucida Console"/>
-                <a:cs typeface="Lucida Console"/>
-              </a:rPr>
-              <a:t>/public/sequence_handling</a:t>
-            </a:r>
-          </a:p>
-          <a:p>
-            <a:endParaRPr lang="en-US" sz="1800" dirty="0">
-              <a:solidFill>
-                <a:srgbClr val="CCFFCC"/>
+                <a:srgbClr val="F9BE92"/>
               </a:solidFill>
             </a:endParaRPr>
           </a:p>
           <a:p>
-            <a:r>
-              <a:rPr lang="en-US" sz="1800" dirty="0" err="1" smtClean="0">
-                <a:solidFill>
-                  <a:srgbClr val="CCFFCC"/>
-                </a:solidFill>
-                <a:latin typeface="Lucida Console"/>
-                <a:cs typeface="Lucida Console"/>
-              </a:rPr>
-              <a:t>git</a:t>
-            </a:r>
-            <a:r>
-              <a:rPr lang="en-US" sz="1800" dirty="0" smtClean="0">
-                <a:solidFill>
-                  <a:srgbClr val="CCFFCC"/>
-                </a:solidFill>
-                <a:latin typeface="Lucida Console"/>
-                <a:cs typeface="Lucida Console"/>
-              </a:rPr>
-              <a:t> clone /</a:t>
-            </a:r>
-            <a:r>
-              <a:rPr lang="en-US" sz="1800" dirty="0" err="1" smtClean="0">
-                <a:solidFill>
-                  <a:srgbClr val="CCFFCC"/>
-                </a:solidFill>
-                <a:latin typeface="Lucida Console"/>
-                <a:cs typeface="Lucida Console"/>
-              </a:rPr>
-              <a:t>panfs</a:t>
-            </a:r>
-            <a:r>
-              <a:rPr lang="en-US" sz="1800" dirty="0" smtClean="0">
-                <a:solidFill>
-                  <a:srgbClr val="CCFFCC"/>
-                </a:solidFill>
-                <a:latin typeface="Lucida Console"/>
-                <a:cs typeface="Lucida Console"/>
-              </a:rPr>
-              <a:t>/roc/groups/9/</a:t>
-            </a:r>
-            <a:r>
-              <a:rPr lang="en-US" sz="1800" dirty="0" err="1" smtClean="0">
-                <a:solidFill>
-                  <a:srgbClr val="CCFFCC"/>
-                </a:solidFill>
-                <a:latin typeface="Lucida Console"/>
-                <a:cs typeface="Lucida Console"/>
-              </a:rPr>
-              <a:t>morrellp</a:t>
-            </a:r>
-            <a:r>
-              <a:rPr lang="en-US" sz="1800" dirty="0" smtClean="0">
-                <a:solidFill>
-                  <a:srgbClr val="CCFFCC"/>
-                </a:solidFill>
-                <a:latin typeface="Lucida Console"/>
-                <a:cs typeface="Lucida Console"/>
-              </a:rPr>
-              <a:t>/public/</a:t>
-            </a:r>
-            <a:r>
-              <a:rPr lang="en-US" sz="1800" dirty="0" err="1" smtClean="0">
-                <a:solidFill>
-                  <a:srgbClr val="CCFFCC"/>
-                </a:solidFill>
-                <a:latin typeface="Lucida Console"/>
-                <a:cs typeface="Lucida Console"/>
-              </a:rPr>
-              <a:t>SH_Example_data</a:t>
-            </a:r>
-            <a:endParaRPr lang="en-US" sz="1800" dirty="0" smtClean="0">
+            <a:pPr lvl="1">
+              <a:lnSpc>
+                <a:spcPct val="130000"/>
+              </a:lnSpc>
+            </a:pPr>
+            <a:r>
+              <a:rPr lang="en-US" sz="2000" dirty="0" smtClean="0"/>
+              <a:t>All </a:t>
+            </a:r>
+            <a:r>
+              <a:rPr lang="en-US" sz="2000" dirty="0"/>
+              <a:t>of the handlers in </a:t>
+            </a:r>
+            <a:r>
+              <a:rPr lang="en-US" sz="2000" dirty="0" smtClean="0"/>
+              <a:t>sequence_handling </a:t>
+            </a:r>
+            <a:r>
+              <a:rPr lang="en-US" sz="2000" dirty="0"/>
+              <a:t>rely on the information stored in the </a:t>
+            </a:r>
+            <a:r>
+              <a:rPr lang="en-US" sz="2000" dirty="0" err="1">
+                <a:solidFill>
+                  <a:srgbClr val="F9BE92"/>
+                </a:solidFill>
+              </a:rPr>
+              <a:t>config</a:t>
+            </a:r>
+            <a:r>
+              <a:rPr lang="en-US" sz="2000" dirty="0">
+                <a:solidFill>
+                  <a:srgbClr val="F9BE92"/>
+                </a:solidFill>
+              </a:rPr>
+              <a:t> </a:t>
+            </a:r>
+            <a:r>
+              <a:rPr lang="en-US" sz="2000" dirty="0" smtClean="0">
+                <a:solidFill>
+                  <a:srgbClr val="F9BE92"/>
+                </a:solidFill>
+              </a:rPr>
+              <a:t>file </a:t>
+            </a:r>
+            <a:endParaRPr lang="en-US" sz="2000" dirty="0" smtClean="0">
               <a:solidFill>
-                <a:srgbClr val="CCFFCC"/>
+                <a:srgbClr val="F9BE92"/>
               </a:solidFill>
-              <a:latin typeface="Lucida Console"/>
-              <a:cs typeface="Lucida Console"/>
             </a:endParaRPr>
           </a:p>
           <a:p>
-            <a:endParaRPr lang="en-US" sz="1800" dirty="0" smtClean="0">
+            <a:pPr marL="45720" indent="0">
+              <a:lnSpc>
+                <a:spcPct val="130000"/>
+              </a:lnSpc>
+              <a:buNone/>
+            </a:pPr>
+            <a:r>
+              <a:rPr lang="en-US" sz="2200" dirty="0" smtClean="0"/>
+              <a:t>What does it does not do?</a:t>
+            </a:r>
+          </a:p>
+          <a:p>
+            <a:pPr lvl="1">
+              <a:lnSpc>
+                <a:spcPct val="130000"/>
+              </a:lnSpc>
+            </a:pPr>
+            <a:r>
+              <a:rPr lang="en-US" dirty="0" smtClean="0"/>
+              <a:t>Runs all handlers automatically in the workflow (runs one handler </a:t>
+            </a:r>
+            <a:r>
+              <a:rPr lang="en-US" dirty="0"/>
+              <a:t>a</a:t>
+            </a:r>
+            <a:r>
+              <a:rPr lang="en-US" dirty="0" smtClean="0"/>
+              <a:t>t the time)</a:t>
+            </a:r>
+            <a:endParaRPr lang="en-US" dirty="0" smtClean="0"/>
+          </a:p>
+          <a:p>
+            <a:pPr marL="45720" indent="0">
+              <a:buNone/>
+            </a:pPr>
+            <a:r>
+              <a:rPr lang="en-US" dirty="0"/>
+              <a:t>		</a:t>
+            </a:r>
+            <a:endParaRPr lang="en-US" dirty="0">
               <a:solidFill>
-                <a:srgbClr val="CCFFCC"/>
+                <a:srgbClr val="F9BE92"/>
               </a:solidFill>
-              <a:latin typeface="Lucida Console"/>
-              <a:cs typeface="Lucida Console"/>
             </a:endParaRPr>
-          </a:p>
-          <a:p>
-            <a:pPr marL="45720" indent="0">
-              <a:buNone/>
-            </a:pPr>
-            <a:endParaRPr lang="en-US" sz="1800" dirty="0">
-              <a:solidFill>
-                <a:srgbClr val="CCFFCC"/>
-              </a:solidFill>
-              <a:latin typeface="Lucida Console"/>
-              <a:cs typeface="Lucida Console"/>
-            </a:endParaRPr>
-          </a:p>
-          <a:p>
-            <a:endParaRPr lang="en-US" sz="1800" dirty="0">
-              <a:solidFill>
-                <a:srgbClr val="CCFFCC"/>
-              </a:solidFill>
-              <a:latin typeface="Lucida Console"/>
-              <a:cs typeface="Lucida Console"/>
-            </a:endParaRPr>
-          </a:p>
-          <a:p>
-            <a:pPr marL="45720" lvl="1" indent="0">
-              <a:buNone/>
-            </a:pPr>
-            <a:r>
-              <a:rPr lang="en-US" sz="2000" dirty="0"/>
-              <a:t>Sequence Handling can be obtained from P. Morrell’s lab </a:t>
-            </a:r>
-            <a:r>
-              <a:rPr lang="en-US" sz="2000" dirty="0" err="1"/>
-              <a:t>Github</a:t>
-            </a:r>
-            <a:r>
-              <a:rPr lang="en-US" sz="2000" dirty="0"/>
-              <a:t> repository </a:t>
-            </a:r>
-            <a:r>
-              <a:rPr lang="en-US" sz="1600" dirty="0">
-                <a:hlinkClick r:id="rId2"/>
-              </a:rPr>
-              <a:t>https://github.com/MorrellLAB/</a:t>
-            </a:r>
-            <a:r>
-              <a:rPr lang="en-US" sz="1600" dirty="0" smtClean="0">
-                <a:hlinkClick r:id="rId2"/>
-              </a:rPr>
-              <a:t>sequence_handling</a:t>
-            </a:r>
-            <a:endParaRPr lang="en-US" sz="1600" dirty="0" smtClean="0"/>
-          </a:p>
-          <a:p>
-            <a:pPr marL="45720" lvl="1" indent="0">
-              <a:buNone/>
-            </a:pPr>
-            <a:r>
-              <a:rPr lang="en-US" sz="1600" dirty="0" smtClean="0"/>
-              <a:t>README and documentation</a:t>
-            </a:r>
-          </a:p>
-          <a:p>
-            <a:pPr marL="45720" lvl="1" indent="0">
-              <a:buNone/>
-            </a:pPr>
-            <a:endParaRPr lang="en-US" sz="1600" dirty="0"/>
-          </a:p>
-          <a:p>
-            <a:pPr marL="45720" indent="0">
-              <a:buNone/>
-            </a:pPr>
-            <a:endParaRPr lang="en-US" sz="1800" dirty="0">
-              <a:solidFill>
-                <a:srgbClr val="CCFFCC"/>
-              </a:solidFill>
-              <a:latin typeface="Lucida Console"/>
-              <a:cs typeface="Lucida Console"/>
-            </a:endParaRPr>
-          </a:p>
-        </p:txBody>
-      </p:sp>
-      <p:sp>
-        <p:nvSpPr>
-          <p:cNvPr id="4" name="TextBox 3"/>
-          <p:cNvSpPr txBox="1"/>
-          <p:nvPr/>
-        </p:nvSpPr>
-        <p:spPr>
-          <a:xfrm>
-            <a:off x="208203" y="2615792"/>
-            <a:ext cx="3092501" cy="369332"/>
-          </a:xfrm>
-          <a:prstGeom prst="rect">
-            <a:avLst/>
-          </a:prstGeom>
-          <a:noFill/>
-        </p:spPr>
-        <p:txBody>
-          <a:bodyPr wrap="none" rtlCol="0">
-            <a:spAutoFit/>
-          </a:bodyPr>
-          <a:lstStyle/>
-          <a:p>
-            <a:r>
-              <a:rPr lang="en-US" dirty="0" smtClean="0"/>
-              <a:t>For today’s exercise, in MSI:</a:t>
-            </a:r>
-            <a:endParaRPr lang="en-US" dirty="0"/>
           </a:p>
         </p:txBody>
       </p:sp>
     </p:spTree>
     <p:extLst>
       <p:ext uri="{BB962C8B-B14F-4D97-AF65-F5344CB8AC3E}">
-        <p14:creationId xmlns:p14="http://schemas.microsoft.com/office/powerpoint/2010/main" val="2418924253"/>
+        <p14:creationId xmlns:p14="http://schemas.microsoft.com/office/powerpoint/2010/main" val="1094467988"/>
       </p:ext>
     </p:extLst>
   </p:cSld>
@@ -11299,6 +11538,390 @@
       </p:grpSpPr>
       <p:sp>
         <p:nvSpPr>
+          <p:cNvPr id="2" name="Title 1"/>
+          <p:cNvSpPr>
+            <a:spLocks noGrp="1"/>
+          </p:cNvSpPr>
+          <p:nvPr>
+            <p:ph type="title"/>
+          </p:nvPr>
+        </p:nvSpPr>
+        <p:spPr>
+          <a:xfrm>
+            <a:off x="914400" y="716355"/>
+            <a:ext cx="7315200" cy="1154097"/>
+          </a:xfrm>
+        </p:spPr>
+        <p:txBody>
+          <a:bodyPr/>
+          <a:lstStyle/>
+          <a:p>
+            <a:r>
+              <a:rPr lang="en-US" dirty="0"/>
+              <a:t>s</a:t>
+            </a:r>
+            <a:r>
+              <a:rPr lang="en-US" dirty="0" smtClean="0"/>
+              <a:t>equence_handling</a:t>
+            </a:r>
+            <a:endParaRPr lang="en-US" dirty="0"/>
+          </a:p>
+        </p:txBody>
+      </p:sp>
+      <p:sp>
+        <p:nvSpPr>
+          <p:cNvPr id="3" name="Content Placeholder 2"/>
+          <p:cNvSpPr>
+            <a:spLocks noGrp="1"/>
+          </p:cNvSpPr>
+          <p:nvPr>
+            <p:ph idx="1"/>
+          </p:nvPr>
+        </p:nvSpPr>
+        <p:spPr>
+          <a:xfrm>
+            <a:off x="0" y="2245205"/>
+            <a:ext cx="9144000" cy="4001171"/>
+          </a:xfrm>
+        </p:spPr>
+        <p:txBody>
+          <a:bodyPr>
+            <a:normAutofit/>
+          </a:bodyPr>
+          <a:lstStyle/>
+          <a:p>
+            <a:endParaRPr lang="en-US" sz="1800" dirty="0" smtClean="0">
+              <a:solidFill>
+                <a:srgbClr val="CCFFCC"/>
+              </a:solidFill>
+              <a:latin typeface="Lucida Console"/>
+              <a:cs typeface="Lucida Console"/>
+            </a:endParaRPr>
+          </a:p>
+          <a:p>
+            <a:endParaRPr lang="en-US" sz="1800" dirty="0">
+              <a:solidFill>
+                <a:srgbClr val="CCFFCC"/>
+              </a:solidFill>
+              <a:latin typeface="Lucida Console"/>
+              <a:cs typeface="Lucida Console"/>
+            </a:endParaRPr>
+          </a:p>
+          <a:p>
+            <a:endParaRPr lang="en-US" sz="1800" dirty="0" smtClean="0">
+              <a:solidFill>
+                <a:srgbClr val="CCFFCC"/>
+              </a:solidFill>
+              <a:latin typeface="Lucida Console"/>
+              <a:cs typeface="Lucida Console"/>
+            </a:endParaRPr>
+          </a:p>
+          <a:p>
+            <a:r>
+              <a:rPr lang="en-US" sz="1800" dirty="0" err="1" smtClean="0">
+                <a:solidFill>
+                  <a:srgbClr val="CCFFCC"/>
+                </a:solidFill>
+                <a:latin typeface="Lucida Console"/>
+                <a:cs typeface="Lucida Console"/>
+              </a:rPr>
+              <a:t>git</a:t>
+            </a:r>
+            <a:r>
+              <a:rPr lang="en-US" sz="1800" dirty="0" smtClean="0">
+                <a:solidFill>
+                  <a:srgbClr val="CCFFCC"/>
+                </a:solidFill>
+                <a:latin typeface="Lucida Console"/>
+                <a:cs typeface="Lucida Console"/>
+              </a:rPr>
+              <a:t> clone /</a:t>
+            </a:r>
+            <a:r>
+              <a:rPr lang="en-US" sz="1800" dirty="0" err="1" smtClean="0">
+                <a:solidFill>
+                  <a:srgbClr val="CCFFCC"/>
+                </a:solidFill>
+                <a:latin typeface="Lucida Console"/>
+                <a:cs typeface="Lucida Console"/>
+              </a:rPr>
+              <a:t>panfs</a:t>
+            </a:r>
+            <a:r>
+              <a:rPr lang="en-US" sz="1800" dirty="0" smtClean="0">
+                <a:solidFill>
+                  <a:srgbClr val="CCFFCC"/>
+                </a:solidFill>
+                <a:latin typeface="Lucida Console"/>
+                <a:cs typeface="Lucida Console"/>
+              </a:rPr>
+              <a:t>/roc/groups/9/</a:t>
+            </a:r>
+            <a:r>
+              <a:rPr lang="en-US" sz="1800" dirty="0" err="1" smtClean="0">
+                <a:solidFill>
+                  <a:srgbClr val="CCFFCC"/>
+                </a:solidFill>
+                <a:latin typeface="Lucida Console"/>
+                <a:cs typeface="Lucida Console"/>
+              </a:rPr>
+              <a:t>morrellp</a:t>
+            </a:r>
+            <a:r>
+              <a:rPr lang="en-US" sz="1800" dirty="0" smtClean="0">
+                <a:solidFill>
+                  <a:srgbClr val="CCFFCC"/>
+                </a:solidFill>
+                <a:latin typeface="Lucida Console"/>
+                <a:cs typeface="Lucida Console"/>
+              </a:rPr>
+              <a:t>/public/sequence_handling</a:t>
+            </a:r>
+          </a:p>
+          <a:p>
+            <a:endParaRPr lang="en-US" sz="1800" dirty="0">
+              <a:solidFill>
+                <a:srgbClr val="CCFFCC"/>
+              </a:solidFill>
+            </a:endParaRPr>
+          </a:p>
+          <a:p>
+            <a:r>
+              <a:rPr lang="en-US" sz="1800" dirty="0" err="1" smtClean="0">
+                <a:solidFill>
+                  <a:srgbClr val="CCFFCC"/>
+                </a:solidFill>
+                <a:latin typeface="Lucida Console"/>
+                <a:cs typeface="Lucida Console"/>
+              </a:rPr>
+              <a:t>git</a:t>
+            </a:r>
+            <a:r>
+              <a:rPr lang="en-US" sz="1800" dirty="0" smtClean="0">
+                <a:solidFill>
+                  <a:srgbClr val="CCFFCC"/>
+                </a:solidFill>
+                <a:latin typeface="Lucida Console"/>
+                <a:cs typeface="Lucida Console"/>
+              </a:rPr>
+              <a:t> clone /</a:t>
+            </a:r>
+            <a:r>
+              <a:rPr lang="en-US" sz="1800" dirty="0" err="1" smtClean="0">
+                <a:solidFill>
+                  <a:srgbClr val="CCFFCC"/>
+                </a:solidFill>
+                <a:latin typeface="Lucida Console"/>
+                <a:cs typeface="Lucida Console"/>
+              </a:rPr>
+              <a:t>panfs</a:t>
+            </a:r>
+            <a:r>
+              <a:rPr lang="en-US" sz="1800" dirty="0" smtClean="0">
+                <a:solidFill>
+                  <a:srgbClr val="CCFFCC"/>
+                </a:solidFill>
+                <a:latin typeface="Lucida Console"/>
+                <a:cs typeface="Lucida Console"/>
+              </a:rPr>
+              <a:t>/roc/groups/9/</a:t>
+            </a:r>
+            <a:r>
+              <a:rPr lang="en-US" sz="1800" dirty="0" err="1" smtClean="0">
+                <a:solidFill>
+                  <a:srgbClr val="CCFFCC"/>
+                </a:solidFill>
+                <a:latin typeface="Lucida Console"/>
+                <a:cs typeface="Lucida Console"/>
+              </a:rPr>
+              <a:t>morrellp</a:t>
+            </a:r>
+            <a:r>
+              <a:rPr lang="en-US" sz="1800" dirty="0" smtClean="0">
+                <a:solidFill>
+                  <a:srgbClr val="CCFFCC"/>
+                </a:solidFill>
+                <a:latin typeface="Lucida Console"/>
+                <a:cs typeface="Lucida Console"/>
+              </a:rPr>
+              <a:t>/public/</a:t>
+            </a:r>
+            <a:r>
+              <a:rPr lang="en-US" sz="1800" dirty="0" err="1" smtClean="0">
+                <a:solidFill>
+                  <a:srgbClr val="CCFFCC"/>
+                </a:solidFill>
+                <a:latin typeface="Lucida Console"/>
+                <a:cs typeface="Lucida Console"/>
+              </a:rPr>
+              <a:t>SH_Example_data</a:t>
+            </a:r>
+            <a:endParaRPr lang="en-US" sz="1800" dirty="0" smtClean="0">
+              <a:solidFill>
+                <a:srgbClr val="CCFFCC"/>
+              </a:solidFill>
+              <a:latin typeface="Lucida Console"/>
+              <a:cs typeface="Lucida Console"/>
+            </a:endParaRPr>
+          </a:p>
+          <a:p>
+            <a:endParaRPr lang="en-US" sz="1800" dirty="0" smtClean="0">
+              <a:solidFill>
+                <a:srgbClr val="CCFFCC"/>
+              </a:solidFill>
+              <a:latin typeface="Lucida Console"/>
+              <a:cs typeface="Lucida Console"/>
+            </a:endParaRPr>
+          </a:p>
+          <a:p>
+            <a:pPr marL="45720" indent="0">
+              <a:buNone/>
+            </a:pPr>
+            <a:endParaRPr lang="en-US" sz="1800" dirty="0">
+              <a:solidFill>
+                <a:srgbClr val="CCFFCC"/>
+              </a:solidFill>
+              <a:latin typeface="Lucida Console"/>
+              <a:cs typeface="Lucida Console"/>
+            </a:endParaRPr>
+          </a:p>
+          <a:p>
+            <a:endParaRPr lang="en-US" sz="1800" dirty="0">
+              <a:solidFill>
+                <a:srgbClr val="CCFFCC"/>
+              </a:solidFill>
+              <a:latin typeface="Lucida Console"/>
+              <a:cs typeface="Lucida Console"/>
+            </a:endParaRPr>
+          </a:p>
+          <a:p>
+            <a:pPr marL="45720" lvl="1" indent="0">
+              <a:buNone/>
+            </a:pPr>
+            <a:r>
+              <a:rPr lang="en-US" sz="2000" dirty="0"/>
+              <a:t>Sequence Handling can be obtained from P. Morrell’s lab </a:t>
+            </a:r>
+            <a:r>
+              <a:rPr lang="en-US" sz="2000" dirty="0" err="1"/>
+              <a:t>Github</a:t>
+            </a:r>
+            <a:r>
+              <a:rPr lang="en-US" sz="2000" dirty="0"/>
+              <a:t> repository </a:t>
+            </a:r>
+            <a:r>
+              <a:rPr lang="en-US" sz="1600" dirty="0">
+                <a:hlinkClick r:id="rId2"/>
+              </a:rPr>
+              <a:t>https://github.com/MorrellLAB/</a:t>
+            </a:r>
+            <a:r>
+              <a:rPr lang="en-US" sz="1600" dirty="0" smtClean="0">
+                <a:hlinkClick r:id="rId2"/>
+              </a:rPr>
+              <a:t>sequence_handling</a:t>
+            </a:r>
+            <a:endParaRPr lang="en-US" sz="1600" dirty="0" smtClean="0"/>
+          </a:p>
+          <a:p>
+            <a:pPr marL="45720" lvl="1" indent="0">
+              <a:buNone/>
+            </a:pPr>
+            <a:r>
+              <a:rPr lang="en-US" sz="1600" dirty="0" smtClean="0"/>
+              <a:t>README and documentation</a:t>
+            </a:r>
+          </a:p>
+          <a:p>
+            <a:pPr marL="45720" lvl="1" indent="0">
+              <a:buNone/>
+            </a:pPr>
+            <a:endParaRPr lang="en-US" sz="1600" dirty="0"/>
+          </a:p>
+          <a:p>
+            <a:pPr marL="45720" indent="0">
+              <a:buNone/>
+            </a:pPr>
+            <a:endParaRPr lang="en-US" sz="1800" dirty="0">
+              <a:solidFill>
+                <a:srgbClr val="CCFFCC"/>
+              </a:solidFill>
+              <a:latin typeface="Lucida Console"/>
+              <a:cs typeface="Lucida Console"/>
+            </a:endParaRPr>
+          </a:p>
+        </p:txBody>
+      </p:sp>
+      <p:sp>
+        <p:nvSpPr>
+          <p:cNvPr id="4" name="TextBox 3"/>
+          <p:cNvSpPr txBox="1"/>
+          <p:nvPr/>
+        </p:nvSpPr>
+        <p:spPr>
+          <a:xfrm>
+            <a:off x="208203" y="2615792"/>
+            <a:ext cx="3092501" cy="369332"/>
+          </a:xfrm>
+          <a:prstGeom prst="rect">
+            <a:avLst/>
+          </a:prstGeom>
+          <a:noFill/>
+        </p:spPr>
+        <p:txBody>
+          <a:bodyPr wrap="none" rtlCol="0">
+            <a:spAutoFit/>
+          </a:bodyPr>
+          <a:lstStyle/>
+          <a:p>
+            <a:r>
+              <a:rPr lang="en-US" dirty="0" smtClean="0"/>
+              <a:t>For today’s exercise, in MSI:</a:t>
+            </a:r>
+            <a:endParaRPr lang="en-US" dirty="0"/>
+          </a:p>
+        </p:txBody>
+      </p:sp>
+    </p:spTree>
+    <p:extLst>
+      <p:ext uri="{BB962C8B-B14F-4D97-AF65-F5344CB8AC3E}">
+        <p14:creationId xmlns:p14="http://schemas.microsoft.com/office/powerpoint/2010/main" val="2418924253"/>
+      </p:ext>
+    </p:extLst>
+  </p:cSld>
+  <p:clrMapOvr>
+    <a:masterClrMapping/>
+  </p:clrMapOvr>
+  <p:timing>
+    <p:tnLst>
+      <p:par>
+        <p:cTn xmlns:p14="http://schemas.microsoft.com/office/powerpoint/2010/main" id="1" dur="indefinite" restart="never" nodeType="tmRoot"/>
+      </p:par>
+    </p:tnLst>
+  </p:timing>
+</p:sld>
+</file>
+
+<file path=ppt/slides/slide29.xml><?xml version="1.0" encoding="utf-8"?>
+<p:sld xmlns:a="http://schemas.openxmlformats.org/drawingml/2006/main" xmlns:r="http://schemas.openxmlformats.org/officeDocument/2006/relationships" xmlns:p="http://schemas.openxmlformats.org/presentationml/2006/main">
+  <p:cSld>
+    <p:spTree>
+      <p:nvGrpSpPr>
+        <p:cNvPr id="1" name=""/>
+        <p:cNvGrpSpPr/>
+        <p:nvPr/>
+      </p:nvGrpSpPr>
+      <p:grpSpPr>
+        <a:xfrm>
+          <a:off x="0" y="0"/>
+          <a:ext cx="0" cy="0"/>
+          <a:chOff x="0" y="0"/>
+          <a:chExt cx="0" cy="0"/>
+        </a:xfrm>
+      </p:grpSpPr>
+      <p:sp>
+        <p:nvSpPr>
           <p:cNvPr id="3" name="Content Placeholder 2"/>
           <p:cNvSpPr>
             <a:spLocks noGrp="1"/>
@@ -11412,10 +12035,451 @@
   <p:clrMapOvr>
     <a:masterClrMapping/>
   </p:clrMapOvr>
+  <p:timing>
+    <p:tnLst>
+      <p:par>
+        <p:cTn xmlns:p14="http://schemas.microsoft.com/office/powerpoint/2010/main" id="1" dur="indefinite" restart="never" nodeType="tmRoot"/>
+      </p:par>
+    </p:tnLst>
+  </p:timing>
 </p:sld>
 </file>
 
-<file path=ppt/slides/slide29.xml><?xml version="1.0" encoding="utf-8"?>
+<file path=ppt/slides/slide3.xml><?xml version="1.0" encoding="utf-8"?>
+<p:sld xmlns:a="http://schemas.openxmlformats.org/drawingml/2006/main" xmlns:r="http://schemas.openxmlformats.org/officeDocument/2006/relationships" xmlns:p="http://schemas.openxmlformats.org/presentationml/2006/main">
+  <p:cSld>
+    <p:spTree>
+      <p:nvGrpSpPr>
+        <p:cNvPr id="1" name=""/>
+        <p:cNvGrpSpPr/>
+        <p:nvPr/>
+      </p:nvGrpSpPr>
+      <p:grpSpPr>
+        <a:xfrm>
+          <a:off x="0" y="0"/>
+          <a:ext cx="0" cy="0"/>
+          <a:chOff x="0" y="0"/>
+          <a:chExt cx="0" cy="0"/>
+        </a:xfrm>
+      </p:grpSpPr>
+      <p:sp>
+        <p:nvSpPr>
+          <p:cNvPr id="2" name="Title 1"/>
+          <p:cNvSpPr>
+            <a:spLocks noGrp="1"/>
+          </p:cNvSpPr>
+          <p:nvPr>
+            <p:ph type="title"/>
+          </p:nvPr>
+        </p:nvSpPr>
+        <p:spPr>
+          <a:xfrm>
+            <a:off x="914400" y="716355"/>
+            <a:ext cx="7315200" cy="1154097"/>
+          </a:xfrm>
+        </p:spPr>
+        <p:txBody>
+          <a:bodyPr/>
+          <a:lstStyle/>
+          <a:p>
+            <a:r>
+              <a:rPr lang="en-US" dirty="0"/>
+              <a:t>s</a:t>
+            </a:r>
+            <a:r>
+              <a:rPr lang="en-US" dirty="0" smtClean="0"/>
+              <a:t>equence_handling</a:t>
+            </a:r>
+            <a:endParaRPr lang="en-US" dirty="0"/>
+          </a:p>
+        </p:txBody>
+      </p:sp>
+      <p:sp>
+        <p:nvSpPr>
+          <p:cNvPr id="4" name="TextBox 3"/>
+          <p:cNvSpPr txBox="1"/>
+          <p:nvPr/>
+        </p:nvSpPr>
+        <p:spPr>
+          <a:xfrm>
+            <a:off x="208203" y="2615792"/>
+            <a:ext cx="8823584" cy="3647153"/>
+          </a:xfrm>
+          <a:prstGeom prst="rect">
+            <a:avLst/>
+          </a:prstGeom>
+          <a:noFill/>
+        </p:spPr>
+        <p:txBody>
+          <a:bodyPr wrap="square" rtlCol="0">
+            <a:spAutoFit/>
+          </a:bodyPr>
+          <a:lstStyle/>
+          <a:p>
+            <a:r>
+              <a:rPr lang="en-US" dirty="0" smtClean="0"/>
+              <a:t>For today’s exercise:</a:t>
+            </a:r>
+          </a:p>
+          <a:p>
+            <a:endParaRPr lang="en-US" dirty="0"/>
+          </a:p>
+          <a:p>
+            <a:pPr marL="342900" indent="-342900">
+              <a:buAutoNum type="arabicPeriod"/>
+            </a:pPr>
+            <a:r>
+              <a:rPr lang="en-US" dirty="0" smtClean="0"/>
+              <a:t>Log in MSI</a:t>
+            </a:r>
+          </a:p>
+          <a:p>
+            <a:endParaRPr lang="en-US" sz="1050" dirty="0" smtClean="0"/>
+          </a:p>
+          <a:p>
+            <a:r>
+              <a:rPr lang="en-US" sz="1400" dirty="0" smtClean="0">
+                <a:solidFill>
+                  <a:srgbClr val="CCFFCC"/>
+                </a:solidFill>
+                <a:latin typeface="Lucida Console"/>
+                <a:cs typeface="Lucida Console"/>
+              </a:rPr>
+              <a:t>echo </a:t>
+            </a:r>
+            <a:r>
+              <a:rPr lang="en-US" sz="1400" dirty="0">
+                <a:solidFill>
+                  <a:srgbClr val="CCFFCC"/>
+                </a:solidFill>
+                <a:latin typeface="Lucida Console"/>
+                <a:cs typeface="Lucida Console"/>
+              </a:rPr>
+              <a:t>export MODULEPATH=/</a:t>
+            </a:r>
+            <a:r>
+              <a:rPr lang="en-US" sz="1400" dirty="0" err="1">
+                <a:solidFill>
+                  <a:srgbClr val="CCFFCC"/>
+                </a:solidFill>
+                <a:latin typeface="Lucida Console"/>
+                <a:cs typeface="Lucida Console"/>
+              </a:rPr>
+              <a:t>panfs</a:t>
+            </a:r>
+            <a:r>
+              <a:rPr lang="en-US" sz="1400" dirty="0">
+                <a:solidFill>
+                  <a:srgbClr val="CCFFCC"/>
+                </a:solidFill>
+                <a:latin typeface="Lucida Console"/>
+                <a:cs typeface="Lucida Console"/>
+              </a:rPr>
+              <a:t>/roc/groups/9/</a:t>
+            </a:r>
+            <a:r>
+              <a:rPr lang="en-US" sz="1400" dirty="0" err="1">
+                <a:solidFill>
+                  <a:srgbClr val="CCFFCC"/>
+                </a:solidFill>
+                <a:latin typeface="Lucida Console"/>
+                <a:cs typeface="Lucida Console"/>
+              </a:rPr>
+              <a:t>morrellp</a:t>
+            </a:r>
+            <a:r>
+              <a:rPr lang="en-US" sz="1400" dirty="0">
+                <a:solidFill>
+                  <a:srgbClr val="CCFFCC"/>
+                </a:solidFill>
+                <a:latin typeface="Lucida Console"/>
+                <a:cs typeface="Lucida Console"/>
+              </a:rPr>
+              <a:t>/</a:t>
+            </a:r>
+            <a:r>
+              <a:rPr lang="en-US" sz="1400" dirty="0" smtClean="0">
+                <a:solidFill>
+                  <a:srgbClr val="CCFFCC"/>
+                </a:solidFill>
+                <a:latin typeface="Lucida Console"/>
+                <a:cs typeface="Lucida Console"/>
+              </a:rPr>
+              <a:t>public/Modules</a:t>
+            </a:r>
+            <a:r>
+              <a:rPr lang="en-US" sz="1400" dirty="0">
+                <a:solidFill>
+                  <a:srgbClr val="CCFFCC"/>
+                </a:solidFill>
+                <a:latin typeface="Lucida Console"/>
+                <a:cs typeface="Lucida Console"/>
+              </a:rPr>
+              <a:t>:'$MODULEPATH' &gt;&gt; ~/.</a:t>
+            </a:r>
+            <a:r>
+              <a:rPr lang="en-US" sz="1400" dirty="0" err="1" smtClean="0">
+                <a:solidFill>
+                  <a:srgbClr val="CCFFCC"/>
+                </a:solidFill>
+                <a:latin typeface="Lucida Console"/>
+                <a:cs typeface="Lucida Console"/>
+              </a:rPr>
+              <a:t>bash_profile</a:t>
+            </a:r>
+            <a:endParaRPr lang="en-US" sz="1400" dirty="0" smtClean="0">
+              <a:solidFill>
+                <a:srgbClr val="CCFFCC"/>
+              </a:solidFill>
+              <a:latin typeface="Lucida Console"/>
+              <a:cs typeface="Lucida Console"/>
+            </a:endParaRPr>
+          </a:p>
+          <a:p>
+            <a:endParaRPr lang="en-US" sz="1100" dirty="0" smtClean="0">
+              <a:solidFill>
+                <a:srgbClr val="CCFFCC"/>
+              </a:solidFill>
+              <a:latin typeface="Lucida Console"/>
+              <a:cs typeface="Lucida Console"/>
+            </a:endParaRPr>
+          </a:p>
+          <a:p>
+            <a:r>
+              <a:rPr lang="en-US" dirty="0" smtClean="0"/>
+              <a:t>2. Log out MSI</a:t>
+            </a:r>
+            <a:endParaRPr lang="en-US" dirty="0"/>
+          </a:p>
+          <a:p>
+            <a:r>
+              <a:rPr lang="en-US" dirty="0" smtClean="0"/>
+              <a:t>3. Log in MSI using </a:t>
+            </a:r>
+            <a:r>
+              <a:rPr lang="en-US" dirty="0" err="1">
+                <a:solidFill>
+                  <a:srgbClr val="CCFFCC"/>
+                </a:solidFill>
+              </a:rPr>
+              <a:t>ssh</a:t>
+            </a:r>
+            <a:r>
+              <a:rPr lang="en-US" dirty="0">
+                <a:solidFill>
+                  <a:srgbClr val="CCFFCC"/>
+                </a:solidFill>
+              </a:rPr>
+              <a:t> </a:t>
+            </a:r>
+            <a:r>
+              <a:rPr lang="en-US" dirty="0" smtClean="0">
+                <a:solidFill>
+                  <a:srgbClr val="CCFFCC"/>
+                </a:solidFill>
+              </a:rPr>
+              <a:t>–Y </a:t>
+            </a:r>
+            <a:r>
+              <a:rPr lang="en-US" dirty="0" smtClean="0">
+                <a:solidFill>
+                  <a:srgbClr val="CCFFCC"/>
+                </a:solidFill>
+                <a:hlinkClick r:id="rId3"/>
+              </a:rPr>
+              <a:t>user@login.msi.umn.edu</a:t>
+            </a:r>
+            <a:endParaRPr lang="en-US" dirty="0" smtClean="0">
+              <a:solidFill>
+                <a:srgbClr val="CCFFCC"/>
+              </a:solidFill>
+            </a:endParaRPr>
+          </a:p>
+          <a:p>
+            <a:endParaRPr lang="en-US" dirty="0" smtClean="0">
+              <a:solidFill>
+                <a:srgbClr val="CCFFCC"/>
+              </a:solidFill>
+            </a:endParaRPr>
+          </a:p>
+          <a:p>
+            <a:r>
+              <a:rPr lang="en-US" sz="1600" dirty="0" err="1">
+                <a:solidFill>
+                  <a:srgbClr val="CCFFCC"/>
+                </a:solidFill>
+                <a:latin typeface="Lucida Console"/>
+                <a:cs typeface="Lucida Console"/>
+              </a:rPr>
+              <a:t>git</a:t>
+            </a:r>
+            <a:r>
+              <a:rPr lang="en-US" sz="1600" dirty="0">
+                <a:solidFill>
+                  <a:srgbClr val="CCFFCC"/>
+                </a:solidFill>
+                <a:latin typeface="Lucida Console"/>
+                <a:cs typeface="Lucida Console"/>
+              </a:rPr>
+              <a:t> clone /</a:t>
+            </a:r>
+            <a:r>
+              <a:rPr lang="en-US" sz="1600" dirty="0" err="1">
+                <a:solidFill>
+                  <a:srgbClr val="CCFFCC"/>
+                </a:solidFill>
+                <a:latin typeface="Lucida Console"/>
+                <a:cs typeface="Lucida Console"/>
+              </a:rPr>
+              <a:t>panfs</a:t>
+            </a:r>
+            <a:r>
+              <a:rPr lang="en-US" sz="1600" dirty="0">
+                <a:solidFill>
+                  <a:srgbClr val="CCFFCC"/>
+                </a:solidFill>
+                <a:latin typeface="Lucida Console"/>
+                <a:cs typeface="Lucida Console"/>
+              </a:rPr>
+              <a:t>/roc/groups/9/</a:t>
+            </a:r>
+            <a:r>
+              <a:rPr lang="en-US" sz="1600" dirty="0" err="1">
+                <a:solidFill>
+                  <a:srgbClr val="CCFFCC"/>
+                </a:solidFill>
+                <a:latin typeface="Lucida Console"/>
+                <a:cs typeface="Lucida Console"/>
+              </a:rPr>
+              <a:t>morrellp</a:t>
+            </a:r>
+            <a:r>
+              <a:rPr lang="en-US" sz="1600" dirty="0">
+                <a:solidFill>
+                  <a:srgbClr val="CCFFCC"/>
+                </a:solidFill>
+                <a:latin typeface="Lucida Console"/>
+                <a:cs typeface="Lucida Console"/>
+              </a:rPr>
+              <a:t>/public/sequence_handling</a:t>
+            </a:r>
+          </a:p>
+          <a:p>
+            <a:endParaRPr lang="en-US" sz="1600" dirty="0">
+              <a:solidFill>
+                <a:srgbClr val="CCFFCC"/>
+              </a:solidFill>
+            </a:endParaRPr>
+          </a:p>
+          <a:p>
+            <a:r>
+              <a:rPr lang="en-US" sz="1600" dirty="0" err="1">
+                <a:solidFill>
+                  <a:srgbClr val="CCFFCC"/>
+                </a:solidFill>
+                <a:latin typeface="Lucida Console"/>
+                <a:cs typeface="Lucida Console"/>
+              </a:rPr>
+              <a:t>git</a:t>
+            </a:r>
+            <a:r>
+              <a:rPr lang="en-US" sz="1600" dirty="0">
+                <a:solidFill>
+                  <a:srgbClr val="CCFFCC"/>
+                </a:solidFill>
+                <a:latin typeface="Lucida Console"/>
+                <a:cs typeface="Lucida Console"/>
+              </a:rPr>
+              <a:t> clone /</a:t>
+            </a:r>
+            <a:r>
+              <a:rPr lang="en-US" sz="1600" dirty="0" err="1">
+                <a:solidFill>
+                  <a:srgbClr val="CCFFCC"/>
+                </a:solidFill>
+                <a:latin typeface="Lucida Console"/>
+                <a:cs typeface="Lucida Console"/>
+              </a:rPr>
+              <a:t>panfs</a:t>
+            </a:r>
+            <a:r>
+              <a:rPr lang="en-US" sz="1600" dirty="0">
+                <a:solidFill>
+                  <a:srgbClr val="CCFFCC"/>
+                </a:solidFill>
+                <a:latin typeface="Lucida Console"/>
+                <a:cs typeface="Lucida Console"/>
+              </a:rPr>
+              <a:t>/roc/groups/9/</a:t>
+            </a:r>
+            <a:r>
+              <a:rPr lang="en-US" sz="1600" dirty="0" err="1">
+                <a:solidFill>
+                  <a:srgbClr val="CCFFCC"/>
+                </a:solidFill>
+                <a:latin typeface="Lucida Console"/>
+                <a:cs typeface="Lucida Console"/>
+              </a:rPr>
+              <a:t>morrellp</a:t>
+            </a:r>
+            <a:r>
+              <a:rPr lang="en-US" sz="1600" dirty="0">
+                <a:solidFill>
+                  <a:srgbClr val="CCFFCC"/>
+                </a:solidFill>
+                <a:latin typeface="Lucida Console"/>
+                <a:cs typeface="Lucida Console"/>
+              </a:rPr>
+              <a:t>/public/</a:t>
+            </a:r>
+            <a:r>
+              <a:rPr lang="en-US" sz="1600" dirty="0" err="1">
+                <a:solidFill>
+                  <a:srgbClr val="CCFFCC"/>
+                </a:solidFill>
+                <a:latin typeface="Lucida Console"/>
+                <a:cs typeface="Lucida Console"/>
+              </a:rPr>
+              <a:t>SH_Example_data</a:t>
+            </a:r>
+            <a:endParaRPr lang="en-US" sz="1600" dirty="0">
+              <a:solidFill>
+                <a:srgbClr val="CCFFCC"/>
+              </a:solidFill>
+              <a:latin typeface="Lucida Console"/>
+              <a:cs typeface="Lucida Console"/>
+            </a:endParaRPr>
+          </a:p>
+          <a:p>
+            <a:endParaRPr lang="en-US" dirty="0">
+              <a:solidFill>
+                <a:srgbClr val="CCFFCC"/>
+              </a:solidFill>
+            </a:endParaRPr>
+          </a:p>
+        </p:txBody>
+      </p:sp>
+    </p:spTree>
+    <p:extLst>
+      <p:ext uri="{BB962C8B-B14F-4D97-AF65-F5344CB8AC3E}">
+        <p14:creationId xmlns:p14="http://schemas.microsoft.com/office/powerpoint/2010/main" val="518996169"/>
+      </p:ext>
+    </p:extLst>
+  </p:cSld>
+  <p:clrMapOvr>
+    <a:masterClrMapping/>
+  </p:clrMapOvr>
+  <p:timing>
+    <p:tnLst>
+      <p:par>
+        <p:cTn xmlns:p14="http://schemas.microsoft.com/office/powerpoint/2010/main" id="1" dur="indefinite" restart="never" nodeType="tmRoot"/>
+      </p:par>
+    </p:tnLst>
+  </p:timing>
+</p:sld>
+</file>
+
+<file path=ppt/slides/slide30.xml><?xml version="1.0" encoding="utf-8"?>
 <p:sld xmlns:a="http://schemas.openxmlformats.org/drawingml/2006/main" xmlns:r="http://schemas.openxmlformats.org/officeDocument/2006/relationships" xmlns:p="http://schemas.openxmlformats.org/presentationml/2006/main">
   <p:cSld>
     <p:spTree>
@@ -11670,134 +12734,17 @@
   <p:clrMapOvr>
     <a:masterClrMapping/>
   </p:clrMapOvr>
+  <p:timing>
+    <p:tnLst>
+      <p:par>
+        <p:cTn xmlns:p14="http://schemas.microsoft.com/office/powerpoint/2010/main" id="1" dur="indefinite" restart="never" nodeType="tmRoot"/>
+      </p:par>
+    </p:tnLst>
+  </p:timing>
 </p:sld>
 </file>
 
-<file path=ppt/slides/slide3.xml><?xml version="1.0" encoding="utf-8"?>
-<p:sld xmlns:a="http://schemas.openxmlformats.org/drawingml/2006/main" xmlns:r="http://schemas.openxmlformats.org/officeDocument/2006/relationships" xmlns:p="http://schemas.openxmlformats.org/presentationml/2006/main">
-  <p:cSld>
-    <p:spTree>
-      <p:nvGrpSpPr>
-        <p:cNvPr id="1" name=""/>
-        <p:cNvGrpSpPr/>
-        <p:nvPr/>
-      </p:nvGrpSpPr>
-      <p:grpSpPr>
-        <a:xfrm>
-          <a:off x="0" y="0"/>
-          <a:ext cx="0" cy="0"/>
-          <a:chOff x="0" y="0"/>
-          <a:chExt cx="0" cy="0"/>
-        </a:xfrm>
-      </p:grpSpPr>
-      <p:sp>
-        <p:nvSpPr>
-          <p:cNvPr id="3" name="Content Placeholder 2"/>
-          <p:cNvSpPr>
-            <a:spLocks noGrp="1"/>
-          </p:cNvSpPr>
-          <p:nvPr>
-            <p:ph idx="1"/>
-          </p:nvPr>
-        </p:nvSpPr>
-        <p:spPr/>
-        <p:txBody>
-          <a:bodyPr/>
-          <a:lstStyle/>
-          <a:p>
-            <a:pPr marL="45720" indent="0">
-              <a:buNone/>
-            </a:pPr>
-            <a:r>
-              <a:rPr lang="en-US" dirty="0"/>
-              <a:t>https://</a:t>
-            </a:r>
-            <a:r>
-              <a:rPr lang="en-US" dirty="0" err="1"/>
-              <a:t>github.com</a:t>
-            </a:r>
-            <a:r>
-              <a:rPr lang="en-US" dirty="0"/>
-              <a:t>/</a:t>
-            </a:r>
-            <a:r>
-              <a:rPr lang="en-US" dirty="0" err="1"/>
-              <a:t>MorrellLAB</a:t>
-            </a:r>
-            <a:r>
-              <a:rPr lang="en-US" dirty="0"/>
-              <a:t>/</a:t>
-            </a:r>
-            <a:r>
-              <a:rPr lang="en-US" dirty="0" err="1"/>
-              <a:t>DoesNaughtCompute</a:t>
-            </a:r>
-            <a:r>
-              <a:rPr lang="en-US" dirty="0"/>
-              <a:t>/blob/master/</a:t>
-            </a:r>
-            <a:r>
-              <a:rPr lang="en-US" dirty="0" err="1"/>
-              <a:t>Sequence_Handling</a:t>
-            </a:r>
-            <a:r>
-              <a:rPr lang="en-US" dirty="0"/>
-              <a:t>/DoesNaughtCompute_SeqHandling_Dec052016.pptx</a:t>
-            </a:r>
-          </a:p>
-        </p:txBody>
-      </p:sp>
-      <p:sp>
-        <p:nvSpPr>
-          <p:cNvPr id="4" name="Title 1"/>
-          <p:cNvSpPr>
-            <a:spLocks noGrp="1"/>
-          </p:cNvSpPr>
-          <p:nvPr>
-            <p:ph type="title"/>
-          </p:nvPr>
-        </p:nvSpPr>
-        <p:spPr>
-          <a:xfrm>
-            <a:off x="914400" y="716355"/>
-            <a:ext cx="7315200" cy="1154097"/>
-          </a:xfrm>
-        </p:spPr>
-        <p:txBody>
-          <a:bodyPr>
-            <a:normAutofit fontScale="90000"/>
-          </a:bodyPr>
-          <a:lstStyle/>
-          <a:p>
-            <a:r>
-              <a:rPr lang="en-US" dirty="0" smtClean="0"/>
-              <a:t>sequence_handling</a:t>
-            </a:r>
-            <a:br>
-              <a:rPr lang="en-US" dirty="0" smtClean="0"/>
-            </a:br>
-            <a:r>
-              <a:rPr lang="en-US" dirty="0" smtClean="0"/>
-              <a:t>Presentation</a:t>
-            </a:r>
-            <a:endParaRPr lang="en-US" dirty="0"/>
-          </a:p>
-        </p:txBody>
-      </p:sp>
-    </p:spTree>
-    <p:extLst>
-      <p:ext uri="{BB962C8B-B14F-4D97-AF65-F5344CB8AC3E}">
-        <p14:creationId xmlns:p14="http://schemas.microsoft.com/office/powerpoint/2010/main" val="1820637176"/>
-      </p:ext>
-    </p:extLst>
-  </p:cSld>
-  <p:clrMapOvr>
-    <a:masterClrMapping/>
-  </p:clrMapOvr>
-</p:sld>
-</file>
-
-<file path=ppt/slides/slide30.xml><?xml version="1.0" encoding="utf-8"?>
+<file path=ppt/slides/slide31.xml><?xml version="1.0" encoding="utf-8"?>
 <p:sld xmlns:a="http://schemas.openxmlformats.org/drawingml/2006/main" xmlns:r="http://schemas.openxmlformats.org/officeDocument/2006/relationships" xmlns:p="http://schemas.openxmlformats.org/presentationml/2006/main">
   <p:cSld>
     <p:spTree>
@@ -11999,10 +12946,17 @@
   <p:clrMapOvr>
     <a:masterClrMapping/>
   </p:clrMapOvr>
+  <p:timing>
+    <p:tnLst>
+      <p:par>
+        <p:cTn xmlns:p14="http://schemas.microsoft.com/office/powerpoint/2010/main" id="1" dur="indefinite" restart="never" nodeType="tmRoot"/>
+      </p:par>
+    </p:tnLst>
+  </p:timing>
 </p:sld>
 </file>
 
-<file path=ppt/slides/slide31.xml><?xml version="1.0" encoding="utf-8"?>
+<file path=ppt/slides/slide32.xml><?xml version="1.0" encoding="utf-8"?>
 <p:sld xmlns:a="http://schemas.openxmlformats.org/drawingml/2006/main" xmlns:r="http://schemas.openxmlformats.org/officeDocument/2006/relationships" xmlns:p="http://schemas.openxmlformats.org/presentationml/2006/main">
   <p:cSld>
     <p:spTree>
@@ -12296,10 +13250,17 @@
   <p:clrMapOvr>
     <a:masterClrMapping/>
   </p:clrMapOvr>
+  <p:timing>
+    <p:tnLst>
+      <p:par>
+        <p:cTn xmlns:p14="http://schemas.microsoft.com/office/powerpoint/2010/main" id="1" dur="indefinite" restart="never" nodeType="tmRoot"/>
+      </p:par>
+    </p:tnLst>
+  </p:timing>
 </p:sld>
 </file>
 
-<file path=ppt/slides/slide32.xml><?xml version="1.0" encoding="utf-8"?>
+<file path=ppt/slides/slide33.xml><?xml version="1.0" encoding="utf-8"?>
 <p:sld xmlns:a="http://schemas.openxmlformats.org/drawingml/2006/main" xmlns:r="http://schemas.openxmlformats.org/officeDocument/2006/relationships" xmlns:p="http://schemas.openxmlformats.org/presentationml/2006/main">
   <p:cSld>
     <p:spTree>
@@ -12754,10 +13715,17 @@
   <p:clrMapOvr>
     <a:masterClrMapping/>
   </p:clrMapOvr>
+  <p:timing>
+    <p:tnLst>
+      <p:par>
+        <p:cTn xmlns:p14="http://schemas.microsoft.com/office/powerpoint/2010/main" id="1" dur="indefinite" restart="never" nodeType="tmRoot"/>
+      </p:par>
+    </p:tnLst>
+  </p:timing>
 </p:sld>
 </file>
 
-<file path=ppt/slides/slide33.xml><?xml version="1.0" encoding="utf-8"?>
+<file path=ppt/slides/slide34.xml><?xml version="1.0" encoding="utf-8"?>
 <p:sld xmlns:a="http://schemas.openxmlformats.org/drawingml/2006/main" xmlns:r="http://schemas.openxmlformats.org/officeDocument/2006/relationships" xmlns:p="http://schemas.openxmlformats.org/presentationml/2006/main">
   <p:cSld>
     <p:spTree>
@@ -12890,419 +13858,13 @@
   <p:clrMapOvr>
     <a:masterClrMapping/>
   </p:clrMapOvr>
-</p:sld>
-</file>
-
-<file path=ppt/slides/slide34.xml><?xml version="1.0" encoding="utf-8"?>
-<p:sld xmlns:a="http://schemas.openxmlformats.org/drawingml/2006/main" xmlns:r="http://schemas.openxmlformats.org/officeDocument/2006/relationships" xmlns:p="http://schemas.openxmlformats.org/presentationml/2006/main">
-  <p:cSld>
-    <p:spTree>
-      <p:nvGrpSpPr>
-        <p:cNvPr id="1" name=""/>
-        <p:cNvGrpSpPr/>
-        <p:nvPr/>
-      </p:nvGrpSpPr>
-      <p:grpSpPr>
-        <a:xfrm>
-          <a:off x="0" y="0"/>
-          <a:ext cx="0" cy="0"/>
-          <a:chOff x="0" y="0"/>
-          <a:chExt cx="0" cy="0"/>
-        </a:xfrm>
-      </p:grpSpPr>
-      <p:sp>
-        <p:nvSpPr>
-          <p:cNvPr id="3" name="Content Placeholder 2"/>
-          <p:cNvSpPr>
-            <a:spLocks noGrp="1"/>
-          </p:cNvSpPr>
-          <p:nvPr>
-            <p:ph idx="1"/>
-          </p:nvPr>
-        </p:nvSpPr>
-        <p:spPr>
-          <a:xfrm>
-            <a:off x="86100" y="2328041"/>
-            <a:ext cx="4609704" cy="4529959"/>
-          </a:xfrm>
-        </p:spPr>
-        <p:txBody>
-          <a:bodyPr>
-            <a:normAutofit fontScale="77500" lnSpcReduction="20000"/>
-          </a:bodyPr>
-          <a:lstStyle/>
-          <a:p>
-            <a:pPr marL="45720" indent="0">
-              <a:buNone/>
-            </a:pPr>
-            <a:r>
-              <a:rPr lang="en-US" sz="2600" dirty="0" smtClean="0"/>
-              <a:t>2. Edit Config </a:t>
-            </a:r>
-            <a:r>
-              <a:rPr lang="en-US" sz="2600" dirty="0" smtClean="0"/>
-              <a:t>file</a:t>
-            </a:r>
-          </a:p>
-          <a:p>
-            <a:pPr marL="45720" indent="0">
-              <a:buNone/>
-            </a:pPr>
-            <a:endParaRPr lang="en-US" sz="1800" dirty="0" smtClean="0"/>
-          </a:p>
-          <a:p>
-            <a:pPr marL="45720" indent="0">
-              <a:buNone/>
-            </a:pPr>
-            <a:r>
-              <a:rPr lang="uk-UA" sz="1800" dirty="0"/>
-              <a:t>############################################</a:t>
-            </a:r>
-          </a:p>
-          <a:p>
-            <a:pPr marL="45720" indent="0">
-              <a:buNone/>
-            </a:pPr>
-            <a:r>
-              <a:rPr lang="de-DE" sz="1800" dirty="0"/>
-              <a:t>##########      </a:t>
-            </a:r>
-            <a:r>
-              <a:rPr lang="de-DE" sz="1800" dirty="0" err="1"/>
-              <a:t>Dependencies</a:t>
-            </a:r>
-            <a:r>
-              <a:rPr lang="de-DE" sz="1800" dirty="0"/>
-              <a:t>      ##########</a:t>
-            </a:r>
-          </a:p>
-          <a:p>
-            <a:pPr marL="45720" indent="0">
-              <a:buNone/>
-            </a:pPr>
-            <a:r>
-              <a:rPr lang="uk-UA" sz="1800" dirty="0"/>
-              <a:t>############################################</a:t>
-            </a:r>
-          </a:p>
-          <a:p>
-            <a:pPr marL="45720" indent="0">
-              <a:buNone/>
-            </a:pPr>
-            <a:endParaRPr lang="uk-UA" sz="1800" dirty="0"/>
-          </a:p>
-          <a:p>
-            <a:pPr marL="45720" indent="0">
-              <a:buNone/>
-            </a:pPr>
-            <a:r>
-              <a:rPr lang="en-US" sz="1800" dirty="0"/>
-              <a:t>#   This section defines installations to</a:t>
-            </a:r>
-          </a:p>
-          <a:p>
-            <a:pPr marL="45720" indent="0">
-              <a:buNone/>
-            </a:pPr>
-            <a:r>
-              <a:rPr lang="en-US" sz="1800" dirty="0"/>
-              <a:t>#       various dependencies for </a:t>
-            </a:r>
-            <a:r>
-              <a:rPr lang="en-US" sz="1800" dirty="0" smtClean="0"/>
-              <a:t>sequence_handling</a:t>
-            </a:r>
-          </a:p>
-          <a:p>
-            <a:pPr marL="45720" indent="0">
-              <a:buNone/>
-            </a:pPr>
-            <a:r>
-              <a:rPr lang="is-IS" sz="1800" dirty="0" smtClean="0">
-                <a:solidFill>
-                  <a:srgbClr val="FFFFFF"/>
-                </a:solidFill>
-              </a:rPr>
-              <a:t>…</a:t>
-            </a:r>
-          </a:p>
-          <a:p>
-            <a:pPr marL="45720" indent="0">
-              <a:buNone/>
-            </a:pPr>
-            <a:endParaRPr lang="is-IS" sz="1800" dirty="0" smtClean="0">
-              <a:solidFill>
-                <a:srgbClr val="FFFFFF"/>
-              </a:solidFill>
-            </a:endParaRPr>
-          </a:p>
-          <a:p>
-            <a:pPr marL="45720" indent="0">
-              <a:buNone/>
-            </a:pPr>
-            <a:r>
-              <a:rPr lang="en-US" dirty="0"/>
-              <a:t>#   Do we have GNU parallel installed</a:t>
-            </a:r>
-          </a:p>
-          <a:p>
-            <a:pPr marL="45720" indent="0">
-              <a:buNone/>
-            </a:pPr>
-            <a:r>
-              <a:rPr lang="en-US" dirty="0" smtClean="0">
-                <a:solidFill>
-                  <a:srgbClr val="FFCF99"/>
-                </a:solidFill>
-              </a:rPr>
-              <a:t>#</a:t>
-            </a:r>
-            <a:r>
-              <a:rPr lang="en-US" dirty="0" smtClean="0"/>
-              <a:t>module </a:t>
-            </a:r>
-            <a:r>
-              <a:rPr lang="en-US" dirty="0"/>
-              <a:t>load parallel</a:t>
-            </a:r>
-          </a:p>
-          <a:p>
-            <a:pPr marL="45720" indent="0">
-              <a:buNone/>
-            </a:pPr>
-            <a:r>
-              <a:rPr lang="en-US" dirty="0"/>
-              <a:t>#PARALLEL=</a:t>
-            </a:r>
-          </a:p>
-          <a:p>
-            <a:pPr marL="45720" indent="0">
-              <a:buNone/>
-            </a:pPr>
-            <a:r>
-              <a:rPr lang="en-US" dirty="0"/>
-              <a:t>#export PATH=${PARALLEL}:${PATH}</a:t>
-            </a:r>
-          </a:p>
-          <a:p>
-            <a:pPr marL="45720" indent="0">
-              <a:buNone/>
-            </a:pPr>
-            <a:endParaRPr lang="en-US" dirty="0"/>
-          </a:p>
-          <a:p>
-            <a:pPr marL="45720" indent="0">
-              <a:buNone/>
-            </a:pPr>
-            <a:r>
-              <a:rPr lang="en-US" dirty="0"/>
-              <a:t>#   Do we have </a:t>
-            </a:r>
-            <a:r>
-              <a:rPr lang="en-US" dirty="0" err="1"/>
-              <a:t>FastQC</a:t>
-            </a:r>
-            <a:r>
-              <a:rPr lang="en-US" dirty="0"/>
-              <a:t> installed?</a:t>
-            </a:r>
-          </a:p>
-          <a:p>
-            <a:pPr marL="45720" indent="0">
-              <a:buNone/>
-            </a:pPr>
-            <a:r>
-              <a:rPr lang="en-US" dirty="0" smtClean="0">
-                <a:solidFill>
-                  <a:srgbClr val="FFCF99"/>
-                </a:solidFill>
-              </a:rPr>
-              <a:t>#</a:t>
-            </a:r>
-            <a:r>
-              <a:rPr lang="en-US" dirty="0" smtClean="0"/>
-              <a:t>module </a:t>
-            </a:r>
-            <a:r>
-              <a:rPr lang="en-US" dirty="0"/>
-              <a:t>load </a:t>
-            </a:r>
-            <a:r>
-              <a:rPr lang="en-US" dirty="0" err="1"/>
-              <a:t>fastqc</a:t>
-            </a:r>
-            <a:endParaRPr lang="en-US" dirty="0"/>
-          </a:p>
-          <a:p>
-            <a:pPr marL="45720" indent="0">
-              <a:buNone/>
-            </a:pPr>
-            <a:r>
-              <a:rPr lang="en-US" dirty="0"/>
-              <a:t>#FASTQC=</a:t>
-            </a:r>
-          </a:p>
-          <a:p>
-            <a:pPr marL="45720" indent="0">
-              <a:buNone/>
-            </a:pPr>
-            <a:r>
-              <a:rPr lang="en-US" dirty="0"/>
-              <a:t>#export PATH=${FASTQC}:${PATH}</a:t>
-            </a:r>
-            <a:endParaRPr lang="en-US" dirty="0">
-              <a:solidFill>
-                <a:srgbClr val="FFFFFF"/>
-              </a:solidFill>
-            </a:endParaRPr>
-          </a:p>
-        </p:txBody>
-      </p:sp>
-      <p:sp>
-        <p:nvSpPr>
-          <p:cNvPr id="5" name="Title 1"/>
-          <p:cNvSpPr>
-            <a:spLocks noGrp="1"/>
-          </p:cNvSpPr>
-          <p:nvPr>
-            <p:ph type="title"/>
-          </p:nvPr>
-        </p:nvSpPr>
-        <p:spPr>
-          <a:xfrm>
-            <a:off x="914400" y="709115"/>
-            <a:ext cx="7315200" cy="1154097"/>
-          </a:xfrm>
-        </p:spPr>
-        <p:txBody>
-          <a:bodyPr>
-            <a:normAutofit fontScale="90000"/>
-          </a:bodyPr>
-          <a:lstStyle/>
-          <a:p>
-            <a:r>
-              <a:rPr lang="en-US" dirty="0" smtClean="0"/>
-              <a:t>Exercise </a:t>
-            </a:r>
-            <a:r>
-              <a:rPr lang="en-US" dirty="0" smtClean="0"/>
-              <a:t>– </a:t>
-            </a:r>
-            <a:br>
-              <a:rPr lang="en-US" dirty="0" smtClean="0"/>
-            </a:br>
-            <a:r>
-              <a:rPr lang="en-US" dirty="0" smtClean="0"/>
-              <a:t>Config dependencies</a:t>
-            </a:r>
-            <a:endParaRPr lang="en-US" dirty="0"/>
-          </a:p>
-        </p:txBody>
-      </p:sp>
-      <p:sp>
-        <p:nvSpPr>
-          <p:cNvPr id="7" name="TextBox 6"/>
-          <p:cNvSpPr txBox="1"/>
-          <p:nvPr/>
-        </p:nvSpPr>
-        <p:spPr>
-          <a:xfrm>
-            <a:off x="4695804" y="4042761"/>
-            <a:ext cx="3931157" cy="1315745"/>
-          </a:xfrm>
-          <a:prstGeom prst="rect">
-            <a:avLst/>
-          </a:prstGeom>
-          <a:noFill/>
-          <a:ln>
-            <a:solidFill>
-              <a:srgbClr val="838D9B"/>
-            </a:solidFill>
-          </a:ln>
-        </p:spPr>
-        <p:txBody>
-          <a:bodyPr wrap="square" rtlCol="0">
-            <a:spAutoFit/>
-          </a:bodyPr>
-          <a:lstStyle/>
-          <a:p>
-            <a:pPr>
-              <a:lnSpc>
-                <a:spcPct val="150000"/>
-              </a:lnSpc>
-            </a:pPr>
-            <a:r>
-              <a:rPr lang="en-US" dirty="0" smtClean="0">
-                <a:solidFill>
-                  <a:schemeClr val="tx2">
-                    <a:lumMod val="40000"/>
-                    <a:lumOff val="60000"/>
-                  </a:schemeClr>
-                </a:solidFill>
-              </a:rPr>
-              <a:t>In HPC - do </a:t>
-            </a:r>
-            <a:r>
-              <a:rPr lang="en-US" dirty="0">
-                <a:solidFill>
-                  <a:schemeClr val="tx2">
-                    <a:lumMod val="40000"/>
-                    <a:lumOff val="60000"/>
-                  </a:schemeClr>
-                </a:solidFill>
-              </a:rPr>
-              <a:t>module </a:t>
-            </a:r>
-            <a:r>
-              <a:rPr lang="en-US" dirty="0" smtClean="0">
-                <a:solidFill>
-                  <a:schemeClr val="tx2">
-                    <a:lumMod val="40000"/>
-                    <a:lumOff val="60000"/>
-                  </a:schemeClr>
-                </a:solidFill>
-              </a:rPr>
-              <a:t>load</a:t>
-            </a:r>
-          </a:p>
-          <a:p>
-            <a:pPr>
-              <a:lnSpc>
-                <a:spcPct val="150000"/>
-              </a:lnSpc>
-            </a:pPr>
-            <a:r>
-              <a:rPr lang="en-US" dirty="0" smtClean="0">
-                <a:solidFill>
-                  <a:schemeClr val="tx2">
-                    <a:lumMod val="40000"/>
-                    <a:lumOff val="60000"/>
-                  </a:schemeClr>
-                </a:solidFill>
-              </a:rPr>
-              <a:t>Delete # in front of module load for parallel and FASTQC</a:t>
-            </a:r>
-            <a:endParaRPr lang="en-US" dirty="0">
-              <a:solidFill>
-                <a:schemeClr val="tx2">
-                  <a:lumMod val="40000"/>
-                  <a:lumOff val="60000"/>
-                </a:schemeClr>
-              </a:solidFill>
-            </a:endParaRPr>
-          </a:p>
-        </p:txBody>
-      </p:sp>
-    </p:spTree>
-    <p:extLst>
-      <p:ext uri="{BB962C8B-B14F-4D97-AF65-F5344CB8AC3E}">
-        <p14:creationId xmlns:p14="http://schemas.microsoft.com/office/powerpoint/2010/main" val="434398107"/>
-      </p:ext>
-    </p:extLst>
-  </p:cSld>
-  <p:clrMapOvr>
-    <a:masterClrMapping/>
-  </p:clrMapOvr>
+  <p:timing>
+    <p:tnLst>
+      <p:par>
+        <p:cTn xmlns:p14="http://schemas.microsoft.com/office/powerpoint/2010/main" id="1" dur="indefinite" restart="never" nodeType="tmRoot"/>
+      </p:par>
+    </p:tnLst>
+  </p:timing>
 </p:sld>
 </file>
 
@@ -13335,13 +13897,13 @@
         </p:nvSpPr>
         <p:spPr>
           <a:xfrm>
-            <a:off x="86100" y="2616185"/>
-            <a:ext cx="9057900" cy="2393521"/>
+            <a:off x="86100" y="2328041"/>
+            <a:ext cx="4609704" cy="4529959"/>
           </a:xfrm>
         </p:spPr>
         <p:txBody>
           <a:bodyPr>
-            <a:normAutofit/>
+            <a:normAutofit fontScale="77500" lnSpcReduction="20000"/>
           </a:bodyPr>
           <a:lstStyle/>
           <a:p>
@@ -13349,100 +13911,44 @@
               <a:buNone/>
             </a:pPr>
             <a:r>
-              <a:rPr lang="en-US" dirty="0"/>
-              <a:t>3</a:t>
-            </a:r>
-            <a:r>
-              <a:rPr lang="en-US" dirty="0" smtClean="0"/>
-              <a:t>. Run analysis interactively </a:t>
-            </a:r>
-            <a:endParaRPr lang="en-US" dirty="0" smtClean="0"/>
+              <a:rPr lang="en-US" sz="2600" dirty="0" smtClean="0"/>
+              <a:t>2. Edit Config </a:t>
+            </a:r>
+            <a:r>
+              <a:rPr lang="en-US" sz="2600" dirty="0" smtClean="0"/>
+              <a:t>file</a:t>
+            </a:r>
           </a:p>
           <a:p>
             <a:pPr marL="45720" indent="0">
               <a:buNone/>
             </a:pPr>
-            <a:r>
-              <a:rPr lang="en-US" sz="1600" dirty="0" smtClean="0"/>
-              <a:t>(</a:t>
-            </a:r>
-            <a:r>
-              <a:rPr lang="en-US" sz="1600" dirty="0" smtClean="0"/>
-              <a:t>in sequence_handling </a:t>
-            </a:r>
-            <a:r>
-              <a:rPr lang="en-US" sz="1600" dirty="0" smtClean="0"/>
-              <a:t>directory, </a:t>
-            </a:r>
-            <a:r>
-              <a:rPr lang="en-US" sz="1600" u="sng" dirty="0" smtClean="0"/>
-              <a:t>in one of the high performance systems </a:t>
-            </a:r>
-            <a:r>
-              <a:rPr lang="en-US" sz="1600" dirty="0" smtClean="0"/>
-              <a:t>– lab, Itasca, Mesabi)</a:t>
-            </a:r>
-            <a:endParaRPr lang="en-US" sz="1600" dirty="0" smtClean="0"/>
+            <a:endParaRPr lang="en-US" sz="1800" dirty="0" smtClean="0"/>
           </a:p>
           <a:p>
             <a:pPr marL="45720" indent="0">
               <a:buNone/>
             </a:pPr>
-            <a:endParaRPr lang="en-US" sz="2400" dirty="0"/>
+            <a:r>
+              <a:rPr lang="uk-UA" sz="1800" dirty="0"/>
+              <a:t>############################################</a:t>
+            </a:r>
           </a:p>
           <a:p>
             <a:pPr marL="45720" indent="0">
               <a:buNone/>
             </a:pPr>
             <a:r>
-              <a:rPr lang="en-US" dirty="0">
-                <a:solidFill>
-                  <a:srgbClr val="CCFFCC"/>
-                </a:solidFill>
-                <a:latin typeface="Lucida Console"/>
-                <a:cs typeface="Lucida Console"/>
-              </a:rPr>
-              <a:t>./sequence_handling </a:t>
-            </a:r>
-            <a:r>
-              <a:rPr lang="en-US" dirty="0" smtClean="0">
-                <a:solidFill>
-                  <a:srgbClr val="CCFFCC"/>
-                </a:solidFill>
-                <a:latin typeface="Lucida Console"/>
-                <a:cs typeface="Lucida Console"/>
-              </a:rPr>
-              <a:t>1 </a:t>
-            </a:r>
-            <a:r>
-              <a:rPr lang="en-US" dirty="0" smtClean="0">
-                <a:solidFill>
-                  <a:srgbClr val="CCFFCC"/>
-                </a:solidFill>
-                <a:latin typeface="Lucida Console"/>
-                <a:cs typeface="Lucida Console"/>
-              </a:rPr>
-              <a:t>~/</a:t>
-            </a:r>
-            <a:r>
-              <a:rPr lang="en-US" dirty="0" smtClean="0">
-                <a:solidFill>
-                  <a:srgbClr val="CCFFCC"/>
-                </a:solidFill>
-                <a:latin typeface="Lucida Console"/>
-                <a:cs typeface="Lucida Console"/>
-              </a:rPr>
-              <a:t>sequence_handling/</a:t>
-            </a:r>
-            <a:r>
-              <a:rPr lang="en-US" dirty="0" smtClean="0">
-                <a:solidFill>
-                  <a:srgbClr val="CCFFCC"/>
-                </a:solidFill>
-                <a:latin typeface="Lucida Console"/>
-                <a:cs typeface="Lucida Console"/>
-              </a:rPr>
-              <a:t>Config</a:t>
+              <a:rPr lang="de-DE" sz="1800" dirty="0"/>
+              <a:t>##########      </a:t>
+            </a:r>
+            <a:r>
+              <a:rPr lang="de-DE" sz="1800" dirty="0" err="1"/>
+              <a:t>Dependencies</a:t>
+            </a:r>
+            <a:r>
+              <a:rPr lang="de-DE" sz="1800" dirty="0"/>
+              <a:t>      ##########</a:t>
             </a:r>
           </a:p>
           <a:p>
@@ -13450,49 +13956,179 @@
               <a:buNone/>
             </a:pPr>
             <a:r>
-              <a:rPr lang="en-US" dirty="0">
-                <a:solidFill>
-                  <a:srgbClr val="CCFFCC"/>
-                </a:solidFill>
-                <a:latin typeface="Lucida Console"/>
-                <a:cs typeface="Lucida Console"/>
-              </a:rPr>
-              <a:t>	</a:t>
-            </a:r>
-            <a:r>
-              <a:rPr lang="en-US" dirty="0" smtClean="0">
-                <a:solidFill>
-                  <a:srgbClr val="CCFFCC"/>
-                </a:solidFill>
-                <a:latin typeface="Lucida Console"/>
-                <a:cs typeface="Lucida Console"/>
-              </a:rPr>
-              <a:t>			    </a:t>
-            </a:r>
-            <a:r>
-              <a:rPr lang="en-US" dirty="0" smtClean="0">
+              <a:rPr lang="uk-UA" sz="1800" dirty="0"/>
+              <a:t>############################################</a:t>
+            </a:r>
+          </a:p>
+          <a:p>
+            <a:pPr marL="45720" indent="0">
+              <a:buNone/>
+            </a:pPr>
+            <a:endParaRPr lang="uk-UA" sz="1800" dirty="0"/>
+          </a:p>
+          <a:p>
+            <a:pPr marL="45720" indent="0">
+              <a:buNone/>
+            </a:pPr>
+            <a:r>
+              <a:rPr lang="en-US" sz="1800" dirty="0"/>
+              <a:t>#   This section defines installations to</a:t>
+            </a:r>
+          </a:p>
+          <a:p>
+            <a:pPr marL="45720" indent="0">
+              <a:buNone/>
+            </a:pPr>
+            <a:r>
+              <a:rPr lang="en-US" sz="1800" dirty="0"/>
+              <a:t>#       various dependencies for </a:t>
+            </a:r>
+            <a:r>
+              <a:rPr lang="en-US" sz="1800" dirty="0" smtClean="0"/>
+              <a:t>sequence_handling</a:t>
+            </a:r>
+          </a:p>
+          <a:p>
+            <a:pPr marL="45720" indent="0">
+              <a:buNone/>
+            </a:pPr>
+            <a:r>
+              <a:rPr lang="is-IS" sz="1800" dirty="0" smtClean="0">
                 <a:solidFill>
                   <a:srgbClr val="FFFFFF"/>
                 </a:solidFill>
-                <a:latin typeface="Lucida Console"/>
-                <a:cs typeface="Lucida Console"/>
-              </a:rPr>
-              <a:t> </a:t>
-            </a:r>
-            <a:r>
-              <a:rPr lang="en-US" sz="1800" dirty="0" smtClean="0">
-                <a:solidFill>
-                  <a:srgbClr val="FFFFFF"/>
-                </a:solidFill>
-                <a:cs typeface="Lucida Console"/>
-              </a:rPr>
-              <a:t>(path to Config file)</a:t>
-            </a:r>
-            <a:endParaRPr lang="en-US" sz="1800" dirty="0" smtClean="0">
+              </a:rPr>
+              <a:t>…</a:t>
+            </a:r>
+          </a:p>
+          <a:p>
+            <a:pPr marL="45720" indent="0">
+              <a:buNone/>
+            </a:pPr>
+            <a:endParaRPr lang="is-IS" sz="1800" dirty="0" smtClean="0">
               <a:solidFill>
                 <a:srgbClr val="FFFFFF"/>
               </a:solidFill>
-              <a:cs typeface="Lucida Console"/>
+            </a:endParaRPr>
+          </a:p>
+          <a:p>
+            <a:pPr marL="45720" indent="0">
+              <a:buNone/>
+            </a:pPr>
+            <a:r>
+              <a:rPr lang="en-US" dirty="0"/>
+              <a:t>#   Do we have GNU parallel installed</a:t>
+            </a:r>
+          </a:p>
+          <a:p>
+            <a:pPr marL="45720" indent="0">
+              <a:buNone/>
+            </a:pPr>
+            <a:r>
+              <a:rPr lang="en-US" dirty="0" smtClean="0">
+                <a:solidFill>
+                  <a:srgbClr val="FFCF99"/>
+                </a:solidFill>
+              </a:rPr>
+              <a:t>#</a:t>
+            </a:r>
+            <a:r>
+              <a:rPr lang="en-US" dirty="0" smtClean="0"/>
+              <a:t>module </a:t>
+            </a:r>
+            <a:r>
+              <a:rPr lang="en-US" dirty="0"/>
+              <a:t>load parallel</a:t>
+            </a:r>
+          </a:p>
+          <a:p>
+            <a:pPr marL="45720" indent="0">
+              <a:buNone/>
+            </a:pPr>
+            <a:r>
+              <a:rPr lang="en-US" dirty="0"/>
+              <a:t>#PARALLEL=</a:t>
+            </a:r>
+          </a:p>
+          <a:p>
+            <a:pPr marL="45720" indent="0">
+              <a:buNone/>
+            </a:pPr>
+            <a:r>
+              <a:rPr lang="en-US" dirty="0"/>
+              <a:t>#export PATH=${PARALLEL}:${PATH}</a:t>
+            </a:r>
+          </a:p>
+          <a:p>
+            <a:pPr marL="45720" indent="0">
+              <a:buNone/>
+            </a:pPr>
+            <a:endParaRPr lang="en-US" dirty="0"/>
+          </a:p>
+          <a:p>
+            <a:pPr marL="45720" indent="0">
+              <a:buNone/>
+            </a:pPr>
+            <a:r>
+              <a:rPr lang="en-US" dirty="0"/>
+              <a:t>#   Do we have </a:t>
+            </a:r>
+            <a:r>
+              <a:rPr lang="en-US" dirty="0" err="1"/>
+              <a:t>FastQC</a:t>
+            </a:r>
+            <a:r>
+              <a:rPr lang="en-US" dirty="0"/>
+              <a:t> installed?</a:t>
+            </a:r>
+          </a:p>
+          <a:p>
+            <a:pPr marL="45720" indent="0">
+              <a:buNone/>
+            </a:pPr>
+            <a:r>
+              <a:rPr lang="en-US" dirty="0" smtClean="0">
+                <a:solidFill>
+                  <a:srgbClr val="FFCF99"/>
+                </a:solidFill>
+              </a:rPr>
+              <a:t>#</a:t>
+            </a:r>
+            <a:r>
+              <a:rPr lang="en-US" dirty="0" smtClean="0"/>
+              <a:t>module </a:t>
+            </a:r>
+            <a:r>
+              <a:rPr lang="en-US" dirty="0"/>
+              <a:t>load </a:t>
+            </a:r>
+            <a:r>
+              <a:rPr lang="en-US" dirty="0" err="1"/>
+              <a:t>fastqc</a:t>
+            </a:r>
+            <a:endParaRPr lang="en-US" dirty="0"/>
+          </a:p>
+          <a:p>
+            <a:pPr marL="45720" indent="0">
+              <a:buNone/>
+            </a:pPr>
+            <a:r>
+              <a:rPr lang="en-US" dirty="0"/>
+              <a:t>#FASTQC=</a:t>
+            </a:r>
+          </a:p>
+          <a:p>
+            <a:pPr marL="45720" indent="0">
+              <a:buNone/>
+            </a:pPr>
+            <a:r>
+              <a:rPr lang="en-US" dirty="0"/>
+              <a:t>#export PATH=${FASTQC}:${PATH}</a:t>
+            </a:r>
+            <a:endParaRPr lang="en-US" dirty="0">
+              <a:solidFill>
+                <a:srgbClr val="FFFFFF"/>
+              </a:solidFill>
             </a:endParaRPr>
           </a:p>
         </p:txBody>
@@ -13521,29 +14157,134 @@
           <a:p>
             <a:r>
               <a:rPr lang="en-US" dirty="0" smtClean="0"/>
-              <a:t>Exercise – Config </a:t>
+              <a:t>Exercise </a:t>
+            </a:r>
+            <a:r>
+              <a:rPr lang="en-US" dirty="0" smtClean="0"/>
+              <a:t>– </a:t>
             </a:r>
             <a:br>
               <a:rPr lang="en-US" dirty="0" smtClean="0"/>
             </a:br>
             <a:r>
               <a:rPr lang="en-US" dirty="0" smtClean="0"/>
-              <a:t>Quality Assessment</a:t>
+              <a:t>Config dependencies</a:t>
             </a:r>
             <a:endParaRPr lang="en-US" dirty="0"/>
+          </a:p>
+        </p:txBody>
+      </p:sp>
+      <p:sp>
+        <p:nvSpPr>
+          <p:cNvPr id="7" name="TextBox 6"/>
+          <p:cNvSpPr txBox="1"/>
+          <p:nvPr/>
+        </p:nvSpPr>
+        <p:spPr>
+          <a:xfrm>
+            <a:off x="4695804" y="4042761"/>
+            <a:ext cx="3931157" cy="1315745"/>
+          </a:xfrm>
+          <a:prstGeom prst="rect">
+            <a:avLst/>
+          </a:prstGeom>
+          <a:noFill/>
+          <a:ln>
+            <a:solidFill>
+              <a:srgbClr val="838D9B"/>
+            </a:solidFill>
+          </a:ln>
+        </p:spPr>
+        <p:txBody>
+          <a:bodyPr wrap="square" rtlCol="0">
+            <a:spAutoFit/>
+          </a:bodyPr>
+          <a:lstStyle/>
+          <a:p>
+            <a:pPr>
+              <a:lnSpc>
+                <a:spcPct val="150000"/>
+              </a:lnSpc>
+            </a:pPr>
+            <a:r>
+              <a:rPr lang="en-US" dirty="0" smtClean="0">
+                <a:solidFill>
+                  <a:schemeClr val="tx2">
+                    <a:lumMod val="40000"/>
+                    <a:lumOff val="60000"/>
+                  </a:schemeClr>
+                </a:solidFill>
+              </a:rPr>
+              <a:t>In HPC - do </a:t>
+            </a:r>
+            <a:r>
+              <a:rPr lang="en-US" dirty="0">
+                <a:solidFill>
+                  <a:schemeClr val="tx2">
+                    <a:lumMod val="40000"/>
+                    <a:lumOff val="60000"/>
+                  </a:schemeClr>
+                </a:solidFill>
+              </a:rPr>
+              <a:t>module </a:t>
+            </a:r>
+            <a:r>
+              <a:rPr lang="en-US" dirty="0" smtClean="0">
+                <a:solidFill>
+                  <a:schemeClr val="tx2">
+                    <a:lumMod val="40000"/>
+                    <a:lumOff val="60000"/>
+                  </a:schemeClr>
+                </a:solidFill>
+              </a:rPr>
+              <a:t>load</a:t>
+            </a:r>
+          </a:p>
+          <a:p>
+            <a:pPr>
+              <a:lnSpc>
+                <a:spcPct val="150000"/>
+              </a:lnSpc>
+            </a:pPr>
+            <a:r>
+              <a:rPr lang="en-US" dirty="0" smtClean="0">
+                <a:solidFill>
+                  <a:schemeClr val="tx2">
+                    <a:lumMod val="40000"/>
+                    <a:lumOff val="60000"/>
+                  </a:schemeClr>
+                </a:solidFill>
+              </a:rPr>
+              <a:t>Delete # in front of module load for parallel and FASTQC</a:t>
+            </a:r>
+            <a:endParaRPr lang="en-US" dirty="0">
+              <a:solidFill>
+                <a:schemeClr val="tx2">
+                  <a:lumMod val="40000"/>
+                  <a:lumOff val="60000"/>
+                </a:schemeClr>
+              </a:solidFill>
+            </a:endParaRPr>
           </a:p>
         </p:txBody>
       </p:sp>
     </p:spTree>
     <p:extLst>
       <p:ext uri="{BB962C8B-B14F-4D97-AF65-F5344CB8AC3E}">
-        <p14:creationId xmlns:p14="http://schemas.microsoft.com/office/powerpoint/2010/main" val="1746707197"/>
+        <p14:creationId xmlns:p14="http://schemas.microsoft.com/office/powerpoint/2010/main" val="434398107"/>
       </p:ext>
     </p:extLst>
   </p:cSld>
   <p:clrMapOvr>
     <a:masterClrMapping/>
   </p:clrMapOvr>
+  <p:timing>
+    <p:tnLst>
+      <p:par>
+        <p:cTn xmlns:p14="http://schemas.microsoft.com/office/powerpoint/2010/main" id="1" dur="indefinite" restart="never" nodeType="tmRoot"/>
+      </p:par>
+    </p:tnLst>
+  </p:timing>
 </p:sld>
 </file>
 
@@ -13574,118 +14315,166 @@
             <p:ph idx="1"/>
           </p:nvPr>
         </p:nvSpPr>
-        <p:spPr/>
-        <p:txBody>
-          <a:bodyPr/>
+        <p:spPr>
+          <a:xfrm>
+            <a:off x="86100" y="2616185"/>
+            <a:ext cx="9057900" cy="2393521"/>
+          </a:xfrm>
+        </p:spPr>
+        <p:txBody>
+          <a:bodyPr>
+            <a:normAutofit/>
+          </a:bodyPr>
           <a:lstStyle/>
           <a:p>
             <a:pPr marL="45720" indent="0">
               <a:buNone/>
             </a:pPr>
             <a:r>
+              <a:rPr lang="en-US" dirty="0"/>
+              <a:t>3</a:t>
+            </a:r>
+            <a:r>
               <a:rPr lang="en-US" dirty="0" smtClean="0"/>
-              <a:t>Mac users:</a:t>
-            </a:r>
+              <a:t>. Run analysis interactively </a:t>
+            </a:r>
+            <a:endParaRPr lang="en-US" dirty="0" smtClean="0"/>
           </a:p>
           <a:p>
             <a:pPr marL="45720" indent="0">
               <a:buNone/>
             </a:pPr>
-            <a:endParaRPr lang="en-US" dirty="0">
+            <a:r>
+              <a:rPr lang="en-US" sz="1600" dirty="0" smtClean="0"/>
+              <a:t>(</a:t>
+            </a:r>
+            <a:r>
+              <a:rPr lang="en-US" sz="1600" dirty="0" smtClean="0"/>
+              <a:t>in sequence_handling </a:t>
+            </a:r>
+            <a:r>
+              <a:rPr lang="en-US" sz="1600" dirty="0" smtClean="0"/>
+              <a:t>directory, </a:t>
+            </a:r>
+            <a:r>
+              <a:rPr lang="en-US" sz="1600" u="sng" dirty="0" smtClean="0"/>
+              <a:t>in one of the high performance systems </a:t>
+            </a:r>
+            <a:r>
+              <a:rPr lang="en-US" sz="1600" dirty="0" smtClean="0"/>
+              <a:t>– lab, Itasca, Mesabi)</a:t>
+            </a:r>
+            <a:endParaRPr lang="en-US" sz="1600" dirty="0" smtClean="0"/>
+          </a:p>
+          <a:p>
+            <a:pPr marL="45720" indent="0">
+              <a:buNone/>
+            </a:pPr>
+            <a:endParaRPr lang="en-US" sz="2400" dirty="0"/>
+          </a:p>
+          <a:p>
+            <a:pPr marL="45720" indent="0">
+              <a:buNone/>
+            </a:pPr>
+            <a:r>
+              <a:rPr lang="en-US" dirty="0">
+                <a:solidFill>
+                  <a:srgbClr val="CCFFCC"/>
+                </a:solidFill>
+                <a:latin typeface="Lucida Console"/>
+                <a:cs typeface="Lucida Console"/>
+              </a:rPr>
+              <a:t>./sequence_handling </a:t>
+            </a:r>
+            <a:r>
+              <a:rPr lang="en-US" dirty="0" smtClean="0">
+                <a:solidFill>
+                  <a:srgbClr val="CCFFCC"/>
+                </a:solidFill>
+                <a:latin typeface="Lucida Console"/>
+                <a:cs typeface="Lucida Console"/>
+              </a:rPr>
+              <a:t>1 </a:t>
+            </a:r>
+            <a:r>
+              <a:rPr lang="en-US" dirty="0" smtClean="0">
+                <a:solidFill>
+                  <a:srgbClr val="CCFFCC"/>
+                </a:solidFill>
+                <a:latin typeface="Lucida Console"/>
+                <a:cs typeface="Lucida Console"/>
+              </a:rPr>
+              <a:t>~/</a:t>
+            </a:r>
+            <a:r>
+              <a:rPr lang="en-US" dirty="0" smtClean="0">
+                <a:solidFill>
+                  <a:srgbClr val="CCFFCC"/>
+                </a:solidFill>
+                <a:latin typeface="Lucida Console"/>
+                <a:cs typeface="Lucida Console"/>
+              </a:rPr>
+              <a:t>sequence_handling/</a:t>
+            </a:r>
+            <a:r>
+              <a:rPr lang="en-US" dirty="0" smtClean="0">
+                <a:solidFill>
+                  <a:srgbClr val="CCFFCC"/>
+                </a:solidFill>
+                <a:latin typeface="Lucida Console"/>
+                <a:cs typeface="Lucida Console"/>
+              </a:rPr>
+              <a:t>Config</a:t>
+            </a:r>
+          </a:p>
+          <a:p>
+            <a:pPr marL="45720" indent="0">
+              <a:buNone/>
+            </a:pPr>
+            <a:r>
+              <a:rPr lang="en-US" dirty="0">
+                <a:solidFill>
+                  <a:srgbClr val="CCFFCC"/>
+                </a:solidFill>
+                <a:latin typeface="Lucida Console"/>
+                <a:cs typeface="Lucida Console"/>
+              </a:rPr>
+              <a:t>	</a:t>
+            </a:r>
+            <a:r>
+              <a:rPr lang="en-US" dirty="0" smtClean="0">
+                <a:solidFill>
+                  <a:srgbClr val="CCFFCC"/>
+                </a:solidFill>
+                <a:latin typeface="Lucida Console"/>
+                <a:cs typeface="Lucida Console"/>
+              </a:rPr>
+              <a:t>			    </a:t>
+            </a:r>
+            <a:r>
+              <a:rPr lang="en-US" dirty="0" smtClean="0">
+                <a:solidFill>
+                  <a:srgbClr val="FFFFFF"/>
+                </a:solidFill>
+                <a:latin typeface="Lucida Console"/>
+                <a:cs typeface="Lucida Console"/>
+              </a:rPr>
+              <a:t> </a:t>
+            </a:r>
+            <a:r>
+              <a:rPr lang="en-US" sz="1800" dirty="0" smtClean="0">
+                <a:solidFill>
+                  <a:srgbClr val="FFFFFF"/>
+                </a:solidFill>
+                <a:cs typeface="Lucida Console"/>
+              </a:rPr>
+              <a:t>(path to Config file)</a:t>
+            </a:r>
+            <a:endParaRPr lang="en-US" sz="1800" dirty="0" smtClean="0">
               <a:solidFill>
-                <a:srgbClr val="CCFFCC"/>
+                <a:srgbClr val="FFFFFF"/>
               </a:solidFill>
-            </a:endParaRPr>
-          </a:p>
-          <a:p>
-            <a:pPr marL="45720" indent="0">
-              <a:buNone/>
-            </a:pPr>
-            <a:r>
-              <a:rPr lang="en-US" dirty="0" err="1" smtClean="0">
-                <a:solidFill>
-                  <a:srgbClr val="CCFFCC"/>
-                </a:solidFill>
-              </a:rPr>
-              <a:t>firefox</a:t>
-            </a:r>
-            <a:r>
-              <a:rPr lang="en-US" dirty="0" smtClean="0">
-                <a:solidFill>
-                  <a:srgbClr val="CCFFCC"/>
-                </a:solidFill>
-              </a:rPr>
-              <a:t> &lt;</a:t>
-            </a:r>
-            <a:r>
-              <a:rPr lang="en-US" dirty="0" err="1" smtClean="0">
-                <a:solidFill>
-                  <a:srgbClr val="CCFFCC"/>
-                </a:solidFill>
-              </a:rPr>
-              <a:t>fastqc.html</a:t>
-            </a:r>
-            <a:r>
-              <a:rPr lang="en-US" dirty="0" smtClean="0">
-                <a:solidFill>
-                  <a:srgbClr val="CCFFCC"/>
-                </a:solidFill>
-              </a:rPr>
-              <a:t>&gt;</a:t>
-            </a:r>
-          </a:p>
-          <a:p>
-            <a:pPr marL="45720" indent="0">
-              <a:buNone/>
-            </a:pPr>
-            <a:endParaRPr lang="en-US" dirty="0">
-              <a:solidFill>
-                <a:srgbClr val="CCFFCC"/>
-              </a:solidFill>
-            </a:endParaRPr>
-          </a:p>
-          <a:p>
-            <a:pPr marL="45720" indent="0">
-              <a:buNone/>
-            </a:pPr>
-            <a:r>
-              <a:rPr lang="en-US" dirty="0" smtClean="0"/>
-              <a:t>PC users: </a:t>
-            </a:r>
-          </a:p>
-          <a:p>
-            <a:pPr marL="45720" indent="0">
-              <a:buNone/>
-            </a:pPr>
-            <a:endParaRPr lang="en-US" dirty="0"/>
-          </a:p>
-          <a:p>
-            <a:pPr marL="45720" indent="0">
-              <a:buNone/>
-            </a:pPr>
-            <a:r>
-              <a:rPr lang="en-US" dirty="0" smtClean="0"/>
-              <a:t>Instructions in email sent by Paul Hoffman today</a:t>
-            </a:r>
-          </a:p>
-          <a:p>
-            <a:pPr marL="45720" indent="0">
-              <a:buNone/>
-            </a:pPr>
-            <a:endParaRPr lang="en-US" dirty="0">
-              <a:solidFill>
-                <a:srgbClr val="CCFFCC"/>
-              </a:solidFill>
-            </a:endParaRPr>
-          </a:p>
-          <a:p>
-            <a:pPr marL="45720" indent="0">
-              <a:buNone/>
-            </a:pPr>
-            <a:endParaRPr lang="en-US" dirty="0">
-              <a:solidFill>
-                <a:srgbClr val="CCFFCC"/>
-              </a:solidFill>
+              <a:cs typeface="Lucida Console"/>
             </a:endParaRPr>
           </a:p>
         </p:txBody>
@@ -13721,11 +14510,7 @@
             </a:br>
             <a:r>
               <a:rPr lang="en-US" dirty="0" smtClean="0"/>
-              <a:t>Quality </a:t>
-            </a:r>
-            <a:r>
-              <a:rPr lang="en-US" dirty="0" smtClean="0"/>
-              <a:t>Assessment results</a:t>
+              <a:t>Quality Assessment</a:t>
             </a:r>
             <a:endParaRPr lang="en-US" dirty="0"/>
           </a:p>
@@ -13734,7 +14519,7 @@
     </p:spTree>
     <p:extLst>
       <p:ext uri="{BB962C8B-B14F-4D97-AF65-F5344CB8AC3E}">
-        <p14:creationId xmlns:p14="http://schemas.microsoft.com/office/powerpoint/2010/main" val="596649802"/>
+        <p14:creationId xmlns:p14="http://schemas.microsoft.com/office/powerpoint/2010/main" val="1746707197"/>
       </p:ext>
     </p:extLst>
   </p:cSld>
@@ -13778,6 +14563,210 @@
             <p:ph idx="1"/>
           </p:nvPr>
         </p:nvSpPr>
+        <p:spPr/>
+        <p:txBody>
+          <a:bodyPr/>
+          <a:lstStyle/>
+          <a:p>
+            <a:pPr marL="45720" indent="0">
+              <a:buNone/>
+            </a:pPr>
+            <a:r>
+              <a:rPr lang="en-US" dirty="0" smtClean="0"/>
+              <a:t>Mac users:</a:t>
+            </a:r>
+          </a:p>
+          <a:p>
+            <a:pPr marL="45720" indent="0">
+              <a:buNone/>
+            </a:pPr>
+            <a:endParaRPr lang="en-US" dirty="0">
+              <a:solidFill>
+                <a:srgbClr val="CCFFCC"/>
+              </a:solidFill>
+            </a:endParaRPr>
+          </a:p>
+          <a:p>
+            <a:pPr marL="45720" indent="0">
+              <a:buNone/>
+            </a:pPr>
+            <a:r>
+              <a:rPr lang="en-US" dirty="0" err="1" smtClean="0">
+                <a:solidFill>
+                  <a:srgbClr val="CCFFCC"/>
+                </a:solidFill>
+              </a:rPr>
+              <a:t>firefox</a:t>
+            </a:r>
+            <a:r>
+              <a:rPr lang="en-US" dirty="0" smtClean="0">
+                <a:solidFill>
+                  <a:srgbClr val="CCFFCC"/>
+                </a:solidFill>
+              </a:rPr>
+              <a:t> &lt;</a:t>
+            </a:r>
+            <a:r>
+              <a:rPr lang="en-US" dirty="0" err="1" smtClean="0">
+                <a:solidFill>
+                  <a:srgbClr val="CCFFCC"/>
+                </a:solidFill>
+              </a:rPr>
+              <a:t>fastqc.html</a:t>
+            </a:r>
+            <a:r>
+              <a:rPr lang="en-US" dirty="0" smtClean="0">
+                <a:solidFill>
+                  <a:srgbClr val="CCFFCC"/>
+                </a:solidFill>
+              </a:rPr>
+              <a:t>&gt;</a:t>
+            </a:r>
+          </a:p>
+          <a:p>
+            <a:pPr marL="45720" indent="0">
+              <a:buNone/>
+            </a:pPr>
+            <a:endParaRPr lang="en-US" dirty="0">
+              <a:solidFill>
+                <a:srgbClr val="CCFFCC"/>
+              </a:solidFill>
+            </a:endParaRPr>
+          </a:p>
+          <a:p>
+            <a:pPr marL="45720" indent="0">
+              <a:buNone/>
+            </a:pPr>
+            <a:r>
+              <a:rPr lang="en-US" dirty="0" smtClean="0"/>
+              <a:t>PC users: </a:t>
+            </a:r>
+          </a:p>
+          <a:p>
+            <a:pPr marL="45720" indent="0">
+              <a:buNone/>
+            </a:pPr>
+            <a:endParaRPr lang="en-US" dirty="0"/>
+          </a:p>
+          <a:p>
+            <a:pPr marL="45720" indent="0">
+              <a:buNone/>
+            </a:pPr>
+            <a:r>
+              <a:rPr lang="en-US" dirty="0" smtClean="0"/>
+              <a:t>Instructions in email sent by Paul Hoffman today</a:t>
+            </a:r>
+          </a:p>
+          <a:p>
+            <a:pPr marL="45720" indent="0">
+              <a:buNone/>
+            </a:pPr>
+            <a:endParaRPr lang="en-US" dirty="0">
+              <a:solidFill>
+                <a:srgbClr val="CCFFCC"/>
+              </a:solidFill>
+            </a:endParaRPr>
+          </a:p>
+          <a:p>
+            <a:pPr marL="45720" indent="0">
+              <a:buNone/>
+            </a:pPr>
+            <a:endParaRPr lang="en-US" dirty="0">
+              <a:solidFill>
+                <a:srgbClr val="CCFFCC"/>
+              </a:solidFill>
+            </a:endParaRPr>
+          </a:p>
+        </p:txBody>
+      </p:sp>
+      <p:sp>
+        <p:nvSpPr>
+          <p:cNvPr id="5" name="Title 1"/>
+          <p:cNvSpPr>
+            <a:spLocks noGrp="1"/>
+          </p:cNvSpPr>
+          <p:nvPr>
+            <p:ph type="title"/>
+          </p:nvPr>
+        </p:nvSpPr>
+        <p:spPr>
+          <a:xfrm>
+            <a:off x="914400" y="709115"/>
+            <a:ext cx="7315200" cy="1154097"/>
+          </a:xfrm>
+        </p:spPr>
+        <p:txBody>
+          <a:bodyPr>
+            <a:normAutofit fontScale="90000"/>
+          </a:bodyPr>
+          <a:lstStyle/>
+          <a:p>
+            <a:r>
+              <a:rPr lang="en-US" dirty="0" smtClean="0"/>
+              <a:t>Exercise – Config </a:t>
+            </a:r>
+            <a:br>
+              <a:rPr lang="en-US" dirty="0" smtClean="0"/>
+            </a:br>
+            <a:r>
+              <a:rPr lang="en-US" dirty="0" smtClean="0"/>
+              <a:t>Quality </a:t>
+            </a:r>
+            <a:r>
+              <a:rPr lang="en-US" dirty="0" smtClean="0"/>
+              <a:t>Assessment results</a:t>
+            </a:r>
+            <a:endParaRPr lang="en-US" dirty="0"/>
+          </a:p>
+        </p:txBody>
+      </p:sp>
+    </p:spTree>
+    <p:extLst>
+      <p:ext uri="{BB962C8B-B14F-4D97-AF65-F5344CB8AC3E}">
+        <p14:creationId xmlns:p14="http://schemas.microsoft.com/office/powerpoint/2010/main" val="596649802"/>
+      </p:ext>
+    </p:extLst>
+  </p:cSld>
+  <p:clrMapOvr>
+    <a:masterClrMapping/>
+  </p:clrMapOvr>
+  <p:timing>
+    <p:tnLst>
+      <p:par>
+        <p:cTn xmlns:p14="http://schemas.microsoft.com/office/powerpoint/2010/main" id="1" dur="indefinite" restart="never" nodeType="tmRoot"/>
+      </p:par>
+    </p:tnLst>
+  </p:timing>
+</p:sld>
+</file>
+
+<file path=ppt/slides/slide38.xml><?xml version="1.0" encoding="utf-8"?>
+<p:sld xmlns:a="http://schemas.openxmlformats.org/drawingml/2006/main" xmlns:r="http://schemas.openxmlformats.org/officeDocument/2006/relationships" xmlns:p="http://schemas.openxmlformats.org/presentationml/2006/main">
+  <p:cSld>
+    <p:spTree>
+      <p:nvGrpSpPr>
+        <p:cNvPr id="1" name=""/>
+        <p:cNvGrpSpPr/>
+        <p:nvPr/>
+      </p:nvGrpSpPr>
+      <p:grpSpPr>
+        <a:xfrm>
+          <a:off x="0" y="0"/>
+          <a:ext cx="0" cy="0"/>
+          <a:chOff x="0" y="0"/>
+          <a:chExt cx="0" cy="0"/>
+        </a:xfrm>
+      </p:grpSpPr>
+      <p:sp>
+        <p:nvSpPr>
+          <p:cNvPr id="3" name="Content Placeholder 2"/>
+          <p:cNvSpPr>
+            <a:spLocks noGrp="1"/>
+          </p:cNvSpPr>
+          <p:nvPr>
+            <p:ph idx="1"/>
+          </p:nvPr>
+        </p:nvSpPr>
         <p:spPr>
           <a:xfrm>
             <a:off x="86100" y="2397071"/>
@@ -14106,10 +15095,17 @@
   <p:clrMapOvr>
     <a:masterClrMapping/>
   </p:clrMapOvr>
+  <p:timing>
+    <p:tnLst>
+      <p:par>
+        <p:cTn xmlns:p14="http://schemas.microsoft.com/office/powerpoint/2010/main" id="1" dur="indefinite" restart="never" nodeType="tmRoot"/>
+      </p:par>
+    </p:tnLst>
+  </p:timing>
 </p:sld>
 </file>
 
-<file path=ppt/slides/slide38.xml><?xml version="1.0" encoding="utf-8"?>
+<file path=ppt/slides/slide39.xml><?xml version="1.0" encoding="utf-8"?>
 <p:sld xmlns:a="http://schemas.openxmlformats.org/drawingml/2006/main" xmlns:r="http://schemas.openxmlformats.org/officeDocument/2006/relationships" xmlns:p="http://schemas.openxmlformats.org/presentationml/2006/main">
   <p:cSld>
     <p:spTree>
@@ -14510,10 +15506,148 @@
   <p:clrMapOvr>
     <a:masterClrMapping/>
   </p:clrMapOvr>
+  <p:timing>
+    <p:tnLst>
+      <p:par>
+        <p:cTn xmlns:p14="http://schemas.microsoft.com/office/powerpoint/2010/main" id="1" dur="indefinite" restart="never" nodeType="tmRoot"/>
+      </p:par>
+    </p:tnLst>
+  </p:timing>
 </p:sld>
 </file>
 
-<file path=ppt/slides/slide39.xml><?xml version="1.0" encoding="utf-8"?>
+<file path=ppt/slides/slide4.xml><?xml version="1.0" encoding="utf-8"?>
+<p:sld xmlns:a="http://schemas.openxmlformats.org/drawingml/2006/main" xmlns:r="http://schemas.openxmlformats.org/officeDocument/2006/relationships" xmlns:p="http://schemas.openxmlformats.org/presentationml/2006/main">
+  <p:cSld>
+    <p:spTree>
+      <p:nvGrpSpPr>
+        <p:cNvPr id="1" name=""/>
+        <p:cNvGrpSpPr/>
+        <p:nvPr/>
+      </p:nvGrpSpPr>
+      <p:grpSpPr>
+        <a:xfrm>
+          <a:off x="0" y="0"/>
+          <a:ext cx="0" cy="0"/>
+          <a:chOff x="0" y="0"/>
+          <a:chExt cx="0" cy="0"/>
+        </a:xfrm>
+      </p:grpSpPr>
+      <p:sp>
+        <p:nvSpPr>
+          <p:cNvPr id="3" name="Content Placeholder 2"/>
+          <p:cNvSpPr>
+            <a:spLocks noGrp="1"/>
+          </p:cNvSpPr>
+          <p:nvPr>
+            <p:ph idx="1"/>
+          </p:nvPr>
+        </p:nvSpPr>
+        <p:spPr/>
+        <p:txBody>
+          <a:bodyPr/>
+          <a:lstStyle/>
+          <a:p>
+            <a:pPr marL="45720" indent="0">
+              <a:buNone/>
+            </a:pPr>
+            <a:r>
+              <a:rPr lang="en-US" dirty="0"/>
+              <a:t>https://</a:t>
+            </a:r>
+            <a:r>
+              <a:rPr lang="en-US" dirty="0" err="1"/>
+              <a:t>github.com</a:t>
+            </a:r>
+            <a:r>
+              <a:rPr lang="en-US" dirty="0"/>
+              <a:t>/</a:t>
+            </a:r>
+            <a:r>
+              <a:rPr lang="en-US" dirty="0" err="1"/>
+              <a:t>MorrellLAB</a:t>
+            </a:r>
+            <a:r>
+              <a:rPr lang="en-US" dirty="0"/>
+              <a:t>/</a:t>
+            </a:r>
+            <a:r>
+              <a:rPr lang="en-US" dirty="0" err="1"/>
+              <a:t>DoesNaughtCompute</a:t>
+            </a:r>
+            <a:r>
+              <a:rPr lang="en-US" dirty="0"/>
+              <a:t>/blob/master/</a:t>
+            </a:r>
+            <a:r>
+              <a:rPr lang="en-US" dirty="0" err="1"/>
+              <a:t>Sequence_Handling</a:t>
+            </a:r>
+            <a:r>
+              <a:rPr lang="en-US" dirty="0"/>
+              <a:t>/DoesNaughtCompute_SeqHandling_Dec052016.pptx</a:t>
+            </a:r>
+          </a:p>
+        </p:txBody>
+      </p:sp>
+      <p:sp>
+        <p:nvSpPr>
+          <p:cNvPr id="4" name="Title 1"/>
+          <p:cNvSpPr>
+            <a:spLocks noGrp="1"/>
+          </p:cNvSpPr>
+          <p:nvPr>
+            <p:ph type="title"/>
+          </p:nvPr>
+        </p:nvSpPr>
+        <p:spPr>
+          <a:xfrm>
+            <a:off x="914400" y="716355"/>
+            <a:ext cx="7315200" cy="1154097"/>
+          </a:xfrm>
+        </p:spPr>
+        <p:txBody>
+          <a:bodyPr>
+            <a:normAutofit fontScale="90000"/>
+          </a:bodyPr>
+          <a:lstStyle/>
+          <a:p>
+            <a:r>
+              <a:rPr lang="en-US" dirty="0" smtClean="0"/>
+              <a:t>sequence_handling</a:t>
+            </a:r>
+            <a:br>
+              <a:rPr lang="en-US" dirty="0" smtClean="0"/>
+            </a:br>
+            <a:r>
+              <a:rPr lang="en-US" dirty="0" smtClean="0"/>
+              <a:t>Presentation</a:t>
+            </a:r>
+            <a:endParaRPr lang="en-US" dirty="0"/>
+          </a:p>
+        </p:txBody>
+      </p:sp>
+    </p:spTree>
+    <p:extLst>
+      <p:ext uri="{BB962C8B-B14F-4D97-AF65-F5344CB8AC3E}">
+        <p14:creationId xmlns:p14="http://schemas.microsoft.com/office/powerpoint/2010/main" val="1820637176"/>
+      </p:ext>
+    </p:extLst>
+  </p:cSld>
+  <p:clrMapOvr>
+    <a:masterClrMapping/>
+  </p:clrMapOvr>
+  <p:timing>
+    <p:tnLst>
+      <p:par>
+        <p:cTn xmlns:p14="http://schemas.microsoft.com/office/powerpoint/2010/main" id="1" dur="indefinite" restart="never" nodeType="tmRoot"/>
+      </p:par>
+    </p:tnLst>
+  </p:timing>
+</p:sld>
+</file>
+
+<file path=ppt/slides/slide40.xml><?xml version="1.0" encoding="utf-8"?>
 <p:sld xmlns:a="http://schemas.openxmlformats.org/drawingml/2006/main" xmlns:r="http://schemas.openxmlformats.org/officeDocument/2006/relationships" xmlns:p="http://schemas.openxmlformats.org/presentationml/2006/main">
   <p:cSld>
     <p:spTree>
@@ -14894,135 +16028,6 @@
     <p:extLst>
       <p:ext uri="{BB962C8B-B14F-4D97-AF65-F5344CB8AC3E}">
         <p14:creationId xmlns:p14="http://schemas.microsoft.com/office/powerpoint/2010/main" val="1008963166"/>
-      </p:ext>
-    </p:extLst>
-  </p:cSld>
-  <p:clrMapOvr>
-    <a:masterClrMapping/>
-  </p:clrMapOvr>
-</p:sld>
-</file>
-
-<file path=ppt/slides/slide4.xml><?xml version="1.0" encoding="utf-8"?>
-<p:sld xmlns:a="http://schemas.openxmlformats.org/drawingml/2006/main" xmlns:r="http://schemas.openxmlformats.org/officeDocument/2006/relationships" xmlns:p="http://schemas.openxmlformats.org/presentationml/2006/main">
-  <p:cSld>
-    <p:spTree>
-      <p:nvGrpSpPr>
-        <p:cNvPr id="1" name=""/>
-        <p:cNvGrpSpPr/>
-        <p:nvPr/>
-      </p:nvGrpSpPr>
-      <p:grpSpPr>
-        <a:xfrm>
-          <a:off x="0" y="0"/>
-          <a:ext cx="0" cy="0"/>
-          <a:chOff x="0" y="0"/>
-          <a:chExt cx="0" cy="0"/>
-        </a:xfrm>
-      </p:grpSpPr>
-      <p:sp>
-        <p:nvSpPr>
-          <p:cNvPr id="2" name="Title 1"/>
-          <p:cNvSpPr>
-            <a:spLocks noGrp="1"/>
-          </p:cNvSpPr>
-          <p:nvPr>
-            <p:ph type="title"/>
-          </p:nvPr>
-        </p:nvSpPr>
-        <p:spPr>
-          <a:xfrm>
-            <a:off x="914400" y="709115"/>
-            <a:ext cx="7315200" cy="1154097"/>
-          </a:xfrm>
-        </p:spPr>
-        <p:txBody>
-          <a:bodyPr/>
-          <a:lstStyle/>
-          <a:p>
-            <a:r>
-              <a:rPr lang="en-US" dirty="0"/>
-              <a:t>sequence_handling</a:t>
-            </a:r>
-          </a:p>
-        </p:txBody>
-      </p:sp>
-      <p:sp>
-        <p:nvSpPr>
-          <p:cNvPr id="3" name="Content Placeholder 2"/>
-          <p:cNvSpPr>
-            <a:spLocks noGrp="1"/>
-          </p:cNvSpPr>
-          <p:nvPr>
-            <p:ph idx="1"/>
-          </p:nvPr>
-        </p:nvSpPr>
-        <p:spPr>
-          <a:xfrm>
-            <a:off x="183799" y="2769833"/>
-            <a:ext cx="8793111" cy="3539527"/>
-          </a:xfrm>
-        </p:spPr>
-        <p:txBody>
-          <a:bodyPr>
-            <a:noAutofit/>
-          </a:bodyPr>
-          <a:lstStyle/>
-          <a:p>
-            <a:pPr marL="45720" indent="0" algn="ctr">
-              <a:buNone/>
-            </a:pPr>
-            <a:r>
-              <a:rPr lang="en-US" sz="3600" dirty="0" smtClean="0"/>
-              <a:t>“A </a:t>
-            </a:r>
-            <a:r>
-              <a:rPr lang="en-US" sz="3600" dirty="0"/>
-              <a:t>series of scripts that automates sequence analysis </a:t>
-            </a:r>
-            <a:r>
-              <a:rPr lang="en-US" sz="3600" dirty="0" smtClean="0"/>
-              <a:t>workflows”</a:t>
-            </a:r>
-          </a:p>
-          <a:p>
-            <a:pPr marL="45720" indent="0" algn="ctr">
-              <a:buNone/>
-            </a:pPr>
-            <a:endParaRPr lang="en-US" sz="3200" dirty="0"/>
-          </a:p>
-          <a:p>
-            <a:pPr marL="45720" indent="0" algn="ctr">
-              <a:buNone/>
-            </a:pPr>
-            <a:r>
-              <a:rPr lang="en-US" sz="2800" dirty="0" smtClean="0">
-                <a:solidFill>
-                  <a:srgbClr val="F9BE92"/>
-                </a:solidFill>
-              </a:rPr>
-              <a:t>Developed by Paul Hoffman and Skylar </a:t>
-            </a:r>
-            <a:r>
-              <a:rPr lang="en-US" sz="2800" dirty="0" err="1" smtClean="0">
-                <a:solidFill>
-                  <a:srgbClr val="F9BE92"/>
-                </a:solidFill>
-              </a:rPr>
-              <a:t>Wyant</a:t>
-            </a:r>
-            <a:endParaRPr lang="en-US" sz="2800" dirty="0" smtClean="0">
-              <a:solidFill>
-                <a:srgbClr val="F9BE92"/>
-              </a:solidFill>
-            </a:endParaRPr>
-          </a:p>
-        </p:txBody>
-      </p:sp>
-    </p:spTree>
-    <p:extLst>
-      <p:ext uri="{BB962C8B-B14F-4D97-AF65-F5344CB8AC3E}">
-        <p14:creationId xmlns:p14="http://schemas.microsoft.com/office/powerpoint/2010/main" val="2403026913"/>
       </p:ext>
     </p:extLst>
   </p:cSld>

--- a/Sequence_Handling/DoesNaughtCompute_SeqHandling_Dec052016.pptx
+++ b/Sequence_Handling/DoesNaughtCompute_SeqHandling_Dec052016.pptx
@@ -11754,7 +11754,7 @@
                 <a:latin typeface="Lucida Console"/>
                 <a:cs typeface="Lucida Console"/>
               </a:rPr>
-              <a:t>SH_Example_data</a:t>
+              <a:t>SH_Example_Data</a:t>
             </a:r>
             <a:endParaRPr lang="en-US" sz="1800" dirty="0" smtClean="0">
               <a:solidFill>
@@ -12433,14 +12433,14 @@
               <a:t>/public/</a:t>
             </a:r>
             <a:r>
-              <a:rPr lang="en-US" sz="1600" dirty="0" err="1">
+              <a:rPr lang="en-US" sz="1600" dirty="0" err="1" smtClean="0">
                 <a:solidFill>
                   <a:srgbClr val="CCFFCC"/>
                 </a:solidFill>
                 <a:latin typeface="Lucida Console"/>
                 <a:cs typeface="Lucida Console"/>
               </a:rPr>
-              <a:t>SH_Example_data</a:t>
+              <a:t>SH_Example_Data</a:t>
             </a:r>
             <a:endParaRPr lang="en-US" sz="1600" dirty="0">
               <a:solidFill>

--- a/Sequence_Handling/DoesNaughtCompute_SeqHandling_Dec052016.pptx
+++ b/Sequence_Handling/DoesNaughtCompute_SeqHandling_Dec052016.pptx
@@ -148,7 +148,7 @@
   </p:defaultTextStyle>
   <p:extLst>
     <p:ext uri="{EFAFB233-063F-42B5-8137-9DF3F51BA10A}">
-      <p15:sldGuideLst xmlns="" xmlns:p15="http://schemas.microsoft.com/office/powerpoint/2012/main">
+      <p15:sldGuideLst xmlns:p15="http://schemas.microsoft.com/office/powerpoint/2012/main" xmlns="">
         <p15:guide id="1" orient="horz" pos="2160">
           <p15:clr>
             <a:srgbClr val="A4A3A4"/>
@@ -247,7 +247,7 @@
           <a:p>
             <a:fld id="{A49FDB65-27C9-3A4B-8F2C-A6C29A19C80D}" type="datetimeFigureOut">
               <a:rPr lang="en-US" smtClean="0"/>
-              <a:t>1/24/17</a:t>
+              <a:t>1/26/17</a:t>
             </a:fld>
             <a:endParaRPr lang="en-US"/>
           </a:p>
@@ -1272,27 +1272,8 @@
                 <a:ea typeface="+mn-ea"/>
                 <a:cs typeface="+mn-cs"/>
               </a:rPr>
-              <a:t>List-based batch submission allows the workflow to run on multiple samples at </a:t>
-            </a:r>
-            <a:r>
-              <a:rPr lang="en-US" sz="1200" kern="1200" dirty="0" smtClean="0">
-                <a:solidFill>
-                  <a:schemeClr val="tx1"/>
-                </a:solidFill>
-                <a:latin typeface="+mn-lt"/>
-                <a:ea typeface="+mn-ea"/>
-                <a:cs typeface="+mn-cs"/>
-              </a:rPr>
-              <a:t>once</a:t>
-            </a:r>
-            <a:endParaRPr lang="en-US" sz="1200" kern="1200" dirty="0" smtClean="0">
-              <a:solidFill>
-                <a:schemeClr val="tx1"/>
-              </a:solidFill>
-              <a:latin typeface="+mn-lt"/>
-              <a:ea typeface="+mn-ea"/>
-              <a:cs typeface="+mn-cs"/>
-            </a:endParaRPr>
+              <a:t>List-based batch submission allows the workflow to run on multiple samples at once</a:t>
+            </a:r>
           </a:p>
         </p:txBody>
       </p:sp>
@@ -1385,27 +1366,8 @@
                 <a:ea typeface="+mn-ea"/>
                 <a:cs typeface="+mn-cs"/>
               </a:rPr>
-              <a:t>List-based batch submission allows the workflow to run on multiple samples at </a:t>
-            </a:r>
-            <a:r>
-              <a:rPr lang="en-US" sz="1200" kern="1200" dirty="0" smtClean="0">
-                <a:solidFill>
-                  <a:schemeClr val="tx1"/>
-                </a:solidFill>
-                <a:latin typeface="+mn-lt"/>
-                <a:ea typeface="+mn-ea"/>
-                <a:cs typeface="+mn-cs"/>
-              </a:rPr>
-              <a:t>once</a:t>
-            </a:r>
-            <a:endParaRPr lang="en-US" sz="1200" kern="1200" dirty="0" smtClean="0">
-              <a:solidFill>
-                <a:schemeClr val="tx1"/>
-              </a:solidFill>
-              <a:latin typeface="+mn-lt"/>
-              <a:ea typeface="+mn-ea"/>
-              <a:cs typeface="+mn-cs"/>
-            </a:endParaRPr>
+              <a:t>List-based batch submission allows the workflow to run on multiple samples at once</a:t>
+            </a:r>
           </a:p>
         </p:txBody>
       </p:sp>
@@ -1508,11 +1470,7 @@
             </a:pPr>
             <a:r>
               <a:rPr lang="en-US" dirty="0" smtClean="0"/>
-              <a:t>All </a:t>
-            </a:r>
-            <a:r>
-              <a:rPr lang="en-US" dirty="0" smtClean="0"/>
-              <a:t>of the handlers in sequence handling rely on the information stored in the </a:t>
+              <a:t>All of the handlers in sequence handling rely on the information stored in the </a:t>
             </a:r>
             <a:r>
               <a:rPr lang="en-US" dirty="0" err="1" smtClean="0"/>
@@ -1970,7 +1928,7 @@
             <a:fld id="{2FE7D661-1836-44F7-8FAF-35E8F866ECD3}" type="datetime1">
               <a:rPr lang="en-US" smtClean="0"/>
               <a:pPr/>
-              <a:t>1/24/17</a:t>
+              <a:t>1/26/17</a:t>
             </a:fld>
             <a:endParaRPr lang="en-US"/>
           </a:p>
@@ -2136,7 +2094,7 @@
           <a:p>
             <a:fld id="{B1FF71CE-B899-4B2B-848D-9F12F0C901B6}" type="datetimeFigureOut">
               <a:rPr lang="en-US" smtClean="0"/>
-              <a:t>1/24/17</a:t>
+              <a:t>1/26/17</a:t>
             </a:fld>
             <a:endParaRPr lang="en-US"/>
           </a:p>
@@ -2312,7 +2270,7 @@
             <a:fld id="{102CF1CA-F464-4B29-B867-EAF8A9B936E3}" type="datetime1">
               <a:rPr lang="en-US" smtClean="0"/>
               <a:pPr/>
-              <a:t>1/24/17</a:t>
+              <a:t>1/26/17</a:t>
             </a:fld>
             <a:endParaRPr lang="en-US" dirty="0"/>
           </a:p>
@@ -2479,7 +2437,7 @@
             <a:fld id="{CAE6B357-51B9-47D2-A71D-0D06CB03185D}" type="datetime1">
               <a:rPr lang="en-US" smtClean="0"/>
               <a:pPr/>
-              <a:t>1/24/17</a:t>
+              <a:t>1/26/17</a:t>
             </a:fld>
             <a:endParaRPr lang="en-US"/>
           </a:p>
@@ -2720,7 +2678,7 @@
             <a:fld id="{058CB827-F132-4DF6-9FB9-4035A4C798EF}" type="datetime1">
               <a:rPr lang="en-US" smtClean="0"/>
               <a:pPr/>
-              <a:t>1/24/17</a:t>
+              <a:t>1/26/17</a:t>
             </a:fld>
             <a:endParaRPr lang="en-US"/>
           </a:p>
@@ -2812,7 +2770,7 @@
             <a:fld id="{1A92A601-7D32-4ED7-AD1A-974B6DDBDCDC}" type="datetime1">
               <a:rPr lang="en-US" smtClean="0"/>
               <a:pPr/>
-              <a:t>1/24/17</a:t>
+              <a:t>1/26/17</a:t>
             </a:fld>
             <a:endParaRPr lang="en-US"/>
           </a:p>
@@ -3188,7 +3146,7 @@
             <a:fld id="{63A17B41-4A0C-4639-A132-E5C8F99A4BE8}" type="datetime1">
               <a:rPr lang="en-US" smtClean="0"/>
               <a:pPr/>
-              <a:t>1/24/17</a:t>
+              <a:t>1/26/17</a:t>
             </a:fld>
             <a:endParaRPr lang="en-US"/>
           </a:p>
@@ -3445,7 +3403,7 @@
             <a:fld id="{BE9967FD-6084-4075-993E-77EC8038773F}" type="datetime1">
               <a:rPr lang="en-US" smtClean="0"/>
               <a:pPr/>
-              <a:t>1/24/17</a:t>
+              <a:t>1/26/17</a:t>
             </a:fld>
             <a:endParaRPr lang="en-US"/>
           </a:p>
@@ -3537,7 +3495,7 @@
             <a:fld id="{3B988B47-74BA-4873-ADAE-EB0120124E83}" type="datetime1">
               <a:rPr lang="en-US" smtClean="0"/>
               <a:pPr/>
-              <a:t>1/24/17</a:t>
+              <a:t>1/26/17</a:t>
             </a:fld>
             <a:endParaRPr lang="en-US"/>
           </a:p>
@@ -3813,7 +3771,7 @@
             <a:fld id="{93CF52C1-9A39-494C-9977-BBEFAB872C1F}" type="datetime1">
               <a:rPr lang="en-US" smtClean="0"/>
               <a:pPr/>
-              <a:t>1/24/17</a:t>
+              <a:t>1/26/17</a:t>
             </a:fld>
             <a:endParaRPr lang="en-US"/>
           </a:p>
@@ -4087,7 +4045,7 @@
             <a:fld id="{CD1EACE2-EA00-4376-9A66-47ABB8B02CF5}" type="datetime1">
               <a:rPr lang="en-US" smtClean="0"/>
               <a:pPr/>
-              <a:t>1/24/17</a:t>
+              <a:t>1/26/17</a:t>
             </a:fld>
             <a:endParaRPr lang="en-US"/>
           </a:p>
@@ -4389,7 +4347,7 @@
             <a:fld id="{DA47DADC-55EA-4839-91C8-5BCC0EC06F5C}" type="datetime1">
               <a:rPr lang="en-US" smtClean="0"/>
               <a:pPr/>
-              <a:t>1/24/17</a:t>
+              <a:t>1/26/17</a:t>
             </a:fld>
             <a:endParaRPr lang="en-US" dirty="0"/>
           </a:p>
@@ -5660,18 +5618,7 @@
                   </a:schemeClr>
                 </a:solidFill>
               </a:rPr>
-              <a:t>- </a:t>
-            </a:r>
-            <a:r>
-              <a:rPr lang="en-US" sz="2000" dirty="0">
-                <a:solidFill>
-                  <a:schemeClr val="bg2">
-                    <a:lumMod val="75000"/>
-                    <a:lumOff val="25000"/>
-                  </a:schemeClr>
-                </a:solidFill>
-              </a:rPr>
-              <a:t>Zip/Unzip/</a:t>
+              <a:t>- Zip/Unzip/</a:t>
             </a:r>
             <a:r>
               <a:rPr lang="en-US" sz="2000" dirty="0" err="1">
@@ -5930,18 +5877,7 @@
                   </a:schemeClr>
                 </a:solidFill>
               </a:rPr>
-              <a:t>- </a:t>
-            </a:r>
-            <a:r>
-              <a:rPr lang="en-US" sz="2000" dirty="0">
-                <a:solidFill>
-                  <a:schemeClr val="bg2">
-                    <a:lumMod val="75000"/>
-                    <a:lumOff val="25000"/>
-                  </a:schemeClr>
-                </a:solidFill>
-              </a:rPr>
-              <a:t>Zip/Unzip/</a:t>
+              <a:t>- Zip/Unzip/</a:t>
             </a:r>
             <a:r>
               <a:rPr lang="en-US" sz="2000" dirty="0" err="1" smtClean="0">
@@ -6214,18 +6150,7 @@
                   </a:schemeClr>
                 </a:solidFill>
               </a:rPr>
-              <a:t>- </a:t>
-            </a:r>
-            <a:r>
-              <a:rPr lang="en-US" sz="2000" dirty="0">
-                <a:solidFill>
-                  <a:schemeClr val="bg2">
-                    <a:lumMod val="75000"/>
-                    <a:lumOff val="25000"/>
-                  </a:schemeClr>
-                </a:solidFill>
-              </a:rPr>
-              <a:t>Zip/Unzip/</a:t>
+              <a:t>- Zip/Unzip/</a:t>
             </a:r>
             <a:r>
               <a:rPr lang="en-US" sz="2000" dirty="0" err="1">
@@ -6525,18 +6450,7 @@
                   </a:schemeClr>
                 </a:solidFill>
               </a:rPr>
-              <a:t>- </a:t>
-            </a:r>
-            <a:r>
-              <a:rPr lang="en-US" sz="2000" dirty="0">
-                <a:solidFill>
-                  <a:schemeClr val="bg2">
-                    <a:lumMod val="75000"/>
-                    <a:lumOff val="25000"/>
-                  </a:schemeClr>
-                </a:solidFill>
-              </a:rPr>
-              <a:t>Zip/Unzip/</a:t>
+              <a:t>- Zip/Unzip/</a:t>
             </a:r>
             <a:r>
               <a:rPr lang="en-US" sz="2000" dirty="0" err="1">
@@ -6918,18 +6832,7 @@
                   </a:schemeClr>
                 </a:solidFill>
               </a:rPr>
-              <a:t>- </a:t>
-            </a:r>
-            <a:r>
-              <a:rPr lang="en-US" sz="2000" dirty="0">
-                <a:solidFill>
-                  <a:schemeClr val="bg2">
-                    <a:lumMod val="75000"/>
-                    <a:lumOff val="25000"/>
-                  </a:schemeClr>
-                </a:solidFill>
-              </a:rPr>
-              <a:t>Zip/Unzip/</a:t>
+              <a:t>- Zip/Unzip/</a:t>
             </a:r>
             <a:r>
               <a:rPr lang="en-US" sz="2000" dirty="0" err="1">
@@ -7309,18 +7212,7 @@
                   </a:schemeClr>
                 </a:solidFill>
               </a:rPr>
-              <a:t>- </a:t>
-            </a:r>
-            <a:r>
-              <a:rPr lang="en-US" sz="2000" dirty="0">
-                <a:solidFill>
-                  <a:schemeClr val="bg2">
-                    <a:lumMod val="75000"/>
-                    <a:lumOff val="25000"/>
-                  </a:schemeClr>
-                </a:solidFill>
-              </a:rPr>
-              <a:t>Zip/Unzip/</a:t>
+              <a:t>- Zip/Unzip/</a:t>
             </a:r>
             <a:r>
               <a:rPr lang="en-US" sz="2000" dirty="0" err="1">
@@ -7492,11 +7384,6 @@
               </a:rPr>
               <a:t> </a:t>
             </a:r>
-            <a:endParaRPr lang="en-US" sz="2000" dirty="0" smtClean="0">
-              <a:solidFill>
-                <a:srgbClr val="F9BE92"/>
-              </a:solidFill>
-            </a:endParaRPr>
           </a:p>
           <a:p>
             <a:pPr lvl="2">
@@ -7512,11 +7399,6 @@
               </a:rPr>
               <a:t>Maps to reference genome</a:t>
             </a:r>
-            <a:endParaRPr lang="en-US" sz="2000" dirty="0" smtClean="0">
-              <a:solidFill>
-                <a:srgbClr val="FFFFFF"/>
-              </a:solidFill>
-            </a:endParaRPr>
           </a:p>
         </p:txBody>
       </p:sp>
@@ -7701,18 +7583,7 @@
                   </a:schemeClr>
                 </a:solidFill>
               </a:rPr>
-              <a:t>- </a:t>
-            </a:r>
-            <a:r>
-              <a:rPr lang="en-US" sz="2000" dirty="0">
-                <a:solidFill>
-                  <a:schemeClr val="bg2">
-                    <a:lumMod val="75000"/>
-                    <a:lumOff val="25000"/>
-                  </a:schemeClr>
-                </a:solidFill>
-              </a:rPr>
-              <a:t>Zip/Unzip/</a:t>
+              <a:t>- Zip/Unzip/</a:t>
             </a:r>
             <a:r>
               <a:rPr lang="en-US" sz="2000" dirty="0" err="1">
@@ -8045,18 +7916,7 @@
                   </a:schemeClr>
                 </a:solidFill>
               </a:rPr>
-              <a:t>- </a:t>
-            </a:r>
-            <a:r>
-              <a:rPr lang="en-US" sz="2000" dirty="0">
-                <a:solidFill>
-                  <a:schemeClr val="bg2">
-                    <a:lumMod val="75000"/>
-                    <a:lumOff val="25000"/>
-                  </a:schemeClr>
-                </a:solidFill>
-              </a:rPr>
-              <a:t>Zip/Unzip/</a:t>
+              <a:t>- Zip/Unzip/</a:t>
             </a:r>
             <a:r>
               <a:rPr lang="en-US" sz="2000" dirty="0" err="1">
@@ -8599,18 +8459,7 @@
                   </a:schemeClr>
                 </a:solidFill>
               </a:rPr>
-              <a:t>- </a:t>
-            </a:r>
-            <a:r>
-              <a:rPr lang="en-US" sz="2000" dirty="0">
-                <a:solidFill>
-                  <a:schemeClr val="bg2">
-                    <a:lumMod val="75000"/>
-                    <a:lumOff val="25000"/>
-                  </a:schemeClr>
-                </a:solidFill>
-              </a:rPr>
-              <a:t>Zip/Unzip/</a:t>
+              <a:t>- Zip/Unzip/</a:t>
             </a:r>
             <a:r>
               <a:rPr lang="en-US" sz="2000" dirty="0" err="1">
@@ -9137,18 +8986,7 @@
                   </a:schemeClr>
                 </a:solidFill>
               </a:rPr>
-              <a:t>- </a:t>
-            </a:r>
-            <a:r>
-              <a:rPr lang="en-US" sz="2000" dirty="0">
-                <a:solidFill>
-                  <a:schemeClr val="bg2">
-                    <a:lumMod val="75000"/>
-                    <a:lumOff val="25000"/>
-                  </a:schemeClr>
-                </a:solidFill>
-              </a:rPr>
-              <a:t>Zip/Unzip/</a:t>
+              <a:t>- Zip/Unzip/</a:t>
             </a:r>
             <a:r>
               <a:rPr lang="en-US" sz="2000" dirty="0" err="1" smtClean="0">
@@ -9697,18 +9535,7 @@
                   </a:schemeClr>
                 </a:solidFill>
               </a:rPr>
-              <a:t>- </a:t>
-            </a:r>
-            <a:r>
-              <a:rPr lang="en-US" sz="2000" dirty="0">
-                <a:solidFill>
-                  <a:schemeClr val="bg2">
-                    <a:lumMod val="75000"/>
-                    <a:lumOff val="25000"/>
-                  </a:schemeClr>
-                </a:solidFill>
-              </a:rPr>
-              <a:t>Zip/Unzip/</a:t>
+              <a:t>- Zip/Unzip/</a:t>
             </a:r>
             <a:r>
               <a:rPr lang="en-US" sz="2000" dirty="0" err="1">
@@ -10300,18 +10127,7 @@
                   </a:schemeClr>
                 </a:solidFill>
               </a:rPr>
-              <a:t>- </a:t>
-            </a:r>
-            <a:r>
-              <a:rPr lang="en-US" sz="2000" dirty="0">
-                <a:solidFill>
-                  <a:schemeClr val="bg2">
-                    <a:lumMod val="75000"/>
-                    <a:lumOff val="25000"/>
-                  </a:schemeClr>
-                </a:solidFill>
-              </a:rPr>
-              <a:t>Zip/Unzip/</a:t>
+              <a:t>- Zip/Unzip/</a:t>
             </a:r>
             <a:r>
               <a:rPr lang="en-US" sz="2000" dirty="0" err="1">
@@ -10702,7 +10518,6 @@
               <a:rPr lang="en-US" sz="2000" dirty="0" smtClean="0"/>
               <a:t>SNP calling</a:t>
             </a:r>
-            <a:endParaRPr lang="en-US" sz="2000" dirty="0" smtClean="0"/>
           </a:p>
           <a:p>
             <a:pPr marL="45720" indent="0" algn="ctr">
@@ -10812,7 +10627,6 @@
               <a:rPr lang="en-US" sz="2000" dirty="0" smtClean="0"/>
               <a:t>What does it do?</a:t>
             </a:r>
-            <a:endParaRPr lang="en-US" sz="2000" dirty="0" smtClean="0"/>
           </a:p>
           <a:p>
             <a:pPr lvl="1">
@@ -10962,7 +10776,6 @@
               <a:rPr lang="en-US" sz="2000" dirty="0" smtClean="0"/>
               <a:t>What does it do?</a:t>
             </a:r>
-            <a:endParaRPr lang="en-US" sz="2000" dirty="0" smtClean="0"/>
           </a:p>
           <a:p>
             <a:pPr lvl="1">
@@ -11136,7 +10949,6 @@
               <a:rPr lang="en-US" sz="2000" dirty="0" smtClean="0"/>
               <a:t>What does it do?</a:t>
             </a:r>
-            <a:endParaRPr lang="en-US" sz="2000" dirty="0" smtClean="0"/>
           </a:p>
           <a:p>
             <a:pPr lvl="1">
@@ -11231,11 +11043,6 @@
               </a:rPr>
               <a:t>file </a:t>
             </a:r>
-            <a:endParaRPr lang="en-US" sz="2000" dirty="0" smtClean="0">
-              <a:solidFill>
-                <a:srgbClr val="F9BE92"/>
-              </a:solidFill>
-            </a:endParaRPr>
           </a:p>
           <a:p>
             <a:pPr marL="45720" indent="0">
@@ -11350,7 +11157,6 @@
               <a:rPr lang="en-US" sz="2000" dirty="0" smtClean="0"/>
               <a:t>What does it do?</a:t>
             </a:r>
-            <a:endParaRPr lang="en-US" sz="2000" dirty="0" smtClean="0"/>
           </a:p>
           <a:p>
             <a:pPr lvl="1">
@@ -11445,11 +11251,6 @@
               </a:rPr>
               <a:t>file </a:t>
             </a:r>
-            <a:endParaRPr lang="en-US" sz="2000" dirty="0" smtClean="0">
-              <a:solidFill>
-                <a:srgbClr val="F9BE92"/>
-              </a:solidFill>
-            </a:endParaRPr>
           </a:p>
           <a:p>
             <a:pPr marL="45720" indent="0">
@@ -11481,7 +11282,6 @@
               <a:rPr lang="en-US" dirty="0" smtClean="0"/>
               <a:t>t the time)</a:t>
             </a:r>
-            <a:endParaRPr lang="en-US" dirty="0" smtClean="0"/>
           </a:p>
           <a:p>
             <a:pPr marL="45720" indent="0">
@@ -11983,15 +11783,7 @@
             </a:pPr>
             <a:r>
               <a:rPr lang="en-US" sz="2400" dirty="0" smtClean="0"/>
-              <a:t>3. Run </a:t>
-            </a:r>
-            <a:r>
-              <a:rPr lang="en-US" sz="2400" dirty="0" smtClean="0"/>
-              <a:t>analysis </a:t>
-            </a:r>
-            <a:r>
-              <a:rPr lang="en-US" sz="2400" dirty="0" smtClean="0"/>
-              <a:t>interactively</a:t>
+              <a:t>3. Run analysis interactively</a:t>
             </a:r>
             <a:endParaRPr lang="en-US" sz="2400" dirty="0"/>
           </a:p>
@@ -12103,7 +11895,7 @@
         <p:spPr>
           <a:xfrm>
             <a:off x="208203" y="2615792"/>
-            <a:ext cx="8823584" cy="3647153"/>
+            <a:ext cx="8823584" cy="4362734"/>
           </a:xfrm>
           <a:prstGeom prst="rect">
             <a:avLst/>
@@ -12117,8 +11909,20 @@
           <a:lstStyle/>
           <a:p>
             <a:r>
-              <a:rPr lang="en-US" dirty="0" smtClean="0"/>
-              <a:t>For today’s exercise:</a:t>
+              <a:rPr lang="en-US" dirty="0"/>
+              <a:t>For today’s exercise:  (commands in </a:t>
+            </a:r>
+            <a:r>
+              <a:rPr lang="en-US" dirty="0">
+                <a:solidFill>
+                  <a:srgbClr val="CCFFCC"/>
+                </a:solidFill>
+              </a:rPr>
+              <a:t>green</a:t>
+            </a:r>
+            <a:r>
+              <a:rPr lang="en-US" dirty="0"/>
+              <a:t>)</a:t>
             </a:r>
           </a:p>
           <a:p>
@@ -12129,105 +11933,75 @@
               <a:buAutoNum type="arabicPeriod"/>
             </a:pPr>
             <a:r>
-              <a:rPr lang="en-US" dirty="0" smtClean="0"/>
+              <a:rPr lang="en-US" dirty="0"/>
               <a:t>Log in MSI</a:t>
             </a:r>
           </a:p>
           <a:p>
-            <a:endParaRPr lang="en-US" sz="1050" dirty="0" smtClean="0"/>
-          </a:p>
-          <a:p>
-            <a:r>
-              <a:rPr lang="en-US" sz="1400" dirty="0" smtClean="0">
+            <a:endParaRPr lang="en-US" sz="1050" dirty="0"/>
+          </a:p>
+          <a:p>
+            <a:r>
+              <a:rPr lang="en-US" sz="1400" dirty="0">
                 <a:solidFill>
                   <a:srgbClr val="CCFFCC"/>
                 </a:solidFill>
                 <a:latin typeface="Lucida Console"/>
                 <a:cs typeface="Lucida Console"/>
               </a:rPr>
-              <a:t>echo </a:t>
-            </a:r>
-            <a:r>
-              <a:rPr lang="en-US" sz="1400" dirty="0">
+              <a:t>echo export MODULEPATH=/</a:t>
+            </a:r>
+            <a:r>
+              <a:rPr lang="en-US" sz="1400" dirty="0" err="1">
                 <a:solidFill>
                   <a:srgbClr val="CCFFCC"/>
                 </a:solidFill>
                 <a:latin typeface="Lucida Console"/>
                 <a:cs typeface="Lucida Console"/>
               </a:rPr>
-              <a:t>export MODULEPATH=/</a:t>
-            </a:r>
-            <a:r>
-              <a:rPr lang="en-US" sz="1400" dirty="0" err="1">
+              <a:t>panfs</a:t>
+            </a:r>
+            <a:r>
+              <a:rPr lang="en-US" sz="1400" dirty="0">
                 <a:solidFill>
                   <a:srgbClr val="CCFFCC"/>
                 </a:solidFill>
                 <a:latin typeface="Lucida Console"/>
                 <a:cs typeface="Lucida Console"/>
               </a:rPr>
-              <a:t>panfs</a:t>
-            </a:r>
-            <a:r>
-              <a:rPr lang="en-US" sz="1400" dirty="0">
+              <a:t>/roc/groups/9/</a:t>
+            </a:r>
+            <a:r>
+              <a:rPr lang="en-US" sz="1400" dirty="0" err="1">
                 <a:solidFill>
                   <a:srgbClr val="CCFFCC"/>
                 </a:solidFill>
                 <a:latin typeface="Lucida Console"/>
                 <a:cs typeface="Lucida Console"/>
               </a:rPr>
-              <a:t>/roc/groups/9/</a:t>
-            </a:r>
-            <a:r>
-              <a:rPr lang="en-US" sz="1400" dirty="0" err="1">
+              <a:t>morrellp</a:t>
+            </a:r>
+            <a:r>
+              <a:rPr lang="en-US" sz="1400" dirty="0">
                 <a:solidFill>
                   <a:srgbClr val="CCFFCC"/>
                 </a:solidFill>
                 <a:latin typeface="Lucida Console"/>
                 <a:cs typeface="Lucida Console"/>
               </a:rPr>
-              <a:t>morrellp</a:t>
-            </a:r>
-            <a:r>
-              <a:rPr lang="en-US" sz="1400" dirty="0">
+              <a:t>/public/Modules:'$MODULEPATH' &gt;&gt; ~/.</a:t>
+            </a:r>
+            <a:r>
+              <a:rPr lang="en-US" sz="1400" dirty="0" err="1">
                 <a:solidFill>
                   <a:srgbClr val="CCFFCC"/>
                 </a:solidFill>
                 <a:latin typeface="Lucida Console"/>
                 <a:cs typeface="Lucida Console"/>
               </a:rPr>
-              <a:t>/</a:t>
-            </a:r>
-            <a:r>
-              <a:rPr lang="en-US" sz="1400" dirty="0" smtClean="0">
-                <a:solidFill>
-                  <a:srgbClr val="CCFFCC"/>
-                </a:solidFill>
-                <a:latin typeface="Lucida Console"/>
-                <a:cs typeface="Lucida Console"/>
-              </a:rPr>
-              <a:t>public/Modules</a:t>
-            </a:r>
-            <a:r>
-              <a:rPr lang="en-US" sz="1400" dirty="0">
-                <a:solidFill>
-                  <a:srgbClr val="CCFFCC"/>
-                </a:solidFill>
-                <a:latin typeface="Lucida Console"/>
-                <a:cs typeface="Lucida Console"/>
-              </a:rPr>
-              <a:t>:'$MODULEPATH' &gt;&gt; ~/.</a:t>
-            </a:r>
-            <a:r>
-              <a:rPr lang="en-US" sz="1400" dirty="0" err="1" smtClean="0">
-                <a:solidFill>
-                  <a:srgbClr val="CCFFCC"/>
-                </a:solidFill>
-                <a:latin typeface="Lucida Console"/>
-                <a:cs typeface="Lucida Console"/>
-              </a:rPr>
               <a:t>bash_profile</a:t>
             </a:r>
-            <a:endParaRPr lang="en-US" sz="1400" dirty="0" smtClean="0">
+            <a:endParaRPr lang="en-US" sz="1400" dirty="0">
               <a:solidFill>
                 <a:srgbClr val="CCFFCC"/>
               </a:solidFill>
@@ -12236,7 +12010,7 @@
             </a:endParaRPr>
           </a:p>
           <a:p>
-            <a:endParaRPr lang="en-US" sz="1100" dirty="0" smtClean="0">
+            <a:endParaRPr lang="en-US" sz="1100" dirty="0">
               <a:solidFill>
                 <a:srgbClr val="CCFFCC"/>
               </a:solidFill>
@@ -12246,14 +12020,16 @@
           </a:p>
           <a:p>
             <a:r>
-              <a:rPr lang="en-US" dirty="0" smtClean="0"/>
+              <a:rPr lang="en-US" dirty="0"/>
               <a:t>2. Log out MSI</a:t>
             </a:r>
+          </a:p>
+          <a:p>
             <a:endParaRPr lang="en-US" dirty="0"/>
           </a:p>
           <a:p>
             <a:r>
-              <a:rPr lang="en-US" dirty="0" smtClean="0"/>
+              <a:rPr lang="en-US" dirty="0"/>
               <a:t>3. Log in MSI using </a:t>
             </a:r>
             <a:r>
@@ -12270,37 +12046,58 @@
                   <a:srgbClr val="CCFFCC"/>
                 </a:solidFill>
               </a:rPr>
+              <a:t> –Y </a:t>
+            </a:r>
+            <a:r>
+              <a:rPr lang="en-US" dirty="0">
+                <a:solidFill>
+                  <a:srgbClr val="CCFFCC"/>
+                </a:solidFill>
+                <a:hlinkClick r:id="rId3"/>
+              </a:rPr>
+              <a:t>user@login.msi.umn.edu</a:t>
+            </a:r>
+            <a:r>
+              <a:rPr lang="en-US" dirty="0">
+                <a:solidFill>
+                  <a:srgbClr val="CCFFCC"/>
+                </a:solidFill>
+              </a:rPr>
               <a:t> </a:t>
             </a:r>
             <a:r>
-              <a:rPr lang="en-US" dirty="0" smtClean="0">
-                <a:solidFill>
-                  <a:srgbClr val="CCFFCC"/>
-                </a:solidFill>
-              </a:rPr>
-              <a:t>–Y </a:t>
-            </a:r>
-            <a:r>
-              <a:rPr lang="en-US" dirty="0" smtClean="0">
-                <a:solidFill>
-                  <a:srgbClr val="CCFFCC"/>
-                </a:solidFill>
-                <a:hlinkClick r:id="rId3"/>
-              </a:rPr>
-              <a:t>user@login.msi.umn.edu</a:t>
-            </a:r>
-            <a:endParaRPr lang="en-US" dirty="0" smtClean="0">
-              <a:solidFill>
-                <a:srgbClr val="CCFFCC"/>
-              </a:solidFill>
-            </a:endParaRPr>
-          </a:p>
-          <a:p>
-            <a:endParaRPr lang="en-US" dirty="0" smtClean="0">
-              <a:solidFill>
-                <a:srgbClr val="CCFFCC"/>
-              </a:solidFill>
-            </a:endParaRPr>
+              <a:rPr lang="en-US" dirty="0"/>
+              <a:t>(for MAC users only, otherwise log in regular way)</a:t>
+            </a:r>
+          </a:p>
+          <a:p>
+            <a:endParaRPr lang="en-US" dirty="0"/>
+          </a:p>
+          <a:p>
+            <a:r>
+              <a:rPr lang="en-US" dirty="0">
+                <a:solidFill>
+                  <a:srgbClr val="FFFFFF"/>
+                </a:solidFill>
+              </a:rPr>
+              <a:t>4. Clone “sequence_handling” and </a:t>
+            </a:r>
+            <a:r>
+              <a:rPr lang="en-US" dirty="0" err="1">
+                <a:solidFill>
+                  <a:srgbClr val="FFFFFF"/>
+                </a:solidFill>
+              </a:rPr>
+              <a:t>SH_Exampe_Data</a:t>
+            </a:r>
+            <a:r>
+              <a:rPr lang="en-US" dirty="0">
+                <a:solidFill>
+                  <a:srgbClr val="FFFFFF"/>
+                </a:solidFill>
+              </a:rPr>
+              <a:t>” directories:</a:t>
+            </a:r>
           </a:p>
           <a:p>
             <a:r>
@@ -12433,7 +12230,7 @@
               <a:t>/public/</a:t>
             </a:r>
             <a:r>
-              <a:rPr lang="en-US" sz="1600" dirty="0" err="1" smtClean="0">
+              <a:rPr lang="en-US" sz="1600" dirty="0" err="1">
                 <a:solidFill>
                   <a:srgbClr val="CCFFCC"/>
                 </a:solidFill>
@@ -12559,15 +12356,7 @@
             </a:pPr>
             <a:r>
               <a:rPr lang="en-US" sz="2400" dirty="0" smtClean="0"/>
-              <a:t>3. Run </a:t>
-            </a:r>
-            <a:r>
-              <a:rPr lang="en-US" sz="2400" dirty="0" smtClean="0"/>
-              <a:t>analysis </a:t>
-            </a:r>
-            <a:r>
-              <a:rPr lang="en-US" sz="2400" dirty="0" smtClean="0"/>
-              <a:t>interactively</a:t>
+              <a:t>3. Run analysis interactively</a:t>
             </a:r>
             <a:endParaRPr lang="en-US" sz="2400" dirty="0"/>
           </a:p>
@@ -13197,20 +12986,12 @@
               <a:rPr lang="en-US" dirty="0" smtClean="0"/>
               <a:t>Exercise – </a:t>
             </a:r>
-            <a:r>
-              <a:rPr lang="en-US" dirty="0" smtClean="0"/>
-              <a:t/>
-            </a:r>
             <a:br>
               <a:rPr lang="en-US" dirty="0" smtClean="0"/>
             </a:br>
             <a:r>
               <a:rPr lang="en-US" dirty="0" smtClean="0"/>
-              <a:t>Sample </a:t>
-            </a:r>
-            <a:r>
-              <a:rPr lang="en-US" dirty="0" smtClean="0"/>
-              <a:t>list</a:t>
+              <a:t>Sample list</a:t>
             </a:r>
             <a:endParaRPr lang="en-US" dirty="0"/>
           </a:p>
@@ -13304,11 +13085,7 @@
             </a:pPr>
             <a:r>
               <a:rPr lang="en-US" dirty="0" smtClean="0"/>
-              <a:t>2. Edit Config </a:t>
-            </a:r>
-            <a:r>
-              <a:rPr lang="en-US" dirty="0" smtClean="0"/>
-              <a:t>file (located in sequence_handling directory)</a:t>
+              <a:t>2. Edit Config file (located in sequence_handling directory)</a:t>
             </a:r>
           </a:p>
           <a:p>
@@ -13320,11 +13097,7 @@
           <a:p>
             <a:r>
               <a:rPr lang="en-US" sz="1800" dirty="0" smtClean="0"/>
-              <a:t>RAW_SAMPLES</a:t>
-            </a:r>
-            <a:r>
-              <a:rPr lang="en-US" sz="1800" dirty="0" smtClean="0"/>
-              <a:t>=</a:t>
+              <a:t>RAW_SAMPLES=</a:t>
             </a:r>
             <a:r>
               <a:rPr lang="en-US" sz="1800" dirty="0" err="1" smtClean="0"/>
@@ -13490,11 +13263,7 @@
           <a:p>
             <a:r>
               <a:rPr lang="en-US" sz="3600" dirty="0" smtClean="0"/>
-              <a:t>Exercise </a:t>
-            </a:r>
-            <a:r>
-              <a:rPr lang="en-US" sz="3600" dirty="0" smtClean="0"/>
-              <a:t>– </a:t>
+              <a:t>Exercise – </a:t>
             </a:r>
             <a:br>
               <a:rPr lang="en-US" sz="3600" dirty="0" smtClean="0"/>
@@ -13769,13 +13538,8 @@
             </a:pPr>
             <a:r>
               <a:rPr lang="en-US" dirty="0" smtClean="0"/>
-              <a:t>2. Edit Config file cont</a:t>
-            </a:r>
-            <a:r>
-              <a:rPr lang="en-US" dirty="0" smtClean="0"/>
-              <a:t>. – for our exercise nothing needs to be added here</a:t>
-            </a:r>
-            <a:endParaRPr lang="en-US" dirty="0" smtClean="0"/>
+              <a:t>2. Edit Config file cont. – for our exercise nothing needs to be added here</a:t>
+            </a:r>
           </a:p>
         </p:txBody>
       </p:sp>
@@ -13805,20 +13569,12 @@
               <a:rPr lang="en-US" dirty="0" smtClean="0"/>
               <a:t>Exercise – </a:t>
             </a:r>
-            <a:r>
-              <a:rPr lang="en-US" dirty="0" smtClean="0"/>
-              <a:t/>
-            </a:r>
             <a:br>
               <a:rPr lang="en-US" dirty="0" smtClean="0"/>
             </a:br>
             <a:r>
               <a:rPr lang="en-US" dirty="0" smtClean="0"/>
-              <a:t>Config </a:t>
-            </a:r>
-            <a:r>
-              <a:rPr lang="en-US" dirty="0" smtClean="0"/>
-              <a:t>handler-specific variables </a:t>
+              <a:t>Config handler-specific variables </a:t>
             </a:r>
             <a:endParaRPr lang="en-US" dirty="0"/>
           </a:p>
@@ -13912,11 +13668,7 @@
             </a:pPr>
             <a:r>
               <a:rPr lang="en-US" sz="2600" dirty="0" smtClean="0"/>
-              <a:t>2. Edit Config </a:t>
-            </a:r>
-            <a:r>
-              <a:rPr lang="en-US" sz="2600" dirty="0" smtClean="0"/>
-              <a:t>file</a:t>
+              <a:t>2. Edit Config file</a:t>
             </a:r>
           </a:p>
           <a:p>
@@ -14157,11 +13909,7 @@
           <a:p>
             <a:r>
               <a:rPr lang="en-US" dirty="0" smtClean="0"/>
-              <a:t>Exercise </a:t>
-            </a:r>
-            <a:r>
-              <a:rPr lang="en-US" dirty="0" smtClean="0"/>
-              <a:t>– </a:t>
+              <a:t>Exercise – </a:t>
             </a:r>
             <a:br>
               <a:rPr lang="en-US" dirty="0" smtClean="0"/>
@@ -14338,7 +14086,6 @@
               <a:rPr lang="en-US" dirty="0" smtClean="0"/>
               <a:t>. Run analysis interactively </a:t>
             </a:r>
-            <a:endParaRPr lang="en-US" dirty="0" smtClean="0"/>
           </a:p>
           <a:p>
             <a:pPr marL="45720" indent="0">
@@ -14346,15 +14093,7 @@
             </a:pPr>
             <a:r>
               <a:rPr lang="en-US" sz="1600" dirty="0" smtClean="0"/>
-              <a:t>(</a:t>
-            </a:r>
-            <a:r>
-              <a:rPr lang="en-US" sz="1600" dirty="0" smtClean="0"/>
-              <a:t>in sequence_handling </a:t>
-            </a:r>
-            <a:r>
-              <a:rPr lang="en-US" sz="1600" dirty="0" smtClean="0"/>
-              <a:t>directory, </a:t>
+              <a:t>(in sequence_handling directory, </a:t>
             </a:r>
             <a:r>
               <a:rPr lang="en-US" sz="1600" u="sng" dirty="0" smtClean="0"/>
@@ -14364,7 +14103,6 @@
               <a:rPr lang="en-US" sz="1600" dirty="0" smtClean="0"/>
               <a:t>– lab, Itasca, Mesabi)</a:t>
             </a:r>
-            <a:endParaRPr lang="en-US" sz="1600" dirty="0" smtClean="0"/>
           </a:p>
           <a:p>
             <a:pPr marL="45720" indent="0">
@@ -14394,17 +14132,22 @@
                 <a:latin typeface="Lucida Console"/>
                 <a:cs typeface="Lucida Console"/>
               </a:rPr>
-              <a:t>1 </a:t>
-            </a:r>
-            <a:r>
-              <a:rPr lang="en-US" dirty="0" smtClean="0">
+              <a:t>1 ~/sequence_handling/Config</a:t>
+            </a:r>
+          </a:p>
+          <a:p>
+            <a:pPr marL="45720" indent="0">
+              <a:buNone/>
+            </a:pPr>
+            <a:r>
+              <a:rPr lang="en-US" dirty="0">
                 <a:solidFill>
                   <a:srgbClr val="CCFFCC"/>
                 </a:solidFill>
                 <a:latin typeface="Lucida Console"/>
                 <a:cs typeface="Lucida Console"/>
               </a:rPr>
-              <a:t>~/</a:t>
+              <a:t>	</a:t>
             </a:r>
             <a:r>
               <a:rPr lang="en-US" dirty="0" smtClean="0">
@@ -14414,68 +14157,27 @@
                 <a:latin typeface="Lucida Console"/>
                 <a:cs typeface="Lucida Console"/>
               </a:rPr>
-              <a:t>sequence_handling/</a:t>
+              <a:t>			    </a:t>
             </a:r>
             <a:r>
               <a:rPr lang="en-US" dirty="0" smtClean="0">
                 <a:solidFill>
-                  <a:srgbClr val="CCFFCC"/>
+                  <a:srgbClr val="FFFFFF"/>
                 </a:solidFill>
                 <a:latin typeface="Lucida Console"/>
                 <a:cs typeface="Lucida Console"/>
               </a:rPr>
-              <a:t>Config</a:t>
-            </a:r>
-          </a:p>
-          <a:p>
-            <a:pPr marL="45720" indent="0">
-              <a:buNone/>
-            </a:pPr>
-            <a:r>
-              <a:rPr lang="en-US" dirty="0">
-                <a:solidFill>
-                  <a:srgbClr val="CCFFCC"/>
-                </a:solidFill>
-                <a:latin typeface="Lucida Console"/>
+              <a:t> </a:t>
+            </a:r>
+            <a:r>
+              <a:rPr lang="en-US" sz="1800" dirty="0" smtClean="0">
+                <a:solidFill>
+                  <a:srgbClr val="FFFFFF"/>
+                </a:solidFill>
                 <a:cs typeface="Lucida Console"/>
               </a:rPr>
-              <a:t>	</a:t>
-            </a:r>
-            <a:r>
-              <a:rPr lang="en-US" dirty="0" smtClean="0">
-                <a:solidFill>
-                  <a:srgbClr val="CCFFCC"/>
-                </a:solidFill>
-                <a:latin typeface="Lucida Console"/>
-                <a:cs typeface="Lucida Console"/>
-              </a:rPr>
-              <a:t>			    </a:t>
-            </a:r>
-            <a:r>
-              <a:rPr lang="en-US" dirty="0" smtClean="0">
-                <a:solidFill>
-                  <a:srgbClr val="FFFFFF"/>
-                </a:solidFill>
-                <a:latin typeface="Lucida Console"/>
-                <a:cs typeface="Lucida Console"/>
-              </a:rPr>
-              <a:t> </a:t>
-            </a:r>
-            <a:r>
-              <a:rPr lang="en-US" sz="1800" dirty="0" smtClean="0">
-                <a:solidFill>
-                  <a:srgbClr val="FFFFFF"/>
-                </a:solidFill>
-                <a:cs typeface="Lucida Console"/>
-              </a:rPr>
               <a:t>(path to Config file)</a:t>
             </a:r>
-            <a:endParaRPr lang="en-US" sz="1800" dirty="0" smtClean="0">
-              <a:solidFill>
-                <a:srgbClr val="FFFFFF"/>
-              </a:solidFill>
-              <a:cs typeface="Lucida Console"/>
-            </a:endParaRPr>
           </a:p>
         </p:txBody>
       </p:sp>
@@ -14710,11 +14412,7 @@
             </a:br>
             <a:r>
               <a:rPr lang="en-US" dirty="0" smtClean="0"/>
-              <a:t>Quality </a:t>
-            </a:r>
-            <a:r>
-              <a:rPr lang="en-US" dirty="0" smtClean="0"/>
-              <a:t>Assessment results</a:t>
+              <a:t>Quality Assessment results</a:t>
             </a:r>
             <a:endParaRPr lang="en-US" dirty="0"/>
           </a:p>
@@ -14790,13 +14488,8 @@
             </a:pPr>
             <a:r>
               <a:rPr lang="en-US" sz="2400" dirty="0" smtClean="0"/>
-              <a:t>1. Create sample </a:t>
-            </a:r>
-            <a:r>
-              <a:rPr lang="en-US" sz="2400" dirty="0" smtClean="0"/>
-              <a:t>list - DONE</a:t>
-            </a:r>
-            <a:endParaRPr lang="en-US" sz="2400" dirty="0" smtClean="0"/>
+              <a:t>1. Create sample list - DONE</a:t>
+            </a:r>
           </a:p>
           <a:p>
             <a:pPr marL="45720" indent="0">
@@ -14825,11 +14518,7 @@
             </a:pPr>
             <a:r>
               <a:rPr lang="en-US" sz="2400" dirty="0" smtClean="0"/>
-              <a:t>3. Run </a:t>
-            </a:r>
-            <a:r>
-              <a:rPr lang="en-US" sz="2400" dirty="0" smtClean="0"/>
-              <a:t>analysis </a:t>
+              <a:t>3. Run analysis </a:t>
             </a:r>
           </a:p>
           <a:p>
@@ -15155,13 +14844,8 @@
             </a:pPr>
             <a:r>
               <a:rPr lang="en-US" sz="2400" dirty="0" smtClean="0"/>
-              <a:t>1. Create sample </a:t>
-            </a:r>
-            <a:r>
-              <a:rPr lang="en-US" sz="2400" dirty="0" smtClean="0"/>
-              <a:t>list - DONE</a:t>
-            </a:r>
-            <a:endParaRPr lang="en-US" sz="2400" dirty="0" smtClean="0"/>
+              <a:t>1. Create sample list - DONE</a:t>
+            </a:r>
           </a:p>
           <a:p>
             <a:pPr marL="45720" indent="0">
@@ -15190,11 +14874,7 @@
             </a:pPr>
             <a:r>
               <a:rPr lang="en-US" sz="2400" dirty="0" smtClean="0"/>
-              <a:t>3. Run </a:t>
-            </a:r>
-            <a:r>
-              <a:rPr lang="en-US" sz="2400" dirty="0" smtClean="0"/>
-              <a:t>analysis </a:t>
+              <a:t>3. Run analysis </a:t>
             </a:r>
           </a:p>
           <a:p>
@@ -15697,13 +15377,8 @@
             </a:pPr>
             <a:r>
               <a:rPr lang="en-US" sz="2400" dirty="0" smtClean="0"/>
-              <a:t>1. Create sample </a:t>
-            </a:r>
-            <a:r>
-              <a:rPr lang="en-US" sz="2400" dirty="0" smtClean="0"/>
-              <a:t>list - DONE</a:t>
-            </a:r>
-            <a:endParaRPr lang="en-US" sz="2400" dirty="0" smtClean="0"/>
+              <a:t>1. Create sample list - DONE</a:t>
+            </a:r>
           </a:p>
           <a:p>
             <a:pPr marL="45720" indent="0">
@@ -15732,11 +15407,7 @@
             </a:pPr>
             <a:r>
               <a:rPr lang="en-US" sz="2400" dirty="0" smtClean="0"/>
-              <a:t>3. Run </a:t>
-            </a:r>
-            <a:r>
-              <a:rPr lang="en-US" sz="2400" dirty="0" smtClean="0"/>
-              <a:t>analysis </a:t>
+              <a:t>3. Run analysis </a:t>
             </a:r>
           </a:p>
           <a:p>
@@ -16541,11 +16212,7 @@
             </a:r>
             <a:r>
               <a:rPr lang="en-US" sz="2000" dirty="0"/>
-              <a:t>- </a:t>
-            </a:r>
-            <a:r>
-              <a:rPr lang="en-US" sz="2000" dirty="0"/>
-              <a:t>Zip/Unzip/</a:t>
+              <a:t>- Zip/Unzip/</a:t>
             </a:r>
             <a:r>
               <a:rPr lang="en-US" sz="2000" dirty="0" err="1" smtClean="0"/>
